--- a/Presentation.pptx
+++ b/Presentation.pptx
@@ -11,8 +11,8 @@
     <p:sldId id="273" r:id="rId5"/>
     <p:sldId id="272" r:id="rId6"/>
     <p:sldId id="277" r:id="rId7"/>
-    <p:sldId id="260" r:id="rId8"/>
-    <p:sldId id="261" r:id="rId9"/>
+    <p:sldId id="285" r:id="rId8"/>
+    <p:sldId id="286" r:id="rId9"/>
     <p:sldId id="278" r:id="rId10"/>
     <p:sldId id="279" r:id="rId11"/>
     <p:sldId id="270" r:id="rId12"/>
@@ -881,18 +881,18 @@
 </file>
 
 <file path=ppt/diagrams/colors2.xml><?xml version="1.0" encoding="utf-8"?>
-<dgm:colorsDef xmlns:dgm="http://schemas.openxmlformats.org/drawingml/2006/diagram" xmlns:a="http://schemas.openxmlformats.org/drawingml/2006/main" uniqueId="urn:microsoft.com/office/officeart/2005/8/colors/accent0_3">
+<dgm:colorsDef xmlns:dgm="http://schemas.openxmlformats.org/drawingml/2006/diagram" xmlns:a="http://schemas.openxmlformats.org/drawingml/2006/main" uniqueId="urn:microsoft.com/office/officeart/2005/8/colors/accent1_2">
   <dgm:title val=""/>
   <dgm:desc val=""/>
   <dgm:catLst>
-    <dgm:cat type="mainScheme" pri="10300"/>
+    <dgm:cat type="accent1" pri="11200"/>
   </dgm:catLst>
   <dgm:styleLbl name="node0">
     <dgm:fillClrLst meth="repeat">
-      <a:schemeClr val="dk2"/>
+      <a:schemeClr val="accent1"/>
     </dgm:fillClrLst>
     <dgm:linClrLst meth="repeat">
-      <a:schemeClr val="lt2"/>
+      <a:schemeClr val="lt1"/>
     </dgm:linClrLst>
     <dgm:effectClrLst/>
     <dgm:txLinClrLst/>
@@ -901,10 +901,10 @@
   </dgm:styleLbl>
   <dgm:styleLbl name="alignNode1">
     <dgm:fillClrLst meth="repeat">
-      <a:schemeClr val="dk2"/>
+      <a:schemeClr val="accent1"/>
     </dgm:fillClrLst>
     <dgm:linClrLst meth="repeat">
-      <a:schemeClr val="dk2"/>
+      <a:schemeClr val="accent1"/>
     </dgm:linClrLst>
     <dgm:effectClrLst/>
     <dgm:txLinClrLst/>
@@ -913,10 +913,10 @@
   </dgm:styleLbl>
   <dgm:styleLbl name="node1">
     <dgm:fillClrLst meth="repeat">
-      <a:schemeClr val="dk2"/>
+      <a:schemeClr val="accent1"/>
     </dgm:fillClrLst>
     <dgm:linClrLst meth="repeat">
-      <a:schemeClr val="lt2"/>
+      <a:schemeClr val="lt1"/>
     </dgm:linClrLst>
     <dgm:effectClrLst/>
     <dgm:txLinClrLst/>
@@ -925,10 +925,10 @@
   </dgm:styleLbl>
   <dgm:styleLbl name="lnNode1">
     <dgm:fillClrLst meth="repeat">
-      <a:schemeClr val="dk2"/>
+      <a:schemeClr val="accent1"/>
     </dgm:fillClrLst>
     <dgm:linClrLst meth="repeat">
-      <a:schemeClr val="lt2"/>
+      <a:schemeClr val="lt1"/>
     </dgm:linClrLst>
     <dgm:effectClrLst/>
     <dgm:txLinClrLst/>
@@ -937,12 +937,12 @@
   </dgm:styleLbl>
   <dgm:styleLbl name="vennNode1">
     <dgm:fillClrLst meth="repeat">
-      <a:schemeClr val="dk2">
+      <a:schemeClr val="accent1">
         <a:alpha val="50000"/>
       </a:schemeClr>
     </dgm:fillClrLst>
     <dgm:linClrLst meth="repeat">
-      <a:schemeClr val="lt2"/>
+      <a:schemeClr val="lt1"/>
     </dgm:linClrLst>
     <dgm:effectClrLst/>
     <dgm:txLinClrLst/>
@@ -951,10 +951,10 @@
   </dgm:styleLbl>
   <dgm:styleLbl name="node2">
     <dgm:fillClrLst meth="repeat">
-      <a:schemeClr val="dk2"/>
+      <a:schemeClr val="accent1"/>
     </dgm:fillClrLst>
     <dgm:linClrLst meth="repeat">
-      <a:schemeClr val="lt2"/>
+      <a:schemeClr val="lt1"/>
     </dgm:linClrLst>
     <dgm:effectClrLst/>
     <dgm:txLinClrLst/>
@@ -963,10 +963,10 @@
   </dgm:styleLbl>
   <dgm:styleLbl name="node3">
     <dgm:fillClrLst meth="repeat">
-      <a:schemeClr val="dk2"/>
+      <a:schemeClr val="accent1"/>
     </dgm:fillClrLst>
     <dgm:linClrLst meth="repeat">
-      <a:schemeClr val="lt2"/>
+      <a:schemeClr val="lt1"/>
     </dgm:linClrLst>
     <dgm:effectClrLst/>
     <dgm:txLinClrLst/>
@@ -975,10 +975,10 @@
   </dgm:styleLbl>
   <dgm:styleLbl name="node4">
     <dgm:fillClrLst meth="repeat">
-      <a:schemeClr val="dk2"/>
+      <a:schemeClr val="accent1"/>
     </dgm:fillClrLst>
     <dgm:linClrLst meth="repeat">
-      <a:schemeClr val="lt2"/>
+      <a:schemeClr val="lt1"/>
     </dgm:linClrLst>
     <dgm:effectClrLst/>
     <dgm:txLinClrLst/>
@@ -987,64 +987,60 @@
   </dgm:styleLbl>
   <dgm:styleLbl name="fgImgPlace1">
     <dgm:fillClrLst meth="repeat">
-      <a:schemeClr val="dk2">
+      <a:schemeClr val="accent1">
         <a:tint val="50000"/>
       </a:schemeClr>
     </dgm:fillClrLst>
     <dgm:linClrLst meth="repeat">
-      <a:schemeClr val="lt2"/>
+      <a:schemeClr val="lt1"/>
     </dgm:linClrLst>
     <dgm:effectClrLst/>
     <dgm:txLinClrLst/>
     <dgm:txFillClrLst meth="repeat">
-      <a:schemeClr val="lt2"/>
+      <a:schemeClr val="lt1"/>
     </dgm:txFillClrLst>
     <dgm:txEffectClrLst/>
   </dgm:styleLbl>
   <dgm:styleLbl name="alignImgPlace1">
     <dgm:fillClrLst meth="repeat">
-      <a:schemeClr val="dk2">
+      <a:schemeClr val="accent1">
         <a:tint val="50000"/>
       </a:schemeClr>
     </dgm:fillClrLst>
     <dgm:linClrLst meth="repeat">
-      <a:schemeClr val="dk2">
-        <a:shade val="80000"/>
-      </a:schemeClr>
+      <a:schemeClr val="lt1"/>
     </dgm:linClrLst>
     <dgm:effectClrLst/>
     <dgm:txLinClrLst/>
     <dgm:txFillClrLst meth="repeat">
-      <a:schemeClr val="lt2"/>
+      <a:schemeClr val="lt1"/>
     </dgm:txFillClrLst>
     <dgm:txEffectClrLst/>
   </dgm:styleLbl>
   <dgm:styleLbl name="bgImgPlace1">
     <dgm:fillClrLst meth="repeat">
-      <a:schemeClr val="dk2">
+      <a:schemeClr val="accent1">
         <a:tint val="50000"/>
       </a:schemeClr>
     </dgm:fillClrLst>
     <dgm:linClrLst meth="repeat">
-      <a:schemeClr val="dk2">
-        <a:shade val="80000"/>
-      </a:schemeClr>
+      <a:schemeClr val="lt1"/>
     </dgm:linClrLst>
     <dgm:effectClrLst/>
     <dgm:txLinClrLst/>
     <dgm:txFillClrLst meth="repeat">
-      <a:schemeClr val="lt2"/>
+      <a:schemeClr val="lt1"/>
     </dgm:txFillClrLst>
     <dgm:txEffectClrLst/>
   </dgm:styleLbl>
   <dgm:styleLbl name="sibTrans2D1">
     <dgm:fillClrLst meth="repeat">
-      <a:schemeClr val="dk2">
+      <a:schemeClr val="accent1">
         <a:tint val="60000"/>
       </a:schemeClr>
     </dgm:fillClrLst>
     <dgm:linClrLst meth="repeat">
-      <a:schemeClr val="dk2">
+      <a:schemeClr val="accent1">
         <a:tint val="60000"/>
       </a:schemeClr>
     </dgm:linClrLst>
@@ -1055,12 +1051,12 @@
   </dgm:styleLbl>
   <dgm:styleLbl name="fgSibTrans2D1">
     <dgm:fillClrLst meth="repeat">
-      <a:schemeClr val="dk2">
+      <a:schemeClr val="accent1">
         <a:tint val="60000"/>
       </a:schemeClr>
     </dgm:fillClrLst>
     <dgm:linClrLst meth="repeat">
-      <a:schemeClr val="dk2">
+      <a:schemeClr val="accent1">
         <a:tint val="60000"/>
       </a:schemeClr>
     </dgm:linClrLst>
@@ -1071,12 +1067,12 @@
   </dgm:styleLbl>
   <dgm:styleLbl name="bgSibTrans2D1">
     <dgm:fillClrLst meth="repeat">
-      <a:schemeClr val="dk2">
+      <a:schemeClr val="accent1">
         <a:tint val="60000"/>
       </a:schemeClr>
     </dgm:fillClrLst>
     <dgm:linClrLst meth="repeat">
-      <a:schemeClr val="dk2">
+      <a:schemeClr val="accent1">
         <a:tint val="60000"/>
       </a:schemeClr>
     </dgm:linClrLst>
@@ -1087,40 +1083,40 @@
   </dgm:styleLbl>
   <dgm:styleLbl name="sibTrans1D1">
     <dgm:fillClrLst meth="repeat">
-      <a:schemeClr val="dk2"/>
+      <a:schemeClr val="accent1"/>
     </dgm:fillClrLst>
     <dgm:linClrLst meth="repeat">
-      <a:schemeClr val="dk2"/>
+      <a:schemeClr val="accent1"/>
     </dgm:linClrLst>
     <dgm:effectClrLst/>
     <dgm:txLinClrLst/>
     <dgm:txFillClrLst meth="repeat">
-      <a:schemeClr val="lt2"/>
+      <a:schemeClr val="tx1"/>
     </dgm:txFillClrLst>
     <dgm:txEffectClrLst/>
   </dgm:styleLbl>
   <dgm:styleLbl name="callout">
     <dgm:fillClrLst meth="repeat">
-      <a:schemeClr val="dk2"/>
+      <a:schemeClr val="accent1"/>
     </dgm:fillClrLst>
     <dgm:linClrLst meth="repeat">
-      <a:schemeClr val="dk2">
+      <a:schemeClr val="accent1">
         <a:tint val="50000"/>
       </a:schemeClr>
     </dgm:linClrLst>
     <dgm:effectClrLst/>
     <dgm:txLinClrLst/>
     <dgm:txFillClrLst meth="repeat">
-      <a:schemeClr val="lt2"/>
+      <a:schemeClr val="tx1"/>
     </dgm:txFillClrLst>
     <dgm:txEffectClrLst/>
   </dgm:styleLbl>
   <dgm:styleLbl name="asst0">
     <dgm:fillClrLst meth="repeat">
-      <a:schemeClr val="dk2"/>
+      <a:schemeClr val="accent1"/>
     </dgm:fillClrLst>
     <dgm:linClrLst meth="repeat">
-      <a:schemeClr val="lt2"/>
+      <a:schemeClr val="lt1"/>
     </dgm:linClrLst>
     <dgm:effectClrLst/>
     <dgm:txLinClrLst/>
@@ -1129,10 +1125,10 @@
   </dgm:styleLbl>
   <dgm:styleLbl name="asst1">
     <dgm:fillClrLst meth="repeat">
-      <a:schemeClr val="dk2"/>
+      <a:schemeClr val="accent1"/>
     </dgm:fillClrLst>
     <dgm:linClrLst meth="repeat">
-      <a:schemeClr val="lt2"/>
+      <a:schemeClr val="lt1"/>
     </dgm:linClrLst>
     <dgm:effectClrLst/>
     <dgm:txLinClrLst/>
@@ -1141,10 +1137,10 @@
   </dgm:styleLbl>
   <dgm:styleLbl name="asst2">
     <dgm:fillClrLst meth="repeat">
-      <a:schemeClr val="dk2"/>
+      <a:schemeClr val="accent1"/>
     </dgm:fillClrLst>
     <dgm:linClrLst meth="repeat">
-      <a:schemeClr val="lt2"/>
+      <a:schemeClr val="lt1"/>
     </dgm:linClrLst>
     <dgm:effectClrLst/>
     <dgm:txLinClrLst/>
@@ -1153,10 +1149,10 @@
   </dgm:styleLbl>
   <dgm:styleLbl name="asst3">
     <dgm:fillClrLst meth="repeat">
-      <a:schemeClr val="dk2"/>
+      <a:schemeClr val="accent1"/>
     </dgm:fillClrLst>
     <dgm:linClrLst meth="repeat">
-      <a:schemeClr val="lt2"/>
+      <a:schemeClr val="lt1"/>
     </dgm:linClrLst>
     <dgm:effectClrLst/>
     <dgm:txLinClrLst/>
@@ -1165,10 +1161,10 @@
   </dgm:styleLbl>
   <dgm:styleLbl name="asst4">
     <dgm:fillClrLst meth="repeat">
-      <a:schemeClr val="dk2"/>
+      <a:schemeClr val="accent1"/>
     </dgm:fillClrLst>
     <dgm:linClrLst meth="repeat">
-      <a:schemeClr val="lt2"/>
+      <a:schemeClr val="lt1"/>
     </dgm:linClrLst>
     <dgm:effectClrLst/>
     <dgm:txLinClrLst/>
@@ -1177,70 +1173,70 @@
   </dgm:styleLbl>
   <dgm:styleLbl name="parChTrans2D1">
     <dgm:fillClrLst meth="repeat">
-      <a:schemeClr val="dk2">
+      <a:schemeClr val="accent1">
         <a:tint val="60000"/>
       </a:schemeClr>
     </dgm:fillClrLst>
     <dgm:linClrLst meth="repeat">
-      <a:schemeClr val="dk2">
+      <a:schemeClr val="accent1">
         <a:tint val="60000"/>
       </a:schemeClr>
     </dgm:linClrLst>
     <dgm:effectClrLst/>
     <dgm:txLinClrLst/>
     <dgm:txFillClrLst meth="repeat">
-      <a:schemeClr val="lt2"/>
+      <a:schemeClr val="lt1"/>
     </dgm:txFillClrLst>
     <dgm:txEffectClrLst/>
   </dgm:styleLbl>
   <dgm:styleLbl name="parChTrans2D2">
     <dgm:fillClrLst meth="repeat">
-      <a:schemeClr val="dk2"/>
+      <a:schemeClr val="accent1"/>
     </dgm:fillClrLst>
     <dgm:linClrLst meth="repeat">
-      <a:schemeClr val="dk2"/>
+      <a:schemeClr val="accent1"/>
     </dgm:linClrLst>
     <dgm:effectClrLst/>
     <dgm:txLinClrLst/>
     <dgm:txFillClrLst meth="repeat">
-      <a:schemeClr val="lt2"/>
+      <a:schemeClr val="lt1"/>
     </dgm:txFillClrLst>
     <dgm:txEffectClrLst/>
   </dgm:styleLbl>
   <dgm:styleLbl name="parChTrans2D3">
     <dgm:fillClrLst meth="repeat">
-      <a:schemeClr val="dk2"/>
+      <a:schemeClr val="accent1"/>
     </dgm:fillClrLst>
     <dgm:linClrLst meth="repeat">
-      <a:schemeClr val="dk2"/>
+      <a:schemeClr val="accent1"/>
     </dgm:linClrLst>
     <dgm:effectClrLst/>
     <dgm:txLinClrLst/>
     <dgm:txFillClrLst meth="repeat">
-      <a:schemeClr val="lt2"/>
+      <a:schemeClr val="lt1"/>
     </dgm:txFillClrLst>
     <dgm:txEffectClrLst/>
   </dgm:styleLbl>
   <dgm:styleLbl name="parChTrans2D4">
     <dgm:fillClrLst meth="repeat">
-      <a:schemeClr val="dk2"/>
+      <a:schemeClr val="accent1"/>
     </dgm:fillClrLst>
     <dgm:linClrLst meth="repeat">
-      <a:schemeClr val="dk2"/>
+      <a:schemeClr val="accent1"/>
     </dgm:linClrLst>
     <dgm:effectClrLst/>
     <dgm:txLinClrLst/>
     <dgm:txFillClrLst meth="repeat">
-      <a:schemeClr val="lt2"/>
+      <a:schemeClr val="lt1"/>
     </dgm:txFillClrLst>
     <dgm:txEffectClrLst/>
   </dgm:styleLbl>
   <dgm:styleLbl name="parChTrans1D1">
     <dgm:fillClrLst meth="repeat">
-      <a:schemeClr val="dk2"/>
+      <a:schemeClr val="accent1"/>
     </dgm:fillClrLst>
     <dgm:linClrLst meth="repeat">
-      <a:schemeClr val="dk2">
+      <a:schemeClr val="accent1">
         <a:shade val="60000"/>
       </a:schemeClr>
     </dgm:linClrLst>
@@ -1253,10 +1249,10 @@
   </dgm:styleLbl>
   <dgm:styleLbl name="parChTrans1D2">
     <dgm:fillClrLst meth="repeat">
-      <a:schemeClr val="dk2"/>
+      <a:schemeClr val="accent1"/>
     </dgm:fillClrLst>
     <dgm:linClrLst meth="repeat">
-      <a:schemeClr val="dk2">
+      <a:schemeClr val="accent1">
         <a:shade val="60000"/>
       </a:schemeClr>
     </dgm:linClrLst>
@@ -1269,10 +1265,10 @@
   </dgm:styleLbl>
   <dgm:styleLbl name="parChTrans1D3">
     <dgm:fillClrLst meth="repeat">
-      <a:schemeClr val="dk2"/>
+      <a:schemeClr val="accent1"/>
     </dgm:fillClrLst>
     <dgm:linClrLst meth="repeat">
-      <a:schemeClr val="dk2">
+      <a:schemeClr val="accent1">
         <a:shade val="80000"/>
       </a:schemeClr>
     </dgm:linClrLst>
@@ -1285,10 +1281,10 @@
   </dgm:styleLbl>
   <dgm:styleLbl name="parChTrans1D4">
     <dgm:fillClrLst meth="repeat">
-      <a:schemeClr val="dk2"/>
+      <a:schemeClr val="accent1"/>
     </dgm:fillClrLst>
     <dgm:linClrLst meth="repeat">
-      <a:schemeClr val="dk2">
+      <a:schemeClr val="accent1">
         <a:shade val="80000"/>
       </a:schemeClr>
     </dgm:linClrLst>
@@ -1301,12 +1297,12 @@
   </dgm:styleLbl>
   <dgm:styleLbl name="fgAcc1">
     <dgm:fillClrLst meth="repeat">
-      <a:schemeClr val="lt2">
+      <a:schemeClr val="lt1">
         <a:alpha val="90000"/>
       </a:schemeClr>
     </dgm:fillClrLst>
     <dgm:linClrLst meth="repeat">
-      <a:schemeClr val="dk2"/>
+      <a:schemeClr val="accent1"/>
     </dgm:linClrLst>
     <dgm:effectClrLst/>
     <dgm:txLinClrLst/>
@@ -1317,12 +1313,12 @@
   </dgm:styleLbl>
   <dgm:styleLbl name="conFgAcc1">
     <dgm:fillClrLst meth="repeat">
-      <a:schemeClr val="lt2">
+      <a:schemeClr val="lt1">
         <a:alpha val="90000"/>
       </a:schemeClr>
     </dgm:fillClrLst>
     <dgm:linClrLst meth="repeat">
-      <a:schemeClr val="dk2"/>
+      <a:schemeClr val="accent1"/>
     </dgm:linClrLst>
     <dgm:effectClrLst/>
     <dgm:txLinClrLst/>
@@ -1333,12 +1329,12 @@
   </dgm:styleLbl>
   <dgm:styleLbl name="alignAcc1">
     <dgm:fillClrLst meth="repeat">
-      <a:schemeClr val="lt2">
+      <a:schemeClr val="lt1">
         <a:alpha val="90000"/>
       </a:schemeClr>
     </dgm:fillClrLst>
     <dgm:linClrLst meth="repeat">
-      <a:schemeClr val="dk2"/>
+      <a:schemeClr val="accent1"/>
     </dgm:linClrLst>
     <dgm:effectClrLst/>
     <dgm:txLinClrLst/>
@@ -1349,12 +1345,12 @@
   </dgm:styleLbl>
   <dgm:styleLbl name="trAlignAcc1">
     <dgm:fillClrLst meth="repeat">
-      <a:schemeClr val="lt2">
+      <a:schemeClr val="lt1">
         <a:alpha val="40000"/>
       </a:schemeClr>
     </dgm:fillClrLst>
     <dgm:linClrLst meth="repeat">
-      <a:schemeClr val="dk2"/>
+      <a:schemeClr val="accent1"/>
     </dgm:linClrLst>
     <dgm:effectClrLst/>
     <dgm:txLinClrLst/>
@@ -1365,12 +1361,12 @@
   </dgm:styleLbl>
   <dgm:styleLbl name="bgAcc1">
     <dgm:fillClrLst meth="repeat">
-      <a:schemeClr val="lt2">
+      <a:schemeClr val="lt1">
         <a:alpha val="90000"/>
       </a:schemeClr>
     </dgm:fillClrLst>
     <dgm:linClrLst meth="repeat">
-      <a:schemeClr val="dk2"/>
+      <a:schemeClr val="accent1"/>
     </dgm:linClrLst>
     <dgm:effectClrLst/>
     <dgm:txLinClrLst/>
@@ -1381,10 +1377,10 @@
   </dgm:styleLbl>
   <dgm:styleLbl name="solidFgAcc1">
     <dgm:fillClrLst meth="repeat">
-      <a:schemeClr val="lt2"/>
+      <a:schemeClr val="lt1"/>
     </dgm:fillClrLst>
     <dgm:linClrLst meth="repeat">
-      <a:schemeClr val="dk2"/>
+      <a:schemeClr val="accent1"/>
     </dgm:linClrLst>
     <dgm:effectClrLst/>
     <dgm:txLinClrLst/>
@@ -1395,10 +1391,10 @@
   </dgm:styleLbl>
   <dgm:styleLbl name="solidAlignAcc1">
     <dgm:fillClrLst meth="repeat">
-      <a:schemeClr val="lt2"/>
+      <a:schemeClr val="lt1"/>
     </dgm:fillClrLst>
     <dgm:linClrLst meth="repeat">
-      <a:schemeClr val="dk2"/>
+      <a:schemeClr val="accent1"/>
     </dgm:linClrLst>
     <dgm:effectClrLst/>
     <dgm:txLinClrLst/>
@@ -1409,10 +1405,10 @@
   </dgm:styleLbl>
   <dgm:styleLbl name="solidBgAcc1">
     <dgm:fillClrLst meth="repeat">
-      <a:schemeClr val="lt2"/>
+      <a:schemeClr val="lt1"/>
     </dgm:fillClrLst>
     <dgm:linClrLst meth="repeat">
-      <a:schemeClr val="dk2"/>
+      <a:schemeClr val="accent1"/>
     </dgm:linClrLst>
     <dgm:effectClrLst/>
     <dgm:txLinClrLst/>
@@ -1423,13 +1419,13 @@
   </dgm:styleLbl>
   <dgm:styleLbl name="fgAccFollowNode1">
     <dgm:fillClrLst meth="repeat">
-      <a:schemeClr val="dk2">
+      <a:schemeClr val="accent1">
         <a:alpha val="90000"/>
         <a:tint val="40000"/>
       </a:schemeClr>
     </dgm:fillClrLst>
     <dgm:linClrLst meth="repeat">
-      <a:schemeClr val="dk2">
+      <a:schemeClr val="accent1">
         <a:alpha val="90000"/>
         <a:tint val="40000"/>
       </a:schemeClr>
@@ -1443,13 +1439,13 @@
   </dgm:styleLbl>
   <dgm:styleLbl name="alignAccFollowNode1">
     <dgm:fillClrLst meth="repeat">
-      <a:schemeClr val="dk2">
+      <a:schemeClr val="accent1">
         <a:alpha val="90000"/>
         <a:tint val="40000"/>
       </a:schemeClr>
     </dgm:fillClrLst>
     <dgm:linClrLst meth="repeat">
-      <a:schemeClr val="dk2">
+      <a:schemeClr val="accent1">
         <a:alpha val="90000"/>
         <a:tint val="40000"/>
       </a:schemeClr>
@@ -1463,13 +1459,13 @@
   </dgm:styleLbl>
   <dgm:styleLbl name="bgAccFollowNode1">
     <dgm:fillClrLst meth="repeat">
-      <a:schemeClr val="dk2">
+      <a:schemeClr val="accent1">
         <a:alpha val="90000"/>
         <a:tint val="40000"/>
       </a:schemeClr>
     </dgm:fillClrLst>
     <dgm:linClrLst meth="repeat">
-      <a:schemeClr val="dk2">
+      <a:schemeClr val="accent1">
         <a:alpha val="90000"/>
         <a:tint val="40000"/>
       </a:schemeClr>
@@ -1483,12 +1479,12 @@
   </dgm:styleLbl>
   <dgm:styleLbl name="fgAcc0">
     <dgm:fillClrLst meth="repeat">
-      <a:schemeClr val="lt2">
+      <a:schemeClr val="lt1">
         <a:alpha val="90000"/>
       </a:schemeClr>
     </dgm:fillClrLst>
     <dgm:linClrLst meth="repeat">
-      <a:schemeClr val="dk2"/>
+      <a:schemeClr val="accent1"/>
     </dgm:linClrLst>
     <dgm:effectClrLst/>
     <dgm:txLinClrLst/>
@@ -1499,12 +1495,12 @@
   </dgm:styleLbl>
   <dgm:styleLbl name="fgAcc2">
     <dgm:fillClrLst meth="repeat">
-      <a:schemeClr val="lt2">
+      <a:schemeClr val="lt1">
         <a:alpha val="90000"/>
       </a:schemeClr>
     </dgm:fillClrLst>
     <dgm:linClrLst meth="repeat">
-      <a:schemeClr val="dk2"/>
+      <a:schemeClr val="accent1"/>
     </dgm:linClrLst>
     <dgm:effectClrLst/>
     <dgm:txLinClrLst/>
@@ -1515,12 +1511,12 @@
   </dgm:styleLbl>
   <dgm:styleLbl name="fgAcc3">
     <dgm:fillClrLst meth="repeat">
-      <a:schemeClr val="lt2">
+      <a:schemeClr val="lt1">
         <a:alpha val="90000"/>
       </a:schemeClr>
     </dgm:fillClrLst>
     <dgm:linClrLst meth="repeat">
-      <a:schemeClr val="dk2"/>
+      <a:schemeClr val="accent1"/>
     </dgm:linClrLst>
     <dgm:effectClrLst/>
     <dgm:txLinClrLst/>
@@ -1531,12 +1527,12 @@
   </dgm:styleLbl>
   <dgm:styleLbl name="fgAcc4">
     <dgm:fillClrLst meth="repeat">
-      <a:schemeClr val="lt2">
+      <a:schemeClr val="lt1">
         <a:alpha val="90000"/>
       </a:schemeClr>
     </dgm:fillClrLst>
     <dgm:linClrLst meth="repeat">
-      <a:schemeClr val="dk2"/>
+      <a:schemeClr val="accent1"/>
     </dgm:linClrLst>
     <dgm:effectClrLst/>
     <dgm:txLinClrLst/>
@@ -1547,12 +1543,12 @@
   </dgm:styleLbl>
   <dgm:styleLbl name="bgShp">
     <dgm:fillClrLst meth="repeat">
-      <a:schemeClr val="dk2">
+      <a:schemeClr val="accent1">
         <a:tint val="40000"/>
       </a:schemeClr>
     </dgm:fillClrLst>
     <dgm:linClrLst meth="repeat">
-      <a:schemeClr val="dk2"/>
+      <a:schemeClr val="accent1"/>
     </dgm:linClrLst>
     <dgm:effectClrLst/>
     <dgm:txLinClrLst/>
@@ -1563,12 +1559,12 @@
   </dgm:styleLbl>
   <dgm:styleLbl name="dkBgShp">
     <dgm:fillClrLst meth="repeat">
-      <a:schemeClr val="dk2">
+      <a:schemeClr val="accent1">
         <a:shade val="80000"/>
       </a:schemeClr>
     </dgm:fillClrLst>
     <dgm:linClrLst meth="repeat">
-      <a:schemeClr val="dk2"/>
+      <a:schemeClr val="accent1"/>
     </dgm:linClrLst>
     <dgm:effectClrLst/>
     <dgm:txLinClrLst/>
@@ -1579,13 +1575,13 @@
   </dgm:styleLbl>
   <dgm:styleLbl name="trBgShp">
     <dgm:fillClrLst meth="repeat">
-      <a:schemeClr val="dk2">
+      <a:schemeClr val="accent1">
         <a:tint val="50000"/>
         <a:alpha val="40000"/>
       </a:schemeClr>
     </dgm:fillClrLst>
     <dgm:linClrLst meth="repeat">
-      <a:schemeClr val="dk2"/>
+      <a:schemeClr val="accent1"/>
     </dgm:linClrLst>
     <dgm:effectClrLst/>
     <dgm:txLinClrLst/>
@@ -1596,12 +1592,12 @@
   </dgm:styleLbl>
   <dgm:styleLbl name="fgShp">
     <dgm:fillClrLst meth="repeat">
-      <a:schemeClr val="dk2">
+      <a:schemeClr val="accent1">
         <a:tint val="60000"/>
       </a:schemeClr>
     </dgm:fillClrLst>
     <dgm:linClrLst meth="repeat">
-      <a:schemeClr val="lt2"/>
+      <a:schemeClr val="lt1"/>
     </dgm:linClrLst>
     <dgm:effectClrLst/>
     <dgm:txLinClrLst/>
@@ -1612,7 +1608,7 @@
   </dgm:styleLbl>
   <dgm:styleLbl name="revTx">
     <dgm:fillClrLst meth="repeat">
-      <a:schemeClr val="lt2">
+      <a:schemeClr val="lt1">
         <a:alpha val="0"/>
       </a:schemeClr>
     </dgm:fillClrLst>
@@ -2383,6 +2379,757 @@
 </file>
 
 <file path=ppt/diagrams/colors4.xml><?xml version="1.0" encoding="utf-8"?>
+<dgm:colorsDef xmlns:dgm="http://schemas.openxmlformats.org/drawingml/2006/diagram" xmlns:a="http://schemas.openxmlformats.org/drawingml/2006/main" uniqueId="urn:microsoft.com/office/officeart/2005/8/colors/accent0_3">
+  <dgm:title val=""/>
+  <dgm:desc val=""/>
+  <dgm:catLst>
+    <dgm:cat type="mainScheme" pri="10300"/>
+  </dgm:catLst>
+  <dgm:styleLbl name="node0">
+    <dgm:fillClrLst meth="repeat">
+      <a:schemeClr val="dk2"/>
+    </dgm:fillClrLst>
+    <dgm:linClrLst meth="repeat">
+      <a:schemeClr val="lt2"/>
+    </dgm:linClrLst>
+    <dgm:effectClrLst/>
+    <dgm:txLinClrLst/>
+    <dgm:txFillClrLst/>
+    <dgm:txEffectClrLst/>
+  </dgm:styleLbl>
+  <dgm:styleLbl name="alignNode1">
+    <dgm:fillClrLst meth="repeat">
+      <a:schemeClr val="dk2"/>
+    </dgm:fillClrLst>
+    <dgm:linClrLst meth="repeat">
+      <a:schemeClr val="dk2"/>
+    </dgm:linClrLst>
+    <dgm:effectClrLst/>
+    <dgm:txLinClrLst/>
+    <dgm:txFillClrLst/>
+    <dgm:txEffectClrLst/>
+  </dgm:styleLbl>
+  <dgm:styleLbl name="node1">
+    <dgm:fillClrLst meth="repeat">
+      <a:schemeClr val="dk2"/>
+    </dgm:fillClrLst>
+    <dgm:linClrLst meth="repeat">
+      <a:schemeClr val="lt2"/>
+    </dgm:linClrLst>
+    <dgm:effectClrLst/>
+    <dgm:txLinClrLst/>
+    <dgm:txFillClrLst/>
+    <dgm:txEffectClrLst/>
+  </dgm:styleLbl>
+  <dgm:styleLbl name="lnNode1">
+    <dgm:fillClrLst meth="repeat">
+      <a:schemeClr val="dk2"/>
+    </dgm:fillClrLst>
+    <dgm:linClrLst meth="repeat">
+      <a:schemeClr val="lt2"/>
+    </dgm:linClrLst>
+    <dgm:effectClrLst/>
+    <dgm:txLinClrLst/>
+    <dgm:txFillClrLst/>
+    <dgm:txEffectClrLst/>
+  </dgm:styleLbl>
+  <dgm:styleLbl name="vennNode1">
+    <dgm:fillClrLst meth="repeat">
+      <a:schemeClr val="dk2">
+        <a:alpha val="50000"/>
+      </a:schemeClr>
+    </dgm:fillClrLst>
+    <dgm:linClrLst meth="repeat">
+      <a:schemeClr val="lt2"/>
+    </dgm:linClrLst>
+    <dgm:effectClrLst/>
+    <dgm:txLinClrLst/>
+    <dgm:txFillClrLst/>
+    <dgm:txEffectClrLst/>
+  </dgm:styleLbl>
+  <dgm:styleLbl name="node2">
+    <dgm:fillClrLst meth="repeat">
+      <a:schemeClr val="dk2"/>
+    </dgm:fillClrLst>
+    <dgm:linClrLst meth="repeat">
+      <a:schemeClr val="lt2"/>
+    </dgm:linClrLst>
+    <dgm:effectClrLst/>
+    <dgm:txLinClrLst/>
+    <dgm:txFillClrLst/>
+    <dgm:txEffectClrLst/>
+  </dgm:styleLbl>
+  <dgm:styleLbl name="node3">
+    <dgm:fillClrLst meth="repeat">
+      <a:schemeClr val="dk2"/>
+    </dgm:fillClrLst>
+    <dgm:linClrLst meth="repeat">
+      <a:schemeClr val="lt2"/>
+    </dgm:linClrLst>
+    <dgm:effectClrLst/>
+    <dgm:txLinClrLst/>
+    <dgm:txFillClrLst/>
+    <dgm:txEffectClrLst/>
+  </dgm:styleLbl>
+  <dgm:styleLbl name="node4">
+    <dgm:fillClrLst meth="repeat">
+      <a:schemeClr val="dk2"/>
+    </dgm:fillClrLst>
+    <dgm:linClrLst meth="repeat">
+      <a:schemeClr val="lt2"/>
+    </dgm:linClrLst>
+    <dgm:effectClrLst/>
+    <dgm:txLinClrLst/>
+    <dgm:txFillClrLst/>
+    <dgm:txEffectClrLst/>
+  </dgm:styleLbl>
+  <dgm:styleLbl name="fgImgPlace1">
+    <dgm:fillClrLst meth="repeat">
+      <a:schemeClr val="dk2">
+        <a:tint val="50000"/>
+      </a:schemeClr>
+    </dgm:fillClrLst>
+    <dgm:linClrLst meth="repeat">
+      <a:schemeClr val="lt2"/>
+    </dgm:linClrLst>
+    <dgm:effectClrLst/>
+    <dgm:txLinClrLst/>
+    <dgm:txFillClrLst meth="repeat">
+      <a:schemeClr val="lt2"/>
+    </dgm:txFillClrLst>
+    <dgm:txEffectClrLst/>
+  </dgm:styleLbl>
+  <dgm:styleLbl name="alignImgPlace1">
+    <dgm:fillClrLst meth="repeat">
+      <a:schemeClr val="dk2">
+        <a:tint val="50000"/>
+      </a:schemeClr>
+    </dgm:fillClrLst>
+    <dgm:linClrLst meth="repeat">
+      <a:schemeClr val="dk2">
+        <a:shade val="80000"/>
+      </a:schemeClr>
+    </dgm:linClrLst>
+    <dgm:effectClrLst/>
+    <dgm:txLinClrLst/>
+    <dgm:txFillClrLst meth="repeat">
+      <a:schemeClr val="lt2"/>
+    </dgm:txFillClrLst>
+    <dgm:txEffectClrLst/>
+  </dgm:styleLbl>
+  <dgm:styleLbl name="bgImgPlace1">
+    <dgm:fillClrLst meth="repeat">
+      <a:schemeClr val="dk2">
+        <a:tint val="50000"/>
+      </a:schemeClr>
+    </dgm:fillClrLst>
+    <dgm:linClrLst meth="repeat">
+      <a:schemeClr val="dk2">
+        <a:shade val="80000"/>
+      </a:schemeClr>
+    </dgm:linClrLst>
+    <dgm:effectClrLst/>
+    <dgm:txLinClrLst/>
+    <dgm:txFillClrLst meth="repeat">
+      <a:schemeClr val="lt2"/>
+    </dgm:txFillClrLst>
+    <dgm:txEffectClrLst/>
+  </dgm:styleLbl>
+  <dgm:styleLbl name="sibTrans2D1">
+    <dgm:fillClrLst meth="repeat">
+      <a:schemeClr val="dk2">
+        <a:tint val="60000"/>
+      </a:schemeClr>
+    </dgm:fillClrLst>
+    <dgm:linClrLst meth="repeat">
+      <a:schemeClr val="dk2">
+        <a:tint val="60000"/>
+      </a:schemeClr>
+    </dgm:linClrLst>
+    <dgm:effectClrLst/>
+    <dgm:txLinClrLst/>
+    <dgm:txFillClrLst/>
+    <dgm:txEffectClrLst/>
+  </dgm:styleLbl>
+  <dgm:styleLbl name="fgSibTrans2D1">
+    <dgm:fillClrLst meth="repeat">
+      <a:schemeClr val="dk2">
+        <a:tint val="60000"/>
+      </a:schemeClr>
+    </dgm:fillClrLst>
+    <dgm:linClrLst meth="repeat">
+      <a:schemeClr val="dk2">
+        <a:tint val="60000"/>
+      </a:schemeClr>
+    </dgm:linClrLst>
+    <dgm:effectClrLst/>
+    <dgm:txLinClrLst/>
+    <dgm:txFillClrLst/>
+    <dgm:txEffectClrLst/>
+  </dgm:styleLbl>
+  <dgm:styleLbl name="bgSibTrans2D1">
+    <dgm:fillClrLst meth="repeat">
+      <a:schemeClr val="dk2">
+        <a:tint val="60000"/>
+      </a:schemeClr>
+    </dgm:fillClrLst>
+    <dgm:linClrLst meth="repeat">
+      <a:schemeClr val="dk2">
+        <a:tint val="60000"/>
+      </a:schemeClr>
+    </dgm:linClrLst>
+    <dgm:effectClrLst/>
+    <dgm:txLinClrLst/>
+    <dgm:txFillClrLst/>
+    <dgm:txEffectClrLst/>
+  </dgm:styleLbl>
+  <dgm:styleLbl name="sibTrans1D1">
+    <dgm:fillClrLst meth="repeat">
+      <a:schemeClr val="dk2"/>
+    </dgm:fillClrLst>
+    <dgm:linClrLst meth="repeat">
+      <a:schemeClr val="dk2"/>
+    </dgm:linClrLst>
+    <dgm:effectClrLst/>
+    <dgm:txLinClrLst/>
+    <dgm:txFillClrLst meth="repeat">
+      <a:schemeClr val="lt2"/>
+    </dgm:txFillClrLst>
+    <dgm:txEffectClrLst/>
+  </dgm:styleLbl>
+  <dgm:styleLbl name="callout">
+    <dgm:fillClrLst meth="repeat">
+      <a:schemeClr val="dk2"/>
+    </dgm:fillClrLst>
+    <dgm:linClrLst meth="repeat">
+      <a:schemeClr val="dk2">
+        <a:tint val="50000"/>
+      </a:schemeClr>
+    </dgm:linClrLst>
+    <dgm:effectClrLst/>
+    <dgm:txLinClrLst/>
+    <dgm:txFillClrLst meth="repeat">
+      <a:schemeClr val="lt2"/>
+    </dgm:txFillClrLst>
+    <dgm:txEffectClrLst/>
+  </dgm:styleLbl>
+  <dgm:styleLbl name="asst0">
+    <dgm:fillClrLst meth="repeat">
+      <a:schemeClr val="dk2"/>
+    </dgm:fillClrLst>
+    <dgm:linClrLst meth="repeat">
+      <a:schemeClr val="lt2"/>
+    </dgm:linClrLst>
+    <dgm:effectClrLst/>
+    <dgm:txLinClrLst/>
+    <dgm:txFillClrLst/>
+    <dgm:txEffectClrLst/>
+  </dgm:styleLbl>
+  <dgm:styleLbl name="asst1">
+    <dgm:fillClrLst meth="repeat">
+      <a:schemeClr val="dk2"/>
+    </dgm:fillClrLst>
+    <dgm:linClrLst meth="repeat">
+      <a:schemeClr val="lt2"/>
+    </dgm:linClrLst>
+    <dgm:effectClrLst/>
+    <dgm:txLinClrLst/>
+    <dgm:txFillClrLst/>
+    <dgm:txEffectClrLst/>
+  </dgm:styleLbl>
+  <dgm:styleLbl name="asst2">
+    <dgm:fillClrLst meth="repeat">
+      <a:schemeClr val="dk2"/>
+    </dgm:fillClrLst>
+    <dgm:linClrLst meth="repeat">
+      <a:schemeClr val="lt2"/>
+    </dgm:linClrLst>
+    <dgm:effectClrLst/>
+    <dgm:txLinClrLst/>
+    <dgm:txFillClrLst/>
+    <dgm:txEffectClrLst/>
+  </dgm:styleLbl>
+  <dgm:styleLbl name="asst3">
+    <dgm:fillClrLst meth="repeat">
+      <a:schemeClr val="dk2"/>
+    </dgm:fillClrLst>
+    <dgm:linClrLst meth="repeat">
+      <a:schemeClr val="lt2"/>
+    </dgm:linClrLst>
+    <dgm:effectClrLst/>
+    <dgm:txLinClrLst/>
+    <dgm:txFillClrLst/>
+    <dgm:txEffectClrLst/>
+  </dgm:styleLbl>
+  <dgm:styleLbl name="asst4">
+    <dgm:fillClrLst meth="repeat">
+      <a:schemeClr val="dk2"/>
+    </dgm:fillClrLst>
+    <dgm:linClrLst meth="repeat">
+      <a:schemeClr val="lt2"/>
+    </dgm:linClrLst>
+    <dgm:effectClrLst/>
+    <dgm:txLinClrLst/>
+    <dgm:txFillClrLst/>
+    <dgm:txEffectClrLst/>
+  </dgm:styleLbl>
+  <dgm:styleLbl name="parChTrans2D1">
+    <dgm:fillClrLst meth="repeat">
+      <a:schemeClr val="dk2">
+        <a:tint val="60000"/>
+      </a:schemeClr>
+    </dgm:fillClrLst>
+    <dgm:linClrLst meth="repeat">
+      <a:schemeClr val="dk2">
+        <a:tint val="60000"/>
+      </a:schemeClr>
+    </dgm:linClrLst>
+    <dgm:effectClrLst/>
+    <dgm:txLinClrLst/>
+    <dgm:txFillClrLst meth="repeat">
+      <a:schemeClr val="lt2"/>
+    </dgm:txFillClrLst>
+    <dgm:txEffectClrLst/>
+  </dgm:styleLbl>
+  <dgm:styleLbl name="parChTrans2D2">
+    <dgm:fillClrLst meth="repeat">
+      <a:schemeClr val="dk2"/>
+    </dgm:fillClrLst>
+    <dgm:linClrLst meth="repeat">
+      <a:schemeClr val="dk2"/>
+    </dgm:linClrLst>
+    <dgm:effectClrLst/>
+    <dgm:txLinClrLst/>
+    <dgm:txFillClrLst meth="repeat">
+      <a:schemeClr val="lt2"/>
+    </dgm:txFillClrLst>
+    <dgm:txEffectClrLst/>
+  </dgm:styleLbl>
+  <dgm:styleLbl name="parChTrans2D3">
+    <dgm:fillClrLst meth="repeat">
+      <a:schemeClr val="dk2"/>
+    </dgm:fillClrLst>
+    <dgm:linClrLst meth="repeat">
+      <a:schemeClr val="dk2"/>
+    </dgm:linClrLst>
+    <dgm:effectClrLst/>
+    <dgm:txLinClrLst/>
+    <dgm:txFillClrLst meth="repeat">
+      <a:schemeClr val="lt2"/>
+    </dgm:txFillClrLst>
+    <dgm:txEffectClrLst/>
+  </dgm:styleLbl>
+  <dgm:styleLbl name="parChTrans2D4">
+    <dgm:fillClrLst meth="repeat">
+      <a:schemeClr val="dk2"/>
+    </dgm:fillClrLst>
+    <dgm:linClrLst meth="repeat">
+      <a:schemeClr val="dk2"/>
+    </dgm:linClrLst>
+    <dgm:effectClrLst/>
+    <dgm:txLinClrLst/>
+    <dgm:txFillClrLst meth="repeat">
+      <a:schemeClr val="lt2"/>
+    </dgm:txFillClrLst>
+    <dgm:txEffectClrLst/>
+  </dgm:styleLbl>
+  <dgm:styleLbl name="parChTrans1D1">
+    <dgm:fillClrLst meth="repeat">
+      <a:schemeClr val="dk2"/>
+    </dgm:fillClrLst>
+    <dgm:linClrLst meth="repeat">
+      <a:schemeClr val="dk2">
+        <a:shade val="60000"/>
+      </a:schemeClr>
+    </dgm:linClrLst>
+    <dgm:effectClrLst/>
+    <dgm:txLinClrLst/>
+    <dgm:txFillClrLst meth="repeat">
+      <a:schemeClr val="tx1"/>
+    </dgm:txFillClrLst>
+    <dgm:txEffectClrLst/>
+  </dgm:styleLbl>
+  <dgm:styleLbl name="parChTrans1D2">
+    <dgm:fillClrLst meth="repeat">
+      <a:schemeClr val="dk2"/>
+    </dgm:fillClrLst>
+    <dgm:linClrLst meth="repeat">
+      <a:schemeClr val="dk2">
+        <a:shade val="60000"/>
+      </a:schemeClr>
+    </dgm:linClrLst>
+    <dgm:effectClrLst/>
+    <dgm:txLinClrLst/>
+    <dgm:txFillClrLst meth="repeat">
+      <a:schemeClr val="tx1"/>
+    </dgm:txFillClrLst>
+    <dgm:txEffectClrLst/>
+  </dgm:styleLbl>
+  <dgm:styleLbl name="parChTrans1D3">
+    <dgm:fillClrLst meth="repeat">
+      <a:schemeClr val="dk2"/>
+    </dgm:fillClrLst>
+    <dgm:linClrLst meth="repeat">
+      <a:schemeClr val="dk2">
+        <a:shade val="80000"/>
+      </a:schemeClr>
+    </dgm:linClrLst>
+    <dgm:effectClrLst/>
+    <dgm:txLinClrLst/>
+    <dgm:txFillClrLst meth="repeat">
+      <a:schemeClr val="tx1"/>
+    </dgm:txFillClrLst>
+    <dgm:txEffectClrLst/>
+  </dgm:styleLbl>
+  <dgm:styleLbl name="parChTrans1D4">
+    <dgm:fillClrLst meth="repeat">
+      <a:schemeClr val="dk2"/>
+    </dgm:fillClrLst>
+    <dgm:linClrLst meth="repeat">
+      <a:schemeClr val="dk2">
+        <a:shade val="80000"/>
+      </a:schemeClr>
+    </dgm:linClrLst>
+    <dgm:effectClrLst/>
+    <dgm:txLinClrLst/>
+    <dgm:txFillClrLst meth="repeat">
+      <a:schemeClr val="tx1"/>
+    </dgm:txFillClrLst>
+    <dgm:txEffectClrLst/>
+  </dgm:styleLbl>
+  <dgm:styleLbl name="fgAcc1">
+    <dgm:fillClrLst meth="repeat">
+      <a:schemeClr val="lt2">
+        <a:alpha val="90000"/>
+      </a:schemeClr>
+    </dgm:fillClrLst>
+    <dgm:linClrLst meth="repeat">
+      <a:schemeClr val="dk2"/>
+    </dgm:linClrLst>
+    <dgm:effectClrLst/>
+    <dgm:txLinClrLst/>
+    <dgm:txFillClrLst meth="repeat">
+      <a:schemeClr val="dk1"/>
+    </dgm:txFillClrLst>
+    <dgm:txEffectClrLst/>
+  </dgm:styleLbl>
+  <dgm:styleLbl name="conFgAcc1">
+    <dgm:fillClrLst meth="repeat">
+      <a:schemeClr val="lt2">
+        <a:alpha val="90000"/>
+      </a:schemeClr>
+    </dgm:fillClrLst>
+    <dgm:linClrLst meth="repeat">
+      <a:schemeClr val="dk2"/>
+    </dgm:linClrLst>
+    <dgm:effectClrLst/>
+    <dgm:txLinClrLst/>
+    <dgm:txFillClrLst meth="repeat">
+      <a:schemeClr val="dk1"/>
+    </dgm:txFillClrLst>
+    <dgm:txEffectClrLst/>
+  </dgm:styleLbl>
+  <dgm:styleLbl name="alignAcc1">
+    <dgm:fillClrLst meth="repeat">
+      <a:schemeClr val="lt2">
+        <a:alpha val="90000"/>
+      </a:schemeClr>
+    </dgm:fillClrLst>
+    <dgm:linClrLst meth="repeat">
+      <a:schemeClr val="dk2"/>
+    </dgm:linClrLst>
+    <dgm:effectClrLst/>
+    <dgm:txLinClrLst/>
+    <dgm:txFillClrLst meth="repeat">
+      <a:schemeClr val="dk1"/>
+    </dgm:txFillClrLst>
+    <dgm:txEffectClrLst/>
+  </dgm:styleLbl>
+  <dgm:styleLbl name="trAlignAcc1">
+    <dgm:fillClrLst meth="repeat">
+      <a:schemeClr val="lt2">
+        <a:alpha val="40000"/>
+      </a:schemeClr>
+    </dgm:fillClrLst>
+    <dgm:linClrLst meth="repeat">
+      <a:schemeClr val="dk2"/>
+    </dgm:linClrLst>
+    <dgm:effectClrLst/>
+    <dgm:txLinClrLst/>
+    <dgm:txFillClrLst meth="repeat">
+      <a:schemeClr val="dk1"/>
+    </dgm:txFillClrLst>
+    <dgm:txEffectClrLst/>
+  </dgm:styleLbl>
+  <dgm:styleLbl name="bgAcc1">
+    <dgm:fillClrLst meth="repeat">
+      <a:schemeClr val="lt2">
+        <a:alpha val="90000"/>
+      </a:schemeClr>
+    </dgm:fillClrLst>
+    <dgm:linClrLst meth="repeat">
+      <a:schemeClr val="dk2"/>
+    </dgm:linClrLst>
+    <dgm:effectClrLst/>
+    <dgm:txLinClrLst/>
+    <dgm:txFillClrLst meth="repeat">
+      <a:schemeClr val="dk1"/>
+    </dgm:txFillClrLst>
+    <dgm:txEffectClrLst/>
+  </dgm:styleLbl>
+  <dgm:styleLbl name="solidFgAcc1">
+    <dgm:fillClrLst meth="repeat">
+      <a:schemeClr val="lt2"/>
+    </dgm:fillClrLst>
+    <dgm:linClrLst meth="repeat">
+      <a:schemeClr val="dk2"/>
+    </dgm:linClrLst>
+    <dgm:effectClrLst/>
+    <dgm:txLinClrLst/>
+    <dgm:txFillClrLst meth="repeat">
+      <a:schemeClr val="dk1"/>
+    </dgm:txFillClrLst>
+    <dgm:txEffectClrLst/>
+  </dgm:styleLbl>
+  <dgm:styleLbl name="solidAlignAcc1">
+    <dgm:fillClrLst meth="repeat">
+      <a:schemeClr val="lt2"/>
+    </dgm:fillClrLst>
+    <dgm:linClrLst meth="repeat">
+      <a:schemeClr val="dk2"/>
+    </dgm:linClrLst>
+    <dgm:effectClrLst/>
+    <dgm:txLinClrLst/>
+    <dgm:txFillClrLst meth="repeat">
+      <a:schemeClr val="dk1"/>
+    </dgm:txFillClrLst>
+    <dgm:txEffectClrLst/>
+  </dgm:styleLbl>
+  <dgm:styleLbl name="solidBgAcc1">
+    <dgm:fillClrLst meth="repeat">
+      <a:schemeClr val="lt2"/>
+    </dgm:fillClrLst>
+    <dgm:linClrLst meth="repeat">
+      <a:schemeClr val="dk2"/>
+    </dgm:linClrLst>
+    <dgm:effectClrLst/>
+    <dgm:txLinClrLst/>
+    <dgm:txFillClrLst meth="repeat">
+      <a:schemeClr val="dk1"/>
+    </dgm:txFillClrLst>
+    <dgm:txEffectClrLst/>
+  </dgm:styleLbl>
+  <dgm:styleLbl name="fgAccFollowNode1">
+    <dgm:fillClrLst meth="repeat">
+      <a:schemeClr val="dk2">
+        <a:alpha val="90000"/>
+        <a:tint val="40000"/>
+      </a:schemeClr>
+    </dgm:fillClrLst>
+    <dgm:linClrLst meth="repeat">
+      <a:schemeClr val="dk2">
+        <a:alpha val="90000"/>
+        <a:tint val="40000"/>
+      </a:schemeClr>
+    </dgm:linClrLst>
+    <dgm:effectClrLst/>
+    <dgm:txLinClrLst/>
+    <dgm:txFillClrLst meth="repeat">
+      <a:schemeClr val="dk1"/>
+    </dgm:txFillClrLst>
+    <dgm:txEffectClrLst/>
+  </dgm:styleLbl>
+  <dgm:styleLbl name="alignAccFollowNode1">
+    <dgm:fillClrLst meth="repeat">
+      <a:schemeClr val="dk2">
+        <a:alpha val="90000"/>
+        <a:tint val="40000"/>
+      </a:schemeClr>
+    </dgm:fillClrLst>
+    <dgm:linClrLst meth="repeat">
+      <a:schemeClr val="dk2">
+        <a:alpha val="90000"/>
+        <a:tint val="40000"/>
+      </a:schemeClr>
+    </dgm:linClrLst>
+    <dgm:effectClrLst/>
+    <dgm:txLinClrLst/>
+    <dgm:txFillClrLst meth="repeat">
+      <a:schemeClr val="dk1"/>
+    </dgm:txFillClrLst>
+    <dgm:txEffectClrLst/>
+  </dgm:styleLbl>
+  <dgm:styleLbl name="bgAccFollowNode1">
+    <dgm:fillClrLst meth="repeat">
+      <a:schemeClr val="dk2">
+        <a:alpha val="90000"/>
+        <a:tint val="40000"/>
+      </a:schemeClr>
+    </dgm:fillClrLst>
+    <dgm:linClrLst meth="repeat">
+      <a:schemeClr val="dk2">
+        <a:alpha val="90000"/>
+        <a:tint val="40000"/>
+      </a:schemeClr>
+    </dgm:linClrLst>
+    <dgm:effectClrLst/>
+    <dgm:txLinClrLst/>
+    <dgm:txFillClrLst meth="repeat">
+      <a:schemeClr val="dk1"/>
+    </dgm:txFillClrLst>
+    <dgm:txEffectClrLst/>
+  </dgm:styleLbl>
+  <dgm:styleLbl name="fgAcc0">
+    <dgm:fillClrLst meth="repeat">
+      <a:schemeClr val="lt2">
+        <a:alpha val="90000"/>
+      </a:schemeClr>
+    </dgm:fillClrLst>
+    <dgm:linClrLst meth="repeat">
+      <a:schemeClr val="dk2"/>
+    </dgm:linClrLst>
+    <dgm:effectClrLst/>
+    <dgm:txLinClrLst/>
+    <dgm:txFillClrLst meth="repeat">
+      <a:schemeClr val="dk1"/>
+    </dgm:txFillClrLst>
+    <dgm:txEffectClrLst/>
+  </dgm:styleLbl>
+  <dgm:styleLbl name="fgAcc2">
+    <dgm:fillClrLst meth="repeat">
+      <a:schemeClr val="lt2">
+        <a:alpha val="90000"/>
+      </a:schemeClr>
+    </dgm:fillClrLst>
+    <dgm:linClrLst meth="repeat">
+      <a:schemeClr val="dk2"/>
+    </dgm:linClrLst>
+    <dgm:effectClrLst/>
+    <dgm:txLinClrLst/>
+    <dgm:txFillClrLst meth="repeat">
+      <a:schemeClr val="dk1"/>
+    </dgm:txFillClrLst>
+    <dgm:txEffectClrLst/>
+  </dgm:styleLbl>
+  <dgm:styleLbl name="fgAcc3">
+    <dgm:fillClrLst meth="repeat">
+      <a:schemeClr val="lt2">
+        <a:alpha val="90000"/>
+      </a:schemeClr>
+    </dgm:fillClrLst>
+    <dgm:linClrLst meth="repeat">
+      <a:schemeClr val="dk2"/>
+    </dgm:linClrLst>
+    <dgm:effectClrLst/>
+    <dgm:txLinClrLst/>
+    <dgm:txFillClrLst meth="repeat">
+      <a:schemeClr val="dk1"/>
+    </dgm:txFillClrLst>
+    <dgm:txEffectClrLst/>
+  </dgm:styleLbl>
+  <dgm:styleLbl name="fgAcc4">
+    <dgm:fillClrLst meth="repeat">
+      <a:schemeClr val="lt2">
+        <a:alpha val="90000"/>
+      </a:schemeClr>
+    </dgm:fillClrLst>
+    <dgm:linClrLst meth="repeat">
+      <a:schemeClr val="dk2"/>
+    </dgm:linClrLst>
+    <dgm:effectClrLst/>
+    <dgm:txLinClrLst/>
+    <dgm:txFillClrLst meth="repeat">
+      <a:schemeClr val="dk1"/>
+    </dgm:txFillClrLst>
+    <dgm:txEffectClrLst/>
+  </dgm:styleLbl>
+  <dgm:styleLbl name="bgShp">
+    <dgm:fillClrLst meth="repeat">
+      <a:schemeClr val="dk2">
+        <a:tint val="40000"/>
+      </a:schemeClr>
+    </dgm:fillClrLst>
+    <dgm:linClrLst meth="repeat">
+      <a:schemeClr val="dk2"/>
+    </dgm:linClrLst>
+    <dgm:effectClrLst/>
+    <dgm:txLinClrLst/>
+    <dgm:txFillClrLst meth="repeat">
+      <a:schemeClr val="dk1"/>
+    </dgm:txFillClrLst>
+    <dgm:txEffectClrLst/>
+  </dgm:styleLbl>
+  <dgm:styleLbl name="dkBgShp">
+    <dgm:fillClrLst meth="repeat">
+      <a:schemeClr val="dk2">
+        <a:shade val="80000"/>
+      </a:schemeClr>
+    </dgm:fillClrLst>
+    <dgm:linClrLst meth="repeat">
+      <a:schemeClr val="dk2"/>
+    </dgm:linClrLst>
+    <dgm:effectClrLst/>
+    <dgm:txLinClrLst/>
+    <dgm:txFillClrLst meth="repeat">
+      <a:schemeClr val="lt1"/>
+    </dgm:txFillClrLst>
+    <dgm:txEffectClrLst/>
+  </dgm:styleLbl>
+  <dgm:styleLbl name="trBgShp">
+    <dgm:fillClrLst meth="repeat">
+      <a:schemeClr val="dk2">
+        <a:tint val="50000"/>
+        <a:alpha val="40000"/>
+      </a:schemeClr>
+    </dgm:fillClrLst>
+    <dgm:linClrLst meth="repeat">
+      <a:schemeClr val="dk2"/>
+    </dgm:linClrLst>
+    <dgm:effectClrLst/>
+    <dgm:txLinClrLst/>
+    <dgm:txFillClrLst meth="repeat">
+      <a:schemeClr val="lt1"/>
+    </dgm:txFillClrLst>
+    <dgm:txEffectClrLst/>
+  </dgm:styleLbl>
+  <dgm:styleLbl name="fgShp">
+    <dgm:fillClrLst meth="repeat">
+      <a:schemeClr val="dk2">
+        <a:tint val="60000"/>
+      </a:schemeClr>
+    </dgm:fillClrLst>
+    <dgm:linClrLst meth="repeat">
+      <a:schemeClr val="lt2"/>
+    </dgm:linClrLst>
+    <dgm:effectClrLst/>
+    <dgm:txLinClrLst/>
+    <dgm:txFillClrLst meth="repeat">
+      <a:schemeClr val="dk1"/>
+    </dgm:txFillClrLst>
+    <dgm:txEffectClrLst/>
+  </dgm:styleLbl>
+  <dgm:styleLbl name="revTx">
+    <dgm:fillClrLst meth="repeat">
+      <a:schemeClr val="lt2">
+        <a:alpha val="0"/>
+      </a:schemeClr>
+    </dgm:fillClrLst>
+    <dgm:linClrLst meth="repeat">
+      <a:schemeClr val="dk1">
+        <a:alpha val="0"/>
+      </a:schemeClr>
+    </dgm:linClrLst>
+    <dgm:effectClrLst/>
+    <dgm:txLinClrLst/>
+    <dgm:txFillClrLst meth="repeat">
+      <a:schemeClr val="tx1"/>
+    </dgm:txFillClrLst>
+    <dgm:txEffectClrLst/>
+  </dgm:styleLbl>
+</dgm:colorsDef>
+</file>
+
+<file path=ppt/diagrams/colors5.xml><?xml version="1.0" encoding="utf-8"?>
 <dgm:colorsDef xmlns:dgm="http://schemas.openxmlformats.org/drawingml/2006/diagram" xmlns:a="http://schemas.openxmlformats.org/drawingml/2006/main" uniqueId="urn:microsoft.com/office/officeart/2005/8/colors/accent1_2">
   <dgm:title val=""/>
   <dgm:desc val=""/>
@@ -3129,7 +3876,7 @@
 </dgm:colorsDef>
 </file>
 
-<file path=ppt/diagrams/colors5.xml><?xml version="1.0" encoding="utf-8"?>
+<file path=ppt/diagrams/colors6.xml><?xml version="1.0" encoding="utf-8"?>
 <dgm:colorsDef xmlns:dgm="http://schemas.openxmlformats.org/drawingml/2006/diagram" xmlns:a="http://schemas.openxmlformats.org/drawingml/2006/main" uniqueId="urn:microsoft.com/office/officeart/2005/8/colors/accent1_2">
   <dgm:title val=""/>
   <dgm:desc val=""/>
@@ -4525,6 +5272,430 @@
 <file path=ppt/diagrams/data2.xml><?xml version="1.0" encoding="utf-8"?>
 <dgm:dataModel xmlns:dgm="http://schemas.openxmlformats.org/drawingml/2006/diagram" xmlns:a="http://schemas.openxmlformats.org/drawingml/2006/main">
   <dgm:ptLst>
+    <dgm:pt modelId="{11027761-80F1-4D02-A98A-88ED93A997B1}" type="doc">
+      <dgm:prSet loTypeId="urn:microsoft.com/office/officeart/2005/8/layout/default" loCatId="list" qsTypeId="urn:microsoft.com/office/officeart/2005/8/quickstyle/simple1" qsCatId="simple" csTypeId="urn:microsoft.com/office/officeart/2005/8/colors/accent1_2" csCatId="accent1" phldr="1"/>
+      <dgm:spPr/>
+      <dgm:t>
+        <a:bodyPr/>
+        <a:lstStyle/>
+        <a:p>
+          <a:endParaRPr lang="en-US"/>
+        </a:p>
+      </dgm:t>
+    </dgm:pt>
+    <dgm:pt modelId="{A4B21D1A-CA9C-4260-849E-8E67BA04FF26}">
+      <dgm:prSet phldrT="[Text]" custT="1"/>
+      <dgm:spPr>
+        <a:solidFill>
+          <a:schemeClr val="bg2">
+            <a:lumMod val="75000"/>
+          </a:schemeClr>
+        </a:solidFill>
+      </dgm:spPr>
+      <dgm:t>
+        <a:bodyPr/>
+        <a:lstStyle/>
+        <a:p>
+          <a:pPr algn="l"/>
+          <a:endParaRPr lang="en-US" sz="1700" b="1" dirty="0">
+            <a:latin typeface="Questrial"/>
+          </a:endParaRPr>
+        </a:p>
+        <a:p>
+          <a:pPr algn="l"/>
+          <a:r>
+            <a:rPr lang="en-US" sz="2000" b="1" dirty="0">
+              <a:latin typeface="Questrial"/>
+            </a:rPr>
+            <a:t>Crime &gt;&gt; NYPD</a:t>
+          </a:r>
+          <a:endParaRPr lang="en-US" sz="2000" dirty="0">
+            <a:latin typeface="Questrial"/>
+          </a:endParaRPr>
+        </a:p>
+        <a:p>
+          <a:pPr algn="l"/>
+          <a:r>
+            <a:rPr lang="en-US" sz="2000" dirty="0">
+              <a:latin typeface="Questrial"/>
+            </a:rPr>
+            <a:t>Challenges :  </a:t>
+          </a:r>
+        </a:p>
+        <a:p>
+          <a:pPr algn="l"/>
+          <a:r>
+            <a:rPr lang="en-US" sz="2000" dirty="0">
+              <a:latin typeface="Questrial"/>
+            </a:rPr>
+            <a:t>- Not enough reliable data</a:t>
+          </a:r>
+        </a:p>
+        <a:p>
+          <a:pPr algn="l"/>
+          <a:r>
+            <a:rPr lang="en-US" sz="2000" dirty="0">
+              <a:latin typeface="Questrial"/>
+            </a:rPr>
+            <a:t>- No available precinct mapping</a:t>
+          </a:r>
+        </a:p>
+        <a:p>
+          <a:pPr algn="ctr"/>
+          <a:endParaRPr lang="en-US" sz="1700" dirty="0"/>
+        </a:p>
+      </dgm:t>
+    </dgm:pt>
+    <dgm:pt modelId="{526B8364-0ED1-4819-AF63-E0490E7FEED3}" type="sibTrans" cxnId="{A2407390-C4F5-4667-8924-F3281AF629D0}">
+      <dgm:prSet/>
+      <dgm:spPr/>
+      <dgm:t>
+        <a:bodyPr/>
+        <a:lstStyle/>
+        <a:p>
+          <a:endParaRPr lang="en-US"/>
+        </a:p>
+      </dgm:t>
+    </dgm:pt>
+    <dgm:pt modelId="{C878BB1A-2B49-4EEA-B849-2DB035E13983}" type="parTrans" cxnId="{A2407390-C4F5-4667-8924-F3281AF629D0}">
+      <dgm:prSet/>
+      <dgm:spPr/>
+      <dgm:t>
+        <a:bodyPr/>
+        <a:lstStyle/>
+        <a:p>
+          <a:endParaRPr lang="en-US"/>
+        </a:p>
+      </dgm:t>
+    </dgm:pt>
+    <dgm:pt modelId="{E65C3689-342A-4A03-9CCD-B300B9B2CBEC}">
+      <dgm:prSet phldrT="[Text]" custT="1"/>
+      <dgm:spPr>
+        <a:solidFill>
+          <a:schemeClr val="bg2">
+            <a:lumMod val="75000"/>
+          </a:schemeClr>
+        </a:solidFill>
+      </dgm:spPr>
+      <dgm:t>
+        <a:bodyPr/>
+        <a:lstStyle/>
+        <a:p>
+          <a:pPr algn="l"/>
+          <a:r>
+            <a:rPr lang="en-US" sz="2000" b="1" baseline="0" dirty="0">
+              <a:latin typeface="Questrial"/>
+            </a:rPr>
+            <a:t>Opportunity Zone</a:t>
+          </a:r>
+          <a:r>
+            <a:rPr lang="en-US" sz="2000" baseline="0" dirty="0">
+              <a:latin typeface="Questrial"/>
+            </a:rPr>
+            <a:t> </a:t>
+          </a:r>
+          <a:r>
+            <a:rPr lang="en-US" sz="2000" b="1" baseline="0" dirty="0">
+              <a:latin typeface="Questrial"/>
+            </a:rPr>
+            <a:t>&gt;&gt;  NY State</a:t>
+          </a:r>
+        </a:p>
+        <a:p>
+          <a:pPr algn="l"/>
+          <a:r>
+            <a:rPr lang="en-US" sz="2000" baseline="0" dirty="0">
+              <a:latin typeface="Questrial"/>
+            </a:rPr>
+            <a:t>Challenges :  </a:t>
+          </a:r>
+        </a:p>
+        <a:p>
+          <a:pPr algn="l"/>
+          <a:r>
+            <a:rPr lang="en-US" sz="2000" baseline="0" dirty="0">
+              <a:latin typeface="Questrial"/>
+            </a:rPr>
+            <a:t>- Only available as a PDF</a:t>
+          </a:r>
+        </a:p>
+      </dgm:t>
+    </dgm:pt>
+    <dgm:pt modelId="{5895AD36-3038-4282-968B-8E42B1E2559A}" type="sibTrans" cxnId="{0BDE0A9A-A16E-4C2C-A17D-4AAB335F3DBF}">
+      <dgm:prSet/>
+      <dgm:spPr/>
+      <dgm:t>
+        <a:bodyPr/>
+        <a:lstStyle/>
+        <a:p>
+          <a:endParaRPr lang="en-US"/>
+        </a:p>
+      </dgm:t>
+    </dgm:pt>
+    <dgm:pt modelId="{BDD57DF7-01BF-4558-A3D7-FBD5622018DD}" type="parTrans" cxnId="{0BDE0A9A-A16E-4C2C-A17D-4AAB335F3DBF}">
+      <dgm:prSet/>
+      <dgm:spPr/>
+      <dgm:t>
+        <a:bodyPr/>
+        <a:lstStyle/>
+        <a:p>
+          <a:endParaRPr lang="en-US"/>
+        </a:p>
+      </dgm:t>
+    </dgm:pt>
+    <dgm:pt modelId="{A378429E-0D63-437B-8C45-E4DFDCF8B9BE}">
+      <dgm:prSet phldrT="[Text]" custT="1"/>
+      <dgm:spPr>
+        <a:solidFill>
+          <a:schemeClr val="bg2">
+            <a:lumMod val="75000"/>
+          </a:schemeClr>
+        </a:solidFill>
+      </dgm:spPr>
+      <dgm:t>
+        <a:bodyPr/>
+        <a:lstStyle/>
+        <a:p>
+          <a:pPr algn="l"/>
+          <a:r>
+            <a:rPr lang="en-US" sz="2000" b="1" dirty="0">
+              <a:latin typeface="Questrial"/>
+            </a:rPr>
+            <a:t>Sales &gt;&gt; NYC DOF</a:t>
+          </a:r>
+          <a:endParaRPr lang="en-US" sz="2000" dirty="0">
+            <a:latin typeface="Questrial"/>
+          </a:endParaRPr>
+        </a:p>
+        <a:p>
+          <a:pPr algn="l"/>
+          <a:r>
+            <a:rPr lang="en-US" sz="2000" dirty="0">
+              <a:latin typeface="Questrial"/>
+            </a:rPr>
+            <a:t>Challenges :  </a:t>
+          </a:r>
+        </a:p>
+        <a:p>
+          <a:pPr algn="l"/>
+          <a:r>
+            <a:rPr lang="en-US" sz="2000" dirty="0">
+              <a:latin typeface="Questrial"/>
+            </a:rPr>
+            <a:t>- Unexpected data types</a:t>
+          </a:r>
+        </a:p>
+        <a:p>
+          <a:pPr algn="l"/>
+          <a:r>
+            <a:rPr lang="en-US" sz="2000" dirty="0">
+              <a:latin typeface="Questrial"/>
+            </a:rPr>
+            <a:t>- Errors merging </a:t>
+          </a:r>
+          <a:r>
+            <a:rPr lang="en-US" sz="2000" dirty="0" err="1">
+              <a:latin typeface="Questrial"/>
+            </a:rPr>
+            <a:t>dataframes</a:t>
+          </a:r>
+          <a:endParaRPr lang="en-US" sz="2000" dirty="0">
+            <a:latin typeface="Questrial"/>
+          </a:endParaRPr>
+        </a:p>
+      </dgm:t>
+    </dgm:pt>
+    <dgm:pt modelId="{CB7ABF0C-EFED-4F31-BD44-052BE6F5100B}" type="sibTrans" cxnId="{AED3B327-F099-4CE0-9C56-00CBD8E1D734}">
+      <dgm:prSet/>
+      <dgm:spPr/>
+      <dgm:t>
+        <a:bodyPr/>
+        <a:lstStyle/>
+        <a:p>
+          <a:endParaRPr lang="en-US"/>
+        </a:p>
+      </dgm:t>
+    </dgm:pt>
+    <dgm:pt modelId="{8F019581-96ED-4B46-8F03-11E8A6B3EE8A}" type="parTrans" cxnId="{AED3B327-F099-4CE0-9C56-00CBD8E1D734}">
+      <dgm:prSet/>
+      <dgm:spPr/>
+      <dgm:t>
+        <a:bodyPr/>
+        <a:lstStyle/>
+        <a:p>
+          <a:endParaRPr lang="en-US"/>
+        </a:p>
+      </dgm:t>
+    </dgm:pt>
+    <dgm:pt modelId="{20DE2830-2735-40A9-98CD-49FADAD85410}">
+      <dgm:prSet phldrT="[Text]" custT="1"/>
+      <dgm:spPr>
+        <a:solidFill>
+          <a:schemeClr val="bg2">
+            <a:lumMod val="75000"/>
+          </a:schemeClr>
+        </a:solidFill>
+      </dgm:spPr>
+      <dgm:t>
+        <a:bodyPr/>
+        <a:lstStyle/>
+        <a:p>
+          <a:pPr algn="l"/>
+          <a:r>
+            <a:rPr lang="en-US" sz="2000" b="1" dirty="0">
+              <a:latin typeface="Questrial"/>
+            </a:rPr>
+            <a:t>Income</a:t>
+          </a:r>
+          <a:r>
+            <a:rPr lang="en-US" sz="2000" dirty="0">
+              <a:latin typeface="Questrial"/>
+            </a:rPr>
+            <a:t>  </a:t>
+          </a:r>
+          <a:r>
+            <a:rPr lang="en-US" sz="2000" b="1" dirty="0">
+              <a:latin typeface="Questrial"/>
+            </a:rPr>
+            <a:t>&gt;&gt; IRS</a:t>
+          </a:r>
+        </a:p>
+        <a:p>
+          <a:pPr algn="l"/>
+          <a:r>
+            <a:rPr lang="en-US" sz="2000" dirty="0">
+              <a:latin typeface="Questrial"/>
+            </a:rPr>
+            <a:t>Challenges :  </a:t>
+          </a:r>
+        </a:p>
+        <a:p>
+          <a:pPr algn="l"/>
+          <a:r>
+            <a:rPr lang="en-US" sz="2000" dirty="0">
+              <a:latin typeface="Questrial"/>
+            </a:rPr>
+            <a:t>- Inconsistent data structures</a:t>
+          </a:r>
+        </a:p>
+        <a:p>
+          <a:pPr algn="l"/>
+          <a:r>
+            <a:rPr lang="en-US" sz="2000" dirty="0">
+              <a:latin typeface="Questrial"/>
+            </a:rPr>
+            <a:t>- Dealing with several data files</a:t>
+          </a:r>
+        </a:p>
+      </dgm:t>
+    </dgm:pt>
+    <dgm:pt modelId="{94C50E3C-0BA8-4488-9043-2507755ABAE4}" type="sibTrans" cxnId="{FA7DBF35-0A17-48C6-B049-108DF576820D}">
+      <dgm:prSet/>
+      <dgm:spPr/>
+      <dgm:t>
+        <a:bodyPr/>
+        <a:lstStyle/>
+        <a:p>
+          <a:endParaRPr lang="en-US"/>
+        </a:p>
+      </dgm:t>
+    </dgm:pt>
+    <dgm:pt modelId="{3EB4A3CC-7FC3-400A-B4E0-48A48525F82D}" type="parTrans" cxnId="{FA7DBF35-0A17-48C6-B049-108DF576820D}">
+      <dgm:prSet/>
+      <dgm:spPr/>
+      <dgm:t>
+        <a:bodyPr/>
+        <a:lstStyle/>
+        <a:p>
+          <a:endParaRPr lang="en-US"/>
+        </a:p>
+      </dgm:t>
+    </dgm:pt>
+    <dgm:pt modelId="{EE3D523A-AF9C-4068-833B-F06CABF3D58E}" type="pres">
+      <dgm:prSet presAssocID="{11027761-80F1-4D02-A98A-88ED93A997B1}" presName="diagram" presStyleCnt="0">
+        <dgm:presLayoutVars>
+          <dgm:dir/>
+          <dgm:resizeHandles val="exact"/>
+        </dgm:presLayoutVars>
+      </dgm:prSet>
+      <dgm:spPr/>
+    </dgm:pt>
+    <dgm:pt modelId="{70E99B97-9C24-494E-A8E0-87309C6D9FD9}" type="pres">
+      <dgm:prSet presAssocID="{20DE2830-2735-40A9-98CD-49FADAD85410}" presName="node" presStyleLbl="node1" presStyleIdx="0" presStyleCnt="4">
+        <dgm:presLayoutVars>
+          <dgm:bulletEnabled val="1"/>
+        </dgm:presLayoutVars>
+      </dgm:prSet>
+      <dgm:spPr/>
+    </dgm:pt>
+    <dgm:pt modelId="{C1712D13-AC50-4589-B092-80244ACE0297}" type="pres">
+      <dgm:prSet presAssocID="{94C50E3C-0BA8-4488-9043-2507755ABAE4}" presName="sibTrans" presStyleCnt="0"/>
+      <dgm:spPr/>
+    </dgm:pt>
+    <dgm:pt modelId="{06541338-3932-4C7E-9908-1942581BA07D}" type="pres">
+      <dgm:prSet presAssocID="{A378429E-0D63-437B-8C45-E4DFDCF8B9BE}" presName="node" presStyleLbl="node1" presStyleIdx="1" presStyleCnt="4">
+        <dgm:presLayoutVars>
+          <dgm:bulletEnabled val="1"/>
+        </dgm:presLayoutVars>
+      </dgm:prSet>
+      <dgm:spPr/>
+    </dgm:pt>
+    <dgm:pt modelId="{81AE244A-ACAE-4064-A376-2039CC6B9336}" type="pres">
+      <dgm:prSet presAssocID="{CB7ABF0C-EFED-4F31-BD44-052BE6F5100B}" presName="sibTrans" presStyleCnt="0"/>
+      <dgm:spPr/>
+    </dgm:pt>
+    <dgm:pt modelId="{934ED973-1803-4FC8-B34C-AD15C19E8FBD}" type="pres">
+      <dgm:prSet presAssocID="{E65C3689-342A-4A03-9CCD-B300B9B2CBEC}" presName="node" presStyleLbl="node1" presStyleIdx="2" presStyleCnt="4">
+        <dgm:presLayoutVars>
+          <dgm:bulletEnabled val="1"/>
+        </dgm:presLayoutVars>
+      </dgm:prSet>
+      <dgm:spPr/>
+    </dgm:pt>
+    <dgm:pt modelId="{F9DF704A-3347-4FBB-AFF1-B678A2138101}" type="pres">
+      <dgm:prSet presAssocID="{5895AD36-3038-4282-968B-8E42B1E2559A}" presName="sibTrans" presStyleCnt="0"/>
+      <dgm:spPr/>
+    </dgm:pt>
+    <dgm:pt modelId="{9C5162CE-84C5-4E00-A631-672D63BAD04B}" type="pres">
+      <dgm:prSet presAssocID="{A4B21D1A-CA9C-4260-849E-8E67BA04FF26}" presName="node" presStyleLbl="node1" presStyleIdx="3" presStyleCnt="4">
+        <dgm:presLayoutVars>
+          <dgm:bulletEnabled val="1"/>
+        </dgm:presLayoutVars>
+      </dgm:prSet>
+      <dgm:spPr/>
+    </dgm:pt>
+  </dgm:ptLst>
+  <dgm:cxnLst>
+    <dgm:cxn modelId="{AED3B327-F099-4CE0-9C56-00CBD8E1D734}" srcId="{11027761-80F1-4D02-A98A-88ED93A997B1}" destId="{A378429E-0D63-437B-8C45-E4DFDCF8B9BE}" srcOrd="1" destOrd="0" parTransId="{8F019581-96ED-4B46-8F03-11E8A6B3EE8A}" sibTransId="{CB7ABF0C-EFED-4F31-BD44-052BE6F5100B}"/>
+    <dgm:cxn modelId="{FA7DBF35-0A17-48C6-B049-108DF576820D}" srcId="{11027761-80F1-4D02-A98A-88ED93A997B1}" destId="{20DE2830-2735-40A9-98CD-49FADAD85410}" srcOrd="0" destOrd="0" parTransId="{3EB4A3CC-7FC3-400A-B4E0-48A48525F82D}" sibTransId="{94C50E3C-0BA8-4488-9043-2507755ABAE4}"/>
+    <dgm:cxn modelId="{E8201079-F598-448D-B3FE-610A1697B74B}" type="presOf" srcId="{E65C3689-342A-4A03-9CCD-B300B9B2CBEC}" destId="{934ED973-1803-4FC8-B34C-AD15C19E8FBD}" srcOrd="0" destOrd="0" presId="urn:microsoft.com/office/officeart/2005/8/layout/default"/>
+    <dgm:cxn modelId="{4B058E8B-2C6C-4F2B-BA19-E0733730DBAD}" type="presOf" srcId="{A4B21D1A-CA9C-4260-849E-8E67BA04FF26}" destId="{9C5162CE-84C5-4E00-A631-672D63BAD04B}" srcOrd="0" destOrd="0" presId="urn:microsoft.com/office/officeart/2005/8/layout/default"/>
+    <dgm:cxn modelId="{852FB18C-8EA9-4CD8-8715-061C2FC34CD1}" type="presOf" srcId="{A378429E-0D63-437B-8C45-E4DFDCF8B9BE}" destId="{06541338-3932-4C7E-9908-1942581BA07D}" srcOrd="0" destOrd="0" presId="urn:microsoft.com/office/officeart/2005/8/layout/default"/>
+    <dgm:cxn modelId="{A2407390-C4F5-4667-8924-F3281AF629D0}" srcId="{11027761-80F1-4D02-A98A-88ED93A997B1}" destId="{A4B21D1A-CA9C-4260-849E-8E67BA04FF26}" srcOrd="3" destOrd="0" parTransId="{C878BB1A-2B49-4EEA-B849-2DB035E13983}" sibTransId="{526B8364-0ED1-4819-AF63-E0490E7FEED3}"/>
+    <dgm:cxn modelId="{0BDE0A9A-A16E-4C2C-A17D-4AAB335F3DBF}" srcId="{11027761-80F1-4D02-A98A-88ED93A997B1}" destId="{E65C3689-342A-4A03-9CCD-B300B9B2CBEC}" srcOrd="2" destOrd="0" parTransId="{BDD57DF7-01BF-4558-A3D7-FBD5622018DD}" sibTransId="{5895AD36-3038-4282-968B-8E42B1E2559A}"/>
+    <dgm:cxn modelId="{D488AFC2-0F8E-42FF-B1E6-83B299E3723A}" type="presOf" srcId="{11027761-80F1-4D02-A98A-88ED93A997B1}" destId="{EE3D523A-AF9C-4068-833B-F06CABF3D58E}" srcOrd="0" destOrd="0" presId="urn:microsoft.com/office/officeart/2005/8/layout/default"/>
+    <dgm:cxn modelId="{E9A186DA-8F5A-4856-9BA4-88297A975E93}" type="presOf" srcId="{20DE2830-2735-40A9-98CD-49FADAD85410}" destId="{70E99B97-9C24-494E-A8E0-87309C6D9FD9}" srcOrd="0" destOrd="0" presId="urn:microsoft.com/office/officeart/2005/8/layout/default"/>
+    <dgm:cxn modelId="{207E4CF4-A9A8-48DC-87B3-711579EF526A}" type="presParOf" srcId="{EE3D523A-AF9C-4068-833B-F06CABF3D58E}" destId="{70E99B97-9C24-494E-A8E0-87309C6D9FD9}" srcOrd="0" destOrd="0" presId="urn:microsoft.com/office/officeart/2005/8/layout/default"/>
+    <dgm:cxn modelId="{F3294AFC-7BCA-44FA-9279-1C3652CE695A}" type="presParOf" srcId="{EE3D523A-AF9C-4068-833B-F06CABF3D58E}" destId="{C1712D13-AC50-4589-B092-80244ACE0297}" srcOrd="1" destOrd="0" presId="urn:microsoft.com/office/officeart/2005/8/layout/default"/>
+    <dgm:cxn modelId="{FC40A877-08F1-4FBB-94C9-DA4996CC3FE7}" type="presParOf" srcId="{EE3D523A-AF9C-4068-833B-F06CABF3D58E}" destId="{06541338-3932-4C7E-9908-1942581BA07D}" srcOrd="2" destOrd="0" presId="urn:microsoft.com/office/officeart/2005/8/layout/default"/>
+    <dgm:cxn modelId="{213D4701-2255-49AE-A5EE-B47D628B6079}" type="presParOf" srcId="{EE3D523A-AF9C-4068-833B-F06CABF3D58E}" destId="{81AE244A-ACAE-4064-A376-2039CC6B9336}" srcOrd="3" destOrd="0" presId="urn:microsoft.com/office/officeart/2005/8/layout/default"/>
+    <dgm:cxn modelId="{3FF9998B-5A5F-40E8-AB7A-65933BEDB8DB}" type="presParOf" srcId="{EE3D523A-AF9C-4068-833B-F06CABF3D58E}" destId="{934ED973-1803-4FC8-B34C-AD15C19E8FBD}" srcOrd="4" destOrd="0" presId="urn:microsoft.com/office/officeart/2005/8/layout/default"/>
+    <dgm:cxn modelId="{017855BE-D1B0-4376-AD2A-653DF04C7E8A}" type="presParOf" srcId="{EE3D523A-AF9C-4068-833B-F06CABF3D58E}" destId="{F9DF704A-3347-4FBB-AFF1-B678A2138101}" srcOrd="5" destOrd="0" presId="urn:microsoft.com/office/officeart/2005/8/layout/default"/>
+    <dgm:cxn modelId="{78E405EE-1611-491A-8BF6-55E13A5288CD}" type="presParOf" srcId="{EE3D523A-AF9C-4068-833B-F06CABF3D58E}" destId="{9C5162CE-84C5-4E00-A631-672D63BAD04B}" srcOrd="6" destOrd="0" presId="urn:microsoft.com/office/officeart/2005/8/layout/default"/>
+  </dgm:cxnLst>
+  <dgm:bg/>
+  <dgm:whole/>
+  <dgm:extLst>
+    <a:ext uri="http://schemas.microsoft.com/office/drawing/2008/diagram">
+      <dsp:dataModelExt xmlns:dsp="http://schemas.microsoft.com/office/drawing/2008/diagram" relId="rId6" minVer="http://schemas.openxmlformats.org/drawingml/2006/diagram"/>
+    </a:ext>
+  </dgm:extLst>
+</dgm:dataModel>
+</file>
+
+<file path=ppt/diagrams/data3.xml><?xml version="1.0" encoding="utf-8"?>
+<dgm:dataModel xmlns:dgm="http://schemas.openxmlformats.org/drawingml/2006/diagram" xmlns:a="http://schemas.openxmlformats.org/drawingml/2006/main">
+  <dgm:ptLst>
     <dgm:pt modelId="{57215324-4B36-4698-928B-A519AAB8B2BA}" type="doc">
       <dgm:prSet loTypeId="urn:microsoft.com/office/officeart/2005/8/layout/StepDownProcess" loCatId="process" qsTypeId="urn:microsoft.com/office/officeart/2005/8/quickstyle/simple1" qsCatId="simple" csTypeId="urn:microsoft.com/office/officeart/2005/8/colors/accent0_3" csCatId="mainScheme" phldr="1"/>
       <dgm:spPr/>
@@ -4987,7 +6158,7 @@
 </dgm:dataModel>
 </file>
 
-<file path=ppt/diagrams/data3.xml><?xml version="1.0" encoding="utf-8"?>
+<file path=ppt/diagrams/data4.xml><?xml version="1.0" encoding="utf-8"?>
 <dgm:dataModel xmlns:dgm="http://schemas.openxmlformats.org/drawingml/2006/diagram" xmlns:a="http://schemas.openxmlformats.org/drawingml/2006/main">
   <dgm:ptLst>
     <dgm:pt modelId="{57215324-4B36-4698-928B-A519AAB8B2BA}" type="doc">
@@ -5332,7 +6503,7 @@
 </dgm:dataModel>
 </file>
 
-<file path=ppt/diagrams/data4.xml><?xml version="1.0" encoding="utf-8"?>
+<file path=ppt/diagrams/data5.xml><?xml version="1.0" encoding="utf-8"?>
 <dgm:dataModel xmlns:dgm="http://schemas.openxmlformats.org/drawingml/2006/diagram" xmlns:a="http://schemas.openxmlformats.org/drawingml/2006/main">
   <dgm:ptLst>
     <dgm:pt modelId="{832F8164-F727-0341-8AA5-4789E2A8F365}" type="doc">
@@ -5582,7 +6753,7 @@
 </dgm:dataModel>
 </file>
 
-<file path=ppt/diagrams/data5.xml><?xml version="1.0" encoding="utf-8"?>
+<file path=ppt/diagrams/data6.xml><?xml version="1.0" encoding="utf-8"?>
 <dgm:dataModel xmlns:dgm="http://schemas.openxmlformats.org/drawingml/2006/diagram" xmlns:a="http://schemas.openxmlformats.org/drawingml/2006/main">
   <dgm:ptLst>
     <dgm:pt modelId="{AE1D7970-BE85-4013-8F11-ED6DCD9416BD}" type="doc">
@@ -8398,6 +9569,613 @@
       <dsp:cNvGrpSpPr/>
     </dsp:nvGrpSpPr>
     <dsp:grpSpPr/>
+    <dsp:sp modelId="{70E99B97-9C24-494E-A8E0-87309C6D9FD9}">
+      <dsp:nvSpPr>
+        <dsp:cNvPr id="0" name=""/>
+        <dsp:cNvSpPr/>
+      </dsp:nvSpPr>
+      <dsp:spPr>
+        <a:xfrm>
+          <a:off x="879" y="448383"/>
+          <a:ext cx="3428834" cy="2057300"/>
+        </a:xfrm>
+        <a:prstGeom prst="rect">
+          <a:avLst/>
+        </a:prstGeom>
+        <a:solidFill>
+          <a:schemeClr val="bg2">
+            <a:lumMod val="75000"/>
+          </a:schemeClr>
+        </a:solidFill>
+        <a:ln w="19050" cap="rnd" cmpd="sng" algn="ctr">
+          <a:solidFill>
+            <a:schemeClr val="lt1">
+              <a:hueOff val="0"/>
+              <a:satOff val="0"/>
+              <a:lumOff val="0"/>
+              <a:alphaOff val="0"/>
+            </a:schemeClr>
+          </a:solidFill>
+          <a:prstDash val="solid"/>
+        </a:ln>
+        <a:effectLst/>
+      </dsp:spPr>
+      <dsp:style>
+        <a:lnRef idx="2">
+          <a:scrgbClr r="0" g="0" b="0"/>
+        </a:lnRef>
+        <a:fillRef idx="1">
+          <a:scrgbClr r="0" g="0" b="0"/>
+        </a:fillRef>
+        <a:effectRef idx="0">
+          <a:scrgbClr r="0" g="0" b="0"/>
+        </a:effectRef>
+        <a:fontRef idx="minor">
+          <a:schemeClr val="lt1"/>
+        </a:fontRef>
+      </dsp:style>
+      <dsp:txBody>
+        <a:bodyPr spcFirstLastPara="0" vert="horz" wrap="square" lIns="76200" tIns="76200" rIns="76200" bIns="76200" numCol="1" spcCol="1270" anchor="ctr" anchorCtr="0">
+          <a:noAutofit/>
+        </a:bodyPr>
+        <a:lstStyle/>
+        <a:p>
+          <a:pPr marL="0" lvl="0" indent="0" algn="l" defTabSz="889000">
+            <a:lnSpc>
+              <a:spcPct val="90000"/>
+            </a:lnSpc>
+            <a:spcBef>
+              <a:spcPct val="0"/>
+            </a:spcBef>
+            <a:spcAft>
+              <a:spcPct val="35000"/>
+            </a:spcAft>
+            <a:buNone/>
+          </a:pPr>
+          <a:r>
+            <a:rPr lang="en-US" sz="2000" b="1" kern="1200" dirty="0">
+              <a:latin typeface="Questrial"/>
+            </a:rPr>
+            <a:t>Income</a:t>
+          </a:r>
+          <a:r>
+            <a:rPr lang="en-US" sz="2000" kern="1200" dirty="0">
+              <a:latin typeface="Questrial"/>
+            </a:rPr>
+            <a:t>  </a:t>
+          </a:r>
+          <a:r>
+            <a:rPr lang="en-US" sz="2000" b="1" kern="1200" dirty="0">
+              <a:latin typeface="Questrial"/>
+            </a:rPr>
+            <a:t>&gt;&gt; IRS</a:t>
+          </a:r>
+        </a:p>
+        <a:p>
+          <a:pPr marL="0" lvl="0" indent="0" algn="l" defTabSz="889000">
+            <a:lnSpc>
+              <a:spcPct val="90000"/>
+            </a:lnSpc>
+            <a:spcBef>
+              <a:spcPct val="0"/>
+            </a:spcBef>
+            <a:spcAft>
+              <a:spcPct val="35000"/>
+            </a:spcAft>
+            <a:buNone/>
+          </a:pPr>
+          <a:r>
+            <a:rPr lang="en-US" sz="2000" kern="1200" dirty="0">
+              <a:latin typeface="Questrial"/>
+            </a:rPr>
+            <a:t>Challenges :  </a:t>
+          </a:r>
+        </a:p>
+        <a:p>
+          <a:pPr marL="0" lvl="0" indent="0" algn="l" defTabSz="889000">
+            <a:lnSpc>
+              <a:spcPct val="90000"/>
+            </a:lnSpc>
+            <a:spcBef>
+              <a:spcPct val="0"/>
+            </a:spcBef>
+            <a:spcAft>
+              <a:spcPct val="35000"/>
+            </a:spcAft>
+            <a:buNone/>
+          </a:pPr>
+          <a:r>
+            <a:rPr lang="en-US" sz="2000" kern="1200" dirty="0">
+              <a:latin typeface="Questrial"/>
+            </a:rPr>
+            <a:t>- Inconsistent data structures</a:t>
+          </a:r>
+        </a:p>
+        <a:p>
+          <a:pPr marL="0" lvl="0" indent="0" algn="l" defTabSz="889000">
+            <a:lnSpc>
+              <a:spcPct val="90000"/>
+            </a:lnSpc>
+            <a:spcBef>
+              <a:spcPct val="0"/>
+            </a:spcBef>
+            <a:spcAft>
+              <a:spcPct val="35000"/>
+            </a:spcAft>
+            <a:buNone/>
+          </a:pPr>
+          <a:r>
+            <a:rPr lang="en-US" sz="2000" kern="1200" dirty="0">
+              <a:latin typeface="Questrial"/>
+            </a:rPr>
+            <a:t>- Dealing with several data files</a:t>
+          </a:r>
+        </a:p>
+      </dsp:txBody>
+      <dsp:txXfrm>
+        <a:off x="879" y="448383"/>
+        <a:ext cx="3428834" cy="2057300"/>
+      </dsp:txXfrm>
+    </dsp:sp>
+    <dsp:sp modelId="{06541338-3932-4C7E-9908-1942581BA07D}">
+      <dsp:nvSpPr>
+        <dsp:cNvPr id="0" name=""/>
+        <dsp:cNvSpPr/>
+      </dsp:nvSpPr>
+      <dsp:spPr>
+        <a:xfrm>
+          <a:off x="3772597" y="448383"/>
+          <a:ext cx="3428834" cy="2057300"/>
+        </a:xfrm>
+        <a:prstGeom prst="rect">
+          <a:avLst/>
+        </a:prstGeom>
+        <a:solidFill>
+          <a:schemeClr val="bg2">
+            <a:lumMod val="75000"/>
+          </a:schemeClr>
+        </a:solidFill>
+        <a:ln w="19050" cap="rnd" cmpd="sng" algn="ctr">
+          <a:solidFill>
+            <a:schemeClr val="lt1">
+              <a:hueOff val="0"/>
+              <a:satOff val="0"/>
+              <a:lumOff val="0"/>
+              <a:alphaOff val="0"/>
+            </a:schemeClr>
+          </a:solidFill>
+          <a:prstDash val="solid"/>
+        </a:ln>
+        <a:effectLst/>
+      </dsp:spPr>
+      <dsp:style>
+        <a:lnRef idx="2">
+          <a:scrgbClr r="0" g="0" b="0"/>
+        </a:lnRef>
+        <a:fillRef idx="1">
+          <a:scrgbClr r="0" g="0" b="0"/>
+        </a:fillRef>
+        <a:effectRef idx="0">
+          <a:scrgbClr r="0" g="0" b="0"/>
+        </a:effectRef>
+        <a:fontRef idx="minor">
+          <a:schemeClr val="lt1"/>
+        </a:fontRef>
+      </dsp:style>
+      <dsp:txBody>
+        <a:bodyPr spcFirstLastPara="0" vert="horz" wrap="square" lIns="76200" tIns="76200" rIns="76200" bIns="76200" numCol="1" spcCol="1270" anchor="ctr" anchorCtr="0">
+          <a:noAutofit/>
+        </a:bodyPr>
+        <a:lstStyle/>
+        <a:p>
+          <a:pPr marL="0" lvl="0" indent="0" algn="l" defTabSz="889000">
+            <a:lnSpc>
+              <a:spcPct val="90000"/>
+            </a:lnSpc>
+            <a:spcBef>
+              <a:spcPct val="0"/>
+            </a:spcBef>
+            <a:spcAft>
+              <a:spcPct val="35000"/>
+            </a:spcAft>
+            <a:buNone/>
+          </a:pPr>
+          <a:r>
+            <a:rPr lang="en-US" sz="2000" b="1" kern="1200" dirty="0">
+              <a:latin typeface="Questrial"/>
+            </a:rPr>
+            <a:t>Sales &gt;&gt; NYC DOF</a:t>
+          </a:r>
+          <a:endParaRPr lang="en-US" sz="2000" kern="1200" dirty="0">
+            <a:latin typeface="Questrial"/>
+          </a:endParaRPr>
+        </a:p>
+        <a:p>
+          <a:pPr marL="0" lvl="0" indent="0" algn="l" defTabSz="889000">
+            <a:lnSpc>
+              <a:spcPct val="90000"/>
+            </a:lnSpc>
+            <a:spcBef>
+              <a:spcPct val="0"/>
+            </a:spcBef>
+            <a:spcAft>
+              <a:spcPct val="35000"/>
+            </a:spcAft>
+            <a:buNone/>
+          </a:pPr>
+          <a:r>
+            <a:rPr lang="en-US" sz="2000" kern="1200" dirty="0">
+              <a:latin typeface="Questrial"/>
+            </a:rPr>
+            <a:t>Challenges :  </a:t>
+          </a:r>
+        </a:p>
+        <a:p>
+          <a:pPr marL="0" lvl="0" indent="0" algn="l" defTabSz="889000">
+            <a:lnSpc>
+              <a:spcPct val="90000"/>
+            </a:lnSpc>
+            <a:spcBef>
+              <a:spcPct val="0"/>
+            </a:spcBef>
+            <a:spcAft>
+              <a:spcPct val="35000"/>
+            </a:spcAft>
+            <a:buNone/>
+          </a:pPr>
+          <a:r>
+            <a:rPr lang="en-US" sz="2000" kern="1200" dirty="0">
+              <a:latin typeface="Questrial"/>
+            </a:rPr>
+            <a:t>- Unexpected data types</a:t>
+          </a:r>
+        </a:p>
+        <a:p>
+          <a:pPr marL="0" lvl="0" indent="0" algn="l" defTabSz="889000">
+            <a:lnSpc>
+              <a:spcPct val="90000"/>
+            </a:lnSpc>
+            <a:spcBef>
+              <a:spcPct val="0"/>
+            </a:spcBef>
+            <a:spcAft>
+              <a:spcPct val="35000"/>
+            </a:spcAft>
+            <a:buNone/>
+          </a:pPr>
+          <a:r>
+            <a:rPr lang="en-US" sz="2000" kern="1200" dirty="0">
+              <a:latin typeface="Questrial"/>
+            </a:rPr>
+            <a:t>- Errors merging </a:t>
+          </a:r>
+          <a:r>
+            <a:rPr lang="en-US" sz="2000" kern="1200" dirty="0" err="1">
+              <a:latin typeface="Questrial"/>
+            </a:rPr>
+            <a:t>dataframes</a:t>
+          </a:r>
+          <a:endParaRPr lang="en-US" sz="2000" kern="1200" dirty="0">
+            <a:latin typeface="Questrial"/>
+          </a:endParaRPr>
+        </a:p>
+      </dsp:txBody>
+      <dsp:txXfrm>
+        <a:off x="3772597" y="448383"/>
+        <a:ext cx="3428834" cy="2057300"/>
+      </dsp:txXfrm>
+    </dsp:sp>
+    <dsp:sp modelId="{934ED973-1803-4FC8-B34C-AD15C19E8FBD}">
+      <dsp:nvSpPr>
+        <dsp:cNvPr id="0" name=""/>
+        <dsp:cNvSpPr/>
+      </dsp:nvSpPr>
+      <dsp:spPr>
+        <a:xfrm>
+          <a:off x="879" y="2848567"/>
+          <a:ext cx="3428834" cy="2057300"/>
+        </a:xfrm>
+        <a:prstGeom prst="rect">
+          <a:avLst/>
+        </a:prstGeom>
+        <a:solidFill>
+          <a:schemeClr val="bg2">
+            <a:lumMod val="75000"/>
+          </a:schemeClr>
+        </a:solidFill>
+        <a:ln w="19050" cap="rnd" cmpd="sng" algn="ctr">
+          <a:solidFill>
+            <a:schemeClr val="lt1">
+              <a:hueOff val="0"/>
+              <a:satOff val="0"/>
+              <a:lumOff val="0"/>
+              <a:alphaOff val="0"/>
+            </a:schemeClr>
+          </a:solidFill>
+          <a:prstDash val="solid"/>
+        </a:ln>
+        <a:effectLst/>
+      </dsp:spPr>
+      <dsp:style>
+        <a:lnRef idx="2">
+          <a:scrgbClr r="0" g="0" b="0"/>
+        </a:lnRef>
+        <a:fillRef idx="1">
+          <a:scrgbClr r="0" g="0" b="0"/>
+        </a:fillRef>
+        <a:effectRef idx="0">
+          <a:scrgbClr r="0" g="0" b="0"/>
+        </a:effectRef>
+        <a:fontRef idx="minor">
+          <a:schemeClr val="lt1"/>
+        </a:fontRef>
+      </dsp:style>
+      <dsp:txBody>
+        <a:bodyPr spcFirstLastPara="0" vert="horz" wrap="square" lIns="76200" tIns="76200" rIns="76200" bIns="76200" numCol="1" spcCol="1270" anchor="ctr" anchorCtr="0">
+          <a:noAutofit/>
+        </a:bodyPr>
+        <a:lstStyle/>
+        <a:p>
+          <a:pPr marL="0" lvl="0" indent="0" algn="l" defTabSz="889000">
+            <a:lnSpc>
+              <a:spcPct val="90000"/>
+            </a:lnSpc>
+            <a:spcBef>
+              <a:spcPct val="0"/>
+            </a:spcBef>
+            <a:spcAft>
+              <a:spcPct val="35000"/>
+            </a:spcAft>
+            <a:buNone/>
+          </a:pPr>
+          <a:r>
+            <a:rPr lang="en-US" sz="2000" b="1" kern="1200" baseline="0" dirty="0">
+              <a:latin typeface="Questrial"/>
+            </a:rPr>
+            <a:t>Opportunity Zone</a:t>
+          </a:r>
+          <a:r>
+            <a:rPr lang="en-US" sz="2000" kern="1200" baseline="0" dirty="0">
+              <a:latin typeface="Questrial"/>
+            </a:rPr>
+            <a:t> </a:t>
+          </a:r>
+          <a:r>
+            <a:rPr lang="en-US" sz="2000" b="1" kern="1200" baseline="0" dirty="0">
+              <a:latin typeface="Questrial"/>
+            </a:rPr>
+            <a:t>&gt;&gt;  NY State</a:t>
+          </a:r>
+        </a:p>
+        <a:p>
+          <a:pPr marL="0" lvl="0" indent="0" algn="l" defTabSz="889000">
+            <a:lnSpc>
+              <a:spcPct val="90000"/>
+            </a:lnSpc>
+            <a:spcBef>
+              <a:spcPct val="0"/>
+            </a:spcBef>
+            <a:spcAft>
+              <a:spcPct val="35000"/>
+            </a:spcAft>
+            <a:buNone/>
+          </a:pPr>
+          <a:r>
+            <a:rPr lang="en-US" sz="2000" kern="1200" baseline="0" dirty="0">
+              <a:latin typeface="Questrial"/>
+            </a:rPr>
+            <a:t>Challenges :  </a:t>
+          </a:r>
+        </a:p>
+        <a:p>
+          <a:pPr marL="0" lvl="0" indent="0" algn="l" defTabSz="889000">
+            <a:lnSpc>
+              <a:spcPct val="90000"/>
+            </a:lnSpc>
+            <a:spcBef>
+              <a:spcPct val="0"/>
+            </a:spcBef>
+            <a:spcAft>
+              <a:spcPct val="35000"/>
+            </a:spcAft>
+            <a:buNone/>
+          </a:pPr>
+          <a:r>
+            <a:rPr lang="en-US" sz="2000" kern="1200" baseline="0" dirty="0">
+              <a:latin typeface="Questrial"/>
+            </a:rPr>
+            <a:t>- Only available as a PDF</a:t>
+          </a:r>
+        </a:p>
+      </dsp:txBody>
+      <dsp:txXfrm>
+        <a:off x="879" y="2848567"/>
+        <a:ext cx="3428834" cy="2057300"/>
+      </dsp:txXfrm>
+    </dsp:sp>
+    <dsp:sp modelId="{9C5162CE-84C5-4E00-A631-672D63BAD04B}">
+      <dsp:nvSpPr>
+        <dsp:cNvPr id="0" name=""/>
+        <dsp:cNvSpPr/>
+      </dsp:nvSpPr>
+      <dsp:spPr>
+        <a:xfrm>
+          <a:off x="3772597" y="2848567"/>
+          <a:ext cx="3428834" cy="2057300"/>
+        </a:xfrm>
+        <a:prstGeom prst="rect">
+          <a:avLst/>
+        </a:prstGeom>
+        <a:solidFill>
+          <a:schemeClr val="bg2">
+            <a:lumMod val="75000"/>
+          </a:schemeClr>
+        </a:solidFill>
+        <a:ln w="19050" cap="rnd" cmpd="sng" algn="ctr">
+          <a:solidFill>
+            <a:schemeClr val="lt1">
+              <a:hueOff val="0"/>
+              <a:satOff val="0"/>
+              <a:lumOff val="0"/>
+              <a:alphaOff val="0"/>
+            </a:schemeClr>
+          </a:solidFill>
+          <a:prstDash val="solid"/>
+        </a:ln>
+        <a:effectLst/>
+      </dsp:spPr>
+      <dsp:style>
+        <a:lnRef idx="2">
+          <a:scrgbClr r="0" g="0" b="0"/>
+        </a:lnRef>
+        <a:fillRef idx="1">
+          <a:scrgbClr r="0" g="0" b="0"/>
+        </a:fillRef>
+        <a:effectRef idx="0">
+          <a:scrgbClr r="0" g="0" b="0"/>
+        </a:effectRef>
+        <a:fontRef idx="minor">
+          <a:schemeClr val="lt1"/>
+        </a:fontRef>
+      </dsp:style>
+      <dsp:txBody>
+        <a:bodyPr spcFirstLastPara="0" vert="horz" wrap="square" lIns="64770" tIns="64770" rIns="64770" bIns="64770" numCol="1" spcCol="1270" anchor="ctr" anchorCtr="0">
+          <a:noAutofit/>
+        </a:bodyPr>
+        <a:lstStyle/>
+        <a:p>
+          <a:pPr marL="0" lvl="0" indent="0" algn="l" defTabSz="755650">
+            <a:lnSpc>
+              <a:spcPct val="90000"/>
+            </a:lnSpc>
+            <a:spcBef>
+              <a:spcPct val="0"/>
+            </a:spcBef>
+            <a:spcAft>
+              <a:spcPct val="35000"/>
+            </a:spcAft>
+            <a:buNone/>
+          </a:pPr>
+          <a:endParaRPr lang="en-US" sz="1700" b="1" kern="1200" dirty="0">
+            <a:latin typeface="Questrial"/>
+          </a:endParaRPr>
+        </a:p>
+        <a:p>
+          <a:pPr marL="0" lvl="0" indent="0" algn="l" defTabSz="755650">
+            <a:lnSpc>
+              <a:spcPct val="90000"/>
+            </a:lnSpc>
+            <a:spcBef>
+              <a:spcPct val="0"/>
+            </a:spcBef>
+            <a:spcAft>
+              <a:spcPct val="35000"/>
+            </a:spcAft>
+            <a:buNone/>
+          </a:pPr>
+          <a:r>
+            <a:rPr lang="en-US" sz="2000" b="1" kern="1200" dirty="0">
+              <a:latin typeface="Questrial"/>
+            </a:rPr>
+            <a:t>Crime &gt;&gt; NYPD</a:t>
+          </a:r>
+          <a:endParaRPr lang="en-US" sz="2000" kern="1200" dirty="0">
+            <a:latin typeface="Questrial"/>
+          </a:endParaRPr>
+        </a:p>
+        <a:p>
+          <a:pPr marL="0" lvl="0" indent="0" algn="l" defTabSz="755650">
+            <a:lnSpc>
+              <a:spcPct val="90000"/>
+            </a:lnSpc>
+            <a:spcBef>
+              <a:spcPct val="0"/>
+            </a:spcBef>
+            <a:spcAft>
+              <a:spcPct val="35000"/>
+            </a:spcAft>
+            <a:buNone/>
+          </a:pPr>
+          <a:r>
+            <a:rPr lang="en-US" sz="2000" kern="1200" dirty="0">
+              <a:latin typeface="Questrial"/>
+            </a:rPr>
+            <a:t>Challenges :  </a:t>
+          </a:r>
+        </a:p>
+        <a:p>
+          <a:pPr marL="0" lvl="0" indent="0" algn="l" defTabSz="755650">
+            <a:lnSpc>
+              <a:spcPct val="90000"/>
+            </a:lnSpc>
+            <a:spcBef>
+              <a:spcPct val="0"/>
+            </a:spcBef>
+            <a:spcAft>
+              <a:spcPct val="35000"/>
+            </a:spcAft>
+            <a:buNone/>
+          </a:pPr>
+          <a:r>
+            <a:rPr lang="en-US" sz="2000" kern="1200" dirty="0">
+              <a:latin typeface="Questrial"/>
+            </a:rPr>
+            <a:t>- Not enough reliable data</a:t>
+          </a:r>
+        </a:p>
+        <a:p>
+          <a:pPr marL="0" lvl="0" indent="0" algn="l" defTabSz="755650">
+            <a:lnSpc>
+              <a:spcPct val="90000"/>
+            </a:lnSpc>
+            <a:spcBef>
+              <a:spcPct val="0"/>
+            </a:spcBef>
+            <a:spcAft>
+              <a:spcPct val="35000"/>
+            </a:spcAft>
+            <a:buNone/>
+          </a:pPr>
+          <a:r>
+            <a:rPr lang="en-US" sz="2000" kern="1200" dirty="0">
+              <a:latin typeface="Questrial"/>
+            </a:rPr>
+            <a:t>- No available precinct mapping</a:t>
+          </a:r>
+        </a:p>
+        <a:p>
+          <a:pPr marL="0" lvl="0" indent="0" algn="ctr" defTabSz="755650">
+            <a:lnSpc>
+              <a:spcPct val="90000"/>
+            </a:lnSpc>
+            <a:spcBef>
+              <a:spcPct val="0"/>
+            </a:spcBef>
+            <a:spcAft>
+              <a:spcPct val="35000"/>
+            </a:spcAft>
+            <a:buNone/>
+          </a:pPr>
+          <a:endParaRPr lang="en-US" sz="1700" kern="1200" dirty="0"/>
+        </a:p>
+      </dsp:txBody>
+      <dsp:txXfrm>
+        <a:off x="3772597" y="2848567"/>
+        <a:ext cx="3428834" cy="2057300"/>
+      </dsp:txXfrm>
+    </dsp:sp>
+  </dsp:spTree>
+</dsp:drawing>
+</file>
+
+<file path=ppt/diagrams/drawing3.xml><?xml version="1.0" encoding="utf-8"?>
+<dsp:drawing xmlns:dgm="http://schemas.openxmlformats.org/drawingml/2006/diagram" xmlns:dsp="http://schemas.microsoft.com/office/drawing/2008/diagram" xmlns:a="http://schemas.openxmlformats.org/drawingml/2006/main">
+  <dsp:spTree>
+    <dsp:nvGrpSpPr>
+      <dsp:cNvPr id="0" name=""/>
+      <dsp:cNvGrpSpPr/>
+    </dsp:nvGrpSpPr>
+    <dsp:grpSpPr/>
     <dsp:sp modelId="{EF1439CA-CDE0-45DB-8D3D-F1704EAC71C2}">
       <dsp:nvSpPr>
         <dsp:cNvPr id="0" name=""/>
@@ -9209,7 +10987,7 @@
 </dsp:drawing>
 </file>
 
-<file path=ppt/diagrams/drawing3.xml><?xml version="1.0" encoding="utf-8"?>
+<file path=ppt/diagrams/drawing4.xml><?xml version="1.0" encoding="utf-8"?>
 <dsp:drawing xmlns:dgm="http://schemas.openxmlformats.org/drawingml/2006/diagram" xmlns:dsp="http://schemas.microsoft.com/office/drawing/2008/diagram" xmlns:a="http://schemas.openxmlformats.org/drawingml/2006/main">
   <dsp:spTree>
     <dsp:nvGrpSpPr>
@@ -9819,7 +11597,7 @@
 </dsp:drawing>
 </file>
 
-<file path=ppt/diagrams/drawing4.xml><?xml version="1.0" encoding="utf-8"?>
+<file path=ppt/diagrams/drawing5.xml><?xml version="1.0" encoding="utf-8"?>
 <dsp:drawing xmlns:dgm="http://schemas.openxmlformats.org/drawingml/2006/diagram" xmlns:dsp="http://schemas.microsoft.com/office/drawing/2008/diagram" xmlns:a="http://schemas.openxmlformats.org/drawingml/2006/main">
   <dsp:spTree>
     <dsp:nvGrpSpPr>
@@ -10206,7 +11984,7 @@
 </dsp:drawing>
 </file>
 
-<file path=ppt/diagrams/drawing5.xml><?xml version="1.0" encoding="utf-8"?>
+<file path=ppt/diagrams/drawing6.xml><?xml version="1.0" encoding="utf-8"?>
 <dsp:drawing xmlns:dgm="http://schemas.openxmlformats.org/drawingml/2006/diagram" xmlns:dsp="http://schemas.microsoft.com/office/drawing/2008/diagram" xmlns:a="http://schemas.openxmlformats.org/drawingml/2006/main">
   <dsp:spTree>
     <dsp:nvGrpSpPr>
@@ -13247,42 +15025,38 @@
 </file>
 
 <file path=ppt/diagrams/layout2.xml><?xml version="1.0" encoding="utf-8"?>
-<dgm:layoutDef xmlns:dgm="http://schemas.openxmlformats.org/drawingml/2006/diagram" xmlns:a="http://schemas.openxmlformats.org/drawingml/2006/main" uniqueId="urn:microsoft.com/office/officeart/2005/8/layout/StepDownProcess">
+<dgm:layoutDef xmlns:dgm="http://schemas.openxmlformats.org/drawingml/2006/diagram" xmlns:a="http://schemas.openxmlformats.org/drawingml/2006/main" uniqueId="urn:microsoft.com/office/officeart/2005/8/layout/default">
   <dgm:title val=""/>
   <dgm:desc val=""/>
   <dgm:catLst>
-    <dgm:cat type="process" pri="1600"/>
+    <dgm:cat type="list" pri="400"/>
   </dgm:catLst>
   <dgm:sampData>
     <dgm:dataModel>
       <dgm:ptLst>
         <dgm:pt modelId="0" type="doc"/>
-        <dgm:pt modelId="10">
+        <dgm:pt modelId="1">
           <dgm:prSet phldr="1"/>
         </dgm:pt>
-        <dgm:pt modelId="11">
+        <dgm:pt modelId="2">
           <dgm:prSet phldr="1"/>
         </dgm:pt>
-        <dgm:pt modelId="20">
+        <dgm:pt modelId="3">
           <dgm:prSet phldr="1"/>
         </dgm:pt>
-        <dgm:pt modelId="21">
+        <dgm:pt modelId="4">
           <dgm:prSet phldr="1"/>
         </dgm:pt>
-        <dgm:pt modelId="30">
-          <dgm:prSet phldr="1"/>
-        </dgm:pt>
-        <dgm:pt modelId="31">
+        <dgm:pt modelId="5">
           <dgm:prSet phldr="1"/>
         </dgm:pt>
       </dgm:ptLst>
       <dgm:cxnLst>
-        <dgm:cxn modelId="60" srcId="0" destId="10" srcOrd="0" destOrd="0"/>
-        <dgm:cxn modelId="12" srcId="10" destId="11" srcOrd="0" destOrd="0"/>
-        <dgm:cxn modelId="70" srcId="0" destId="20" srcOrd="1" destOrd="0"/>
-        <dgm:cxn modelId="22" srcId="20" destId="21" srcOrd="0" destOrd="0"/>
-        <dgm:cxn modelId="80" srcId="0" destId="30" srcOrd="2" destOrd="0"/>
-        <dgm:cxn modelId="32" srcId="30" destId="31" srcOrd="0" destOrd="0"/>
+        <dgm:cxn modelId="6" srcId="0" destId="1" srcOrd="0" destOrd="0"/>
+        <dgm:cxn modelId="7" srcId="0" destId="2" srcOrd="1" destOrd="0"/>
+        <dgm:cxn modelId="8" srcId="0" destId="3" srcOrd="2" destOrd="0"/>
+        <dgm:cxn modelId="9" srcId="0" destId="4" srcOrd="3" destOrd="0"/>
+        <dgm:cxn modelId="10" srcId="0" destId="5" srcOrd="4" destOrd="0"/>
       </dgm:cxnLst>
       <dgm:bg/>
       <dgm:whole/>
@@ -13292,16 +15066,12 @@
     <dgm:dataModel>
       <dgm:ptLst>
         <dgm:pt modelId="0" type="doc"/>
-        <dgm:pt modelId="10">
-          <dgm:prSet phldr="1"/>
-        </dgm:pt>
-        <dgm:pt modelId="20">
-          <dgm:prSet phldr="1"/>
-        </dgm:pt>
+        <dgm:pt modelId="1"/>
+        <dgm:pt modelId="2"/>
       </dgm:ptLst>
       <dgm:cxnLst>
-        <dgm:cxn modelId="60" srcId="0" destId="10" srcOrd="0" destOrd="0"/>
-        <dgm:cxn modelId="70" srcId="0" destId="20" srcOrd="1" destOrd="0"/>
+        <dgm:cxn modelId="3" srcId="0" destId="1" srcOrd="0" destOrd="0"/>
+        <dgm:cxn modelId="4" srcId="0" destId="2" srcOrd="1" destOrd="0"/>
       </dgm:cxnLst>
       <dgm:bg/>
       <dgm:whole/>
@@ -13311,252 +15081,89 @@
     <dgm:dataModel>
       <dgm:ptLst>
         <dgm:pt modelId="0" type="doc"/>
-        <dgm:pt modelId="10">
-          <dgm:prSet phldr="1"/>
-        </dgm:pt>
-        <dgm:pt modelId="20">
-          <dgm:prSet phldr="1"/>
-        </dgm:pt>
-        <dgm:pt modelId="30">
-          <dgm:prSet phldr="1"/>
-        </dgm:pt>
-        <dgm:pt modelId="40">
-          <dgm:prSet phldr="1"/>
-        </dgm:pt>
+        <dgm:pt modelId="1"/>
+        <dgm:pt modelId="2"/>
+        <dgm:pt modelId="3"/>
+        <dgm:pt modelId="4"/>
+        <dgm:pt modelId="5"/>
+        <dgm:pt modelId="6"/>
       </dgm:ptLst>
       <dgm:cxnLst>
-        <dgm:cxn modelId="60" srcId="0" destId="10" srcOrd="0" destOrd="0"/>
-        <dgm:cxn modelId="70" srcId="0" destId="20" srcOrd="1" destOrd="0"/>
-        <dgm:cxn modelId="80" srcId="0" destId="30" srcOrd="2" destOrd="0"/>
-        <dgm:cxn modelId="90" srcId="0" destId="40" srcOrd="3" destOrd="0"/>
+        <dgm:cxn modelId="7" srcId="0" destId="1" srcOrd="0" destOrd="0"/>
+        <dgm:cxn modelId="8" srcId="0" destId="2" srcOrd="1" destOrd="0"/>
+        <dgm:cxn modelId="9" srcId="0" destId="3" srcOrd="2" destOrd="0"/>
+        <dgm:cxn modelId="10" srcId="0" destId="4" srcOrd="3" destOrd="0"/>
+        <dgm:cxn modelId="11" srcId="0" destId="5" srcOrd="4" destOrd="0"/>
+        <dgm:cxn modelId="12" srcId="0" destId="6" srcOrd="5" destOrd="0"/>
       </dgm:cxnLst>
       <dgm:bg/>
       <dgm:whole/>
     </dgm:dataModel>
   </dgm:clrData>
-  <dgm:layoutNode name="rootnode">
+  <dgm:layoutNode name="diagram">
     <dgm:varLst>
-      <dgm:chMax/>
-      <dgm:chPref/>
       <dgm:dir/>
-      <dgm:animLvl val="lvl"/>
+      <dgm:resizeHandles val="exact"/>
     </dgm:varLst>
     <dgm:choose name="Name0">
       <dgm:if name="Name1" func="var" arg="dir" op="equ" val="norm">
         <dgm:alg type="snake">
           <dgm:param type="grDir" val="tL"/>
           <dgm:param type="flowDir" val="row"/>
-          <dgm:param type="off" val="off"/>
-          <dgm:param type="bkpt" val="fixed"/>
-          <dgm:param type="bkPtFixedVal" val="1"/>
+          <dgm:param type="contDir" val="sameDir"/>
+          <dgm:param type="off" val="ctr"/>
         </dgm:alg>
       </dgm:if>
       <dgm:else name="Name2">
         <dgm:alg type="snake">
           <dgm:param type="grDir" val="tR"/>
           <dgm:param type="flowDir" val="row"/>
-          <dgm:param type="off" val="off"/>
-          <dgm:param type="bkpt" val="fixed"/>
-          <dgm:param type="bkPtFixedVal" val="1"/>
+          <dgm:param type="contDir" val="sameDir"/>
+          <dgm:param type="off" val="ctr"/>
         </dgm:alg>
       </dgm:else>
     </dgm:choose>
     <dgm:shape xmlns:r="http://schemas.openxmlformats.org/officeDocument/2006/relationships" r:blip="">
       <dgm:adjLst/>
     </dgm:shape>
-    <dgm:choose name="Name3">
-      <dgm:if name="Name4" func="var" arg="dir" op="equ" val="norm">
-        <dgm:constrLst>
-          <dgm:constr type="alignOff" forName="rootnode" val="0.48"/>
-          <dgm:constr type="primFontSz" for="des" forName="ParentText" val="65"/>
-          <dgm:constr type="primFontSz" for="des" forName="ChildText" refType="primFontSz" refFor="des" refForName="ParentText" op="lte"/>
-          <dgm:constr type="w" for="ch" forName="composite" refType="w"/>
-          <dgm:constr type="h" for="ch" forName="composite" refType="h"/>
-          <dgm:constr type="sp" refType="h" refFor="ch" refForName="composite" op="equ" fact="-0.38"/>
-        </dgm:constrLst>
-      </dgm:if>
-      <dgm:else name="Name5">
-        <dgm:constrLst>
-          <dgm:constr type="alignOff" forName="rootnode" val="0.48"/>
-          <dgm:constr type="primFontSz" for="des" forName="ParentText" val="65"/>
-          <dgm:constr type="primFontSz" for="des" forName="ChildText" refType="primFontSz" refFor="des" refForName="ParentText" op="lte"/>
-          <dgm:constr type="w" for="ch" forName="composite" refType="w"/>
-          <dgm:constr type="h" for="ch" forName="composite" refType="h"/>
-          <dgm:constr type="sp" refType="h" refFor="ch" refForName="composite" op="equ" fact="-0.38"/>
-        </dgm:constrLst>
-      </dgm:else>
-    </dgm:choose>
-    <dgm:forEach name="nodesForEach" axis="ch" ptType="node">
-      <dgm:layoutNode name="composite">
-        <dgm:alg type="composite">
-          <dgm:param type="ar" val="1.2439"/>
-        </dgm:alg>
-        <dgm:shape xmlns:r="http://schemas.openxmlformats.org/officeDocument/2006/relationships" r:blip="">
+    <dgm:presOf/>
+    <dgm:constrLst>
+      <dgm:constr type="w" for="ch" forName="node" refType="w"/>
+      <dgm:constr type="h" for="ch" forName="node" refType="w" refFor="ch" refForName="node" fact="0.6"/>
+      <dgm:constr type="w" for="ch" forName="sibTrans" refType="w" refFor="ch" refForName="node" fact="0.1"/>
+      <dgm:constr type="sp" refType="w" refFor="ch" refForName="sibTrans"/>
+      <dgm:constr type="primFontSz" for="ch" forName="node" op="equ" val="65"/>
+    </dgm:constrLst>
+    <dgm:ruleLst/>
+    <dgm:forEach name="Name3" axis="ch" ptType="node">
+      <dgm:layoutNode name="node">
+        <dgm:varLst>
+          <dgm:bulletEnabled val="1"/>
+        </dgm:varLst>
+        <dgm:alg type="tx"/>
+        <dgm:shape xmlns:r="http://schemas.openxmlformats.org/officeDocument/2006/relationships" type="rect" r:blip="">
           <dgm:adjLst/>
         </dgm:shape>
-        <dgm:choose name="Name6">
-          <dgm:if name="Name7" func="var" arg="dir" op="equ" val="norm">
-            <dgm:constrLst>
-              <dgm:constr type="l" for="ch" forName="bentUpArrow1" refType="w" fact="0.07"/>
-              <dgm:constr type="t" for="ch" forName="bentUpArrow1" refType="h" fact="0.524"/>
-              <dgm:constr type="w" for="ch" forName="bentUpArrow1" refType="w" fact="0.3844"/>
-              <dgm:constr type="h" for="ch" forName="bentUpArrow1" refType="h" fact="0.42"/>
-              <dgm:constr type="l" for="ch" forName="ParentText" refType="w" fact="0"/>
-              <dgm:constr type="t" for="ch" forName="ParentText" refType="h" fact="0"/>
-              <dgm:constr type="w" for="ch" forName="ParentText" refType="w" fact="0.5684"/>
-              <dgm:constr type="h" for="ch" forName="ParentText" refType="h" fact="0.4949"/>
-              <dgm:constr type="l" for="ch" forName="ChildText" refType="w" refFor="ch" refForName="ParentText"/>
-              <dgm:constr type="t" for="ch" forName="ChildText" refType="h" fact="0.05"/>
-              <dgm:constr type="w" for="ch" forName="ChildText" refType="w" fact="0.4134"/>
-              <dgm:constr type="h" for="ch" forName="ChildText" refType="h" fact="0.4"/>
-              <dgm:constr type="l" for="ch" forName="FinalChildText" refType="w" refFor="ch" refForName="ParentText"/>
-              <dgm:constr type="t" for="ch" forName="FinalChildText" refType="h" fact="0.05"/>
-              <dgm:constr type="w" for="ch" forName="FinalChildText" refType="w" fact="0.4134"/>
-              <dgm:constr type="h" for="ch" forName="FinalChildText" refType="h" fact="0.4"/>
-            </dgm:constrLst>
-          </dgm:if>
-          <dgm:else name="Name8">
-            <dgm:constrLst>
-              <dgm:constr type="r" for="ch" forName="bentUpArrow1" refType="w" fact="0.97"/>
-              <dgm:constr type="t" for="ch" forName="bentUpArrow1" refType="h" fact="0.524"/>
-              <dgm:constr type="w" for="ch" forName="bentUpArrow1" refType="w" fact="0.3844"/>
-              <dgm:constr type="h" for="ch" forName="bentUpArrow1" refType="h" fact="0.42"/>
-              <dgm:constr type="l" for="ch" forName="ParentText" refType="w" fact="0.4316"/>
-              <dgm:constr type="t" for="ch" forName="ParentText" refType="h" fact="0"/>
-              <dgm:constr type="w" for="ch" forName="ParentText" refType="w" fact="0.5684"/>
-              <dgm:constr type="h" for="ch" forName="ParentText" refType="h" fact="0.4949"/>
-              <dgm:constr type="l" for="ch" forName="ChildText" refType="w" fact="0"/>
-              <dgm:constr type="t" for="ch" forName="ChildText" refType="h" fact="0.05"/>
-              <dgm:constr type="w" for="ch" forName="ChildText" refType="w" fact="0.4134"/>
-              <dgm:constr type="h" for="ch" forName="ChildText" refType="h" fact="0.4"/>
-              <dgm:constr type="l" for="ch" forName="FinalChildText" refType="w" fact="0"/>
-              <dgm:constr type="t" for="ch" forName="FinalChildText" refType="h" fact="0.05"/>
-              <dgm:constr type="w" for="ch" forName="FinalChildText" refType="w" fact="0.4134"/>
-              <dgm:constr type="h" for="ch" forName="FinalChildText" refType="h" fact="0.4"/>
-            </dgm:constrLst>
-          </dgm:else>
-        </dgm:choose>
-        <dgm:choose name="Name9">
-          <dgm:if name="Name10" axis="followSib" ptType="node" func="cnt" op="gte" val="1">
-            <dgm:layoutNode name="bentUpArrow1" styleLbl="alignImgPlace1">
-              <dgm:alg type="sp"/>
-              <dgm:choose name="Name11">
-                <dgm:if name="Name12" func="var" arg="dir" op="equ" val="norm">
-                  <dgm:shape xmlns:r="http://schemas.openxmlformats.org/officeDocument/2006/relationships" rot="90" type="bentUpArrow" r:blip="">
-                    <dgm:adjLst>
-                      <dgm:adj idx="1" val="0.3284"/>
-                      <dgm:adj idx="2" val="0.25"/>
-                      <dgm:adj idx="3" val="0.3578"/>
-                    </dgm:adjLst>
-                  </dgm:shape>
-                </dgm:if>
-                <dgm:else name="Name13">
-                  <dgm:shape xmlns:r="http://schemas.openxmlformats.org/officeDocument/2006/relationships" rot="180" type="bentArrow" r:blip="">
-                    <dgm:adjLst>
-                      <dgm:adj idx="1" val="0.3284"/>
-                      <dgm:adj idx="2" val="0.25"/>
-                      <dgm:adj idx="3" val="0.3578"/>
-                      <dgm:adj idx="4" val="0"/>
-                    </dgm:adjLst>
-                  </dgm:shape>
-                </dgm:else>
-              </dgm:choose>
-              <dgm:presOf/>
-            </dgm:layoutNode>
-          </dgm:if>
-          <dgm:else name="Name14"/>
-        </dgm:choose>
-        <dgm:layoutNode name="ParentText" styleLbl="node1">
-          <dgm:varLst>
-            <dgm:chMax val="1"/>
-            <dgm:chPref val="1"/>
-            <dgm:bulletEnabled val="1"/>
-          </dgm:varLst>
-          <dgm:alg type="tx"/>
-          <dgm:shape xmlns:r="http://schemas.openxmlformats.org/officeDocument/2006/relationships" type="roundRect" r:blip="">
-            <dgm:adjLst>
-              <dgm:adj idx="1" val="0.1667"/>
-            </dgm:adjLst>
-          </dgm:shape>
-          <dgm:presOf axis="self" ptType="node"/>
-          <dgm:constrLst>
-            <dgm:constr type="lMarg" refType="primFontSz" fact="0.3"/>
-            <dgm:constr type="rMarg" refType="primFontSz" fact="0.3"/>
-            <dgm:constr type="tMarg" refType="primFontSz" fact="0.3"/>
-            <dgm:constr type="bMarg" refType="primFontSz" fact="0.3"/>
-          </dgm:constrLst>
-          <dgm:ruleLst>
-            <dgm:rule type="primFontSz" val="5" fact="NaN" max="NaN"/>
-          </dgm:ruleLst>
-        </dgm:layoutNode>
-        <dgm:choose name="Name15">
-          <dgm:if name="Name16" axis="followSib" ptType="node" func="cnt" op="equ" val="0">
-            <dgm:choose name="Name17">
-              <dgm:if name="Name18" axis="ch" ptType="node" func="cnt" op="gte" val="1">
-                <dgm:layoutNode name="FinalChildText" styleLbl="revTx">
-                  <dgm:varLst>
-                    <dgm:chMax val="0"/>
-                    <dgm:chPref val="0"/>
-                    <dgm:bulletEnabled val="1"/>
-                  </dgm:varLst>
-                  <dgm:alg type="tx">
-                    <dgm:param type="stBulletLvl" val="1"/>
-                    <dgm:param type="txAnchorVertCh" val="mid"/>
-                    <dgm:param type="parTxLTRAlign" val="l"/>
-                  </dgm:alg>
-                  <dgm:shape xmlns:r="http://schemas.openxmlformats.org/officeDocument/2006/relationships" type="rect" r:blip="">
-                    <dgm:adjLst/>
-                  </dgm:shape>
-                  <dgm:presOf axis="des" ptType="node"/>
-                  <dgm:constrLst>
-                    <dgm:constr type="lMarg" refType="primFontSz" fact="0.3"/>
-                    <dgm:constr type="rMarg" refType="primFontSz" fact="0.3"/>
-                    <dgm:constr type="tMarg" refType="primFontSz" fact="0.3"/>
-                    <dgm:constr type="bMarg" refType="primFontSz" fact="0.3"/>
-                  </dgm:constrLst>
-                  <dgm:ruleLst>
-                    <dgm:rule type="primFontSz" val="5" fact="NaN" max="NaN"/>
-                  </dgm:ruleLst>
-                </dgm:layoutNode>
-              </dgm:if>
-              <dgm:else name="Name19"/>
-            </dgm:choose>
-          </dgm:if>
-          <dgm:else name="Name20">
-            <dgm:layoutNode name="ChildText" styleLbl="revTx">
-              <dgm:varLst>
-                <dgm:chMax val="0"/>
-                <dgm:chPref val="0"/>
-                <dgm:bulletEnabled val="1"/>
-              </dgm:varLst>
-              <dgm:alg type="tx">
-                <dgm:param type="stBulletLvl" val="1"/>
-                <dgm:param type="txAnchorVertCh" val="mid"/>
-                <dgm:param type="parTxLTRAlign" val="l"/>
-              </dgm:alg>
-              <dgm:shape xmlns:r="http://schemas.openxmlformats.org/officeDocument/2006/relationships" type="rect" r:blip="">
-                <dgm:adjLst/>
-              </dgm:shape>
-              <dgm:presOf axis="des" ptType="node"/>
-              <dgm:constrLst>
-                <dgm:constr type="lMarg" refType="primFontSz" fact="0.3"/>
-                <dgm:constr type="rMarg" refType="primFontSz" fact="0.3"/>
-                <dgm:constr type="tMarg" refType="primFontSz" fact="0.3"/>
-                <dgm:constr type="bMarg" refType="primFontSz" fact="0.3"/>
-              </dgm:constrLst>
-              <dgm:ruleLst>
-                <dgm:rule type="primFontSz" val="5" fact="NaN" max="NaN"/>
-              </dgm:ruleLst>
-            </dgm:layoutNode>
-          </dgm:else>
-        </dgm:choose>
+        <dgm:presOf axis="desOrSelf" ptType="node"/>
+        <dgm:constrLst>
+          <dgm:constr type="lMarg" refType="primFontSz" fact="0.3"/>
+          <dgm:constr type="rMarg" refType="primFontSz" fact="0.3"/>
+          <dgm:constr type="tMarg" refType="primFontSz" fact="0.3"/>
+          <dgm:constr type="bMarg" refType="primFontSz" fact="0.3"/>
+        </dgm:constrLst>
+        <dgm:ruleLst>
+          <dgm:rule type="primFontSz" val="5" fact="NaN" max="NaN"/>
+        </dgm:ruleLst>
       </dgm:layoutNode>
-      <dgm:forEach name="sibTransForEach" axis="followSib" ptType="sibTrans" cnt="1">
+      <dgm:forEach name="Name4" axis="followSib" ptType="sibTrans" cnt="1">
         <dgm:layoutNode name="sibTrans">
           <dgm:alg type="sp"/>
           <dgm:shape xmlns:r="http://schemas.openxmlformats.org/officeDocument/2006/relationships" r:blip="">
             <dgm:adjLst/>
           </dgm:shape>
+          <dgm:presOf/>
+          <dgm:constrLst/>
+          <dgm:ruleLst/>
         </dgm:layoutNode>
       </dgm:forEach>
     </dgm:forEach>
@@ -13883,6 +15490,324 @@
 </file>
 
 <file path=ppt/diagrams/layout4.xml><?xml version="1.0" encoding="utf-8"?>
+<dgm:layoutDef xmlns:dgm="http://schemas.openxmlformats.org/drawingml/2006/diagram" xmlns:a="http://schemas.openxmlformats.org/drawingml/2006/main" uniqueId="urn:microsoft.com/office/officeart/2005/8/layout/StepDownProcess">
+  <dgm:title val=""/>
+  <dgm:desc val=""/>
+  <dgm:catLst>
+    <dgm:cat type="process" pri="1600"/>
+  </dgm:catLst>
+  <dgm:sampData>
+    <dgm:dataModel>
+      <dgm:ptLst>
+        <dgm:pt modelId="0" type="doc"/>
+        <dgm:pt modelId="10">
+          <dgm:prSet phldr="1"/>
+        </dgm:pt>
+        <dgm:pt modelId="11">
+          <dgm:prSet phldr="1"/>
+        </dgm:pt>
+        <dgm:pt modelId="20">
+          <dgm:prSet phldr="1"/>
+        </dgm:pt>
+        <dgm:pt modelId="21">
+          <dgm:prSet phldr="1"/>
+        </dgm:pt>
+        <dgm:pt modelId="30">
+          <dgm:prSet phldr="1"/>
+        </dgm:pt>
+        <dgm:pt modelId="31">
+          <dgm:prSet phldr="1"/>
+        </dgm:pt>
+      </dgm:ptLst>
+      <dgm:cxnLst>
+        <dgm:cxn modelId="60" srcId="0" destId="10" srcOrd="0" destOrd="0"/>
+        <dgm:cxn modelId="12" srcId="10" destId="11" srcOrd="0" destOrd="0"/>
+        <dgm:cxn modelId="70" srcId="0" destId="20" srcOrd="1" destOrd="0"/>
+        <dgm:cxn modelId="22" srcId="20" destId="21" srcOrd="0" destOrd="0"/>
+        <dgm:cxn modelId="80" srcId="0" destId="30" srcOrd="2" destOrd="0"/>
+        <dgm:cxn modelId="32" srcId="30" destId="31" srcOrd="0" destOrd="0"/>
+      </dgm:cxnLst>
+      <dgm:bg/>
+      <dgm:whole/>
+    </dgm:dataModel>
+  </dgm:sampData>
+  <dgm:styleData>
+    <dgm:dataModel>
+      <dgm:ptLst>
+        <dgm:pt modelId="0" type="doc"/>
+        <dgm:pt modelId="10">
+          <dgm:prSet phldr="1"/>
+        </dgm:pt>
+        <dgm:pt modelId="20">
+          <dgm:prSet phldr="1"/>
+        </dgm:pt>
+      </dgm:ptLst>
+      <dgm:cxnLst>
+        <dgm:cxn modelId="60" srcId="0" destId="10" srcOrd="0" destOrd="0"/>
+        <dgm:cxn modelId="70" srcId="0" destId="20" srcOrd="1" destOrd="0"/>
+      </dgm:cxnLst>
+      <dgm:bg/>
+      <dgm:whole/>
+    </dgm:dataModel>
+  </dgm:styleData>
+  <dgm:clrData>
+    <dgm:dataModel>
+      <dgm:ptLst>
+        <dgm:pt modelId="0" type="doc"/>
+        <dgm:pt modelId="10">
+          <dgm:prSet phldr="1"/>
+        </dgm:pt>
+        <dgm:pt modelId="20">
+          <dgm:prSet phldr="1"/>
+        </dgm:pt>
+        <dgm:pt modelId="30">
+          <dgm:prSet phldr="1"/>
+        </dgm:pt>
+        <dgm:pt modelId="40">
+          <dgm:prSet phldr="1"/>
+        </dgm:pt>
+      </dgm:ptLst>
+      <dgm:cxnLst>
+        <dgm:cxn modelId="60" srcId="0" destId="10" srcOrd="0" destOrd="0"/>
+        <dgm:cxn modelId="70" srcId="0" destId="20" srcOrd="1" destOrd="0"/>
+        <dgm:cxn modelId="80" srcId="0" destId="30" srcOrd="2" destOrd="0"/>
+        <dgm:cxn modelId="90" srcId="0" destId="40" srcOrd="3" destOrd="0"/>
+      </dgm:cxnLst>
+      <dgm:bg/>
+      <dgm:whole/>
+    </dgm:dataModel>
+  </dgm:clrData>
+  <dgm:layoutNode name="rootnode">
+    <dgm:varLst>
+      <dgm:chMax/>
+      <dgm:chPref/>
+      <dgm:dir/>
+      <dgm:animLvl val="lvl"/>
+    </dgm:varLst>
+    <dgm:choose name="Name0">
+      <dgm:if name="Name1" func="var" arg="dir" op="equ" val="norm">
+        <dgm:alg type="snake">
+          <dgm:param type="grDir" val="tL"/>
+          <dgm:param type="flowDir" val="row"/>
+          <dgm:param type="off" val="off"/>
+          <dgm:param type="bkpt" val="fixed"/>
+          <dgm:param type="bkPtFixedVal" val="1"/>
+        </dgm:alg>
+      </dgm:if>
+      <dgm:else name="Name2">
+        <dgm:alg type="snake">
+          <dgm:param type="grDir" val="tR"/>
+          <dgm:param type="flowDir" val="row"/>
+          <dgm:param type="off" val="off"/>
+          <dgm:param type="bkpt" val="fixed"/>
+          <dgm:param type="bkPtFixedVal" val="1"/>
+        </dgm:alg>
+      </dgm:else>
+    </dgm:choose>
+    <dgm:shape xmlns:r="http://schemas.openxmlformats.org/officeDocument/2006/relationships" r:blip="">
+      <dgm:adjLst/>
+    </dgm:shape>
+    <dgm:choose name="Name3">
+      <dgm:if name="Name4" func="var" arg="dir" op="equ" val="norm">
+        <dgm:constrLst>
+          <dgm:constr type="alignOff" forName="rootnode" val="0.48"/>
+          <dgm:constr type="primFontSz" for="des" forName="ParentText" val="65"/>
+          <dgm:constr type="primFontSz" for="des" forName="ChildText" refType="primFontSz" refFor="des" refForName="ParentText" op="lte"/>
+          <dgm:constr type="w" for="ch" forName="composite" refType="w"/>
+          <dgm:constr type="h" for="ch" forName="composite" refType="h"/>
+          <dgm:constr type="sp" refType="h" refFor="ch" refForName="composite" op="equ" fact="-0.38"/>
+        </dgm:constrLst>
+      </dgm:if>
+      <dgm:else name="Name5">
+        <dgm:constrLst>
+          <dgm:constr type="alignOff" forName="rootnode" val="0.48"/>
+          <dgm:constr type="primFontSz" for="des" forName="ParentText" val="65"/>
+          <dgm:constr type="primFontSz" for="des" forName="ChildText" refType="primFontSz" refFor="des" refForName="ParentText" op="lte"/>
+          <dgm:constr type="w" for="ch" forName="composite" refType="w"/>
+          <dgm:constr type="h" for="ch" forName="composite" refType="h"/>
+          <dgm:constr type="sp" refType="h" refFor="ch" refForName="composite" op="equ" fact="-0.38"/>
+        </dgm:constrLst>
+      </dgm:else>
+    </dgm:choose>
+    <dgm:forEach name="nodesForEach" axis="ch" ptType="node">
+      <dgm:layoutNode name="composite">
+        <dgm:alg type="composite">
+          <dgm:param type="ar" val="1.2439"/>
+        </dgm:alg>
+        <dgm:shape xmlns:r="http://schemas.openxmlformats.org/officeDocument/2006/relationships" r:blip="">
+          <dgm:adjLst/>
+        </dgm:shape>
+        <dgm:choose name="Name6">
+          <dgm:if name="Name7" func="var" arg="dir" op="equ" val="norm">
+            <dgm:constrLst>
+              <dgm:constr type="l" for="ch" forName="bentUpArrow1" refType="w" fact="0.07"/>
+              <dgm:constr type="t" for="ch" forName="bentUpArrow1" refType="h" fact="0.524"/>
+              <dgm:constr type="w" for="ch" forName="bentUpArrow1" refType="w" fact="0.3844"/>
+              <dgm:constr type="h" for="ch" forName="bentUpArrow1" refType="h" fact="0.42"/>
+              <dgm:constr type="l" for="ch" forName="ParentText" refType="w" fact="0"/>
+              <dgm:constr type="t" for="ch" forName="ParentText" refType="h" fact="0"/>
+              <dgm:constr type="w" for="ch" forName="ParentText" refType="w" fact="0.5684"/>
+              <dgm:constr type="h" for="ch" forName="ParentText" refType="h" fact="0.4949"/>
+              <dgm:constr type="l" for="ch" forName="ChildText" refType="w" refFor="ch" refForName="ParentText"/>
+              <dgm:constr type="t" for="ch" forName="ChildText" refType="h" fact="0.05"/>
+              <dgm:constr type="w" for="ch" forName="ChildText" refType="w" fact="0.4134"/>
+              <dgm:constr type="h" for="ch" forName="ChildText" refType="h" fact="0.4"/>
+              <dgm:constr type="l" for="ch" forName="FinalChildText" refType="w" refFor="ch" refForName="ParentText"/>
+              <dgm:constr type="t" for="ch" forName="FinalChildText" refType="h" fact="0.05"/>
+              <dgm:constr type="w" for="ch" forName="FinalChildText" refType="w" fact="0.4134"/>
+              <dgm:constr type="h" for="ch" forName="FinalChildText" refType="h" fact="0.4"/>
+            </dgm:constrLst>
+          </dgm:if>
+          <dgm:else name="Name8">
+            <dgm:constrLst>
+              <dgm:constr type="r" for="ch" forName="bentUpArrow1" refType="w" fact="0.97"/>
+              <dgm:constr type="t" for="ch" forName="bentUpArrow1" refType="h" fact="0.524"/>
+              <dgm:constr type="w" for="ch" forName="bentUpArrow1" refType="w" fact="0.3844"/>
+              <dgm:constr type="h" for="ch" forName="bentUpArrow1" refType="h" fact="0.42"/>
+              <dgm:constr type="l" for="ch" forName="ParentText" refType="w" fact="0.4316"/>
+              <dgm:constr type="t" for="ch" forName="ParentText" refType="h" fact="0"/>
+              <dgm:constr type="w" for="ch" forName="ParentText" refType="w" fact="0.5684"/>
+              <dgm:constr type="h" for="ch" forName="ParentText" refType="h" fact="0.4949"/>
+              <dgm:constr type="l" for="ch" forName="ChildText" refType="w" fact="0"/>
+              <dgm:constr type="t" for="ch" forName="ChildText" refType="h" fact="0.05"/>
+              <dgm:constr type="w" for="ch" forName="ChildText" refType="w" fact="0.4134"/>
+              <dgm:constr type="h" for="ch" forName="ChildText" refType="h" fact="0.4"/>
+              <dgm:constr type="l" for="ch" forName="FinalChildText" refType="w" fact="0"/>
+              <dgm:constr type="t" for="ch" forName="FinalChildText" refType="h" fact="0.05"/>
+              <dgm:constr type="w" for="ch" forName="FinalChildText" refType="w" fact="0.4134"/>
+              <dgm:constr type="h" for="ch" forName="FinalChildText" refType="h" fact="0.4"/>
+            </dgm:constrLst>
+          </dgm:else>
+        </dgm:choose>
+        <dgm:choose name="Name9">
+          <dgm:if name="Name10" axis="followSib" ptType="node" func="cnt" op="gte" val="1">
+            <dgm:layoutNode name="bentUpArrow1" styleLbl="alignImgPlace1">
+              <dgm:alg type="sp"/>
+              <dgm:choose name="Name11">
+                <dgm:if name="Name12" func="var" arg="dir" op="equ" val="norm">
+                  <dgm:shape xmlns:r="http://schemas.openxmlformats.org/officeDocument/2006/relationships" rot="90" type="bentUpArrow" r:blip="">
+                    <dgm:adjLst>
+                      <dgm:adj idx="1" val="0.3284"/>
+                      <dgm:adj idx="2" val="0.25"/>
+                      <dgm:adj idx="3" val="0.3578"/>
+                    </dgm:adjLst>
+                  </dgm:shape>
+                </dgm:if>
+                <dgm:else name="Name13">
+                  <dgm:shape xmlns:r="http://schemas.openxmlformats.org/officeDocument/2006/relationships" rot="180" type="bentArrow" r:blip="">
+                    <dgm:adjLst>
+                      <dgm:adj idx="1" val="0.3284"/>
+                      <dgm:adj idx="2" val="0.25"/>
+                      <dgm:adj idx="3" val="0.3578"/>
+                      <dgm:adj idx="4" val="0"/>
+                    </dgm:adjLst>
+                  </dgm:shape>
+                </dgm:else>
+              </dgm:choose>
+              <dgm:presOf/>
+            </dgm:layoutNode>
+          </dgm:if>
+          <dgm:else name="Name14"/>
+        </dgm:choose>
+        <dgm:layoutNode name="ParentText" styleLbl="node1">
+          <dgm:varLst>
+            <dgm:chMax val="1"/>
+            <dgm:chPref val="1"/>
+            <dgm:bulletEnabled val="1"/>
+          </dgm:varLst>
+          <dgm:alg type="tx"/>
+          <dgm:shape xmlns:r="http://schemas.openxmlformats.org/officeDocument/2006/relationships" type="roundRect" r:blip="">
+            <dgm:adjLst>
+              <dgm:adj idx="1" val="0.1667"/>
+            </dgm:adjLst>
+          </dgm:shape>
+          <dgm:presOf axis="self" ptType="node"/>
+          <dgm:constrLst>
+            <dgm:constr type="lMarg" refType="primFontSz" fact="0.3"/>
+            <dgm:constr type="rMarg" refType="primFontSz" fact="0.3"/>
+            <dgm:constr type="tMarg" refType="primFontSz" fact="0.3"/>
+            <dgm:constr type="bMarg" refType="primFontSz" fact="0.3"/>
+          </dgm:constrLst>
+          <dgm:ruleLst>
+            <dgm:rule type="primFontSz" val="5" fact="NaN" max="NaN"/>
+          </dgm:ruleLst>
+        </dgm:layoutNode>
+        <dgm:choose name="Name15">
+          <dgm:if name="Name16" axis="followSib" ptType="node" func="cnt" op="equ" val="0">
+            <dgm:choose name="Name17">
+              <dgm:if name="Name18" axis="ch" ptType="node" func="cnt" op="gte" val="1">
+                <dgm:layoutNode name="FinalChildText" styleLbl="revTx">
+                  <dgm:varLst>
+                    <dgm:chMax val="0"/>
+                    <dgm:chPref val="0"/>
+                    <dgm:bulletEnabled val="1"/>
+                  </dgm:varLst>
+                  <dgm:alg type="tx">
+                    <dgm:param type="stBulletLvl" val="1"/>
+                    <dgm:param type="txAnchorVertCh" val="mid"/>
+                    <dgm:param type="parTxLTRAlign" val="l"/>
+                  </dgm:alg>
+                  <dgm:shape xmlns:r="http://schemas.openxmlformats.org/officeDocument/2006/relationships" type="rect" r:blip="">
+                    <dgm:adjLst/>
+                  </dgm:shape>
+                  <dgm:presOf axis="des" ptType="node"/>
+                  <dgm:constrLst>
+                    <dgm:constr type="lMarg" refType="primFontSz" fact="0.3"/>
+                    <dgm:constr type="rMarg" refType="primFontSz" fact="0.3"/>
+                    <dgm:constr type="tMarg" refType="primFontSz" fact="0.3"/>
+                    <dgm:constr type="bMarg" refType="primFontSz" fact="0.3"/>
+                  </dgm:constrLst>
+                  <dgm:ruleLst>
+                    <dgm:rule type="primFontSz" val="5" fact="NaN" max="NaN"/>
+                  </dgm:ruleLst>
+                </dgm:layoutNode>
+              </dgm:if>
+              <dgm:else name="Name19"/>
+            </dgm:choose>
+          </dgm:if>
+          <dgm:else name="Name20">
+            <dgm:layoutNode name="ChildText" styleLbl="revTx">
+              <dgm:varLst>
+                <dgm:chMax val="0"/>
+                <dgm:chPref val="0"/>
+                <dgm:bulletEnabled val="1"/>
+              </dgm:varLst>
+              <dgm:alg type="tx">
+                <dgm:param type="stBulletLvl" val="1"/>
+                <dgm:param type="txAnchorVertCh" val="mid"/>
+                <dgm:param type="parTxLTRAlign" val="l"/>
+              </dgm:alg>
+              <dgm:shape xmlns:r="http://schemas.openxmlformats.org/officeDocument/2006/relationships" type="rect" r:blip="">
+                <dgm:adjLst/>
+              </dgm:shape>
+              <dgm:presOf axis="des" ptType="node"/>
+              <dgm:constrLst>
+                <dgm:constr type="lMarg" refType="primFontSz" fact="0.3"/>
+                <dgm:constr type="rMarg" refType="primFontSz" fact="0.3"/>
+                <dgm:constr type="tMarg" refType="primFontSz" fact="0.3"/>
+                <dgm:constr type="bMarg" refType="primFontSz" fact="0.3"/>
+              </dgm:constrLst>
+              <dgm:ruleLst>
+                <dgm:rule type="primFontSz" val="5" fact="NaN" max="NaN"/>
+              </dgm:ruleLst>
+            </dgm:layoutNode>
+          </dgm:else>
+        </dgm:choose>
+      </dgm:layoutNode>
+      <dgm:forEach name="sibTransForEach" axis="followSib" ptType="sibTrans" cnt="1">
+        <dgm:layoutNode name="sibTrans">
+          <dgm:alg type="sp"/>
+          <dgm:shape xmlns:r="http://schemas.openxmlformats.org/officeDocument/2006/relationships" r:blip="">
+            <dgm:adjLst/>
+          </dgm:shape>
+        </dgm:layoutNode>
+      </dgm:forEach>
+    </dgm:forEach>
+  </dgm:layoutNode>
+</dgm:layoutDef>
+</file>
+
+<file path=ppt/diagrams/layout5.xml><?xml version="1.0" encoding="utf-8"?>
 <dgm:layoutDef xmlns:dgm="http://schemas.openxmlformats.org/drawingml/2006/diagram" xmlns:a="http://schemas.openxmlformats.org/drawingml/2006/main" uniqueId="urn:microsoft.com/office/officeart/2005/8/layout/process1">
   <dgm:title val=""/>
   <dgm:desc val=""/>
@@ -14028,7 +15953,7 @@
 </dgm:layoutDef>
 </file>
 
-<file path=ppt/diagrams/layout5.xml><?xml version="1.0" encoding="utf-8"?>
+<file path=ppt/diagrams/layout6.xml><?xml version="1.0" encoding="utf-8"?>
 <dgm:layoutDef xmlns:dgm="http://schemas.openxmlformats.org/drawingml/2006/diagram" xmlns:a="http://schemas.openxmlformats.org/drawingml/2006/main" uniqueId="urn:microsoft.com/office/officeart/2005/8/layout/hList1">
   <dgm:title val=""/>
   <dgm:desc val=""/>
@@ -18382,6 +20307,1040 @@
 </file>
 
 <file path=ppt/diagrams/quickStyle5.xml><?xml version="1.0" encoding="utf-8"?>
+<dgm:styleDef xmlns:dgm="http://schemas.openxmlformats.org/drawingml/2006/diagram" xmlns:a="http://schemas.openxmlformats.org/drawingml/2006/main" uniqueId="urn:microsoft.com/office/officeart/2005/8/quickstyle/simple1">
+  <dgm:title val=""/>
+  <dgm:desc val=""/>
+  <dgm:catLst>
+    <dgm:cat type="simple" pri="10100"/>
+  </dgm:catLst>
+  <dgm:scene3d>
+    <a:camera prst="orthographicFront"/>
+    <a:lightRig rig="threePt" dir="t"/>
+  </dgm:scene3d>
+  <dgm:styleLbl name="node0">
+    <dgm:scene3d>
+      <a:camera prst="orthographicFront"/>
+      <a:lightRig rig="threePt" dir="t"/>
+    </dgm:scene3d>
+    <dgm:sp3d/>
+    <dgm:txPr/>
+    <dgm:style>
+      <a:lnRef idx="2">
+        <a:scrgbClr r="0" g="0" b="0"/>
+      </a:lnRef>
+      <a:fillRef idx="1">
+        <a:scrgbClr r="0" g="0" b="0"/>
+      </a:fillRef>
+      <a:effectRef idx="0">
+        <a:scrgbClr r="0" g="0" b="0"/>
+      </a:effectRef>
+      <a:fontRef idx="minor">
+        <a:schemeClr val="lt1"/>
+      </a:fontRef>
+    </dgm:style>
+  </dgm:styleLbl>
+  <dgm:styleLbl name="lnNode1">
+    <dgm:scene3d>
+      <a:camera prst="orthographicFront"/>
+      <a:lightRig rig="threePt" dir="t"/>
+    </dgm:scene3d>
+    <dgm:sp3d/>
+    <dgm:txPr/>
+    <dgm:style>
+      <a:lnRef idx="2">
+        <a:scrgbClr r="0" g="0" b="0"/>
+      </a:lnRef>
+      <a:fillRef idx="1">
+        <a:scrgbClr r="0" g="0" b="0"/>
+      </a:fillRef>
+      <a:effectRef idx="0">
+        <a:scrgbClr r="0" g="0" b="0"/>
+      </a:effectRef>
+      <a:fontRef idx="minor">
+        <a:schemeClr val="lt1"/>
+      </a:fontRef>
+    </dgm:style>
+  </dgm:styleLbl>
+  <dgm:styleLbl name="vennNode1">
+    <dgm:scene3d>
+      <a:camera prst="orthographicFront"/>
+      <a:lightRig rig="threePt" dir="t"/>
+    </dgm:scene3d>
+    <dgm:sp3d/>
+    <dgm:txPr/>
+    <dgm:style>
+      <a:lnRef idx="2">
+        <a:scrgbClr r="0" g="0" b="0"/>
+      </a:lnRef>
+      <a:fillRef idx="1">
+        <a:scrgbClr r="0" g="0" b="0"/>
+      </a:fillRef>
+      <a:effectRef idx="0">
+        <a:scrgbClr r="0" g="0" b="0"/>
+      </a:effectRef>
+      <a:fontRef idx="minor">
+        <a:schemeClr val="tx1"/>
+      </a:fontRef>
+    </dgm:style>
+  </dgm:styleLbl>
+  <dgm:styleLbl name="alignNode1">
+    <dgm:scene3d>
+      <a:camera prst="orthographicFront"/>
+      <a:lightRig rig="threePt" dir="t"/>
+    </dgm:scene3d>
+    <dgm:sp3d/>
+    <dgm:txPr/>
+    <dgm:style>
+      <a:lnRef idx="2">
+        <a:scrgbClr r="0" g="0" b="0"/>
+      </a:lnRef>
+      <a:fillRef idx="1">
+        <a:scrgbClr r="0" g="0" b="0"/>
+      </a:fillRef>
+      <a:effectRef idx="0">
+        <a:scrgbClr r="0" g="0" b="0"/>
+      </a:effectRef>
+      <a:fontRef idx="minor">
+        <a:schemeClr val="lt1"/>
+      </a:fontRef>
+    </dgm:style>
+  </dgm:styleLbl>
+  <dgm:styleLbl name="node1">
+    <dgm:scene3d>
+      <a:camera prst="orthographicFront"/>
+      <a:lightRig rig="threePt" dir="t"/>
+    </dgm:scene3d>
+    <dgm:sp3d/>
+    <dgm:txPr/>
+    <dgm:style>
+      <a:lnRef idx="2">
+        <a:scrgbClr r="0" g="0" b="0"/>
+      </a:lnRef>
+      <a:fillRef idx="1">
+        <a:scrgbClr r="0" g="0" b="0"/>
+      </a:fillRef>
+      <a:effectRef idx="0">
+        <a:scrgbClr r="0" g="0" b="0"/>
+      </a:effectRef>
+      <a:fontRef idx="minor">
+        <a:schemeClr val="lt1"/>
+      </a:fontRef>
+    </dgm:style>
+  </dgm:styleLbl>
+  <dgm:styleLbl name="node2">
+    <dgm:scene3d>
+      <a:camera prst="orthographicFront"/>
+      <a:lightRig rig="threePt" dir="t"/>
+    </dgm:scene3d>
+    <dgm:sp3d/>
+    <dgm:txPr/>
+    <dgm:style>
+      <a:lnRef idx="2">
+        <a:scrgbClr r="0" g="0" b="0"/>
+      </a:lnRef>
+      <a:fillRef idx="1">
+        <a:scrgbClr r="0" g="0" b="0"/>
+      </a:fillRef>
+      <a:effectRef idx="0">
+        <a:scrgbClr r="0" g="0" b="0"/>
+      </a:effectRef>
+      <a:fontRef idx="minor">
+        <a:schemeClr val="lt1"/>
+      </a:fontRef>
+    </dgm:style>
+  </dgm:styleLbl>
+  <dgm:styleLbl name="node3">
+    <dgm:scene3d>
+      <a:camera prst="orthographicFront"/>
+      <a:lightRig rig="threePt" dir="t"/>
+    </dgm:scene3d>
+    <dgm:sp3d/>
+    <dgm:txPr/>
+    <dgm:style>
+      <a:lnRef idx="2">
+        <a:scrgbClr r="0" g="0" b="0"/>
+      </a:lnRef>
+      <a:fillRef idx="1">
+        <a:scrgbClr r="0" g="0" b="0"/>
+      </a:fillRef>
+      <a:effectRef idx="0">
+        <a:scrgbClr r="0" g="0" b="0"/>
+      </a:effectRef>
+      <a:fontRef idx="minor">
+        <a:schemeClr val="lt1"/>
+      </a:fontRef>
+    </dgm:style>
+  </dgm:styleLbl>
+  <dgm:styleLbl name="node4">
+    <dgm:scene3d>
+      <a:camera prst="orthographicFront"/>
+      <a:lightRig rig="threePt" dir="t"/>
+    </dgm:scene3d>
+    <dgm:sp3d/>
+    <dgm:txPr/>
+    <dgm:style>
+      <a:lnRef idx="2">
+        <a:scrgbClr r="0" g="0" b="0"/>
+      </a:lnRef>
+      <a:fillRef idx="1">
+        <a:scrgbClr r="0" g="0" b="0"/>
+      </a:fillRef>
+      <a:effectRef idx="0">
+        <a:scrgbClr r="0" g="0" b="0"/>
+      </a:effectRef>
+      <a:fontRef idx="minor">
+        <a:schemeClr val="lt1"/>
+      </a:fontRef>
+    </dgm:style>
+  </dgm:styleLbl>
+  <dgm:styleLbl name="fgImgPlace1">
+    <dgm:scene3d>
+      <a:camera prst="orthographicFront"/>
+      <a:lightRig rig="threePt" dir="t"/>
+    </dgm:scene3d>
+    <dgm:sp3d/>
+    <dgm:txPr/>
+    <dgm:style>
+      <a:lnRef idx="2">
+        <a:scrgbClr r="0" g="0" b="0"/>
+      </a:lnRef>
+      <a:fillRef idx="1">
+        <a:scrgbClr r="0" g="0" b="0"/>
+      </a:fillRef>
+      <a:effectRef idx="0">
+        <a:scrgbClr r="0" g="0" b="0"/>
+      </a:effectRef>
+      <a:fontRef idx="minor"/>
+    </dgm:style>
+  </dgm:styleLbl>
+  <dgm:styleLbl name="alignImgPlace1">
+    <dgm:scene3d>
+      <a:camera prst="orthographicFront"/>
+      <a:lightRig rig="threePt" dir="t"/>
+    </dgm:scene3d>
+    <dgm:sp3d/>
+    <dgm:txPr/>
+    <dgm:style>
+      <a:lnRef idx="2">
+        <a:scrgbClr r="0" g="0" b="0"/>
+      </a:lnRef>
+      <a:fillRef idx="1">
+        <a:scrgbClr r="0" g="0" b="0"/>
+      </a:fillRef>
+      <a:effectRef idx="0">
+        <a:scrgbClr r="0" g="0" b="0"/>
+      </a:effectRef>
+      <a:fontRef idx="minor"/>
+    </dgm:style>
+  </dgm:styleLbl>
+  <dgm:styleLbl name="bgImgPlace1">
+    <dgm:scene3d>
+      <a:camera prst="orthographicFront"/>
+      <a:lightRig rig="threePt" dir="t"/>
+    </dgm:scene3d>
+    <dgm:sp3d/>
+    <dgm:txPr/>
+    <dgm:style>
+      <a:lnRef idx="2">
+        <a:scrgbClr r="0" g="0" b="0"/>
+      </a:lnRef>
+      <a:fillRef idx="1">
+        <a:scrgbClr r="0" g="0" b="0"/>
+      </a:fillRef>
+      <a:effectRef idx="0">
+        <a:scrgbClr r="0" g="0" b="0"/>
+      </a:effectRef>
+      <a:fontRef idx="minor"/>
+    </dgm:style>
+  </dgm:styleLbl>
+  <dgm:styleLbl name="sibTrans2D1">
+    <dgm:scene3d>
+      <a:camera prst="orthographicFront"/>
+      <a:lightRig rig="threePt" dir="t"/>
+    </dgm:scene3d>
+    <dgm:sp3d/>
+    <dgm:txPr/>
+    <dgm:style>
+      <a:lnRef idx="0">
+        <a:scrgbClr r="0" g="0" b="0"/>
+      </a:lnRef>
+      <a:fillRef idx="1">
+        <a:scrgbClr r="0" g="0" b="0"/>
+      </a:fillRef>
+      <a:effectRef idx="0">
+        <a:scrgbClr r="0" g="0" b="0"/>
+      </a:effectRef>
+      <a:fontRef idx="minor">
+        <a:schemeClr val="lt1"/>
+      </a:fontRef>
+    </dgm:style>
+  </dgm:styleLbl>
+  <dgm:styleLbl name="fgSibTrans2D1">
+    <dgm:scene3d>
+      <a:camera prst="orthographicFront"/>
+      <a:lightRig rig="threePt" dir="t"/>
+    </dgm:scene3d>
+    <dgm:sp3d/>
+    <dgm:txPr/>
+    <dgm:style>
+      <a:lnRef idx="0">
+        <a:scrgbClr r="0" g="0" b="0"/>
+      </a:lnRef>
+      <a:fillRef idx="1">
+        <a:scrgbClr r="0" g="0" b="0"/>
+      </a:fillRef>
+      <a:effectRef idx="0">
+        <a:scrgbClr r="0" g="0" b="0"/>
+      </a:effectRef>
+      <a:fontRef idx="minor">
+        <a:schemeClr val="lt1"/>
+      </a:fontRef>
+    </dgm:style>
+  </dgm:styleLbl>
+  <dgm:styleLbl name="bgSibTrans2D1">
+    <dgm:scene3d>
+      <a:camera prst="orthographicFront"/>
+      <a:lightRig rig="threePt" dir="t"/>
+    </dgm:scene3d>
+    <dgm:sp3d/>
+    <dgm:txPr/>
+    <dgm:style>
+      <a:lnRef idx="0">
+        <a:scrgbClr r="0" g="0" b="0"/>
+      </a:lnRef>
+      <a:fillRef idx="1">
+        <a:scrgbClr r="0" g="0" b="0"/>
+      </a:fillRef>
+      <a:effectRef idx="0">
+        <a:scrgbClr r="0" g="0" b="0"/>
+      </a:effectRef>
+      <a:fontRef idx="minor">
+        <a:schemeClr val="lt1"/>
+      </a:fontRef>
+    </dgm:style>
+  </dgm:styleLbl>
+  <dgm:styleLbl name="sibTrans1D1">
+    <dgm:scene3d>
+      <a:camera prst="orthographicFront"/>
+      <a:lightRig rig="threePt" dir="t"/>
+    </dgm:scene3d>
+    <dgm:sp3d/>
+    <dgm:txPr/>
+    <dgm:style>
+      <a:lnRef idx="1">
+        <a:scrgbClr r="0" g="0" b="0"/>
+      </a:lnRef>
+      <a:fillRef idx="0">
+        <a:scrgbClr r="0" g="0" b="0"/>
+      </a:fillRef>
+      <a:effectRef idx="0">
+        <a:scrgbClr r="0" g="0" b="0"/>
+      </a:effectRef>
+      <a:fontRef idx="minor"/>
+    </dgm:style>
+  </dgm:styleLbl>
+  <dgm:styleLbl name="callout">
+    <dgm:scene3d>
+      <a:camera prst="orthographicFront"/>
+      <a:lightRig rig="threePt" dir="t"/>
+    </dgm:scene3d>
+    <dgm:sp3d/>
+    <dgm:txPr/>
+    <dgm:style>
+      <a:lnRef idx="2">
+        <a:scrgbClr r="0" g="0" b="0"/>
+      </a:lnRef>
+      <a:fillRef idx="1">
+        <a:scrgbClr r="0" g="0" b="0"/>
+      </a:fillRef>
+      <a:effectRef idx="0">
+        <a:scrgbClr r="0" g="0" b="0"/>
+      </a:effectRef>
+      <a:fontRef idx="minor"/>
+    </dgm:style>
+  </dgm:styleLbl>
+  <dgm:styleLbl name="asst0">
+    <dgm:scene3d>
+      <a:camera prst="orthographicFront"/>
+      <a:lightRig rig="threePt" dir="t"/>
+    </dgm:scene3d>
+    <dgm:sp3d/>
+    <dgm:txPr/>
+    <dgm:style>
+      <a:lnRef idx="2">
+        <a:scrgbClr r="0" g="0" b="0"/>
+      </a:lnRef>
+      <a:fillRef idx="1">
+        <a:scrgbClr r="0" g="0" b="0"/>
+      </a:fillRef>
+      <a:effectRef idx="0">
+        <a:scrgbClr r="0" g="0" b="0"/>
+      </a:effectRef>
+      <a:fontRef idx="minor">
+        <a:schemeClr val="lt1"/>
+      </a:fontRef>
+    </dgm:style>
+  </dgm:styleLbl>
+  <dgm:styleLbl name="asst1">
+    <dgm:scene3d>
+      <a:camera prst="orthographicFront"/>
+      <a:lightRig rig="threePt" dir="t"/>
+    </dgm:scene3d>
+    <dgm:sp3d/>
+    <dgm:txPr/>
+    <dgm:style>
+      <a:lnRef idx="2">
+        <a:scrgbClr r="0" g="0" b="0"/>
+      </a:lnRef>
+      <a:fillRef idx="1">
+        <a:scrgbClr r="0" g="0" b="0"/>
+      </a:fillRef>
+      <a:effectRef idx="0">
+        <a:scrgbClr r="0" g="0" b="0"/>
+      </a:effectRef>
+      <a:fontRef idx="minor">
+        <a:schemeClr val="lt1"/>
+      </a:fontRef>
+    </dgm:style>
+  </dgm:styleLbl>
+  <dgm:styleLbl name="asst2">
+    <dgm:scene3d>
+      <a:camera prst="orthographicFront"/>
+      <a:lightRig rig="threePt" dir="t"/>
+    </dgm:scene3d>
+    <dgm:sp3d/>
+    <dgm:txPr/>
+    <dgm:style>
+      <a:lnRef idx="2">
+        <a:scrgbClr r="0" g="0" b="0"/>
+      </a:lnRef>
+      <a:fillRef idx="1">
+        <a:scrgbClr r="0" g="0" b="0"/>
+      </a:fillRef>
+      <a:effectRef idx="0">
+        <a:scrgbClr r="0" g="0" b="0"/>
+      </a:effectRef>
+      <a:fontRef idx="minor">
+        <a:schemeClr val="lt1"/>
+      </a:fontRef>
+    </dgm:style>
+  </dgm:styleLbl>
+  <dgm:styleLbl name="asst3">
+    <dgm:scene3d>
+      <a:camera prst="orthographicFront"/>
+      <a:lightRig rig="threePt" dir="t"/>
+    </dgm:scene3d>
+    <dgm:sp3d/>
+    <dgm:txPr/>
+    <dgm:style>
+      <a:lnRef idx="2">
+        <a:scrgbClr r="0" g="0" b="0"/>
+      </a:lnRef>
+      <a:fillRef idx="1">
+        <a:scrgbClr r="0" g="0" b="0"/>
+      </a:fillRef>
+      <a:effectRef idx="0">
+        <a:scrgbClr r="0" g="0" b="0"/>
+      </a:effectRef>
+      <a:fontRef idx="minor">
+        <a:schemeClr val="lt1"/>
+      </a:fontRef>
+    </dgm:style>
+  </dgm:styleLbl>
+  <dgm:styleLbl name="asst4">
+    <dgm:scene3d>
+      <a:camera prst="orthographicFront"/>
+      <a:lightRig rig="threePt" dir="t"/>
+    </dgm:scene3d>
+    <dgm:sp3d/>
+    <dgm:txPr/>
+    <dgm:style>
+      <a:lnRef idx="2">
+        <a:scrgbClr r="0" g="0" b="0"/>
+      </a:lnRef>
+      <a:fillRef idx="1">
+        <a:scrgbClr r="0" g="0" b="0"/>
+      </a:fillRef>
+      <a:effectRef idx="0">
+        <a:scrgbClr r="0" g="0" b="0"/>
+      </a:effectRef>
+      <a:fontRef idx="minor">
+        <a:schemeClr val="lt1"/>
+      </a:fontRef>
+    </dgm:style>
+  </dgm:styleLbl>
+  <dgm:styleLbl name="parChTrans2D1">
+    <dgm:scene3d>
+      <a:camera prst="orthographicFront"/>
+      <a:lightRig rig="threePt" dir="t"/>
+    </dgm:scene3d>
+    <dgm:sp3d/>
+    <dgm:txPr/>
+    <dgm:style>
+      <a:lnRef idx="2">
+        <a:scrgbClr r="0" g="0" b="0"/>
+      </a:lnRef>
+      <a:fillRef idx="1">
+        <a:scrgbClr r="0" g="0" b="0"/>
+      </a:fillRef>
+      <a:effectRef idx="0">
+        <a:scrgbClr r="0" g="0" b="0"/>
+      </a:effectRef>
+      <a:fontRef idx="minor">
+        <a:schemeClr val="lt1"/>
+      </a:fontRef>
+    </dgm:style>
+  </dgm:styleLbl>
+  <dgm:styleLbl name="parChTrans2D2">
+    <dgm:scene3d>
+      <a:camera prst="orthographicFront"/>
+      <a:lightRig rig="threePt" dir="t"/>
+    </dgm:scene3d>
+    <dgm:sp3d/>
+    <dgm:txPr/>
+    <dgm:style>
+      <a:lnRef idx="2">
+        <a:scrgbClr r="0" g="0" b="0"/>
+      </a:lnRef>
+      <a:fillRef idx="1">
+        <a:scrgbClr r="0" g="0" b="0"/>
+      </a:fillRef>
+      <a:effectRef idx="0">
+        <a:scrgbClr r="0" g="0" b="0"/>
+      </a:effectRef>
+      <a:fontRef idx="minor">
+        <a:schemeClr val="lt1"/>
+      </a:fontRef>
+    </dgm:style>
+  </dgm:styleLbl>
+  <dgm:styleLbl name="parChTrans2D3">
+    <dgm:scene3d>
+      <a:camera prst="orthographicFront"/>
+      <a:lightRig rig="threePt" dir="t"/>
+    </dgm:scene3d>
+    <dgm:sp3d/>
+    <dgm:txPr/>
+    <dgm:style>
+      <a:lnRef idx="2">
+        <a:scrgbClr r="0" g="0" b="0"/>
+      </a:lnRef>
+      <a:fillRef idx="1">
+        <a:scrgbClr r="0" g="0" b="0"/>
+      </a:fillRef>
+      <a:effectRef idx="0">
+        <a:scrgbClr r="0" g="0" b="0"/>
+      </a:effectRef>
+      <a:fontRef idx="minor">
+        <a:schemeClr val="lt1"/>
+      </a:fontRef>
+    </dgm:style>
+  </dgm:styleLbl>
+  <dgm:styleLbl name="parChTrans2D4">
+    <dgm:scene3d>
+      <a:camera prst="orthographicFront"/>
+      <a:lightRig rig="threePt" dir="t"/>
+    </dgm:scene3d>
+    <dgm:sp3d/>
+    <dgm:txPr/>
+    <dgm:style>
+      <a:lnRef idx="2">
+        <a:scrgbClr r="0" g="0" b="0"/>
+      </a:lnRef>
+      <a:fillRef idx="1">
+        <a:scrgbClr r="0" g="0" b="0"/>
+      </a:fillRef>
+      <a:effectRef idx="0">
+        <a:scrgbClr r="0" g="0" b="0"/>
+      </a:effectRef>
+      <a:fontRef idx="minor">
+        <a:schemeClr val="lt1"/>
+      </a:fontRef>
+    </dgm:style>
+  </dgm:styleLbl>
+  <dgm:styleLbl name="parChTrans1D1">
+    <dgm:scene3d>
+      <a:camera prst="orthographicFront"/>
+      <a:lightRig rig="threePt" dir="t"/>
+    </dgm:scene3d>
+    <dgm:sp3d/>
+    <dgm:txPr/>
+    <dgm:style>
+      <a:lnRef idx="2">
+        <a:scrgbClr r="0" g="0" b="0"/>
+      </a:lnRef>
+      <a:fillRef idx="0">
+        <a:scrgbClr r="0" g="0" b="0"/>
+      </a:fillRef>
+      <a:effectRef idx="0">
+        <a:scrgbClr r="0" g="0" b="0"/>
+      </a:effectRef>
+      <a:fontRef idx="minor"/>
+    </dgm:style>
+  </dgm:styleLbl>
+  <dgm:styleLbl name="parChTrans1D2">
+    <dgm:scene3d>
+      <a:camera prst="orthographicFront"/>
+      <a:lightRig rig="threePt" dir="t"/>
+    </dgm:scene3d>
+    <dgm:sp3d/>
+    <dgm:txPr/>
+    <dgm:style>
+      <a:lnRef idx="2">
+        <a:scrgbClr r="0" g="0" b="0"/>
+      </a:lnRef>
+      <a:fillRef idx="0">
+        <a:scrgbClr r="0" g="0" b="0"/>
+      </a:fillRef>
+      <a:effectRef idx="0">
+        <a:scrgbClr r="0" g="0" b="0"/>
+      </a:effectRef>
+      <a:fontRef idx="minor"/>
+    </dgm:style>
+  </dgm:styleLbl>
+  <dgm:styleLbl name="parChTrans1D3">
+    <dgm:scene3d>
+      <a:camera prst="orthographicFront"/>
+      <a:lightRig rig="threePt" dir="t"/>
+    </dgm:scene3d>
+    <dgm:sp3d/>
+    <dgm:txPr/>
+    <dgm:style>
+      <a:lnRef idx="2">
+        <a:scrgbClr r="0" g="0" b="0"/>
+      </a:lnRef>
+      <a:fillRef idx="0">
+        <a:scrgbClr r="0" g="0" b="0"/>
+      </a:fillRef>
+      <a:effectRef idx="0">
+        <a:scrgbClr r="0" g="0" b="0"/>
+      </a:effectRef>
+      <a:fontRef idx="minor"/>
+    </dgm:style>
+  </dgm:styleLbl>
+  <dgm:styleLbl name="parChTrans1D4">
+    <dgm:scene3d>
+      <a:camera prst="orthographicFront"/>
+      <a:lightRig rig="threePt" dir="t"/>
+    </dgm:scene3d>
+    <dgm:sp3d/>
+    <dgm:txPr/>
+    <dgm:style>
+      <a:lnRef idx="2">
+        <a:scrgbClr r="0" g="0" b="0"/>
+      </a:lnRef>
+      <a:fillRef idx="0">
+        <a:scrgbClr r="0" g="0" b="0"/>
+      </a:fillRef>
+      <a:effectRef idx="0">
+        <a:scrgbClr r="0" g="0" b="0"/>
+      </a:effectRef>
+      <a:fontRef idx="minor"/>
+    </dgm:style>
+  </dgm:styleLbl>
+  <dgm:styleLbl name="fgAcc1">
+    <dgm:scene3d>
+      <a:camera prst="orthographicFront"/>
+      <a:lightRig rig="threePt" dir="t"/>
+    </dgm:scene3d>
+    <dgm:sp3d/>
+    <dgm:txPr/>
+    <dgm:style>
+      <a:lnRef idx="2">
+        <a:scrgbClr r="0" g="0" b="0"/>
+      </a:lnRef>
+      <a:fillRef idx="1">
+        <a:scrgbClr r="0" g="0" b="0"/>
+      </a:fillRef>
+      <a:effectRef idx="0">
+        <a:scrgbClr r="0" g="0" b="0"/>
+      </a:effectRef>
+      <a:fontRef idx="minor"/>
+    </dgm:style>
+  </dgm:styleLbl>
+  <dgm:styleLbl name="conFgAcc1">
+    <dgm:scene3d>
+      <a:camera prst="orthographicFront"/>
+      <a:lightRig rig="threePt" dir="t"/>
+    </dgm:scene3d>
+    <dgm:sp3d/>
+    <dgm:txPr/>
+    <dgm:style>
+      <a:lnRef idx="2">
+        <a:scrgbClr r="0" g="0" b="0"/>
+      </a:lnRef>
+      <a:fillRef idx="1">
+        <a:scrgbClr r="0" g="0" b="0"/>
+      </a:fillRef>
+      <a:effectRef idx="0">
+        <a:scrgbClr r="0" g="0" b="0"/>
+      </a:effectRef>
+      <a:fontRef idx="minor"/>
+    </dgm:style>
+  </dgm:styleLbl>
+  <dgm:styleLbl name="alignAcc1">
+    <dgm:scene3d>
+      <a:camera prst="orthographicFront"/>
+      <a:lightRig rig="threePt" dir="t"/>
+    </dgm:scene3d>
+    <dgm:sp3d/>
+    <dgm:txPr/>
+    <dgm:style>
+      <a:lnRef idx="2">
+        <a:scrgbClr r="0" g="0" b="0"/>
+      </a:lnRef>
+      <a:fillRef idx="1">
+        <a:scrgbClr r="0" g="0" b="0"/>
+      </a:fillRef>
+      <a:effectRef idx="0">
+        <a:scrgbClr r="0" g="0" b="0"/>
+      </a:effectRef>
+      <a:fontRef idx="minor"/>
+    </dgm:style>
+  </dgm:styleLbl>
+  <dgm:styleLbl name="trAlignAcc1">
+    <dgm:scene3d>
+      <a:camera prst="orthographicFront"/>
+      <a:lightRig rig="threePt" dir="t"/>
+    </dgm:scene3d>
+    <dgm:sp3d/>
+    <dgm:txPr/>
+    <dgm:style>
+      <a:lnRef idx="1">
+        <a:scrgbClr r="0" g="0" b="0"/>
+      </a:lnRef>
+      <a:fillRef idx="1">
+        <a:scrgbClr r="0" g="0" b="0"/>
+      </a:fillRef>
+      <a:effectRef idx="0">
+        <a:scrgbClr r="0" g="0" b="0"/>
+      </a:effectRef>
+      <a:fontRef idx="minor"/>
+    </dgm:style>
+  </dgm:styleLbl>
+  <dgm:styleLbl name="bgAcc1">
+    <dgm:scene3d>
+      <a:camera prst="orthographicFront"/>
+      <a:lightRig rig="threePt" dir="t"/>
+    </dgm:scene3d>
+    <dgm:sp3d/>
+    <dgm:txPr/>
+    <dgm:style>
+      <a:lnRef idx="2">
+        <a:scrgbClr r="0" g="0" b="0"/>
+      </a:lnRef>
+      <a:fillRef idx="1">
+        <a:scrgbClr r="0" g="0" b="0"/>
+      </a:fillRef>
+      <a:effectRef idx="0">
+        <a:scrgbClr r="0" g="0" b="0"/>
+      </a:effectRef>
+      <a:fontRef idx="minor"/>
+    </dgm:style>
+  </dgm:styleLbl>
+  <dgm:styleLbl name="solidFgAcc1">
+    <dgm:scene3d>
+      <a:camera prst="orthographicFront"/>
+      <a:lightRig rig="threePt" dir="t"/>
+    </dgm:scene3d>
+    <dgm:sp3d/>
+    <dgm:txPr/>
+    <dgm:style>
+      <a:lnRef idx="2">
+        <a:scrgbClr r="0" g="0" b="0"/>
+      </a:lnRef>
+      <a:fillRef idx="1">
+        <a:scrgbClr r="0" g="0" b="0"/>
+      </a:fillRef>
+      <a:effectRef idx="0">
+        <a:scrgbClr r="0" g="0" b="0"/>
+      </a:effectRef>
+      <a:fontRef idx="minor"/>
+    </dgm:style>
+  </dgm:styleLbl>
+  <dgm:styleLbl name="solidAlignAcc1">
+    <dgm:scene3d>
+      <a:camera prst="orthographicFront"/>
+      <a:lightRig rig="threePt" dir="t"/>
+    </dgm:scene3d>
+    <dgm:sp3d/>
+    <dgm:txPr/>
+    <dgm:style>
+      <a:lnRef idx="2">
+        <a:scrgbClr r="0" g="0" b="0"/>
+      </a:lnRef>
+      <a:fillRef idx="1">
+        <a:scrgbClr r="0" g="0" b="0"/>
+      </a:fillRef>
+      <a:effectRef idx="0">
+        <a:scrgbClr r="0" g="0" b="0"/>
+      </a:effectRef>
+      <a:fontRef idx="minor"/>
+    </dgm:style>
+  </dgm:styleLbl>
+  <dgm:styleLbl name="solidBgAcc1">
+    <dgm:scene3d>
+      <a:camera prst="orthographicFront"/>
+      <a:lightRig rig="threePt" dir="t"/>
+    </dgm:scene3d>
+    <dgm:sp3d/>
+    <dgm:txPr/>
+    <dgm:style>
+      <a:lnRef idx="2">
+        <a:scrgbClr r="0" g="0" b="0"/>
+      </a:lnRef>
+      <a:fillRef idx="1">
+        <a:scrgbClr r="0" g="0" b="0"/>
+      </a:fillRef>
+      <a:effectRef idx="0">
+        <a:scrgbClr r="0" g="0" b="0"/>
+      </a:effectRef>
+      <a:fontRef idx="minor"/>
+    </dgm:style>
+  </dgm:styleLbl>
+  <dgm:styleLbl name="fgAccFollowNode1">
+    <dgm:scene3d>
+      <a:camera prst="orthographicFront"/>
+      <a:lightRig rig="threePt" dir="t"/>
+    </dgm:scene3d>
+    <dgm:sp3d/>
+    <dgm:txPr/>
+    <dgm:style>
+      <a:lnRef idx="2">
+        <a:scrgbClr r="0" g="0" b="0"/>
+      </a:lnRef>
+      <a:fillRef idx="1">
+        <a:scrgbClr r="0" g="0" b="0"/>
+      </a:fillRef>
+      <a:effectRef idx="0">
+        <a:scrgbClr r="0" g="0" b="0"/>
+      </a:effectRef>
+      <a:fontRef idx="minor"/>
+    </dgm:style>
+  </dgm:styleLbl>
+  <dgm:styleLbl name="alignAccFollowNode1">
+    <dgm:scene3d>
+      <a:camera prst="orthographicFront"/>
+      <a:lightRig rig="threePt" dir="t"/>
+    </dgm:scene3d>
+    <dgm:sp3d/>
+    <dgm:txPr/>
+    <dgm:style>
+      <a:lnRef idx="2">
+        <a:scrgbClr r="0" g="0" b="0"/>
+      </a:lnRef>
+      <a:fillRef idx="1">
+        <a:scrgbClr r="0" g="0" b="0"/>
+      </a:fillRef>
+      <a:effectRef idx="0">
+        <a:scrgbClr r="0" g="0" b="0"/>
+      </a:effectRef>
+      <a:fontRef idx="minor"/>
+    </dgm:style>
+  </dgm:styleLbl>
+  <dgm:styleLbl name="bgAccFollowNode1">
+    <dgm:scene3d>
+      <a:camera prst="orthographicFront"/>
+      <a:lightRig rig="threePt" dir="t"/>
+    </dgm:scene3d>
+    <dgm:sp3d/>
+    <dgm:txPr/>
+    <dgm:style>
+      <a:lnRef idx="2">
+        <a:scrgbClr r="0" g="0" b="0"/>
+      </a:lnRef>
+      <a:fillRef idx="1">
+        <a:scrgbClr r="0" g="0" b="0"/>
+      </a:fillRef>
+      <a:effectRef idx="0">
+        <a:scrgbClr r="0" g="0" b="0"/>
+      </a:effectRef>
+      <a:fontRef idx="minor"/>
+    </dgm:style>
+  </dgm:styleLbl>
+  <dgm:styleLbl name="fgAcc0">
+    <dgm:scene3d>
+      <a:camera prst="orthographicFront"/>
+      <a:lightRig rig="threePt" dir="t"/>
+    </dgm:scene3d>
+    <dgm:sp3d/>
+    <dgm:txPr/>
+    <dgm:style>
+      <a:lnRef idx="2">
+        <a:scrgbClr r="0" g="0" b="0"/>
+      </a:lnRef>
+      <a:fillRef idx="1">
+        <a:scrgbClr r="0" g="0" b="0"/>
+      </a:fillRef>
+      <a:effectRef idx="0">
+        <a:scrgbClr r="0" g="0" b="0"/>
+      </a:effectRef>
+      <a:fontRef idx="minor"/>
+    </dgm:style>
+  </dgm:styleLbl>
+  <dgm:styleLbl name="fgAcc2">
+    <dgm:scene3d>
+      <a:camera prst="orthographicFront"/>
+      <a:lightRig rig="threePt" dir="t"/>
+    </dgm:scene3d>
+    <dgm:sp3d/>
+    <dgm:txPr/>
+    <dgm:style>
+      <a:lnRef idx="2">
+        <a:scrgbClr r="0" g="0" b="0"/>
+      </a:lnRef>
+      <a:fillRef idx="1">
+        <a:scrgbClr r="0" g="0" b="0"/>
+      </a:fillRef>
+      <a:effectRef idx="0">
+        <a:scrgbClr r="0" g="0" b="0"/>
+      </a:effectRef>
+      <a:fontRef idx="minor"/>
+    </dgm:style>
+  </dgm:styleLbl>
+  <dgm:styleLbl name="fgAcc3">
+    <dgm:scene3d>
+      <a:camera prst="orthographicFront"/>
+      <a:lightRig rig="threePt" dir="t"/>
+    </dgm:scene3d>
+    <dgm:sp3d/>
+    <dgm:txPr/>
+    <dgm:style>
+      <a:lnRef idx="2">
+        <a:scrgbClr r="0" g="0" b="0"/>
+      </a:lnRef>
+      <a:fillRef idx="1">
+        <a:scrgbClr r="0" g="0" b="0"/>
+      </a:fillRef>
+      <a:effectRef idx="0">
+        <a:scrgbClr r="0" g="0" b="0"/>
+      </a:effectRef>
+      <a:fontRef idx="minor"/>
+    </dgm:style>
+  </dgm:styleLbl>
+  <dgm:styleLbl name="fgAcc4">
+    <dgm:scene3d>
+      <a:camera prst="orthographicFront"/>
+      <a:lightRig rig="threePt" dir="t"/>
+    </dgm:scene3d>
+    <dgm:sp3d/>
+    <dgm:txPr/>
+    <dgm:style>
+      <a:lnRef idx="2">
+        <a:scrgbClr r="0" g="0" b="0"/>
+      </a:lnRef>
+      <a:fillRef idx="1">
+        <a:scrgbClr r="0" g="0" b="0"/>
+      </a:fillRef>
+      <a:effectRef idx="0">
+        <a:scrgbClr r="0" g="0" b="0"/>
+      </a:effectRef>
+      <a:fontRef idx="minor"/>
+    </dgm:style>
+  </dgm:styleLbl>
+  <dgm:styleLbl name="bgShp">
+    <dgm:scene3d>
+      <a:camera prst="orthographicFront"/>
+      <a:lightRig rig="threePt" dir="t"/>
+    </dgm:scene3d>
+    <dgm:sp3d/>
+    <dgm:txPr/>
+    <dgm:style>
+      <a:lnRef idx="0">
+        <a:scrgbClr r="0" g="0" b="0"/>
+      </a:lnRef>
+      <a:fillRef idx="1">
+        <a:scrgbClr r="0" g="0" b="0"/>
+      </a:fillRef>
+      <a:effectRef idx="0">
+        <a:scrgbClr r="0" g="0" b="0"/>
+      </a:effectRef>
+      <a:fontRef idx="minor"/>
+    </dgm:style>
+  </dgm:styleLbl>
+  <dgm:styleLbl name="dkBgShp">
+    <dgm:scene3d>
+      <a:camera prst="orthographicFront"/>
+      <a:lightRig rig="threePt" dir="t"/>
+    </dgm:scene3d>
+    <dgm:sp3d/>
+    <dgm:txPr/>
+    <dgm:style>
+      <a:lnRef idx="0">
+        <a:scrgbClr r="0" g="0" b="0"/>
+      </a:lnRef>
+      <a:fillRef idx="1">
+        <a:scrgbClr r="0" g="0" b="0"/>
+      </a:fillRef>
+      <a:effectRef idx="0">
+        <a:scrgbClr r="0" g="0" b="0"/>
+      </a:effectRef>
+      <a:fontRef idx="minor"/>
+    </dgm:style>
+  </dgm:styleLbl>
+  <dgm:styleLbl name="trBgShp">
+    <dgm:scene3d>
+      <a:camera prst="orthographicFront"/>
+      <a:lightRig rig="threePt" dir="t"/>
+    </dgm:scene3d>
+    <dgm:sp3d/>
+    <dgm:txPr/>
+    <dgm:style>
+      <a:lnRef idx="0">
+        <a:scrgbClr r="0" g="0" b="0"/>
+      </a:lnRef>
+      <a:fillRef idx="1">
+        <a:scrgbClr r="0" g="0" b="0"/>
+      </a:fillRef>
+      <a:effectRef idx="0">
+        <a:scrgbClr r="0" g="0" b="0"/>
+      </a:effectRef>
+      <a:fontRef idx="minor"/>
+    </dgm:style>
+  </dgm:styleLbl>
+  <dgm:styleLbl name="fgShp">
+    <dgm:scene3d>
+      <a:camera prst="orthographicFront"/>
+      <a:lightRig rig="threePt" dir="t"/>
+    </dgm:scene3d>
+    <dgm:sp3d/>
+    <dgm:txPr/>
+    <dgm:style>
+      <a:lnRef idx="2">
+        <a:scrgbClr r="0" g="0" b="0"/>
+      </a:lnRef>
+      <a:fillRef idx="1">
+        <a:scrgbClr r="0" g="0" b="0"/>
+      </a:fillRef>
+      <a:effectRef idx="0">
+        <a:scrgbClr r="0" g="0" b="0"/>
+      </a:effectRef>
+      <a:fontRef idx="minor"/>
+    </dgm:style>
+  </dgm:styleLbl>
+  <dgm:styleLbl name="revTx">
+    <dgm:scene3d>
+      <a:camera prst="orthographicFront"/>
+      <a:lightRig rig="threePt" dir="t"/>
+    </dgm:scene3d>
+    <dgm:sp3d/>
+    <dgm:txPr/>
+    <dgm:style>
+      <a:lnRef idx="0">
+        <a:scrgbClr r="0" g="0" b="0"/>
+      </a:lnRef>
+      <a:fillRef idx="0">
+        <a:scrgbClr r="0" g="0" b="0"/>
+      </a:fillRef>
+      <a:effectRef idx="0">
+        <a:scrgbClr r="0" g="0" b="0"/>
+      </a:effectRef>
+      <a:fontRef idx="minor"/>
+    </dgm:style>
+  </dgm:styleLbl>
+</dgm:styleDef>
+</file>
+
+<file path=ppt/diagrams/quickStyle6.xml><?xml version="1.0" encoding="utf-8"?>
 <dgm:styleDef xmlns:dgm="http://schemas.openxmlformats.org/drawingml/2006/diagram" xmlns:a="http://schemas.openxmlformats.org/drawingml/2006/main" uniqueId="urn:microsoft.com/office/officeart/2005/8/quickstyle/simple1">
   <dgm:title val=""/>
   <dgm:desc val=""/>
@@ -35474,7 +38433,7 @@
             <a:pPr algn="ctr"/>
             <a:r>
               <a:rPr lang="en-US" b="1" dirty="0"/>
-              <a:t>JC or whoever wants to cover</a:t>
+              <a:t>JC or whomever wants to cover</a:t>
             </a:r>
           </a:p>
         </p:txBody>
@@ -37406,6 +40365,32 @@
 <file path=ppt/slides/slide6.xml><?xml version="1.0" encoding="utf-8"?>
 <p:sld xmlns:a="http://schemas.openxmlformats.org/drawingml/2006/main" xmlns:r="http://schemas.openxmlformats.org/officeDocument/2006/relationships" xmlns:p="http://schemas.openxmlformats.org/presentationml/2006/main">
   <p:cSld>
+    <p:bg>
+      <p:bgPr>
+        <a:gradFill flip="none" rotWithShape="1">
+          <a:gsLst>
+            <a:gs pos="23448">
+              <a:schemeClr val="tx1">
+                <a:lumMod val="85000"/>
+              </a:schemeClr>
+            </a:gs>
+            <a:gs pos="83000">
+              <a:schemeClr val="tx1">
+                <a:lumMod val="65000"/>
+              </a:schemeClr>
+            </a:gs>
+            <a:gs pos="100000">
+              <a:schemeClr val="bg2">
+                <a:lumMod val="50000"/>
+              </a:schemeClr>
+            </a:gs>
+          </a:gsLst>
+          <a:lin ang="4740000" scaled="1"/>
+          <a:tileRect/>
+        </a:gradFill>
+        <a:effectLst/>
+      </p:bgPr>
+    </p:bg>
     <p:spTree>
       <p:nvGrpSpPr>
         <p:cNvPr id="1" name=""/>
@@ -37422,10 +40407,10 @@
       </p:grpSpPr>
       <p:sp>
         <p:nvSpPr>
-          <p:cNvPr id="3" name="TextBox 2">
+          <p:cNvPr id="8" name="TextBox 7">
             <a:extLst>
               <a:ext uri="{FF2B5EF4-FFF2-40B4-BE49-F238E27FC236}">
-                <a16:creationId xmlns:a16="http://schemas.microsoft.com/office/drawing/2014/main" id="{E03A1BD5-672E-374E-9E30-401EB3C688D1}"/>
+                <a16:creationId xmlns:a16="http://schemas.microsoft.com/office/drawing/2014/main" id="{46C0A125-FF4F-6C43-B8AE-3C5B715290A5}"/>
               </a:ext>
             </a:extLst>
           </p:cNvPr>
@@ -37434,8 +40419,8 @@
         </p:nvSpPr>
         <p:spPr>
           <a:xfrm>
-            <a:off x="1058238" y="678094"/>
-            <a:ext cx="3606229" cy="2862322"/>
+            <a:off x="823598" y="520095"/>
+            <a:ext cx="6015530" cy="1015663"/>
           </a:xfrm>
           <a:prstGeom prst="rect">
             <a:avLst/>
@@ -37448,66 +40433,70 @@
           </a:bodyPr>
           <a:lstStyle/>
           <a:p>
+            <a:pPr marL="0" marR="0" lvl="0" indent="0" algn="l" defTabSz="457200" rtl="0" eaLnBrk="1" fontAlgn="auto" latinLnBrk="0" hangingPunct="1">
+              <a:lnSpc>
+                <a:spcPct val="100000"/>
+              </a:lnSpc>
+              <a:spcBef>
+                <a:spcPts val="0"/>
+              </a:spcBef>
+              <a:spcAft>
+                <a:spcPts val="0"/>
+              </a:spcAft>
+              <a:buClrTx/>
+              <a:buSzTx/>
+              <a:buFontTx/>
+              <a:buNone/>
+              <a:tabLst/>
+              <a:defRPr/>
+            </a:pPr>
             <a:r>
-              <a:rPr lang="en-US" dirty="0"/>
-              <a:t>Data Exploration</a:t>
-            </a:r>
-          </a:p>
-          <a:p>
-            <a:endParaRPr lang="en-US" dirty="0"/>
-          </a:p>
-          <a:p>
-            <a:r>
-              <a:rPr lang="en-US" dirty="0"/>
-              <a:t>Income – IRS</a:t>
-            </a:r>
-          </a:p>
-          <a:p>
-            <a:r>
-              <a:rPr lang="en-US" dirty="0"/>
-              <a:t>- </a:t>
+              <a:rPr kumimoji="0" lang="en-US" sz="6000" b="0" i="0" u="none" strike="noStrike" kern="1200" cap="none" spc="0" normalizeH="0" baseline="0" noProof="0" dirty="0">
+                <a:ln>
+                  <a:noFill/>
+                </a:ln>
+                <a:solidFill>
+                  <a:srgbClr val="16476F">
+                    <a:lumMod val="75000"/>
+                  </a:srgbClr>
+                </a:solidFill>
+                <a:effectLst/>
+                <a:uLnTx/>
+                <a:uFillTx/>
+                <a:latin typeface="Questrial" panose="02000000000000000000" pitchFamily="2" charset="0"/>
+                <a:ea typeface="+mn-ea"/>
+                <a:cs typeface="+mn-cs"/>
+              </a:rPr>
+              <a:t>data </a:t>
             </a:r>
             <a:r>
-              <a:rPr lang="en-US" dirty="0" err="1"/>
-              <a:t>year,s</a:t>
-            </a:r>
-            <a:endParaRPr lang="en-US" dirty="0"/>
-          </a:p>
-          <a:p>
-            <a:endParaRPr lang="en-US" dirty="0"/>
-          </a:p>
-          <a:p>
-            <a:r>
-              <a:rPr lang="en-US" dirty="0"/>
-              <a:t>Sales – </a:t>
-            </a:r>
-          </a:p>
-          <a:p>
-            <a:endParaRPr lang="en-US" dirty="0"/>
-          </a:p>
-          <a:p>
-            <a:r>
-              <a:rPr lang="en-US" dirty="0"/>
-              <a:t>Dev </a:t>
-            </a:r>
-          </a:p>
-          <a:p>
-            <a:endParaRPr lang="en-US" dirty="0"/>
-          </a:p>
-          <a:p>
-            <a:r>
-              <a:rPr lang="en-US" dirty="0"/>
-              <a:t>A</a:t>
+              <a:rPr kumimoji="0" lang="en-US" sz="6000" b="1" i="0" u="none" strike="noStrike" kern="1200" cap="none" spc="0" normalizeH="0" baseline="0" noProof="0" dirty="0">
+                <a:ln>
+                  <a:noFill/>
+                </a:ln>
+                <a:solidFill>
+                  <a:srgbClr val="16476F">
+                    <a:lumMod val="75000"/>
+                  </a:srgbClr>
+                </a:solidFill>
+                <a:effectLst/>
+                <a:uLnTx/>
+                <a:uFillTx/>
+                <a:latin typeface="Questrial" panose="02000000000000000000" pitchFamily="2" charset="0"/>
+                <a:ea typeface="+mn-ea"/>
+                <a:cs typeface="+mn-cs"/>
+              </a:rPr>
+              <a:t>exploration</a:t>
             </a:r>
           </a:p>
         </p:txBody>
       </p:sp>
       <p:sp>
         <p:nvSpPr>
-          <p:cNvPr id="4" name="TextBox 3">
+          <p:cNvPr id="7" name="TextBox 6">
             <a:extLst>
               <a:ext uri="{FF2B5EF4-FFF2-40B4-BE49-F238E27FC236}">
-                <a16:creationId xmlns:a16="http://schemas.microsoft.com/office/drawing/2014/main" id="{2574CB0E-218D-2446-BF79-92D87CF55195}"/>
+                <a16:creationId xmlns:a16="http://schemas.microsoft.com/office/drawing/2014/main" id="{63B711B5-FE9C-41C1-9BEF-FD36F6ED18FE}"/>
               </a:ext>
             </a:extLst>
           </p:cNvPr>
@@ -37534,19 +40523,323 @@
           </a:bodyPr>
           <a:lstStyle/>
           <a:p>
-            <a:pPr algn="ctr"/>
+            <a:pPr marL="0" marR="0" lvl="0" indent="0" algn="ctr" defTabSz="457200" rtl="0" eaLnBrk="1" fontAlgn="auto" latinLnBrk="0" hangingPunct="1">
+              <a:lnSpc>
+                <a:spcPct val="100000"/>
+              </a:lnSpc>
+              <a:spcBef>
+                <a:spcPts val="0"/>
+              </a:spcBef>
+              <a:spcAft>
+                <a:spcPts val="0"/>
+              </a:spcAft>
+              <a:buClrTx/>
+              <a:buSzTx/>
+              <a:buFontTx/>
+              <a:buNone/>
+              <a:tabLst/>
+              <a:defRPr/>
+            </a:pPr>
             <a:r>
-              <a:rPr lang="en-US" b="1" dirty="0" err="1"/>
+              <a:rPr kumimoji="0" lang="en-US" sz="1800" b="1" i="0" u="none" strike="noStrike" kern="1200" cap="none" spc="0" normalizeH="0" baseline="0" noProof="0" dirty="0" err="1">
+                <a:ln>
+                  <a:noFill/>
+                </a:ln>
+                <a:solidFill>
+                  <a:prstClr val="white"/>
+                </a:solidFill>
+                <a:effectLst/>
+                <a:uLnTx/>
+                <a:uFillTx/>
+                <a:latin typeface="Calibri" panose="020F0502020204030204"/>
+                <a:ea typeface="+mn-ea"/>
+                <a:cs typeface="+mn-cs"/>
+              </a:rPr>
               <a:t>Michana</a:t>
             </a:r>
-            <a:endParaRPr lang="en-US" b="1" dirty="0"/>
+            <a:endParaRPr kumimoji="0" lang="en-US" sz="1800" b="1" i="0" u="none" strike="noStrike" kern="1200" cap="none" spc="0" normalizeH="0" baseline="0" noProof="0" dirty="0">
+              <a:ln>
+                <a:noFill/>
+              </a:ln>
+              <a:solidFill>
+                <a:prstClr val="white"/>
+              </a:solidFill>
+              <a:effectLst/>
+              <a:uLnTx/>
+              <a:uFillTx/>
+              <a:latin typeface="Calibri" panose="020F0502020204030204"/>
+              <a:ea typeface="+mn-ea"/>
+              <a:cs typeface="+mn-cs"/>
+            </a:endParaRPr>
           </a:p>
         </p:txBody>
       </p:sp>
+      <p:graphicFrame>
+        <p:nvGraphicFramePr>
+          <p:cNvPr id="11" name="Diagram 10">
+            <a:extLst>
+              <a:ext uri="{FF2B5EF4-FFF2-40B4-BE49-F238E27FC236}">
+                <a16:creationId xmlns:a16="http://schemas.microsoft.com/office/drawing/2014/main" id="{B59B873F-6AF2-406F-8C7B-D7811480473C}"/>
+              </a:ext>
+            </a:extLst>
+          </p:cNvPr>
+          <p:cNvGraphicFramePr/>
+          <p:nvPr/>
+        </p:nvGraphicFramePr>
+        <p:xfrm>
+          <a:off x="2325021" y="1355136"/>
+          <a:ext cx="7202311" cy="5354251"/>
+        </p:xfrm>
+        <a:graphic>
+          <a:graphicData uri="http://schemas.openxmlformats.org/drawingml/2006/diagram">
+            <dgm:relIds xmlns:dgm="http://schemas.openxmlformats.org/drawingml/2006/diagram" xmlns:r="http://schemas.openxmlformats.org/officeDocument/2006/relationships" r:dm="rId2" r:lo="rId3" r:qs="rId4" r:cs="rId5"/>
+          </a:graphicData>
+        </a:graphic>
+      </p:graphicFrame>
+      <p:pic>
+        <p:nvPicPr>
+          <p:cNvPr id="12" name="Picture 4" descr="image.png">
+            <a:extLst>
+              <a:ext uri="{FF2B5EF4-FFF2-40B4-BE49-F238E27FC236}">
+                <a16:creationId xmlns:a16="http://schemas.microsoft.com/office/drawing/2014/main" id="{6CC187E9-345C-4529-A23D-7C6EC1B7E7B7}"/>
+              </a:ext>
+            </a:extLst>
+          </p:cNvPr>
+          <p:cNvPicPr>
+            <a:picLocks noChangeAspect="1" noChangeArrowheads="1"/>
+          </p:cNvPicPr>
+          <p:nvPr/>
+        </p:nvPicPr>
+        <p:blipFill>
+          <a:blip r:embed="rId7">
+            <a:extLst>
+              <a:ext uri="{28A0092B-C50C-407E-A947-70E740481C1C}">
+                <a14:useLocalDpi xmlns:a14="http://schemas.microsoft.com/office/drawing/2010/main" val="0"/>
+              </a:ext>
+            </a:extLst>
+          </a:blip>
+          <a:srcRect/>
+          <a:stretch>
+            <a:fillRect/>
+          </a:stretch>
+        </p:blipFill>
+        <p:spPr bwMode="auto">
+          <a:xfrm>
+            <a:off x="9628687" y="4798560"/>
+            <a:ext cx="2326545" cy="908807"/>
+          </a:xfrm>
+          <a:prstGeom prst="rect">
+            <a:avLst/>
+          </a:prstGeom>
+          <a:noFill/>
+          <a:ln>
+            <a:noFill/>
+          </a:ln>
+          <a:extLst>
+            <a:ext uri="{909E8E84-426E-40DD-AFC4-6F175D3DCCD1}">
+              <a14:hiddenFill xmlns:a14="http://schemas.microsoft.com/office/drawing/2010/main">
+                <a:solidFill>
+                  <a:srgbClr val="FFFFFF"/>
+                </a:solidFill>
+              </a14:hiddenFill>
+            </a:ext>
+            <a:ext uri="{91240B29-F687-4F45-9708-019B960494DF}">
+              <a14:hiddenLine xmlns:a14="http://schemas.microsoft.com/office/drawing/2010/main" w="9525">
+                <a:solidFill>
+                  <a:srgbClr val="000000"/>
+                </a:solidFill>
+                <a:miter lim="800000"/>
+                <a:headEnd/>
+                <a:tailEnd/>
+              </a14:hiddenLine>
+            </a:ext>
+          </a:extLst>
+        </p:spPr>
+      </p:pic>
+      <p:pic>
+        <p:nvPicPr>
+          <p:cNvPr id="13" name="Picture 5" descr="image.png">
+            <a:extLst>
+              <a:ext uri="{FF2B5EF4-FFF2-40B4-BE49-F238E27FC236}">
+                <a16:creationId xmlns:a16="http://schemas.microsoft.com/office/drawing/2014/main" id="{F46E5E34-3877-4C96-95EA-FCF42DCE45FA}"/>
+              </a:ext>
+            </a:extLst>
+          </p:cNvPr>
+          <p:cNvPicPr>
+            <a:picLocks noChangeAspect="1" noChangeArrowheads="1"/>
+          </p:cNvPicPr>
+          <p:nvPr/>
+        </p:nvPicPr>
+        <p:blipFill>
+          <a:blip r:embed="rId8">
+            <a:extLst>
+              <a:ext uri="{28A0092B-C50C-407E-A947-70E740481C1C}">
+                <a14:useLocalDpi xmlns:a14="http://schemas.microsoft.com/office/drawing/2010/main" val="0"/>
+              </a:ext>
+            </a:extLst>
+          </a:blip>
+          <a:srcRect/>
+          <a:stretch>
+            <a:fillRect/>
+          </a:stretch>
+        </p:blipFill>
+        <p:spPr bwMode="auto">
+          <a:xfrm>
+            <a:off x="781953" y="1919110"/>
+            <a:ext cx="1328024" cy="1785578"/>
+          </a:xfrm>
+          <a:prstGeom prst="rect">
+            <a:avLst/>
+          </a:prstGeom>
+          <a:noFill/>
+          <a:ln>
+            <a:noFill/>
+          </a:ln>
+          <a:extLst>
+            <a:ext uri="{909E8E84-426E-40DD-AFC4-6F175D3DCCD1}">
+              <a14:hiddenFill xmlns:a14="http://schemas.microsoft.com/office/drawing/2010/main">
+                <a:solidFill>
+                  <a:srgbClr val="FFFFFF"/>
+                </a:solidFill>
+              </a14:hiddenFill>
+            </a:ext>
+            <a:ext uri="{91240B29-F687-4F45-9708-019B960494DF}">
+              <a14:hiddenLine xmlns:a14="http://schemas.microsoft.com/office/drawing/2010/main" w="9525">
+                <a:solidFill>
+                  <a:srgbClr val="000000"/>
+                </a:solidFill>
+                <a:miter lim="800000"/>
+                <a:headEnd/>
+                <a:tailEnd/>
+              </a14:hiddenLine>
+            </a:ext>
+          </a:extLst>
+        </p:spPr>
+      </p:pic>
+      <p:pic>
+        <p:nvPicPr>
+          <p:cNvPr id="14" name="Picture 6" descr="image.png">
+            <a:extLst>
+              <a:ext uri="{FF2B5EF4-FFF2-40B4-BE49-F238E27FC236}">
+                <a16:creationId xmlns:a16="http://schemas.microsoft.com/office/drawing/2014/main" id="{6953A4AA-15CC-46E8-8862-48B09663C186}"/>
+              </a:ext>
+            </a:extLst>
+          </p:cNvPr>
+          <p:cNvPicPr>
+            <a:picLocks noChangeAspect="1" noChangeArrowheads="1"/>
+          </p:cNvPicPr>
+          <p:nvPr/>
+        </p:nvPicPr>
+        <p:blipFill>
+          <a:blip r:embed="rId9">
+            <a:extLst>
+              <a:ext uri="{28A0092B-C50C-407E-A947-70E740481C1C}">
+                <a14:useLocalDpi xmlns:a14="http://schemas.microsoft.com/office/drawing/2010/main" val="0"/>
+              </a:ext>
+            </a:extLst>
+          </a:blip>
+          <a:srcRect/>
+          <a:stretch>
+            <a:fillRect/>
+          </a:stretch>
+        </p:blipFill>
+        <p:spPr bwMode="auto">
+          <a:xfrm>
+            <a:off x="9134554" y="2117251"/>
+            <a:ext cx="3204201" cy="1232384"/>
+          </a:xfrm>
+          <a:prstGeom prst="rect">
+            <a:avLst/>
+          </a:prstGeom>
+          <a:noFill/>
+          <a:ln>
+            <a:noFill/>
+          </a:ln>
+          <a:extLst>
+            <a:ext uri="{909E8E84-426E-40DD-AFC4-6F175D3DCCD1}">
+              <a14:hiddenFill xmlns:a14="http://schemas.microsoft.com/office/drawing/2010/main">
+                <a:solidFill>
+                  <a:srgbClr val="FFFFFF"/>
+                </a:solidFill>
+              </a14:hiddenFill>
+            </a:ext>
+            <a:ext uri="{91240B29-F687-4F45-9708-019B960494DF}">
+              <a14:hiddenLine xmlns:a14="http://schemas.microsoft.com/office/drawing/2010/main" w="9525">
+                <a:solidFill>
+                  <a:srgbClr val="000000"/>
+                </a:solidFill>
+                <a:miter lim="800000"/>
+                <a:headEnd/>
+                <a:tailEnd/>
+              </a14:hiddenLine>
+            </a:ext>
+          </a:extLst>
+        </p:spPr>
+      </p:pic>
+      <p:pic>
+        <p:nvPicPr>
+          <p:cNvPr id="15" name="Picture 7" descr="image.png">
+            <a:extLst>
+              <a:ext uri="{FF2B5EF4-FFF2-40B4-BE49-F238E27FC236}">
+                <a16:creationId xmlns:a16="http://schemas.microsoft.com/office/drawing/2014/main" id="{7783285C-9869-4CCE-BE53-D08DF87BF339}"/>
+              </a:ext>
+            </a:extLst>
+          </p:cNvPr>
+          <p:cNvPicPr>
+            <a:picLocks noChangeAspect="1" noChangeArrowheads="1"/>
+          </p:cNvPicPr>
+          <p:nvPr/>
+        </p:nvPicPr>
+        <p:blipFill>
+          <a:blip r:embed="rId10">
+            <a:extLst>
+              <a:ext uri="{28A0092B-C50C-407E-A947-70E740481C1C}">
+                <a14:useLocalDpi xmlns:a14="http://schemas.microsoft.com/office/drawing/2010/main" val="0"/>
+              </a:ext>
+            </a:extLst>
+          </a:blip>
+          <a:srcRect/>
+          <a:stretch>
+            <a:fillRect/>
+          </a:stretch>
+        </p:blipFill>
+        <p:spPr bwMode="auto">
+          <a:xfrm>
+            <a:off x="236768" y="4560795"/>
+            <a:ext cx="1980731" cy="1199342"/>
+          </a:xfrm>
+          <a:prstGeom prst="rect">
+            <a:avLst/>
+          </a:prstGeom>
+          <a:noFill/>
+          <a:ln>
+            <a:noFill/>
+          </a:ln>
+          <a:extLst>
+            <a:ext uri="{909E8E84-426E-40DD-AFC4-6F175D3DCCD1}">
+              <a14:hiddenFill xmlns:a14="http://schemas.microsoft.com/office/drawing/2010/main">
+                <a:solidFill>
+                  <a:srgbClr val="FFFFFF"/>
+                </a:solidFill>
+              </a14:hiddenFill>
+            </a:ext>
+            <a:ext uri="{91240B29-F687-4F45-9708-019B960494DF}">
+              <a14:hiddenLine xmlns:a14="http://schemas.microsoft.com/office/drawing/2010/main" w="9525">
+                <a:solidFill>
+                  <a:srgbClr val="000000"/>
+                </a:solidFill>
+                <a:miter lim="800000"/>
+                <a:headEnd/>
+                <a:tailEnd/>
+              </a14:hiddenLine>
+            </a:ext>
+          </a:extLst>
+        </p:spPr>
+      </p:pic>
     </p:spTree>
     <p:extLst>
       <p:ext uri="{BB962C8B-B14F-4D97-AF65-F5344CB8AC3E}">
-        <p14:creationId xmlns:p14="http://schemas.microsoft.com/office/powerpoint/2010/main" val="3290206060"/>
+        <p14:creationId xmlns:p14="http://schemas.microsoft.com/office/powerpoint/2010/main" val="3451394055"/>
       </p:ext>
     </p:extLst>
   </p:cSld>
@@ -37559,6 +40852,32 @@
 <file path=ppt/slides/slide7.xml><?xml version="1.0" encoding="utf-8"?>
 <p:sld xmlns:a="http://schemas.openxmlformats.org/drawingml/2006/main" xmlns:r="http://schemas.openxmlformats.org/officeDocument/2006/relationships" xmlns:p="http://schemas.openxmlformats.org/presentationml/2006/main">
   <p:cSld>
+    <p:bg>
+      <p:bgPr>
+        <a:gradFill flip="none" rotWithShape="1">
+          <a:gsLst>
+            <a:gs pos="23448">
+              <a:schemeClr val="tx1">
+                <a:lumMod val="85000"/>
+              </a:schemeClr>
+            </a:gs>
+            <a:gs pos="83000">
+              <a:schemeClr val="tx1">
+                <a:lumMod val="65000"/>
+              </a:schemeClr>
+            </a:gs>
+            <a:gs pos="100000">
+              <a:schemeClr val="bg2">
+                <a:lumMod val="50000"/>
+              </a:schemeClr>
+            </a:gs>
+          </a:gsLst>
+          <a:lin ang="4740000" scaled="1"/>
+          <a:tileRect/>
+        </a:gradFill>
+        <a:effectLst/>
+      </p:bgPr>
+    </p:bg>
     <p:spTree>
       <p:nvGrpSpPr>
         <p:cNvPr id="1" name=""/>
@@ -37575,10 +40894,10 @@
       </p:grpSpPr>
       <p:sp>
         <p:nvSpPr>
-          <p:cNvPr id="3" name="TextBox 2">
+          <p:cNvPr id="8" name="TextBox 7">
             <a:extLst>
               <a:ext uri="{FF2B5EF4-FFF2-40B4-BE49-F238E27FC236}">
-                <a16:creationId xmlns:a16="http://schemas.microsoft.com/office/drawing/2014/main" id="{E03A1BD5-672E-374E-9E30-401EB3C688D1}"/>
+                <a16:creationId xmlns:a16="http://schemas.microsoft.com/office/drawing/2014/main" id="{46C0A125-FF4F-6C43-B8AE-3C5B715290A5}"/>
               </a:ext>
             </a:extLst>
           </p:cNvPr>
@@ -37587,8 +40906,8 @@
         </p:nvSpPr>
         <p:spPr>
           <a:xfrm>
-            <a:off x="1058238" y="678094"/>
-            <a:ext cx="3606229" cy="1477328"/>
+            <a:off x="823598" y="520095"/>
+            <a:ext cx="6015530" cy="1015663"/>
           </a:xfrm>
           <a:prstGeom prst="rect">
             <a:avLst/>
@@ -37601,37 +40920,89 @@
           </a:bodyPr>
           <a:lstStyle/>
           <a:p>
+            <a:pPr marL="0" marR="0" lvl="0" indent="0" algn="l" defTabSz="457200" rtl="0" eaLnBrk="1" fontAlgn="auto" latinLnBrk="0" hangingPunct="1">
+              <a:lnSpc>
+                <a:spcPct val="100000"/>
+              </a:lnSpc>
+              <a:spcBef>
+                <a:spcPts val="0"/>
+              </a:spcBef>
+              <a:spcAft>
+                <a:spcPts val="0"/>
+              </a:spcAft>
+              <a:buClrTx/>
+              <a:buSzTx/>
+              <a:buFontTx/>
+              <a:buNone/>
+              <a:tabLst/>
+              <a:defRPr/>
+            </a:pPr>
             <a:r>
-              <a:rPr lang="en-US" dirty="0"/>
-              <a:t>Data Clean Up</a:t>
+              <a:rPr kumimoji="0" lang="en-US" sz="6000" b="0" i="0" u="none" strike="noStrike" kern="1200" cap="none" spc="0" normalizeH="0" baseline="0" noProof="0" dirty="0">
+                <a:ln>
+                  <a:noFill/>
+                </a:ln>
+                <a:solidFill>
+                  <a:srgbClr val="16476F">
+                    <a:lumMod val="75000"/>
+                  </a:srgbClr>
+                </a:solidFill>
+                <a:effectLst/>
+                <a:uLnTx/>
+                <a:uFillTx/>
+                <a:latin typeface="Questrial" panose="02000000000000000000" pitchFamily="2" charset="0"/>
+                <a:ea typeface="+mn-ea"/>
+                <a:cs typeface="+mn-cs"/>
+              </a:rPr>
+              <a:t>our </a:t>
             </a:r>
-          </a:p>
-          <a:p>
-            <a:endParaRPr lang="en-US" dirty="0"/>
-          </a:p>
-          <a:p>
             <a:r>
-              <a:rPr lang="en-US" dirty="0"/>
-              <a:t>Before and After </a:t>
+              <a:rPr kumimoji="0" lang="en-US" sz="6000" b="1" i="0" u="none" strike="noStrike" kern="1200" cap="none" spc="0" normalizeH="0" baseline="0" noProof="0" dirty="0">
+                <a:ln>
+                  <a:noFill/>
+                </a:ln>
+                <a:solidFill>
+                  <a:srgbClr val="16476F">
+                    <a:lumMod val="75000"/>
+                  </a:srgbClr>
+                </a:solidFill>
+                <a:effectLst/>
+                <a:uLnTx/>
+                <a:uFillTx/>
+                <a:latin typeface="Questrial" panose="02000000000000000000" pitchFamily="2" charset="0"/>
+                <a:ea typeface="+mn-ea"/>
+                <a:cs typeface="+mn-cs"/>
+              </a:rPr>
+              <a:t>data </a:t>
             </a:r>
-          </a:p>
-          <a:p>
-            <a:endParaRPr lang="en-US" dirty="0"/>
-          </a:p>
-          <a:p>
             <a:r>
-              <a:rPr lang="en-US" dirty="0"/>
-              <a:t>Tell the transformation story</a:t>
+              <a:rPr kumimoji="0" lang="en-US" sz="6000" b="0" i="0" u="none" strike="noStrike" kern="1200" cap="none" spc="0" normalizeH="0" baseline="0" noProof="0" dirty="0">
+                <a:ln>
+                  <a:noFill/>
+                </a:ln>
+                <a:solidFill>
+                  <a:srgbClr val="16476F">
+                    <a:lumMod val="75000"/>
+                  </a:srgbClr>
+                </a:solidFill>
+                <a:effectLst/>
+                <a:uLnTx/>
+                <a:uFillTx/>
+                <a:latin typeface="Questrial" panose="02000000000000000000" pitchFamily="2" charset="0"/>
+                <a:ea typeface="+mn-ea"/>
+                <a:cs typeface="+mn-cs"/>
+              </a:rPr>
+              <a:t>-&gt; crime</a:t>
             </a:r>
           </a:p>
         </p:txBody>
       </p:sp>
       <p:sp>
         <p:nvSpPr>
-          <p:cNvPr id="5" name="TextBox 4">
+          <p:cNvPr id="7" name="TextBox 6">
             <a:extLst>
               <a:ext uri="{FF2B5EF4-FFF2-40B4-BE49-F238E27FC236}">
-                <a16:creationId xmlns:a16="http://schemas.microsoft.com/office/drawing/2014/main" id="{F11E7D23-D495-FB4F-8D2B-834A0BA96D1F}"/>
+                <a16:creationId xmlns:a16="http://schemas.microsoft.com/office/drawing/2014/main" id="{63B711B5-FE9C-41C1-9BEF-FD36F6ED18FE}"/>
               </a:ext>
             </a:extLst>
           </p:cNvPr>
@@ -37641,7 +41012,7 @@
         <p:spPr>
           <a:xfrm>
             <a:off x="10602098" y="98854"/>
-            <a:ext cx="1309816" cy="646331"/>
+            <a:ext cx="1309816" cy="369332"/>
           </a:xfrm>
           <a:prstGeom prst="rect">
             <a:avLst/>
@@ -37658,23 +41029,748 @@
           </a:bodyPr>
           <a:lstStyle/>
           <a:p>
-            <a:pPr algn="ctr"/>
+            <a:pPr marL="0" marR="0" lvl="0" indent="0" algn="ctr" defTabSz="457200" rtl="0" eaLnBrk="1" fontAlgn="auto" latinLnBrk="0" hangingPunct="1">
+              <a:lnSpc>
+                <a:spcPct val="100000"/>
+              </a:lnSpc>
+              <a:spcBef>
+                <a:spcPts val="0"/>
+              </a:spcBef>
+              <a:spcAft>
+                <a:spcPts val="0"/>
+              </a:spcAft>
+              <a:buClrTx/>
+              <a:buSzTx/>
+              <a:buFontTx/>
+              <a:buNone/>
+              <a:tabLst/>
+              <a:defRPr/>
+            </a:pPr>
             <a:r>
-              <a:rPr lang="en-US" b="1" dirty="0"/>
-              <a:t>Crime - </a:t>
+              <a:rPr kumimoji="0" lang="en-US" sz="1800" b="1" i="0" u="none" strike="noStrike" kern="1200" cap="none" spc="0" normalizeH="0" baseline="0" noProof="0" dirty="0" err="1">
+                <a:ln>
+                  <a:noFill/>
+                </a:ln>
+                <a:solidFill>
+                  <a:prstClr val="white"/>
+                </a:solidFill>
+                <a:effectLst/>
+                <a:uLnTx/>
+                <a:uFillTx/>
+                <a:latin typeface="Calibri" panose="020F0502020204030204"/>
+                <a:ea typeface="+mn-ea"/>
+                <a:cs typeface="+mn-cs"/>
+              </a:rPr>
+              <a:t>Michana</a:t>
+            </a:r>
+            <a:endParaRPr kumimoji="0" lang="en-US" sz="1800" b="1" i="0" u="none" strike="noStrike" kern="1200" cap="none" spc="0" normalizeH="0" baseline="0" noProof="0" dirty="0">
+              <a:ln>
+                <a:noFill/>
+              </a:ln>
+              <a:solidFill>
+                <a:prstClr val="white"/>
+              </a:solidFill>
+              <a:effectLst/>
+              <a:uLnTx/>
+              <a:uFillTx/>
+              <a:latin typeface="Calibri" panose="020F0502020204030204"/>
+              <a:ea typeface="+mn-ea"/>
+              <a:cs typeface="+mn-cs"/>
+            </a:endParaRPr>
+          </a:p>
+        </p:txBody>
+      </p:sp>
+      <p:pic>
+        <p:nvPicPr>
+          <p:cNvPr id="9" name="Picture 7">
+            <a:extLst>
+              <a:ext uri="{FF2B5EF4-FFF2-40B4-BE49-F238E27FC236}">
+                <a16:creationId xmlns:a16="http://schemas.microsoft.com/office/drawing/2014/main" id="{FF15221B-E7DD-4A0A-A326-07D4FCDDC07A}"/>
+              </a:ext>
+            </a:extLst>
+          </p:cNvPr>
+          <p:cNvPicPr>
+            <a:picLocks noChangeAspect="1" noChangeArrowheads="1"/>
+          </p:cNvPicPr>
+          <p:nvPr/>
+        </p:nvPicPr>
+        <p:blipFill rotWithShape="1">
+          <a:blip r:embed="rId2">
+            <a:extLst>
+              <a:ext uri="{28A0092B-C50C-407E-A947-70E740481C1C}">
+                <a14:useLocalDpi xmlns:a14="http://schemas.microsoft.com/office/drawing/2010/main" val="0"/>
+              </a:ext>
+            </a:extLst>
+          </a:blip>
+          <a:srcRect b="12750"/>
+          <a:stretch/>
+        </p:blipFill>
+        <p:spPr bwMode="auto">
+          <a:xfrm>
+            <a:off x="7115194" y="2344715"/>
+            <a:ext cx="4704272" cy="4078615"/>
+          </a:xfrm>
+          <a:prstGeom prst="rect">
+            <a:avLst/>
+          </a:prstGeom>
+          <a:noFill/>
+          <a:ln>
+            <a:noFill/>
+          </a:ln>
+          <a:effectLst/>
+          <a:extLst>
+            <a:ext uri="{909E8E84-426E-40DD-AFC4-6F175D3DCCD1}">
+              <a14:hiddenFill xmlns:a14="http://schemas.microsoft.com/office/drawing/2010/main">
+                <a:solidFill>
+                  <a:schemeClr val="accent1"/>
+                </a:solidFill>
+              </a14:hiddenFill>
+            </a:ext>
+            <a:ext uri="{91240B29-F687-4F45-9708-019B960494DF}">
+              <a14:hiddenLine xmlns:a14="http://schemas.microsoft.com/office/drawing/2010/main" w="9525">
+                <a:solidFill>
+                  <a:schemeClr val="tx1"/>
+                </a:solidFill>
+                <a:miter lim="800000"/>
+                <a:headEnd/>
+                <a:tailEnd/>
+              </a14:hiddenLine>
+            </a:ext>
+            <a:ext uri="{AF507438-7753-43E0-B8FC-AC1667EBCBE1}">
+              <a14:hiddenEffects xmlns:a14="http://schemas.microsoft.com/office/drawing/2010/main">
+                <a:effectLst>
+                  <a:outerShdw dist="35921" dir="2700000" algn="ctr" rotWithShape="0">
+                    <a:schemeClr val="bg2"/>
+                  </a:outerShdw>
+                </a:effectLst>
+              </a14:hiddenEffects>
+            </a:ext>
+          </a:extLst>
+        </p:spPr>
+      </p:pic>
+      <p:pic>
+        <p:nvPicPr>
+          <p:cNvPr id="10" name="Picture 3">
+            <a:extLst>
+              <a:ext uri="{FF2B5EF4-FFF2-40B4-BE49-F238E27FC236}">
+                <a16:creationId xmlns:a16="http://schemas.microsoft.com/office/drawing/2014/main" id="{4084555B-716A-4103-9758-74A9586595FB}"/>
+              </a:ext>
+            </a:extLst>
+          </p:cNvPr>
+          <p:cNvPicPr>
+            <a:picLocks noChangeAspect="1" noChangeArrowheads="1"/>
+          </p:cNvPicPr>
+          <p:nvPr/>
+        </p:nvPicPr>
+        <p:blipFill rotWithShape="1">
+          <a:blip r:embed="rId3">
+            <a:extLst>
+              <a:ext uri="{28A0092B-C50C-407E-A947-70E740481C1C}">
+                <a14:useLocalDpi xmlns:a14="http://schemas.microsoft.com/office/drawing/2010/main" val="0"/>
+              </a:ext>
+            </a:extLst>
+          </a:blip>
+          <a:srcRect l="1" r="-1438"/>
+          <a:stretch/>
+        </p:blipFill>
+        <p:spPr bwMode="auto">
+          <a:xfrm>
+            <a:off x="541408" y="2349131"/>
+            <a:ext cx="5577170" cy="2058716"/>
+          </a:xfrm>
+          <a:prstGeom prst="rect">
+            <a:avLst/>
+          </a:prstGeom>
+          <a:noFill/>
+          <a:ln>
+            <a:noFill/>
+          </a:ln>
+          <a:extLst>
+            <a:ext uri="{909E8E84-426E-40DD-AFC4-6F175D3DCCD1}">
+              <a14:hiddenFill xmlns:a14="http://schemas.microsoft.com/office/drawing/2010/main">
+                <a:solidFill>
+                  <a:schemeClr val="accent1"/>
+                </a:solidFill>
+              </a14:hiddenFill>
+            </a:ext>
+            <a:ext uri="{91240B29-F687-4F45-9708-019B960494DF}">
+              <a14:hiddenLine xmlns:a14="http://schemas.microsoft.com/office/drawing/2010/main" w="9525">
+                <a:solidFill>
+                  <a:schemeClr val="tx1"/>
+                </a:solidFill>
+                <a:miter lim="800000"/>
+                <a:headEnd/>
+                <a:tailEnd/>
+              </a14:hiddenLine>
+            </a:ext>
+          </a:extLst>
+        </p:spPr>
+      </p:pic>
+      <p:sp>
+        <p:nvSpPr>
+          <p:cNvPr id="16" name="TextBox 15">
+            <a:extLst>
+              <a:ext uri="{FF2B5EF4-FFF2-40B4-BE49-F238E27FC236}">
+                <a16:creationId xmlns:a16="http://schemas.microsoft.com/office/drawing/2014/main" id="{85502D7B-B879-4E5F-B2DA-47F2D2AA0CD3}"/>
+              </a:ext>
+            </a:extLst>
+          </p:cNvPr>
+          <p:cNvSpPr txBox="1"/>
+          <p:nvPr/>
+        </p:nvSpPr>
+        <p:spPr>
+          <a:xfrm>
+            <a:off x="541408" y="1866335"/>
+            <a:ext cx="5452992" cy="461665"/>
+          </a:xfrm>
+          <a:prstGeom prst="rect">
+            <a:avLst/>
+          </a:prstGeom>
+          <a:solidFill>
+            <a:schemeClr val="bg2">
+              <a:lumMod val="75000"/>
+            </a:schemeClr>
+          </a:solidFill>
+        </p:spPr>
+        <p:style>
+          <a:lnRef idx="1">
+            <a:schemeClr val="dk1"/>
+          </a:lnRef>
+          <a:fillRef idx="2">
+            <a:schemeClr val="dk1"/>
+          </a:fillRef>
+          <a:effectRef idx="1">
+            <a:schemeClr val="dk1"/>
+          </a:effectRef>
+          <a:fontRef idx="minor">
+            <a:schemeClr val="dk1"/>
+          </a:fontRef>
+        </p:style>
+        <p:txBody>
+          <a:bodyPr wrap="square" rtlCol="0">
+            <a:spAutoFit/>
+          </a:bodyPr>
+          <a:lstStyle/>
+          <a:p>
+            <a:pPr marL="0" marR="0" lvl="0" indent="0" algn="l" defTabSz="914400" rtl="0" eaLnBrk="1" fontAlgn="auto" latinLnBrk="0" hangingPunct="1">
+              <a:lnSpc>
+                <a:spcPct val="100000"/>
+              </a:lnSpc>
+              <a:spcBef>
+                <a:spcPts val="0"/>
+              </a:spcBef>
+              <a:spcAft>
+                <a:spcPts val="0"/>
+              </a:spcAft>
+              <a:buClrTx/>
+              <a:buSzTx/>
+              <a:buFontTx/>
+              <a:buNone/>
+              <a:tabLst/>
+              <a:defRPr/>
+            </a:pPr>
+            <a:r>
+              <a:rPr kumimoji="0" lang="en-US" sz="2400" b="1" i="0" u="none" strike="noStrike" kern="1200" cap="none" spc="0" normalizeH="0" baseline="0" noProof="0" dirty="0">
+                <a:ln>
+                  <a:noFill/>
+                </a:ln>
+                <a:solidFill>
+                  <a:prstClr val="white"/>
+                </a:solidFill>
+                <a:effectLst/>
+                <a:uLnTx/>
+                <a:uFillTx/>
+                <a:latin typeface="Questrial"/>
+                <a:ea typeface="+mn-ea"/>
+                <a:cs typeface="+mn-cs"/>
+              </a:rPr>
+              <a:t>Raw Crime Data by Precinct</a:t>
+            </a:r>
+          </a:p>
+        </p:txBody>
+      </p:sp>
+      <p:sp>
+        <p:nvSpPr>
+          <p:cNvPr id="19" name="TextBox 18">
+            <a:extLst>
+              <a:ext uri="{FF2B5EF4-FFF2-40B4-BE49-F238E27FC236}">
+                <a16:creationId xmlns:a16="http://schemas.microsoft.com/office/drawing/2014/main" id="{F76FE4E4-8CAC-4196-9145-396AC5C84930}"/>
+              </a:ext>
+            </a:extLst>
+          </p:cNvPr>
+          <p:cNvSpPr txBox="1"/>
+          <p:nvPr/>
+        </p:nvSpPr>
+        <p:spPr>
+          <a:xfrm>
+            <a:off x="7115194" y="1866334"/>
+            <a:ext cx="4704271" cy="461665"/>
+          </a:xfrm>
+          <a:prstGeom prst="rect">
+            <a:avLst/>
+          </a:prstGeom>
+          <a:solidFill>
+            <a:schemeClr val="bg2">
+              <a:lumMod val="75000"/>
+            </a:schemeClr>
+          </a:solidFill>
+        </p:spPr>
+        <p:style>
+          <a:lnRef idx="1">
+            <a:schemeClr val="dk1"/>
+          </a:lnRef>
+          <a:fillRef idx="2">
+            <a:schemeClr val="dk1"/>
+          </a:fillRef>
+          <a:effectRef idx="1">
+            <a:schemeClr val="dk1"/>
+          </a:effectRef>
+          <a:fontRef idx="minor">
+            <a:schemeClr val="dk1"/>
+          </a:fontRef>
+        </p:style>
+        <p:txBody>
+          <a:bodyPr wrap="square" rtlCol="0">
+            <a:spAutoFit/>
+          </a:bodyPr>
+          <a:lstStyle/>
+          <a:p>
+            <a:pPr marL="0" marR="0" lvl="0" indent="0" algn="l" defTabSz="914400" rtl="0" eaLnBrk="1" fontAlgn="auto" latinLnBrk="0" hangingPunct="1">
+              <a:lnSpc>
+                <a:spcPct val="100000"/>
+              </a:lnSpc>
+              <a:spcBef>
+                <a:spcPts val="0"/>
+              </a:spcBef>
+              <a:spcAft>
+                <a:spcPts val="0"/>
+              </a:spcAft>
+              <a:buClrTx/>
+              <a:buSzTx/>
+              <a:buFontTx/>
+              <a:buNone/>
+              <a:tabLst/>
+              <a:defRPr/>
+            </a:pPr>
+            <a:r>
+              <a:rPr kumimoji="0" lang="en-US" sz="2400" b="1" i="0" u="none" strike="noStrike" kern="1200" cap="none" spc="0" normalizeH="0" baseline="0" noProof="0" dirty="0">
+                <a:ln>
+                  <a:noFill/>
+                </a:ln>
+                <a:solidFill>
+                  <a:prstClr val="white"/>
+                </a:solidFill>
+                <a:effectLst/>
+                <a:uLnTx/>
+                <a:uFillTx/>
+                <a:latin typeface="Questrial"/>
+                <a:ea typeface="+mn-ea"/>
+                <a:cs typeface="+mn-cs"/>
+              </a:rPr>
+              <a:t>Cleaned data by Neighborhood</a:t>
+            </a:r>
+          </a:p>
+        </p:txBody>
+      </p:sp>
+      <p:sp>
+        <p:nvSpPr>
+          <p:cNvPr id="20" name="Right Arrow 5">
+            <a:extLst>
+              <a:ext uri="{FF2B5EF4-FFF2-40B4-BE49-F238E27FC236}">
+                <a16:creationId xmlns:a16="http://schemas.microsoft.com/office/drawing/2014/main" id="{7232A74A-7C85-4FC1-ADD2-5F7B93629A35}"/>
+              </a:ext>
+            </a:extLst>
+          </p:cNvPr>
+          <p:cNvSpPr/>
+          <p:nvPr/>
+        </p:nvSpPr>
+        <p:spPr>
+          <a:xfrm>
+            <a:off x="5692686" y="5237854"/>
+            <a:ext cx="1273349" cy="605408"/>
+          </a:xfrm>
+          <a:prstGeom prst="rightArrow">
+            <a:avLst>
+              <a:gd name="adj1" fmla="val 50000"/>
+              <a:gd name="adj2" fmla="val 50000"/>
+            </a:avLst>
+          </a:prstGeom>
+          <a:solidFill>
+            <a:srgbClr val="FFC000"/>
+          </a:solidFill>
+        </p:spPr>
+        <p:style>
+          <a:lnRef idx="2">
+            <a:schemeClr val="accent1">
+              <a:shade val="50000"/>
+            </a:schemeClr>
+          </a:lnRef>
+          <a:fillRef idx="1">
+            <a:schemeClr val="accent1"/>
+          </a:fillRef>
+          <a:effectRef idx="0">
+            <a:schemeClr val="accent1"/>
+          </a:effectRef>
+          <a:fontRef idx="minor">
+            <a:schemeClr val="lt1"/>
+          </a:fontRef>
+        </p:style>
+        <p:txBody>
+          <a:bodyPr rtlCol="0" anchor="ctr"/>
+          <a:lstStyle/>
+          <a:p>
+            <a:pPr marL="0" marR="0" lvl="0" indent="0" algn="ctr" defTabSz="914400" rtl="0" eaLnBrk="1" fontAlgn="auto" latinLnBrk="0" hangingPunct="1">
+              <a:lnSpc>
+                <a:spcPct val="100000"/>
+              </a:lnSpc>
+              <a:spcBef>
+                <a:spcPts val="0"/>
+              </a:spcBef>
+              <a:spcAft>
+                <a:spcPts val="0"/>
+              </a:spcAft>
+              <a:buClrTx/>
+              <a:buSzTx/>
+              <a:buFontTx/>
+              <a:buNone/>
+              <a:tabLst/>
+              <a:defRPr/>
+            </a:pPr>
+            <a:endParaRPr kumimoji="0" lang="en-US" sz="1800" b="0" i="0" u="none" strike="noStrike" kern="1200" cap="none" spc="0" normalizeH="0" baseline="0" noProof="0">
+              <a:ln>
+                <a:noFill/>
+              </a:ln>
+              <a:solidFill>
+                <a:srgbClr val="FFC000"/>
+              </a:solidFill>
+              <a:effectLst/>
+              <a:uLnTx/>
+              <a:uFillTx/>
+              <a:latin typeface="Calibri" panose="020F0502020204030204"/>
+              <a:ea typeface="+mn-ea"/>
+              <a:cs typeface="+mn-cs"/>
+            </a:endParaRPr>
+          </a:p>
+        </p:txBody>
+      </p:sp>
+      <p:sp>
+        <p:nvSpPr>
+          <p:cNvPr id="21" name="Down Arrow 9">
+            <a:extLst>
+              <a:ext uri="{FF2B5EF4-FFF2-40B4-BE49-F238E27FC236}">
+                <a16:creationId xmlns:a16="http://schemas.microsoft.com/office/drawing/2014/main" id="{3D571145-515A-4BA3-BB53-E39D2ED8E523}"/>
+              </a:ext>
+            </a:extLst>
+          </p:cNvPr>
+          <p:cNvSpPr/>
+          <p:nvPr/>
+        </p:nvSpPr>
+        <p:spPr>
+          <a:xfrm>
+            <a:off x="2936549" y="4540109"/>
+            <a:ext cx="686752" cy="388157"/>
+          </a:xfrm>
+          <a:prstGeom prst="downArrow">
+            <a:avLst/>
+          </a:prstGeom>
+          <a:solidFill>
+            <a:srgbClr val="FFC000"/>
+          </a:solidFill>
+        </p:spPr>
+        <p:style>
+          <a:lnRef idx="2">
+            <a:schemeClr val="accent1">
+              <a:shade val="50000"/>
+            </a:schemeClr>
+          </a:lnRef>
+          <a:fillRef idx="1">
+            <a:schemeClr val="accent1"/>
+          </a:fillRef>
+          <a:effectRef idx="0">
+            <a:schemeClr val="accent1"/>
+          </a:effectRef>
+          <a:fontRef idx="minor">
+            <a:schemeClr val="lt1"/>
+          </a:fontRef>
+        </p:style>
+        <p:txBody>
+          <a:bodyPr rtlCol="0" anchor="ctr"/>
+          <a:lstStyle/>
+          <a:p>
+            <a:pPr marL="0" marR="0" lvl="0" indent="0" algn="ctr" defTabSz="914400" rtl="0" eaLnBrk="1" fontAlgn="auto" latinLnBrk="0" hangingPunct="1">
+              <a:lnSpc>
+                <a:spcPct val="100000"/>
+              </a:lnSpc>
+              <a:spcBef>
+                <a:spcPts val="0"/>
+              </a:spcBef>
+              <a:spcAft>
+                <a:spcPts val="0"/>
+              </a:spcAft>
+              <a:buClrTx/>
+              <a:buSzTx/>
+              <a:buFontTx/>
+              <a:buNone/>
+              <a:tabLst/>
+              <a:defRPr/>
+            </a:pPr>
+            <a:endParaRPr kumimoji="0" lang="en-US" sz="1800" b="0" i="0" u="none" strike="noStrike" kern="1200" cap="none" spc="0" normalizeH="0" baseline="0" noProof="0">
+              <a:ln>
+                <a:noFill/>
+              </a:ln>
+              <a:solidFill>
+                <a:srgbClr val="FFC000"/>
+              </a:solidFill>
+              <a:effectLst/>
+              <a:uLnTx/>
+              <a:uFillTx/>
+              <a:latin typeface="Calibri" panose="020F0502020204030204"/>
+              <a:ea typeface="+mn-ea"/>
+              <a:cs typeface="+mn-cs"/>
+            </a:endParaRPr>
+          </a:p>
+        </p:txBody>
+      </p:sp>
+      <p:sp>
+        <p:nvSpPr>
+          <p:cNvPr id="2" name="TextBox 1">
+            <a:extLst>
+              <a:ext uri="{FF2B5EF4-FFF2-40B4-BE49-F238E27FC236}">
+                <a16:creationId xmlns:a16="http://schemas.microsoft.com/office/drawing/2014/main" id="{5AD9F88B-8321-49B6-BF12-C0D75833E8F4}"/>
+              </a:ext>
+            </a:extLst>
+          </p:cNvPr>
+          <p:cNvSpPr txBox="1"/>
+          <p:nvPr/>
+        </p:nvSpPr>
+        <p:spPr>
+          <a:xfrm>
+            <a:off x="690566" y="4910115"/>
+            <a:ext cx="5278853" cy="1569660"/>
+          </a:xfrm>
+          <a:prstGeom prst="rect">
+            <a:avLst/>
+          </a:prstGeom>
+          <a:noFill/>
+        </p:spPr>
+        <p:txBody>
+          <a:bodyPr wrap="square" rtlCol="0">
+            <a:spAutoFit/>
+          </a:bodyPr>
+          <a:lstStyle/>
+          <a:p>
+            <a:pPr marL="342900" marR="0" lvl="0" indent="-342900" algn="l" defTabSz="914400" rtl="0" eaLnBrk="1" fontAlgn="auto" latinLnBrk="0" hangingPunct="1">
+              <a:lnSpc>
+                <a:spcPct val="100000"/>
+              </a:lnSpc>
+              <a:spcBef>
+                <a:spcPts val="0"/>
+              </a:spcBef>
+              <a:spcAft>
+                <a:spcPts val="0"/>
+              </a:spcAft>
+              <a:buClrTx/>
+              <a:buSzTx/>
+              <a:buFont typeface="Wingdings" panose="05000000000000000000" pitchFamily="2" charset="2"/>
+              <a:buChar char="§"/>
+              <a:tabLst/>
+              <a:defRPr/>
+            </a:pPr>
+            <a:r>
+              <a:rPr kumimoji="0" lang="en-US" sz="2400" b="1" i="0" u="none" strike="noStrike" kern="1200" cap="none" spc="0" normalizeH="0" baseline="0" noProof="0" dirty="0">
+                <a:ln>
+                  <a:noFill/>
+                </a:ln>
+                <a:solidFill>
+                  <a:srgbClr val="16476F"/>
+                </a:solidFill>
+                <a:effectLst/>
+                <a:uLnTx/>
+                <a:uFillTx/>
+                <a:latin typeface="questrial" panose="02000000000000000000"/>
+                <a:ea typeface="+mn-ea"/>
+                <a:cs typeface="+mn-cs"/>
+              </a:rPr>
+              <a:t>Data was unstacked, melted &amp; cleaned</a:t>
+            </a:r>
+          </a:p>
+          <a:p>
+            <a:pPr marL="342900" marR="0" lvl="0" indent="-342900" algn="l" defTabSz="914400" rtl="0" eaLnBrk="1" fontAlgn="auto" latinLnBrk="0" hangingPunct="1">
+              <a:lnSpc>
+                <a:spcPct val="100000"/>
+              </a:lnSpc>
+              <a:spcBef>
+                <a:spcPts val="0"/>
+              </a:spcBef>
+              <a:spcAft>
+                <a:spcPts val="0"/>
+              </a:spcAft>
+              <a:buClrTx/>
+              <a:buSzTx/>
+              <a:buFont typeface="Wingdings" panose="05000000000000000000" pitchFamily="2" charset="2"/>
+              <a:buChar char="§"/>
+              <a:tabLst/>
+              <a:defRPr/>
+            </a:pPr>
+            <a:r>
+              <a:rPr kumimoji="0" lang="en-US" sz="2400" b="1" i="0" u="none" strike="noStrike" kern="1200" cap="none" spc="0" normalizeH="0" baseline="0" noProof="0" dirty="0">
+                <a:ln>
+                  <a:noFill/>
+                </a:ln>
+                <a:solidFill>
+                  <a:srgbClr val="16476F"/>
+                </a:solidFill>
+                <a:effectLst/>
+                <a:uLnTx/>
+                <a:uFillTx/>
+                <a:latin typeface="questrial" panose="02000000000000000000"/>
+                <a:ea typeface="+mn-ea"/>
+                <a:cs typeface="+mn-cs"/>
+              </a:rPr>
+              <a:t>Mapped </a:t>
             </a:r>
             <a:r>
-              <a:rPr lang="en-US" b="1" dirty="0" err="1"/>
-              <a:t>Michana</a:t>
+              <a:rPr kumimoji="0" lang="en-US" sz="2400" b="1" i="0" u="none" strike="noStrike" kern="1200" cap="none" spc="0" normalizeH="0" baseline="0" noProof="0" dirty="0" err="1">
+                <a:ln>
+                  <a:noFill/>
+                </a:ln>
+                <a:solidFill>
+                  <a:srgbClr val="16476F"/>
+                </a:solidFill>
+                <a:effectLst/>
+                <a:uLnTx/>
+                <a:uFillTx/>
+                <a:latin typeface="questrial" panose="02000000000000000000"/>
+                <a:ea typeface="+mn-ea"/>
+                <a:cs typeface="+mn-cs"/>
+              </a:rPr>
+              <a:t>Pct</a:t>
             </a:r>
-            <a:endParaRPr lang="en-US" b="1" dirty="0"/>
+            <a:r>
+              <a:rPr kumimoji="0" lang="en-US" sz="2400" b="1" i="0" u="none" strike="noStrike" kern="1200" cap="none" spc="0" normalizeH="0" baseline="0" noProof="0" dirty="0">
+                <a:ln>
+                  <a:noFill/>
+                </a:ln>
+                <a:solidFill>
+                  <a:srgbClr val="16476F"/>
+                </a:solidFill>
+                <a:effectLst/>
+                <a:uLnTx/>
+                <a:uFillTx/>
+                <a:latin typeface="questrial" panose="02000000000000000000"/>
+                <a:ea typeface="+mn-ea"/>
+                <a:cs typeface="+mn-cs"/>
+              </a:rPr>
+              <a:t> to </a:t>
+            </a:r>
+            <a:r>
+              <a:rPr kumimoji="0" lang="en-US" sz="2400" b="1" i="0" u="none" strike="noStrike" kern="1200" cap="none" spc="0" normalizeH="0" baseline="0" noProof="0" dirty="0" err="1">
+                <a:ln>
+                  <a:noFill/>
+                </a:ln>
+                <a:solidFill>
+                  <a:srgbClr val="16476F"/>
+                </a:solidFill>
+                <a:effectLst/>
+                <a:uLnTx/>
+                <a:uFillTx/>
+                <a:latin typeface="questrial" panose="02000000000000000000"/>
+                <a:ea typeface="+mn-ea"/>
+                <a:cs typeface="+mn-cs"/>
+              </a:rPr>
+              <a:t>nbhd’s</a:t>
+            </a:r>
+            <a:endParaRPr kumimoji="0" lang="en-US" sz="2400" b="1" i="0" u="none" strike="noStrike" kern="1200" cap="none" spc="0" normalizeH="0" baseline="0" noProof="0" dirty="0">
+              <a:ln>
+                <a:noFill/>
+              </a:ln>
+              <a:solidFill>
+                <a:srgbClr val="16476F"/>
+              </a:solidFill>
+              <a:effectLst/>
+              <a:uLnTx/>
+              <a:uFillTx/>
+              <a:latin typeface="questrial" panose="02000000000000000000"/>
+              <a:ea typeface="+mn-ea"/>
+              <a:cs typeface="+mn-cs"/>
+            </a:endParaRPr>
+          </a:p>
+          <a:p>
+            <a:pPr marL="342900" marR="0" lvl="0" indent="-342900" algn="l" defTabSz="914400" rtl="0" eaLnBrk="1" fontAlgn="auto" latinLnBrk="0" hangingPunct="1">
+              <a:lnSpc>
+                <a:spcPct val="100000"/>
+              </a:lnSpc>
+              <a:spcBef>
+                <a:spcPts val="0"/>
+              </a:spcBef>
+              <a:spcAft>
+                <a:spcPts val="0"/>
+              </a:spcAft>
+              <a:buClrTx/>
+              <a:buSzTx/>
+              <a:buFont typeface="Wingdings" panose="05000000000000000000" pitchFamily="2" charset="2"/>
+              <a:buChar char="§"/>
+              <a:tabLst/>
+              <a:defRPr/>
+            </a:pPr>
+            <a:r>
+              <a:rPr kumimoji="0" lang="en-US" sz="2400" b="1" i="0" u="none" strike="noStrike" kern="1200" cap="none" spc="0" normalizeH="0" baseline="0" noProof="0" dirty="0">
+                <a:ln>
+                  <a:noFill/>
+                </a:ln>
+                <a:solidFill>
+                  <a:srgbClr val="16476F"/>
+                </a:solidFill>
+                <a:effectLst/>
+                <a:uLnTx/>
+                <a:uFillTx/>
+                <a:latin typeface="questrial" panose="02000000000000000000"/>
+                <a:ea typeface="+mn-ea"/>
+                <a:cs typeface="+mn-cs"/>
+              </a:rPr>
+              <a:t>Mapped </a:t>
+            </a:r>
+            <a:r>
+              <a:rPr kumimoji="0" lang="en-US" sz="2400" b="1" i="0" u="none" strike="noStrike" kern="1200" cap="none" spc="0" normalizeH="0" baseline="0" noProof="0" dirty="0" err="1">
+                <a:ln>
+                  <a:noFill/>
+                </a:ln>
+                <a:solidFill>
+                  <a:srgbClr val="16476F"/>
+                </a:solidFill>
+                <a:effectLst/>
+                <a:uLnTx/>
+                <a:uFillTx/>
+                <a:latin typeface="questrial" panose="02000000000000000000"/>
+                <a:ea typeface="+mn-ea"/>
+                <a:cs typeface="+mn-cs"/>
+              </a:rPr>
+              <a:t>nbhd’s</a:t>
+            </a:r>
+            <a:r>
+              <a:rPr kumimoji="0" lang="en-US" sz="2400" b="1" i="0" u="none" strike="noStrike" kern="1200" cap="none" spc="0" normalizeH="0" baseline="0" noProof="0" dirty="0">
+                <a:ln>
+                  <a:noFill/>
+                </a:ln>
+                <a:solidFill>
+                  <a:srgbClr val="16476F"/>
+                </a:solidFill>
+                <a:effectLst/>
+                <a:uLnTx/>
+                <a:uFillTx/>
+                <a:latin typeface="questrial" panose="02000000000000000000"/>
+                <a:ea typeface="+mn-ea"/>
+                <a:cs typeface="+mn-cs"/>
+              </a:rPr>
+              <a:t> to JUNCTION neighs.</a:t>
+            </a:r>
           </a:p>
         </p:txBody>
       </p:sp>
     </p:spTree>
     <p:extLst>
       <p:ext uri="{BB962C8B-B14F-4D97-AF65-F5344CB8AC3E}">
-        <p14:creationId xmlns:p14="http://schemas.microsoft.com/office/powerpoint/2010/main" val="3158230711"/>
+        <p14:creationId xmlns:p14="http://schemas.microsoft.com/office/powerpoint/2010/main" val="3296434913"/>
       </p:ext>
     </p:extLst>
   </p:cSld>

--- a/Presentation.pptx
+++ b/Presentation.pptx
@@ -18,11 +18,13 @@
     <p:sldId id="270" r:id="rId12"/>
     <p:sldId id="275" r:id="rId13"/>
     <p:sldId id="282" r:id="rId14"/>
-    <p:sldId id="262" r:id="rId15"/>
-    <p:sldId id="263" r:id="rId16"/>
-    <p:sldId id="264" r:id="rId17"/>
-    <p:sldId id="265" r:id="rId18"/>
-    <p:sldId id="266" r:id="rId19"/>
+    <p:sldId id="287" r:id="rId15"/>
+    <p:sldId id="288" r:id="rId16"/>
+    <p:sldId id="289" r:id="rId17"/>
+    <p:sldId id="263" r:id="rId18"/>
+    <p:sldId id="264" r:id="rId19"/>
+    <p:sldId id="265" r:id="rId20"/>
+    <p:sldId id="266" r:id="rId21"/>
   </p:sldIdLst>
   <p:sldSz cx="12192000" cy="6858000"/>
   <p:notesSz cx="6858000" cy="9144000"/>
@@ -37974,6 +37976,32 @@
 <file path=ppt/slides/slide13.xml><?xml version="1.0" encoding="utf-8"?>
 <p:sld xmlns:a="http://schemas.openxmlformats.org/drawingml/2006/main" xmlns:r="http://schemas.openxmlformats.org/officeDocument/2006/relationships" xmlns:p="http://schemas.openxmlformats.org/presentationml/2006/main">
   <p:cSld>
+    <p:bg>
+      <p:bgPr>
+        <a:gradFill flip="none" rotWithShape="1">
+          <a:gsLst>
+            <a:gs pos="23448">
+              <a:schemeClr val="tx1">
+                <a:lumMod val="85000"/>
+              </a:schemeClr>
+            </a:gs>
+            <a:gs pos="83000">
+              <a:schemeClr val="tx1">
+                <a:lumMod val="65000"/>
+              </a:schemeClr>
+            </a:gs>
+            <a:gs pos="100000">
+              <a:schemeClr val="bg2">
+                <a:lumMod val="50000"/>
+              </a:schemeClr>
+            </a:gs>
+          </a:gsLst>
+          <a:lin ang="4740000" scaled="1"/>
+          <a:tileRect/>
+        </a:gradFill>
+        <a:effectLst/>
+      </p:bgPr>
+    </p:bg>
     <p:spTree>
       <p:nvGrpSpPr>
         <p:cNvPr id="1" name=""/>
@@ -37990,10 +38018,10 @@
       </p:grpSpPr>
       <p:sp>
         <p:nvSpPr>
-          <p:cNvPr id="3" name="TextBox 2">
+          <p:cNvPr id="8" name="TextBox 7">
             <a:extLst>
               <a:ext uri="{FF2B5EF4-FFF2-40B4-BE49-F238E27FC236}">
-                <a16:creationId xmlns:a16="http://schemas.microsoft.com/office/drawing/2014/main" id="{E03A1BD5-672E-374E-9E30-401EB3C688D1}"/>
+                <a16:creationId xmlns:a16="http://schemas.microsoft.com/office/drawing/2014/main" id="{46C0A125-FF4F-6C43-B8AE-3C5B715290A5}"/>
               </a:ext>
             </a:extLst>
           </p:cNvPr>
@@ -38002,8 +38030,8 @@
         </p:nvSpPr>
         <p:spPr>
           <a:xfrm>
-            <a:off x="1058238" y="678094"/>
-            <a:ext cx="3606229" cy="369332"/>
+            <a:off x="823598" y="520095"/>
+            <a:ext cx="6015530" cy="1015663"/>
           </a:xfrm>
           <a:prstGeom prst="rect">
             <a:avLst/>
@@ -38016,16 +38044,81 @@
           </a:bodyPr>
           <a:lstStyle/>
           <a:p>
-            <a:endParaRPr lang="en-US" dirty="0"/>
+            <a:pPr marL="0" marR="0" lvl="0" indent="0" algn="l" defTabSz="457200" rtl="0" eaLnBrk="1" fontAlgn="auto" latinLnBrk="0" hangingPunct="1">
+              <a:lnSpc>
+                <a:spcPct val="100000"/>
+              </a:lnSpc>
+              <a:spcBef>
+                <a:spcPts val="0"/>
+              </a:spcBef>
+              <a:spcAft>
+                <a:spcPts val="0"/>
+              </a:spcAft>
+              <a:buClrTx/>
+              <a:buSzTx/>
+              <a:buFontTx/>
+              <a:buNone/>
+              <a:tabLst/>
+              <a:defRPr/>
+            </a:pPr>
+            <a:r>
+              <a:rPr lang="en-US" sz="6000" dirty="0">
+                <a:solidFill>
+                  <a:srgbClr val="16476F">
+                    <a:lumMod val="75000"/>
+                  </a:srgbClr>
+                </a:solidFill>
+                <a:latin typeface="Questrial" panose="02000000000000000000" pitchFamily="2" charset="0"/>
+              </a:rPr>
+              <a:t>our</a:t>
+            </a:r>
+            <a:r>
+              <a:rPr kumimoji="0" lang="en-US" sz="6000" b="0" i="0" u="none" strike="noStrike" kern="1200" cap="none" spc="0" normalizeH="0" baseline="0" noProof="0" dirty="0">
+                <a:ln>
+                  <a:noFill/>
+                </a:ln>
+                <a:solidFill>
+                  <a:srgbClr val="16476F">
+                    <a:lumMod val="75000"/>
+                  </a:srgbClr>
+                </a:solidFill>
+                <a:effectLst/>
+                <a:uLnTx/>
+                <a:uFillTx/>
+                <a:latin typeface="Questrial" panose="02000000000000000000" pitchFamily="2" charset="0"/>
+                <a:ea typeface="+mn-ea"/>
+                <a:cs typeface="+mn-cs"/>
+              </a:rPr>
+              <a:t> </a:t>
+            </a:r>
+            <a:r>
+              <a:rPr kumimoji="0" lang="en-US" sz="6000" b="1" i="0" u="none" strike="noStrike" kern="1200" cap="none" spc="0" normalizeH="0" baseline="0" noProof="0" dirty="0">
+                <a:ln>
+                  <a:noFill/>
+                </a:ln>
+                <a:solidFill>
+                  <a:srgbClr val="16476F">
+                    <a:lumMod val="75000"/>
+                  </a:srgbClr>
+                </a:solidFill>
+                <a:effectLst/>
+                <a:uLnTx/>
+                <a:uFillTx/>
+                <a:latin typeface="Questrial" panose="02000000000000000000" pitchFamily="2" charset="0"/>
+                <a:ea typeface="+mn-ea"/>
+                <a:cs typeface="+mn-cs"/>
+              </a:rPr>
+              <a:t>model</a:t>
+            </a:r>
           </a:p>
         </p:txBody>
       </p:sp>
       <p:sp>
         <p:nvSpPr>
-          <p:cNvPr id="4" name="TextBox 3">
+          <p:cNvPr id="7" name="TextBox 6">
             <a:extLst>
               <a:ext uri="{FF2B5EF4-FFF2-40B4-BE49-F238E27FC236}">
-                <a16:creationId xmlns:a16="http://schemas.microsoft.com/office/drawing/2014/main" id="{7D71584C-C8FB-FE4F-AC8F-7C28ED2B2892}"/>
+                <a16:creationId xmlns:a16="http://schemas.microsoft.com/office/drawing/2014/main" id="{63B711B5-FE9C-41C1-9BEF-FD36F6ED18FE}"/>
               </a:ext>
             </a:extLst>
           </p:cNvPr>
@@ -38052,18 +38145,215 @@
           </a:bodyPr>
           <a:lstStyle/>
           <a:p>
-            <a:pPr algn="ctr"/>
+            <a:pPr marL="0" marR="0" lvl="0" indent="0" algn="ctr" defTabSz="457200" rtl="0" eaLnBrk="1" fontAlgn="auto" latinLnBrk="0" hangingPunct="1">
+              <a:lnSpc>
+                <a:spcPct val="100000"/>
+              </a:lnSpc>
+              <a:spcBef>
+                <a:spcPts val="0"/>
+              </a:spcBef>
+              <a:spcAft>
+                <a:spcPts val="0"/>
+              </a:spcAft>
+              <a:buClrTx/>
+              <a:buSzTx/>
+              <a:buFontTx/>
+              <a:buNone/>
+              <a:tabLst/>
+              <a:defRPr/>
+            </a:pPr>
             <a:r>
-              <a:rPr lang="en-US" b="1" dirty="0"/>
-              <a:t>???</a:t>
+              <a:rPr kumimoji="0" lang="en-US" sz="1800" b="1" i="0" u="none" strike="noStrike" kern="1200" cap="none" spc="0" normalizeH="0" baseline="0" noProof="0" dirty="0">
+                <a:ln>
+                  <a:noFill/>
+                </a:ln>
+                <a:solidFill>
+                  <a:prstClr val="white"/>
+                </a:solidFill>
+                <a:effectLst/>
+                <a:uLnTx/>
+                <a:uFillTx/>
+                <a:latin typeface="Calibri" panose="020F0502020204030204"/>
+                <a:ea typeface="+mn-ea"/>
+                <a:cs typeface="+mn-cs"/>
+              </a:rPr>
+              <a:t>Emmy</a:t>
             </a:r>
+          </a:p>
+        </p:txBody>
+      </p:sp>
+      <p:sp>
+        <p:nvSpPr>
+          <p:cNvPr id="23" name="TextBox 22">
+            <a:extLst>
+              <a:ext uri="{FF2B5EF4-FFF2-40B4-BE49-F238E27FC236}">
+                <a16:creationId xmlns:a16="http://schemas.microsoft.com/office/drawing/2014/main" id="{3E0D7D6A-E115-4923-859C-18673DBA2851}"/>
+              </a:ext>
+            </a:extLst>
+          </p:cNvPr>
+          <p:cNvSpPr txBox="1"/>
+          <p:nvPr/>
+        </p:nvSpPr>
+        <p:spPr>
+          <a:xfrm>
+            <a:off x="1382398" y="2106281"/>
+            <a:ext cx="6440802" cy="400110"/>
+          </a:xfrm>
+          <a:prstGeom prst="rect">
+            <a:avLst/>
+          </a:prstGeom>
+          <a:noFill/>
+        </p:spPr>
+        <p:txBody>
+          <a:bodyPr wrap="square" rtlCol="0">
+            <a:spAutoFit/>
+          </a:bodyPr>
+          <a:lstStyle/>
+          <a:p>
+            <a:pPr marL="0" marR="0" lvl="0" indent="0" algn="l" defTabSz="457200" rtl="0" eaLnBrk="1" fontAlgn="auto" latinLnBrk="0" hangingPunct="1">
+              <a:lnSpc>
+                <a:spcPct val="100000"/>
+              </a:lnSpc>
+              <a:spcBef>
+                <a:spcPts val="0"/>
+              </a:spcBef>
+              <a:spcAft>
+                <a:spcPts val="0"/>
+              </a:spcAft>
+              <a:buClrTx/>
+              <a:buSzTx/>
+              <a:buFontTx/>
+              <a:buNone/>
+              <a:tabLst/>
+              <a:defRPr/>
+            </a:pPr>
+            <a:endParaRPr kumimoji="0" lang="en-US" sz="2000" b="1" i="0" u="none" strike="noStrike" kern="1200" cap="none" spc="0" normalizeH="0" baseline="0" noProof="0" dirty="0">
+              <a:ln>
+                <a:noFill/>
+              </a:ln>
+              <a:solidFill>
+                <a:srgbClr val="16476F">
+                  <a:lumMod val="75000"/>
+                </a:srgbClr>
+              </a:solidFill>
+              <a:effectLst/>
+              <a:uLnTx/>
+              <a:uFillTx/>
+              <a:latin typeface="Questrial" panose="02000000000000000000" pitchFamily="2" charset="0"/>
+              <a:ea typeface="+mn-ea"/>
+              <a:cs typeface="+mn-cs"/>
+            </a:endParaRPr>
+          </a:p>
+        </p:txBody>
+      </p:sp>
+      <p:pic>
+        <p:nvPicPr>
+          <p:cNvPr id="4" name="Picture 3">
+            <a:extLst>
+              <a:ext uri="{FF2B5EF4-FFF2-40B4-BE49-F238E27FC236}">
+                <a16:creationId xmlns:a16="http://schemas.microsoft.com/office/drawing/2014/main" id="{F1020E85-E34F-48BC-A89C-CEC8C015EC11}"/>
+              </a:ext>
+            </a:extLst>
+          </p:cNvPr>
+          <p:cNvPicPr>
+            <a:picLocks noChangeAspect="1"/>
+          </p:cNvPicPr>
+          <p:nvPr/>
+        </p:nvPicPr>
+        <p:blipFill rotWithShape="1">
+          <a:blip r:embed="rId2"/>
+          <a:srcRect r="59215"/>
+          <a:stretch/>
+        </p:blipFill>
+        <p:spPr>
+          <a:xfrm>
+            <a:off x="2597445" y="2349145"/>
+            <a:ext cx="6251860" cy="3233393"/>
+          </a:xfrm>
+          <a:prstGeom prst="rect">
+            <a:avLst/>
+          </a:prstGeom>
+        </p:spPr>
+      </p:pic>
+      <p:sp>
+        <p:nvSpPr>
+          <p:cNvPr id="28" name="TextBox 27">
+            <a:extLst>
+              <a:ext uri="{FF2B5EF4-FFF2-40B4-BE49-F238E27FC236}">
+                <a16:creationId xmlns:a16="http://schemas.microsoft.com/office/drawing/2014/main" id="{A12EBB0C-3859-45A4-ACE8-5E0C06FE8F9A}"/>
+              </a:ext>
+            </a:extLst>
+          </p:cNvPr>
+          <p:cNvSpPr txBox="1"/>
+          <p:nvPr/>
+        </p:nvSpPr>
+        <p:spPr>
+          <a:xfrm>
+            <a:off x="823598" y="1887480"/>
+            <a:ext cx="6440802" cy="461665"/>
+          </a:xfrm>
+          <a:prstGeom prst="rect">
+            <a:avLst/>
+          </a:prstGeom>
+          <a:noFill/>
+        </p:spPr>
+        <p:txBody>
+          <a:bodyPr wrap="square" rtlCol="0">
+            <a:spAutoFit/>
+          </a:bodyPr>
+          <a:lstStyle/>
+          <a:p>
+            <a:pPr marL="0" marR="0" lvl="0" indent="0" algn="l" defTabSz="457200" rtl="0" eaLnBrk="1" fontAlgn="auto" latinLnBrk="0" hangingPunct="1">
+              <a:lnSpc>
+                <a:spcPct val="100000"/>
+              </a:lnSpc>
+              <a:spcBef>
+                <a:spcPts val="0"/>
+              </a:spcBef>
+              <a:spcAft>
+                <a:spcPts val="0"/>
+              </a:spcAft>
+              <a:buClrTx/>
+              <a:buSzTx/>
+              <a:buFontTx/>
+              <a:buNone/>
+              <a:tabLst/>
+              <a:defRPr/>
+            </a:pPr>
+            <a:r>
+              <a:rPr lang="en-US" sz="2400" b="1" dirty="0">
+                <a:solidFill>
+                  <a:srgbClr val="16476F">
+                    <a:lumMod val="75000"/>
+                  </a:srgbClr>
+                </a:solidFill>
+                <a:latin typeface="Questrial" panose="02000000000000000000" pitchFamily="2" charset="0"/>
+              </a:rPr>
+              <a:t>Equal Weights for all Variables</a:t>
+            </a:r>
+            <a:endParaRPr kumimoji="0" lang="en-US" sz="2400" b="1" i="0" u="none" strike="noStrike" kern="1200" cap="none" spc="0" normalizeH="0" baseline="0" noProof="0" dirty="0">
+              <a:ln>
+                <a:noFill/>
+              </a:ln>
+              <a:solidFill>
+                <a:srgbClr val="16476F">
+                  <a:lumMod val="75000"/>
+                </a:srgbClr>
+              </a:solidFill>
+              <a:effectLst/>
+              <a:uLnTx/>
+              <a:uFillTx/>
+              <a:latin typeface="Questrial" panose="02000000000000000000" pitchFamily="2" charset="0"/>
+              <a:ea typeface="+mn-ea"/>
+              <a:cs typeface="+mn-cs"/>
+            </a:endParaRPr>
           </a:p>
         </p:txBody>
       </p:sp>
     </p:spTree>
     <p:extLst>
       <p:ext uri="{BB962C8B-B14F-4D97-AF65-F5344CB8AC3E}">
-        <p14:creationId xmlns:p14="http://schemas.microsoft.com/office/powerpoint/2010/main" val="2020585456"/>
+        <p14:creationId xmlns:p14="http://schemas.microsoft.com/office/powerpoint/2010/main" val="1159675632"/>
       </p:ext>
     </p:extLst>
   </p:cSld>
@@ -38074,6 +38364,1058 @@
 </file>
 
 <file path=ppt/slides/slide14.xml><?xml version="1.0" encoding="utf-8"?>
+<p:sld xmlns:a="http://schemas.openxmlformats.org/drawingml/2006/main" xmlns:r="http://schemas.openxmlformats.org/officeDocument/2006/relationships" xmlns:p="http://schemas.openxmlformats.org/presentationml/2006/main">
+  <p:cSld>
+    <p:bg>
+      <p:bgPr>
+        <a:gradFill flip="none" rotWithShape="1">
+          <a:gsLst>
+            <a:gs pos="23448">
+              <a:schemeClr val="tx1">
+                <a:lumMod val="85000"/>
+              </a:schemeClr>
+            </a:gs>
+            <a:gs pos="83000">
+              <a:schemeClr val="tx1">
+                <a:lumMod val="65000"/>
+              </a:schemeClr>
+            </a:gs>
+            <a:gs pos="100000">
+              <a:schemeClr val="bg2">
+                <a:lumMod val="50000"/>
+              </a:schemeClr>
+            </a:gs>
+          </a:gsLst>
+          <a:lin ang="4740000" scaled="1"/>
+          <a:tileRect/>
+        </a:gradFill>
+        <a:effectLst/>
+      </p:bgPr>
+    </p:bg>
+    <p:spTree>
+      <p:nvGrpSpPr>
+        <p:cNvPr id="1" name=""/>
+        <p:cNvGrpSpPr/>
+        <p:nvPr/>
+      </p:nvGrpSpPr>
+      <p:grpSpPr>
+        <a:xfrm>
+          <a:off x="0" y="0"/>
+          <a:ext cx="0" cy="0"/>
+          <a:chOff x="0" y="0"/>
+          <a:chExt cx="0" cy="0"/>
+        </a:xfrm>
+      </p:grpSpPr>
+      <p:sp>
+        <p:nvSpPr>
+          <p:cNvPr id="8" name="TextBox 7">
+            <a:extLst>
+              <a:ext uri="{FF2B5EF4-FFF2-40B4-BE49-F238E27FC236}">
+                <a16:creationId xmlns:a16="http://schemas.microsoft.com/office/drawing/2014/main" id="{46C0A125-FF4F-6C43-B8AE-3C5B715290A5}"/>
+              </a:ext>
+            </a:extLst>
+          </p:cNvPr>
+          <p:cNvSpPr txBox="1"/>
+          <p:nvPr/>
+        </p:nvSpPr>
+        <p:spPr>
+          <a:xfrm>
+            <a:off x="823598" y="520095"/>
+            <a:ext cx="6015530" cy="1015663"/>
+          </a:xfrm>
+          <a:prstGeom prst="rect">
+            <a:avLst/>
+          </a:prstGeom>
+          <a:noFill/>
+        </p:spPr>
+        <p:txBody>
+          <a:bodyPr wrap="square" rtlCol="0">
+            <a:spAutoFit/>
+          </a:bodyPr>
+          <a:lstStyle/>
+          <a:p>
+            <a:pPr marL="0" marR="0" lvl="0" indent="0" algn="l" defTabSz="457200" rtl="0" eaLnBrk="1" fontAlgn="auto" latinLnBrk="0" hangingPunct="1">
+              <a:lnSpc>
+                <a:spcPct val="100000"/>
+              </a:lnSpc>
+              <a:spcBef>
+                <a:spcPts val="0"/>
+              </a:spcBef>
+              <a:spcAft>
+                <a:spcPts val="0"/>
+              </a:spcAft>
+              <a:buClrTx/>
+              <a:buSzTx/>
+              <a:buFontTx/>
+              <a:buNone/>
+              <a:tabLst/>
+              <a:defRPr/>
+            </a:pPr>
+            <a:r>
+              <a:rPr lang="en-US" sz="6000" dirty="0">
+                <a:solidFill>
+                  <a:srgbClr val="16476F">
+                    <a:lumMod val="75000"/>
+                  </a:srgbClr>
+                </a:solidFill>
+                <a:latin typeface="Questrial" panose="02000000000000000000" pitchFamily="2" charset="0"/>
+              </a:rPr>
+              <a:t>our</a:t>
+            </a:r>
+            <a:r>
+              <a:rPr kumimoji="0" lang="en-US" sz="6000" b="0" i="0" u="none" strike="noStrike" kern="1200" cap="none" spc="0" normalizeH="0" baseline="0" noProof="0" dirty="0">
+                <a:ln>
+                  <a:noFill/>
+                </a:ln>
+                <a:solidFill>
+                  <a:srgbClr val="16476F">
+                    <a:lumMod val="75000"/>
+                  </a:srgbClr>
+                </a:solidFill>
+                <a:effectLst/>
+                <a:uLnTx/>
+                <a:uFillTx/>
+                <a:latin typeface="Questrial" panose="02000000000000000000" pitchFamily="2" charset="0"/>
+                <a:ea typeface="+mn-ea"/>
+                <a:cs typeface="+mn-cs"/>
+              </a:rPr>
+              <a:t> </a:t>
+            </a:r>
+            <a:r>
+              <a:rPr kumimoji="0" lang="en-US" sz="6000" b="1" i="0" u="none" strike="noStrike" kern="1200" cap="none" spc="0" normalizeH="0" baseline="0" noProof="0" dirty="0">
+                <a:ln>
+                  <a:noFill/>
+                </a:ln>
+                <a:solidFill>
+                  <a:srgbClr val="16476F">
+                    <a:lumMod val="75000"/>
+                  </a:srgbClr>
+                </a:solidFill>
+                <a:effectLst/>
+                <a:uLnTx/>
+                <a:uFillTx/>
+                <a:latin typeface="Questrial" panose="02000000000000000000" pitchFamily="2" charset="0"/>
+                <a:ea typeface="+mn-ea"/>
+                <a:cs typeface="+mn-cs"/>
+              </a:rPr>
+              <a:t>model</a:t>
+            </a:r>
+          </a:p>
+        </p:txBody>
+      </p:sp>
+      <p:sp>
+        <p:nvSpPr>
+          <p:cNvPr id="7" name="TextBox 6">
+            <a:extLst>
+              <a:ext uri="{FF2B5EF4-FFF2-40B4-BE49-F238E27FC236}">
+                <a16:creationId xmlns:a16="http://schemas.microsoft.com/office/drawing/2014/main" id="{63B711B5-FE9C-41C1-9BEF-FD36F6ED18FE}"/>
+              </a:ext>
+            </a:extLst>
+          </p:cNvPr>
+          <p:cNvSpPr txBox="1"/>
+          <p:nvPr/>
+        </p:nvSpPr>
+        <p:spPr>
+          <a:xfrm>
+            <a:off x="10602098" y="98854"/>
+            <a:ext cx="1309816" cy="369332"/>
+          </a:xfrm>
+          <a:prstGeom prst="rect">
+            <a:avLst/>
+          </a:prstGeom>
+          <a:solidFill>
+            <a:schemeClr val="accent2">
+              <a:lumMod val="50000"/>
+            </a:schemeClr>
+          </a:solidFill>
+        </p:spPr>
+        <p:txBody>
+          <a:bodyPr wrap="square" rtlCol="0">
+            <a:spAutoFit/>
+          </a:bodyPr>
+          <a:lstStyle/>
+          <a:p>
+            <a:pPr marL="0" marR="0" lvl="0" indent="0" algn="ctr" defTabSz="457200" rtl="0" eaLnBrk="1" fontAlgn="auto" latinLnBrk="0" hangingPunct="1">
+              <a:lnSpc>
+                <a:spcPct val="100000"/>
+              </a:lnSpc>
+              <a:spcBef>
+                <a:spcPts val="0"/>
+              </a:spcBef>
+              <a:spcAft>
+                <a:spcPts val="0"/>
+              </a:spcAft>
+              <a:buClrTx/>
+              <a:buSzTx/>
+              <a:buFontTx/>
+              <a:buNone/>
+              <a:tabLst/>
+              <a:defRPr/>
+            </a:pPr>
+            <a:r>
+              <a:rPr kumimoji="0" lang="en-US" sz="1800" b="1" i="0" u="none" strike="noStrike" kern="1200" cap="none" spc="0" normalizeH="0" baseline="0" noProof="0" dirty="0">
+                <a:ln>
+                  <a:noFill/>
+                </a:ln>
+                <a:solidFill>
+                  <a:prstClr val="white"/>
+                </a:solidFill>
+                <a:effectLst/>
+                <a:uLnTx/>
+                <a:uFillTx/>
+                <a:latin typeface="Calibri" panose="020F0502020204030204"/>
+                <a:ea typeface="+mn-ea"/>
+                <a:cs typeface="+mn-cs"/>
+              </a:rPr>
+              <a:t>Emmy</a:t>
+            </a:r>
+          </a:p>
+        </p:txBody>
+      </p:sp>
+      <p:sp>
+        <p:nvSpPr>
+          <p:cNvPr id="23" name="TextBox 22">
+            <a:extLst>
+              <a:ext uri="{FF2B5EF4-FFF2-40B4-BE49-F238E27FC236}">
+                <a16:creationId xmlns:a16="http://schemas.microsoft.com/office/drawing/2014/main" id="{3E0D7D6A-E115-4923-859C-18673DBA2851}"/>
+              </a:ext>
+            </a:extLst>
+          </p:cNvPr>
+          <p:cNvSpPr txBox="1"/>
+          <p:nvPr/>
+        </p:nvSpPr>
+        <p:spPr>
+          <a:xfrm>
+            <a:off x="823598" y="1887480"/>
+            <a:ext cx="6440802" cy="461665"/>
+          </a:xfrm>
+          <a:prstGeom prst="rect">
+            <a:avLst/>
+          </a:prstGeom>
+          <a:noFill/>
+        </p:spPr>
+        <p:txBody>
+          <a:bodyPr wrap="square" rtlCol="0">
+            <a:spAutoFit/>
+          </a:bodyPr>
+          <a:lstStyle/>
+          <a:p>
+            <a:pPr marL="0" marR="0" lvl="0" indent="0" algn="l" defTabSz="457200" rtl="0" eaLnBrk="1" fontAlgn="auto" latinLnBrk="0" hangingPunct="1">
+              <a:lnSpc>
+                <a:spcPct val="100000"/>
+              </a:lnSpc>
+              <a:spcBef>
+                <a:spcPts val="0"/>
+              </a:spcBef>
+              <a:spcAft>
+                <a:spcPts val="0"/>
+              </a:spcAft>
+              <a:buClrTx/>
+              <a:buSzTx/>
+              <a:buFontTx/>
+              <a:buNone/>
+              <a:tabLst/>
+              <a:defRPr/>
+            </a:pPr>
+            <a:r>
+              <a:rPr kumimoji="0" lang="en-US" sz="2400" b="1" i="0" u="none" strike="noStrike" kern="1200" cap="none" spc="0" normalizeH="0" baseline="0" noProof="0" dirty="0">
+                <a:ln>
+                  <a:noFill/>
+                </a:ln>
+                <a:solidFill>
+                  <a:srgbClr val="16476F">
+                    <a:lumMod val="75000"/>
+                  </a:srgbClr>
+                </a:solidFill>
+                <a:effectLst/>
+                <a:uLnTx/>
+                <a:uFillTx/>
+                <a:latin typeface="Questrial" panose="02000000000000000000" pitchFamily="2" charset="0"/>
+                <a:ea typeface="+mn-ea"/>
+                <a:cs typeface="+mn-cs"/>
+              </a:rPr>
+              <a:t>Weighting by Completeness of Data (years)</a:t>
+            </a:r>
+          </a:p>
+        </p:txBody>
+      </p:sp>
+      <p:pic>
+        <p:nvPicPr>
+          <p:cNvPr id="5" name="Picture 4">
+            <a:extLst>
+              <a:ext uri="{FF2B5EF4-FFF2-40B4-BE49-F238E27FC236}">
+                <a16:creationId xmlns:a16="http://schemas.microsoft.com/office/drawing/2014/main" id="{076B7B9D-2AEE-4170-865C-8B107EB56E43}"/>
+              </a:ext>
+            </a:extLst>
+          </p:cNvPr>
+          <p:cNvPicPr>
+            <a:picLocks noChangeAspect="1"/>
+          </p:cNvPicPr>
+          <p:nvPr/>
+        </p:nvPicPr>
+        <p:blipFill rotWithShape="1">
+          <a:blip r:embed="rId2"/>
+          <a:srcRect l="18021" r="17505"/>
+          <a:stretch/>
+        </p:blipFill>
+        <p:spPr>
+          <a:xfrm>
+            <a:off x="1000355" y="2579870"/>
+            <a:ext cx="9886393" cy="1122664"/>
+          </a:xfrm>
+          <a:prstGeom prst="rect">
+            <a:avLst/>
+          </a:prstGeom>
+        </p:spPr>
+      </p:pic>
+      <p:pic>
+        <p:nvPicPr>
+          <p:cNvPr id="3" name="Picture 2">
+            <a:extLst>
+              <a:ext uri="{FF2B5EF4-FFF2-40B4-BE49-F238E27FC236}">
+                <a16:creationId xmlns:a16="http://schemas.microsoft.com/office/drawing/2014/main" id="{B5A05406-4C85-4E27-9164-2EA278FD647C}"/>
+              </a:ext>
+            </a:extLst>
+          </p:cNvPr>
+          <p:cNvPicPr>
+            <a:picLocks noChangeAspect="1"/>
+          </p:cNvPicPr>
+          <p:nvPr/>
+        </p:nvPicPr>
+        <p:blipFill rotWithShape="1">
+          <a:blip r:embed="rId3"/>
+          <a:srcRect l="19266" r="18993"/>
+          <a:stretch/>
+        </p:blipFill>
+        <p:spPr>
+          <a:xfrm>
+            <a:off x="1164483" y="4405921"/>
+            <a:ext cx="9401782" cy="1122664"/>
+          </a:xfrm>
+          <a:prstGeom prst="rect">
+            <a:avLst/>
+          </a:prstGeom>
+        </p:spPr>
+      </p:pic>
+      <p:sp>
+        <p:nvSpPr>
+          <p:cNvPr id="9" name="TextBox 8">
+            <a:extLst>
+              <a:ext uri="{FF2B5EF4-FFF2-40B4-BE49-F238E27FC236}">
+                <a16:creationId xmlns:a16="http://schemas.microsoft.com/office/drawing/2014/main" id="{CF978420-B754-4676-ACA9-8B61DAB23A99}"/>
+              </a:ext>
+            </a:extLst>
+          </p:cNvPr>
+          <p:cNvSpPr txBox="1"/>
+          <p:nvPr/>
+        </p:nvSpPr>
+        <p:spPr>
+          <a:xfrm>
+            <a:off x="823598" y="3912278"/>
+            <a:ext cx="6440802" cy="461665"/>
+          </a:xfrm>
+          <a:prstGeom prst="rect">
+            <a:avLst/>
+          </a:prstGeom>
+          <a:noFill/>
+        </p:spPr>
+        <p:txBody>
+          <a:bodyPr wrap="square" rtlCol="0">
+            <a:spAutoFit/>
+          </a:bodyPr>
+          <a:lstStyle/>
+          <a:p>
+            <a:pPr marL="0" marR="0" lvl="0" indent="0" algn="l" defTabSz="457200" rtl="0" eaLnBrk="1" fontAlgn="auto" latinLnBrk="0" hangingPunct="1">
+              <a:lnSpc>
+                <a:spcPct val="100000"/>
+              </a:lnSpc>
+              <a:spcBef>
+                <a:spcPts val="0"/>
+              </a:spcBef>
+              <a:spcAft>
+                <a:spcPts val="0"/>
+              </a:spcAft>
+              <a:buClrTx/>
+              <a:buSzTx/>
+              <a:buFontTx/>
+              <a:buNone/>
+              <a:tabLst/>
+              <a:defRPr/>
+            </a:pPr>
+            <a:r>
+              <a:rPr kumimoji="0" lang="en-US" sz="2400" b="1" i="0" u="none" strike="noStrike" kern="1200" cap="none" spc="0" normalizeH="0" baseline="0" noProof="0" dirty="0">
+                <a:ln>
+                  <a:noFill/>
+                </a:ln>
+                <a:solidFill>
+                  <a:srgbClr val="16476F">
+                    <a:lumMod val="75000"/>
+                  </a:srgbClr>
+                </a:solidFill>
+                <a:effectLst/>
+                <a:uLnTx/>
+                <a:uFillTx/>
+                <a:latin typeface="Questrial" panose="02000000000000000000" pitchFamily="2" charset="0"/>
+                <a:ea typeface="+mn-ea"/>
+                <a:cs typeface="+mn-cs"/>
+              </a:rPr>
+              <a:t>Weighting by Reliability of Data after Cleaning</a:t>
+            </a:r>
+          </a:p>
+        </p:txBody>
+      </p:sp>
+    </p:spTree>
+    <p:extLst>
+      <p:ext uri="{BB962C8B-B14F-4D97-AF65-F5344CB8AC3E}">
+        <p14:creationId xmlns:p14="http://schemas.microsoft.com/office/powerpoint/2010/main" val="4229122040"/>
+      </p:ext>
+    </p:extLst>
+  </p:cSld>
+  <p:clrMapOvr>
+    <a:masterClrMapping/>
+  </p:clrMapOvr>
+</p:sld>
+</file>
+
+<file path=ppt/slides/slide15.xml><?xml version="1.0" encoding="utf-8"?>
+<p:sld xmlns:a="http://schemas.openxmlformats.org/drawingml/2006/main" xmlns:r="http://schemas.openxmlformats.org/officeDocument/2006/relationships" xmlns:p="http://schemas.openxmlformats.org/presentationml/2006/main">
+  <p:cSld>
+    <p:bg>
+      <p:bgPr>
+        <a:gradFill flip="none" rotWithShape="1">
+          <a:gsLst>
+            <a:gs pos="23448">
+              <a:schemeClr val="tx1">
+                <a:lumMod val="85000"/>
+              </a:schemeClr>
+            </a:gs>
+            <a:gs pos="83000">
+              <a:schemeClr val="tx1">
+                <a:lumMod val="65000"/>
+              </a:schemeClr>
+            </a:gs>
+            <a:gs pos="100000">
+              <a:schemeClr val="bg2">
+                <a:lumMod val="50000"/>
+              </a:schemeClr>
+            </a:gs>
+          </a:gsLst>
+          <a:lin ang="4740000" scaled="1"/>
+          <a:tileRect/>
+        </a:gradFill>
+        <a:effectLst/>
+      </p:bgPr>
+    </p:bg>
+    <p:spTree>
+      <p:nvGrpSpPr>
+        <p:cNvPr id="1" name=""/>
+        <p:cNvGrpSpPr/>
+        <p:nvPr/>
+      </p:nvGrpSpPr>
+      <p:grpSpPr>
+        <a:xfrm>
+          <a:off x="0" y="0"/>
+          <a:ext cx="0" cy="0"/>
+          <a:chOff x="0" y="0"/>
+          <a:chExt cx="0" cy="0"/>
+        </a:xfrm>
+      </p:grpSpPr>
+      <p:sp>
+        <p:nvSpPr>
+          <p:cNvPr id="8" name="TextBox 7">
+            <a:extLst>
+              <a:ext uri="{FF2B5EF4-FFF2-40B4-BE49-F238E27FC236}">
+                <a16:creationId xmlns:a16="http://schemas.microsoft.com/office/drawing/2014/main" id="{46C0A125-FF4F-6C43-B8AE-3C5B715290A5}"/>
+              </a:ext>
+            </a:extLst>
+          </p:cNvPr>
+          <p:cNvSpPr txBox="1"/>
+          <p:nvPr/>
+        </p:nvSpPr>
+        <p:spPr>
+          <a:xfrm>
+            <a:off x="823598" y="520095"/>
+            <a:ext cx="6015530" cy="1015663"/>
+          </a:xfrm>
+          <a:prstGeom prst="rect">
+            <a:avLst/>
+          </a:prstGeom>
+          <a:noFill/>
+        </p:spPr>
+        <p:txBody>
+          <a:bodyPr wrap="square" rtlCol="0">
+            <a:spAutoFit/>
+          </a:bodyPr>
+          <a:lstStyle/>
+          <a:p>
+            <a:pPr marL="0" marR="0" lvl="0" indent="0" algn="l" defTabSz="457200" rtl="0" eaLnBrk="1" fontAlgn="auto" latinLnBrk="0" hangingPunct="1">
+              <a:lnSpc>
+                <a:spcPct val="100000"/>
+              </a:lnSpc>
+              <a:spcBef>
+                <a:spcPts val="0"/>
+              </a:spcBef>
+              <a:spcAft>
+                <a:spcPts val="0"/>
+              </a:spcAft>
+              <a:buClrTx/>
+              <a:buSzTx/>
+              <a:buFontTx/>
+              <a:buNone/>
+              <a:tabLst/>
+              <a:defRPr/>
+            </a:pPr>
+            <a:r>
+              <a:rPr lang="en-US" sz="6000" dirty="0">
+                <a:solidFill>
+                  <a:srgbClr val="16476F">
+                    <a:lumMod val="75000"/>
+                  </a:srgbClr>
+                </a:solidFill>
+                <a:latin typeface="Questrial" panose="02000000000000000000" pitchFamily="2" charset="0"/>
+              </a:rPr>
+              <a:t>our</a:t>
+            </a:r>
+            <a:r>
+              <a:rPr kumimoji="0" lang="en-US" sz="6000" b="0" i="0" u="none" strike="noStrike" kern="1200" cap="none" spc="0" normalizeH="0" baseline="0" noProof="0" dirty="0">
+                <a:ln>
+                  <a:noFill/>
+                </a:ln>
+                <a:solidFill>
+                  <a:srgbClr val="16476F">
+                    <a:lumMod val="75000"/>
+                  </a:srgbClr>
+                </a:solidFill>
+                <a:effectLst/>
+                <a:uLnTx/>
+                <a:uFillTx/>
+                <a:latin typeface="Questrial" panose="02000000000000000000" pitchFamily="2" charset="0"/>
+                <a:ea typeface="+mn-ea"/>
+                <a:cs typeface="+mn-cs"/>
+              </a:rPr>
+              <a:t> </a:t>
+            </a:r>
+            <a:r>
+              <a:rPr kumimoji="0" lang="en-US" sz="6000" b="1" i="0" u="none" strike="noStrike" kern="1200" cap="none" spc="0" normalizeH="0" baseline="0" noProof="0" dirty="0">
+                <a:ln>
+                  <a:noFill/>
+                </a:ln>
+                <a:solidFill>
+                  <a:srgbClr val="16476F">
+                    <a:lumMod val="75000"/>
+                  </a:srgbClr>
+                </a:solidFill>
+                <a:effectLst/>
+                <a:uLnTx/>
+                <a:uFillTx/>
+                <a:latin typeface="Questrial" panose="02000000000000000000" pitchFamily="2" charset="0"/>
+                <a:ea typeface="+mn-ea"/>
+                <a:cs typeface="+mn-cs"/>
+              </a:rPr>
+              <a:t>model </a:t>
+            </a:r>
+          </a:p>
+        </p:txBody>
+      </p:sp>
+      <p:sp>
+        <p:nvSpPr>
+          <p:cNvPr id="7" name="TextBox 6">
+            <a:extLst>
+              <a:ext uri="{FF2B5EF4-FFF2-40B4-BE49-F238E27FC236}">
+                <a16:creationId xmlns:a16="http://schemas.microsoft.com/office/drawing/2014/main" id="{63B711B5-FE9C-41C1-9BEF-FD36F6ED18FE}"/>
+              </a:ext>
+            </a:extLst>
+          </p:cNvPr>
+          <p:cNvSpPr txBox="1"/>
+          <p:nvPr/>
+        </p:nvSpPr>
+        <p:spPr>
+          <a:xfrm>
+            <a:off x="10602098" y="98854"/>
+            <a:ext cx="1309816" cy="369332"/>
+          </a:xfrm>
+          <a:prstGeom prst="rect">
+            <a:avLst/>
+          </a:prstGeom>
+          <a:solidFill>
+            <a:schemeClr val="accent2">
+              <a:lumMod val="50000"/>
+            </a:schemeClr>
+          </a:solidFill>
+        </p:spPr>
+        <p:txBody>
+          <a:bodyPr wrap="square" rtlCol="0">
+            <a:spAutoFit/>
+          </a:bodyPr>
+          <a:lstStyle/>
+          <a:p>
+            <a:pPr marL="0" marR="0" lvl="0" indent="0" algn="ctr" defTabSz="457200" rtl="0" eaLnBrk="1" fontAlgn="auto" latinLnBrk="0" hangingPunct="1">
+              <a:lnSpc>
+                <a:spcPct val="100000"/>
+              </a:lnSpc>
+              <a:spcBef>
+                <a:spcPts val="0"/>
+              </a:spcBef>
+              <a:spcAft>
+                <a:spcPts val="0"/>
+              </a:spcAft>
+              <a:buClrTx/>
+              <a:buSzTx/>
+              <a:buFontTx/>
+              <a:buNone/>
+              <a:tabLst/>
+              <a:defRPr/>
+            </a:pPr>
+            <a:r>
+              <a:rPr kumimoji="0" lang="en-US" sz="1800" b="1" i="0" u="none" strike="noStrike" kern="1200" cap="none" spc="0" normalizeH="0" baseline="0" noProof="0" dirty="0">
+                <a:ln>
+                  <a:noFill/>
+                </a:ln>
+                <a:solidFill>
+                  <a:prstClr val="white"/>
+                </a:solidFill>
+                <a:effectLst/>
+                <a:uLnTx/>
+                <a:uFillTx/>
+                <a:latin typeface="Calibri" panose="020F0502020204030204"/>
+                <a:ea typeface="+mn-ea"/>
+                <a:cs typeface="+mn-cs"/>
+              </a:rPr>
+              <a:t>Emmy</a:t>
+            </a:r>
+          </a:p>
+        </p:txBody>
+      </p:sp>
+      <p:sp>
+        <p:nvSpPr>
+          <p:cNvPr id="23" name="TextBox 22">
+            <a:extLst>
+              <a:ext uri="{FF2B5EF4-FFF2-40B4-BE49-F238E27FC236}">
+                <a16:creationId xmlns:a16="http://schemas.microsoft.com/office/drawing/2014/main" id="{3E0D7D6A-E115-4923-859C-18673DBA2851}"/>
+              </a:ext>
+            </a:extLst>
+          </p:cNvPr>
+          <p:cNvSpPr txBox="1"/>
+          <p:nvPr/>
+        </p:nvSpPr>
+        <p:spPr>
+          <a:xfrm>
+            <a:off x="823598" y="1815149"/>
+            <a:ext cx="6440802" cy="584775"/>
+          </a:xfrm>
+          <a:prstGeom prst="rect">
+            <a:avLst/>
+          </a:prstGeom>
+          <a:noFill/>
+        </p:spPr>
+        <p:txBody>
+          <a:bodyPr wrap="square" rtlCol="0">
+            <a:spAutoFit/>
+          </a:bodyPr>
+          <a:lstStyle/>
+          <a:p>
+            <a:pPr marL="0" marR="0" lvl="0" indent="0" algn="l" defTabSz="457200" rtl="0" eaLnBrk="1" fontAlgn="auto" latinLnBrk="0" hangingPunct="1">
+              <a:lnSpc>
+                <a:spcPct val="100000"/>
+              </a:lnSpc>
+              <a:spcBef>
+                <a:spcPts val="0"/>
+              </a:spcBef>
+              <a:spcAft>
+                <a:spcPts val="0"/>
+              </a:spcAft>
+              <a:buClrTx/>
+              <a:buSzTx/>
+              <a:buFontTx/>
+              <a:buNone/>
+              <a:tabLst/>
+              <a:defRPr/>
+            </a:pPr>
+            <a:r>
+              <a:rPr kumimoji="0" lang="en-US" sz="3200" b="1" i="0" u="none" strike="noStrike" kern="1200" cap="none" spc="0" normalizeH="0" baseline="0" noProof="0" dirty="0">
+                <a:ln>
+                  <a:noFill/>
+                </a:ln>
+                <a:solidFill>
+                  <a:srgbClr val="16476F">
+                    <a:lumMod val="75000"/>
+                  </a:srgbClr>
+                </a:solidFill>
+                <a:effectLst/>
+                <a:uLnTx/>
+                <a:uFillTx/>
+                <a:latin typeface="Questrial" panose="02000000000000000000" pitchFamily="2" charset="0"/>
+                <a:ea typeface="+mn-ea"/>
+                <a:cs typeface="+mn-cs"/>
+              </a:rPr>
+              <a:t>Incorporating Opportunity Zones</a:t>
+            </a:r>
+          </a:p>
+        </p:txBody>
+      </p:sp>
+      <p:pic>
+        <p:nvPicPr>
+          <p:cNvPr id="4" name="Picture 3">
+            <a:extLst>
+              <a:ext uri="{FF2B5EF4-FFF2-40B4-BE49-F238E27FC236}">
+                <a16:creationId xmlns:a16="http://schemas.microsoft.com/office/drawing/2014/main" id="{B1D6ACAD-C19D-4F7C-9406-D47754A7FC15}"/>
+              </a:ext>
+            </a:extLst>
+          </p:cNvPr>
+          <p:cNvPicPr>
+            <a:picLocks noChangeAspect="1"/>
+          </p:cNvPicPr>
+          <p:nvPr/>
+        </p:nvPicPr>
+        <p:blipFill rotWithShape="1">
+          <a:blip r:embed="rId2"/>
+          <a:srcRect l="22763" r="23173"/>
+          <a:stretch/>
+        </p:blipFill>
+        <p:spPr>
+          <a:xfrm>
+            <a:off x="1034624" y="2882593"/>
+            <a:ext cx="5728677" cy="775769"/>
+          </a:xfrm>
+          <a:prstGeom prst="rect">
+            <a:avLst/>
+          </a:prstGeom>
+        </p:spPr>
+      </p:pic>
+      <p:pic>
+        <p:nvPicPr>
+          <p:cNvPr id="6" name="Picture 5">
+            <a:extLst>
+              <a:ext uri="{FF2B5EF4-FFF2-40B4-BE49-F238E27FC236}">
+                <a16:creationId xmlns:a16="http://schemas.microsoft.com/office/drawing/2014/main" id="{F9B33511-E858-4E92-B96F-2427E53F5654}"/>
+              </a:ext>
+            </a:extLst>
+          </p:cNvPr>
+          <p:cNvPicPr>
+            <a:picLocks noChangeAspect="1"/>
+          </p:cNvPicPr>
+          <p:nvPr/>
+        </p:nvPicPr>
+        <p:blipFill rotWithShape="1">
+          <a:blip r:embed="rId3"/>
+          <a:srcRect l="12746" r="13362"/>
+          <a:stretch/>
+        </p:blipFill>
+        <p:spPr>
+          <a:xfrm>
+            <a:off x="1034624" y="3857449"/>
+            <a:ext cx="7829600" cy="775769"/>
+          </a:xfrm>
+          <a:prstGeom prst="rect">
+            <a:avLst/>
+          </a:prstGeom>
+        </p:spPr>
+      </p:pic>
+      <p:pic>
+        <p:nvPicPr>
+          <p:cNvPr id="10" name="Picture 9">
+            <a:extLst>
+              <a:ext uri="{FF2B5EF4-FFF2-40B4-BE49-F238E27FC236}">
+                <a16:creationId xmlns:a16="http://schemas.microsoft.com/office/drawing/2014/main" id="{F24BF24E-1229-4AB6-AC62-DA55A35E6071}"/>
+              </a:ext>
+            </a:extLst>
+          </p:cNvPr>
+          <p:cNvPicPr>
+            <a:picLocks noChangeAspect="1"/>
+          </p:cNvPicPr>
+          <p:nvPr/>
+        </p:nvPicPr>
+        <p:blipFill rotWithShape="1">
+          <a:blip r:embed="rId4"/>
+          <a:srcRect l="12474" r="12074"/>
+          <a:stretch/>
+        </p:blipFill>
+        <p:spPr>
+          <a:xfrm>
+            <a:off x="1034624" y="5005223"/>
+            <a:ext cx="7939360" cy="775769"/>
+          </a:xfrm>
+          <a:prstGeom prst="rect">
+            <a:avLst/>
+          </a:prstGeom>
+        </p:spPr>
+      </p:pic>
+      <p:sp>
+        <p:nvSpPr>
+          <p:cNvPr id="12" name="TextBox 11">
+            <a:extLst>
+              <a:ext uri="{FF2B5EF4-FFF2-40B4-BE49-F238E27FC236}">
+                <a16:creationId xmlns:a16="http://schemas.microsoft.com/office/drawing/2014/main" id="{C8026E14-5F40-4007-8EC6-5C136D35C39C}"/>
+              </a:ext>
+            </a:extLst>
+          </p:cNvPr>
+          <p:cNvSpPr txBox="1"/>
+          <p:nvPr/>
+        </p:nvSpPr>
+        <p:spPr>
+          <a:xfrm>
+            <a:off x="823598" y="2528772"/>
+            <a:ext cx="6440802" cy="400110"/>
+          </a:xfrm>
+          <a:prstGeom prst="rect">
+            <a:avLst/>
+          </a:prstGeom>
+          <a:noFill/>
+        </p:spPr>
+        <p:txBody>
+          <a:bodyPr wrap="square" rtlCol="0">
+            <a:spAutoFit/>
+          </a:bodyPr>
+          <a:lstStyle/>
+          <a:p>
+            <a:pPr marL="0" marR="0" lvl="0" indent="0" algn="l" defTabSz="457200" rtl="0" eaLnBrk="1" fontAlgn="auto" latinLnBrk="0" hangingPunct="1">
+              <a:lnSpc>
+                <a:spcPct val="100000"/>
+              </a:lnSpc>
+              <a:spcBef>
+                <a:spcPts val="0"/>
+              </a:spcBef>
+              <a:spcAft>
+                <a:spcPts val="0"/>
+              </a:spcAft>
+              <a:buClrTx/>
+              <a:buSzTx/>
+              <a:buFontTx/>
+              <a:buNone/>
+              <a:tabLst/>
+              <a:defRPr/>
+            </a:pPr>
+            <a:r>
+              <a:rPr lang="en-US" sz="2000" b="1" dirty="0">
+                <a:solidFill>
+                  <a:srgbClr val="16476F">
+                    <a:lumMod val="75000"/>
+                  </a:srgbClr>
+                </a:solidFill>
+                <a:latin typeface="Questrial" panose="02000000000000000000" pitchFamily="2" charset="0"/>
+              </a:rPr>
+              <a:t>Equal Weights for all Variables</a:t>
+            </a:r>
+            <a:endParaRPr kumimoji="0" lang="en-US" sz="2000" b="1" i="0" u="none" strike="noStrike" kern="1200" cap="none" spc="0" normalizeH="0" baseline="0" noProof="0" dirty="0">
+              <a:ln>
+                <a:noFill/>
+              </a:ln>
+              <a:solidFill>
+                <a:srgbClr val="16476F">
+                  <a:lumMod val="75000"/>
+                </a:srgbClr>
+              </a:solidFill>
+              <a:effectLst/>
+              <a:uLnTx/>
+              <a:uFillTx/>
+              <a:latin typeface="Questrial" panose="02000000000000000000" pitchFamily="2" charset="0"/>
+              <a:ea typeface="+mn-ea"/>
+              <a:cs typeface="+mn-cs"/>
+            </a:endParaRPr>
+          </a:p>
+        </p:txBody>
+      </p:sp>
+      <p:sp>
+        <p:nvSpPr>
+          <p:cNvPr id="13" name="TextBox 12">
+            <a:extLst>
+              <a:ext uri="{FF2B5EF4-FFF2-40B4-BE49-F238E27FC236}">
+                <a16:creationId xmlns:a16="http://schemas.microsoft.com/office/drawing/2014/main" id="{9EDA8FBF-F9FE-4041-9CB0-1092C2F199D5}"/>
+              </a:ext>
+            </a:extLst>
+          </p:cNvPr>
+          <p:cNvSpPr txBox="1"/>
+          <p:nvPr/>
+        </p:nvSpPr>
+        <p:spPr>
+          <a:xfrm>
+            <a:off x="823598" y="3467454"/>
+            <a:ext cx="6440802" cy="400110"/>
+          </a:xfrm>
+          <a:prstGeom prst="rect">
+            <a:avLst/>
+          </a:prstGeom>
+          <a:noFill/>
+        </p:spPr>
+        <p:txBody>
+          <a:bodyPr wrap="square" rtlCol="0">
+            <a:spAutoFit/>
+          </a:bodyPr>
+          <a:lstStyle/>
+          <a:p>
+            <a:pPr marL="0" marR="0" lvl="0" indent="0" algn="l" defTabSz="457200" rtl="0" eaLnBrk="1" fontAlgn="auto" latinLnBrk="0" hangingPunct="1">
+              <a:lnSpc>
+                <a:spcPct val="100000"/>
+              </a:lnSpc>
+              <a:spcBef>
+                <a:spcPts val="0"/>
+              </a:spcBef>
+              <a:spcAft>
+                <a:spcPts val="0"/>
+              </a:spcAft>
+              <a:buClrTx/>
+              <a:buSzTx/>
+              <a:buFontTx/>
+              <a:buNone/>
+              <a:tabLst/>
+              <a:defRPr/>
+            </a:pPr>
+            <a:r>
+              <a:rPr kumimoji="0" lang="en-US" sz="2000" b="1" i="0" u="none" strike="noStrike" kern="1200" cap="none" spc="0" normalizeH="0" baseline="0" noProof="0" dirty="0">
+                <a:ln>
+                  <a:noFill/>
+                </a:ln>
+                <a:solidFill>
+                  <a:srgbClr val="16476F">
+                    <a:lumMod val="75000"/>
+                  </a:srgbClr>
+                </a:solidFill>
+                <a:effectLst/>
+                <a:uLnTx/>
+                <a:uFillTx/>
+                <a:latin typeface="Questrial" panose="02000000000000000000" pitchFamily="2" charset="0"/>
+                <a:ea typeface="+mn-ea"/>
+                <a:cs typeface="+mn-cs"/>
+              </a:rPr>
+              <a:t>Weighting by Completeness of Data (years)</a:t>
+            </a:r>
+          </a:p>
+        </p:txBody>
+      </p:sp>
+      <p:sp>
+        <p:nvSpPr>
+          <p:cNvPr id="14" name="TextBox 13">
+            <a:extLst>
+              <a:ext uri="{FF2B5EF4-FFF2-40B4-BE49-F238E27FC236}">
+                <a16:creationId xmlns:a16="http://schemas.microsoft.com/office/drawing/2014/main" id="{656EB245-FE34-4A97-9A5D-4DB09D35E754}"/>
+              </a:ext>
+            </a:extLst>
+          </p:cNvPr>
+          <p:cNvSpPr txBox="1"/>
+          <p:nvPr/>
+        </p:nvSpPr>
+        <p:spPr>
+          <a:xfrm>
+            <a:off x="823598" y="4601958"/>
+            <a:ext cx="6440802" cy="400110"/>
+          </a:xfrm>
+          <a:prstGeom prst="rect">
+            <a:avLst/>
+          </a:prstGeom>
+          <a:noFill/>
+        </p:spPr>
+        <p:txBody>
+          <a:bodyPr wrap="square" rtlCol="0">
+            <a:spAutoFit/>
+          </a:bodyPr>
+          <a:lstStyle/>
+          <a:p>
+            <a:pPr marL="0" marR="0" lvl="0" indent="0" algn="l" defTabSz="457200" rtl="0" eaLnBrk="1" fontAlgn="auto" latinLnBrk="0" hangingPunct="1">
+              <a:lnSpc>
+                <a:spcPct val="100000"/>
+              </a:lnSpc>
+              <a:spcBef>
+                <a:spcPts val="0"/>
+              </a:spcBef>
+              <a:spcAft>
+                <a:spcPts val="0"/>
+              </a:spcAft>
+              <a:buClrTx/>
+              <a:buSzTx/>
+              <a:buFontTx/>
+              <a:buNone/>
+              <a:tabLst/>
+              <a:defRPr/>
+            </a:pPr>
+            <a:r>
+              <a:rPr kumimoji="0" lang="en-US" sz="2000" b="1" i="0" u="none" strike="noStrike" kern="1200" cap="none" spc="0" normalizeH="0" baseline="0" noProof="0" dirty="0">
+                <a:ln>
+                  <a:noFill/>
+                </a:ln>
+                <a:solidFill>
+                  <a:srgbClr val="16476F">
+                    <a:lumMod val="75000"/>
+                  </a:srgbClr>
+                </a:solidFill>
+                <a:effectLst/>
+                <a:uLnTx/>
+                <a:uFillTx/>
+                <a:latin typeface="Questrial" panose="02000000000000000000" pitchFamily="2" charset="0"/>
+                <a:ea typeface="+mn-ea"/>
+                <a:cs typeface="+mn-cs"/>
+              </a:rPr>
+              <a:t>Weighting by Reliability of Data after Cleaning</a:t>
+            </a:r>
+          </a:p>
+        </p:txBody>
+      </p:sp>
+      <p:pic>
+        <p:nvPicPr>
+          <p:cNvPr id="11" name="Picture 10">
+            <a:extLst>
+              <a:ext uri="{FF2B5EF4-FFF2-40B4-BE49-F238E27FC236}">
+                <a16:creationId xmlns:a16="http://schemas.microsoft.com/office/drawing/2014/main" id="{F28F0055-7401-43EF-9F3D-6AB77C5F4B13}"/>
+              </a:ext>
+            </a:extLst>
+          </p:cNvPr>
+          <p:cNvPicPr>
+            <a:picLocks noChangeAspect="1"/>
+          </p:cNvPicPr>
+          <p:nvPr/>
+        </p:nvPicPr>
+        <p:blipFill rotWithShape="1">
+          <a:blip r:embed="rId5"/>
+          <a:srcRect l="6353" r="56968"/>
+          <a:stretch/>
+        </p:blipFill>
+        <p:spPr>
+          <a:xfrm>
+            <a:off x="8779334" y="2258004"/>
+            <a:ext cx="2961028" cy="1337073"/>
+          </a:xfrm>
+          <a:prstGeom prst="rect">
+            <a:avLst/>
+          </a:prstGeom>
+          <a:ln w="3175" cap="rnd">
+            <a:solidFill>
+              <a:schemeClr val="bg1"/>
+            </a:solidFill>
+          </a:ln>
+          <a:effectLst>
+            <a:outerShdw blurRad="76200" dist="95250" dir="10500000" sx="97000" sy="23000" kx="900000" algn="br" rotWithShape="0">
+              <a:srgbClr val="000000">
+                <a:alpha val="20000"/>
+              </a:srgbClr>
+            </a:outerShdw>
+          </a:effectLst>
+          <a:scene3d>
+            <a:camera prst="orthographicFront"/>
+            <a:lightRig rig="twoPt" dir="t">
+              <a:rot lat="0" lon="0" rev="7800000"/>
+            </a:lightRig>
+          </a:scene3d>
+          <a:sp3d contourW="6350">
+            <a:bevelT w="50800" h="16510"/>
+            <a:contourClr>
+              <a:srgbClr val="C0C0C0"/>
+            </a:contourClr>
+          </a:sp3d>
+        </p:spPr>
+      </p:pic>
+    </p:spTree>
+    <p:extLst>
+      <p:ext uri="{BB962C8B-B14F-4D97-AF65-F5344CB8AC3E}">
+        <p14:creationId xmlns:p14="http://schemas.microsoft.com/office/powerpoint/2010/main" val="2515085020"/>
+      </p:ext>
+    </p:extLst>
+  </p:cSld>
+  <p:clrMapOvr>
+    <a:masterClrMapping/>
+  </p:clrMapOvr>
+</p:sld>
+</file>
+
+<file path=ppt/slides/slide16.xml><?xml version="1.0" encoding="utf-8"?>
 <p:sld xmlns:a="http://schemas.openxmlformats.org/drawingml/2006/main" xmlns:r="http://schemas.openxmlformats.org/officeDocument/2006/relationships" xmlns:p="http://schemas.openxmlformats.org/presentationml/2006/main">
   <p:cSld>
     <p:spTree>
@@ -38264,7 +39606,7 @@
 </p:sld>
 </file>
 
-<file path=ppt/slides/slide15.xml><?xml version="1.0" encoding="utf-8"?>
+<file path=ppt/slides/slide17.xml><?xml version="1.0" encoding="utf-8"?>
 <p:sld xmlns:a="http://schemas.openxmlformats.org/drawingml/2006/main" xmlns:r="http://schemas.openxmlformats.org/officeDocument/2006/relationships" xmlns:p="http://schemas.openxmlformats.org/presentationml/2006/main">
   <p:cSld>
     <p:spTree>
@@ -38381,7 +39723,7 @@
 </p:sld>
 </file>
 
-<file path=ppt/slides/slide16.xml><?xml version="1.0" encoding="utf-8"?>
+<file path=ppt/slides/slide18.xml><?xml version="1.0" encoding="utf-8"?>
 <p:sld xmlns:a="http://schemas.openxmlformats.org/drawingml/2006/main" xmlns:r="http://schemas.openxmlformats.org/officeDocument/2006/relationships" xmlns:p="http://schemas.openxmlformats.org/presentationml/2006/main">
   <p:cSld>
     <p:spTree>
@@ -38673,7 +40015,7 @@
 </p:sld>
 </file>
 
-<file path=ppt/slides/slide17.xml><?xml version="1.0" encoding="utf-8"?>
+<file path=ppt/slides/slide19.xml><?xml version="1.0" encoding="utf-8"?>
 <p:sld xmlns:a="http://schemas.openxmlformats.org/drawingml/2006/main" xmlns:r="http://schemas.openxmlformats.org/officeDocument/2006/relationships" xmlns:p="http://schemas.openxmlformats.org/presentationml/2006/main">
   <p:cSld>
     <p:spTree>

--- a/Presentation.pptx
+++ b/Presentation.pptx
@@ -17445,1980 +17445,6 @@
       </p:grpSpPr>
       <p:sp>
         <p:nvSpPr>
-          <p:cNvPr id="8" name="Block Arc 7">
-            <a:extLst>
-              <a:ext uri="{FF2B5EF4-FFF2-40B4-BE49-F238E27FC236}">
-                <a16:creationId xmlns:a16="http://schemas.microsoft.com/office/drawing/2014/main" id="{77C55682-D4C9-CA45-83C9-87A06BF09B17}"/>
-              </a:ext>
-            </a:extLst>
-          </p:cNvPr>
-          <p:cNvSpPr/>
-          <p:nvPr/>
-        </p:nvSpPr>
-        <p:spPr>
-          <a:xfrm rot="5400000">
-            <a:off x="1878577" y="1923233"/>
-            <a:ext cx="3011072" cy="3011535"/>
-          </a:xfrm>
-          <a:prstGeom prst="blockArc">
-            <a:avLst>
-              <a:gd name="adj1" fmla="val 13500000"/>
-              <a:gd name="adj2" fmla="val 18900000"/>
-              <a:gd name="adj3" fmla="val 4960"/>
-            </a:avLst>
-          </a:prstGeom>
-        </p:spPr>
-        <p:style>
-          <a:lnRef idx="2">
-            <a:schemeClr val="accent5">
-              <a:shade val="80000"/>
-              <a:hueOff val="0"/>
-              <a:satOff val="0"/>
-              <a:lumOff val="0"/>
-              <a:alphaOff val="0"/>
-            </a:schemeClr>
-          </a:lnRef>
-          <a:fillRef idx="1">
-            <a:schemeClr val="lt1">
-              <a:hueOff val="0"/>
-              <a:satOff val="0"/>
-              <a:lumOff val="0"/>
-              <a:alphaOff val="0"/>
-            </a:schemeClr>
-          </a:fillRef>
-          <a:effectRef idx="0">
-            <a:schemeClr val="lt1">
-              <a:hueOff val="0"/>
-              <a:satOff val="0"/>
-              <a:lumOff val="0"/>
-              <a:alphaOff val="0"/>
-            </a:schemeClr>
-          </a:effectRef>
-          <a:fontRef idx="minor">
-            <a:schemeClr val="dk1">
-              <a:hueOff val="0"/>
-              <a:satOff val="0"/>
-              <a:lumOff val="0"/>
-              <a:alphaOff val="0"/>
-            </a:schemeClr>
-          </a:fontRef>
-        </p:style>
-      </p:sp>
-      <p:sp>
-        <p:nvSpPr>
-          <p:cNvPr id="9" name="Block Arc 8">
-            <a:extLst>
-              <a:ext uri="{FF2B5EF4-FFF2-40B4-BE49-F238E27FC236}">
-                <a16:creationId xmlns:a16="http://schemas.microsoft.com/office/drawing/2014/main" id="{239234C4-A2A4-0540-85B5-39D02820A6F0}"/>
-              </a:ext>
-            </a:extLst>
-          </p:cNvPr>
-          <p:cNvSpPr/>
-          <p:nvPr/>
-        </p:nvSpPr>
-        <p:spPr>
-          <a:xfrm rot="16200000">
-            <a:off x="4977588" y="1923233"/>
-            <a:ext cx="3011072" cy="3011535"/>
-          </a:xfrm>
-          <a:prstGeom prst="blockArc">
-            <a:avLst>
-              <a:gd name="adj1" fmla="val 13500000"/>
-              <a:gd name="adj2" fmla="val 18900000"/>
-              <a:gd name="adj3" fmla="val 4960"/>
-            </a:avLst>
-          </a:prstGeom>
-        </p:spPr>
-        <p:style>
-          <a:lnRef idx="2">
-            <a:schemeClr val="accent5">
-              <a:shade val="80000"/>
-              <a:hueOff val="0"/>
-              <a:satOff val="0"/>
-              <a:lumOff val="0"/>
-              <a:alphaOff val="0"/>
-            </a:schemeClr>
-          </a:lnRef>
-          <a:fillRef idx="1">
-            <a:schemeClr val="lt1">
-              <a:hueOff val="0"/>
-              <a:satOff val="0"/>
-              <a:lumOff val="0"/>
-              <a:alphaOff val="0"/>
-            </a:schemeClr>
-          </a:fillRef>
-          <a:effectRef idx="0">
-            <a:schemeClr val="lt1">
-              <a:hueOff val="0"/>
-              <a:satOff val="0"/>
-              <a:lumOff val="0"/>
-              <a:alphaOff val="0"/>
-            </a:schemeClr>
-          </a:effectRef>
-          <a:fontRef idx="minor">
-            <a:schemeClr val="dk1">
-              <a:hueOff val="0"/>
-              <a:satOff val="0"/>
-              <a:lumOff val="0"/>
-              <a:alphaOff val="0"/>
-            </a:schemeClr>
-          </a:fontRef>
-        </p:style>
-      </p:sp>
-      <p:sp>
-        <p:nvSpPr>
-          <p:cNvPr id="10" name="Freeform 9">
-            <a:extLst>
-              <a:ext uri="{FF2B5EF4-FFF2-40B4-BE49-F238E27FC236}">
-                <a16:creationId xmlns:a16="http://schemas.microsoft.com/office/drawing/2014/main" id="{A8689CDB-5252-E94F-B575-A7A5C88047E5}"/>
-              </a:ext>
-            </a:extLst>
-          </p:cNvPr>
-          <p:cNvSpPr/>
-          <p:nvPr/>
-        </p:nvSpPr>
-        <p:spPr>
-          <a:xfrm>
-            <a:off x="5196238" y="4539045"/>
-            <a:ext cx="2584256" cy="602407"/>
-          </a:xfrm>
-          <a:custGeom>
-            <a:avLst/>
-            <a:gdLst>
-              <a:gd name="connsiteX0" fmla="*/ 0 w 2286215"/>
-              <a:gd name="connsiteY0" fmla="*/ 0 h 602407"/>
-              <a:gd name="connsiteX1" fmla="*/ 2286215 w 2286215"/>
-              <a:gd name="connsiteY1" fmla="*/ 0 h 602407"/>
-              <a:gd name="connsiteX2" fmla="*/ 2286215 w 2286215"/>
-              <a:gd name="connsiteY2" fmla="*/ 602407 h 602407"/>
-              <a:gd name="connsiteX3" fmla="*/ 0 w 2286215"/>
-              <a:gd name="connsiteY3" fmla="*/ 602407 h 602407"/>
-              <a:gd name="connsiteX4" fmla="*/ 0 w 2286215"/>
-              <a:gd name="connsiteY4" fmla="*/ 0 h 602407"/>
-            </a:gdLst>
-            <a:ahLst/>
-            <a:cxnLst>
-              <a:cxn ang="0">
-                <a:pos x="connsiteX0" y="connsiteY0"/>
-              </a:cxn>
-              <a:cxn ang="0">
-                <a:pos x="connsiteX1" y="connsiteY1"/>
-              </a:cxn>
-              <a:cxn ang="0">
-                <a:pos x="connsiteX2" y="connsiteY2"/>
-              </a:cxn>
-              <a:cxn ang="0">
-                <a:pos x="connsiteX3" y="connsiteY3"/>
-              </a:cxn>
-              <a:cxn ang="0">
-                <a:pos x="connsiteX4" y="connsiteY4"/>
-              </a:cxn>
-            </a:cxnLst>
-            <a:rect l="l" t="t" r="r" b="b"/>
-            <a:pathLst>
-              <a:path w="2286215" h="602407">
-                <a:moveTo>
-                  <a:pt x="0" y="0"/>
-                </a:moveTo>
-                <a:lnTo>
-                  <a:pt x="2286215" y="0"/>
-                </a:lnTo>
-                <a:lnTo>
-                  <a:pt x="2286215" y="602407"/>
-                </a:lnTo>
-                <a:lnTo>
-                  <a:pt x="0" y="602407"/>
-                </a:lnTo>
-                <a:lnTo>
-                  <a:pt x="0" y="0"/>
-                </a:lnTo>
-                <a:close/>
-              </a:path>
-            </a:pathLst>
-          </a:custGeom>
-        </p:spPr>
-        <p:style>
-          <a:lnRef idx="0">
-            <a:schemeClr val="dk1">
-              <a:alpha val="0"/>
-              <a:hueOff val="0"/>
-              <a:satOff val="0"/>
-              <a:lumOff val="0"/>
-              <a:alphaOff val="0"/>
-            </a:schemeClr>
-          </a:lnRef>
-          <a:fillRef idx="0">
-            <a:schemeClr val="lt1">
-              <a:alpha val="0"/>
-              <a:hueOff val="0"/>
-              <a:satOff val="0"/>
-              <a:lumOff val="0"/>
-              <a:alphaOff val="0"/>
-            </a:schemeClr>
-          </a:fillRef>
-          <a:effectRef idx="0">
-            <a:schemeClr val="lt1">
-              <a:alpha val="0"/>
-              <a:hueOff val="0"/>
-              <a:satOff val="0"/>
-              <a:lumOff val="0"/>
-              <a:alphaOff val="0"/>
-            </a:schemeClr>
-          </a:effectRef>
-          <a:fontRef idx="minor">
-            <a:schemeClr val="tx1">
-              <a:hueOff val="0"/>
-              <a:satOff val="0"/>
-              <a:lumOff val="0"/>
-              <a:alphaOff val="0"/>
-            </a:schemeClr>
-          </a:fontRef>
-        </p:style>
-        <p:txBody>
-          <a:bodyPr spcFirstLastPara="0" vert="horz" wrap="square" lIns="114300" tIns="114300" rIns="114300" bIns="114300" numCol="1" spcCol="1270" anchor="ctr" anchorCtr="0">
-            <a:noAutofit/>
-          </a:bodyPr>
-          <a:lstStyle/>
-          <a:p>
-            <a:pPr marL="0" lvl="0" indent="0" algn="ctr" defTabSz="1333500">
-              <a:lnSpc>
-                <a:spcPct val="90000"/>
-              </a:lnSpc>
-              <a:spcBef>
-                <a:spcPct val="0"/>
-              </a:spcBef>
-              <a:spcAft>
-                <a:spcPct val="35000"/>
-              </a:spcAft>
-              <a:buNone/>
-            </a:pPr>
-            <a:r>
-              <a:rPr lang="en-US" sz="3200" dirty="0">
-                <a:solidFill>
-                  <a:schemeClr val="bg1"/>
-                </a:solidFill>
-                <a:latin typeface="Questrial" panose="02000000000000000000" pitchFamily="2" charset="0"/>
-              </a:rPr>
-              <a:t>missing pk</a:t>
-            </a:r>
-            <a:endParaRPr lang="en-US" sz="3200" kern="1200" dirty="0">
-              <a:solidFill>
-                <a:schemeClr val="bg1"/>
-              </a:solidFill>
-              <a:latin typeface="Questrial" panose="02000000000000000000" pitchFamily="2" charset="0"/>
-            </a:endParaRPr>
-          </a:p>
-        </p:txBody>
-      </p:sp>
-      <p:sp>
-        <p:nvSpPr>
-          <p:cNvPr id="11" name="Block Arc 10">
-            <a:extLst>
-              <a:ext uri="{FF2B5EF4-FFF2-40B4-BE49-F238E27FC236}">
-                <a16:creationId xmlns:a16="http://schemas.microsoft.com/office/drawing/2014/main" id="{DCFB3FE0-DA8C-1D4B-AB13-93F3BCCFF477}"/>
-              </a:ext>
-            </a:extLst>
-          </p:cNvPr>
-          <p:cNvSpPr/>
-          <p:nvPr/>
-        </p:nvSpPr>
-        <p:spPr>
-          <a:xfrm rot="5400000">
-            <a:off x="4881000" y="1923233"/>
-            <a:ext cx="3011072" cy="3011535"/>
-          </a:xfrm>
-          <a:prstGeom prst="blockArc">
-            <a:avLst>
-              <a:gd name="adj1" fmla="val 13500000"/>
-              <a:gd name="adj2" fmla="val 18900000"/>
-              <a:gd name="adj3" fmla="val 4960"/>
-            </a:avLst>
-          </a:prstGeom>
-        </p:spPr>
-        <p:style>
-          <a:lnRef idx="2">
-            <a:schemeClr val="accent5">
-              <a:shade val="80000"/>
-              <a:hueOff val="0"/>
-              <a:satOff val="0"/>
-              <a:lumOff val="0"/>
-              <a:alphaOff val="0"/>
-            </a:schemeClr>
-          </a:lnRef>
-          <a:fillRef idx="1">
-            <a:schemeClr val="lt1">
-              <a:hueOff val="0"/>
-              <a:satOff val="0"/>
-              <a:lumOff val="0"/>
-              <a:alphaOff val="0"/>
-            </a:schemeClr>
-          </a:fillRef>
-          <a:effectRef idx="0">
-            <a:schemeClr val="lt1">
-              <a:hueOff val="0"/>
-              <a:satOff val="0"/>
-              <a:lumOff val="0"/>
-              <a:alphaOff val="0"/>
-            </a:schemeClr>
-          </a:effectRef>
-          <a:fontRef idx="minor">
-            <a:schemeClr val="dk1">
-              <a:hueOff val="0"/>
-              <a:satOff val="0"/>
-              <a:lumOff val="0"/>
-              <a:alphaOff val="0"/>
-            </a:schemeClr>
-          </a:fontRef>
-        </p:style>
-      </p:sp>
-      <p:sp>
-        <p:nvSpPr>
-          <p:cNvPr id="12" name="Block Arc 11">
-            <a:extLst>
-              <a:ext uri="{FF2B5EF4-FFF2-40B4-BE49-F238E27FC236}">
-                <a16:creationId xmlns:a16="http://schemas.microsoft.com/office/drawing/2014/main" id="{E267FD50-1C1A-6742-B466-58F061FFFE07}"/>
-              </a:ext>
-            </a:extLst>
-          </p:cNvPr>
-          <p:cNvSpPr/>
-          <p:nvPr/>
-        </p:nvSpPr>
-        <p:spPr>
-          <a:xfrm rot="16200000">
-            <a:off x="7979100" y="1923233"/>
-            <a:ext cx="3011072" cy="3011535"/>
-          </a:xfrm>
-          <a:prstGeom prst="blockArc">
-            <a:avLst>
-              <a:gd name="adj1" fmla="val 13500000"/>
-              <a:gd name="adj2" fmla="val 18900000"/>
-              <a:gd name="adj3" fmla="val 4960"/>
-            </a:avLst>
-          </a:prstGeom>
-        </p:spPr>
-        <p:style>
-          <a:lnRef idx="2">
-            <a:schemeClr val="accent5">
-              <a:shade val="80000"/>
-              <a:hueOff val="0"/>
-              <a:satOff val="0"/>
-              <a:lumOff val="0"/>
-              <a:alphaOff val="0"/>
-            </a:schemeClr>
-          </a:lnRef>
-          <a:fillRef idx="1">
-            <a:schemeClr val="lt1">
-              <a:hueOff val="0"/>
-              <a:satOff val="0"/>
-              <a:lumOff val="0"/>
-              <a:alphaOff val="0"/>
-            </a:schemeClr>
-          </a:fillRef>
-          <a:effectRef idx="0">
-            <a:schemeClr val="lt1">
-              <a:hueOff val="0"/>
-              <a:satOff val="0"/>
-              <a:lumOff val="0"/>
-              <a:alphaOff val="0"/>
-            </a:schemeClr>
-          </a:effectRef>
-          <a:fontRef idx="minor">
-            <a:schemeClr val="dk1">
-              <a:hueOff val="0"/>
-              <a:satOff val="0"/>
-              <a:lumOff val="0"/>
-              <a:alphaOff val="0"/>
-            </a:schemeClr>
-          </a:fontRef>
-        </p:style>
-      </p:sp>
-      <p:sp>
-        <p:nvSpPr>
-          <p:cNvPr id="13" name="Freeform 12">
-            <a:extLst>
-              <a:ext uri="{FF2B5EF4-FFF2-40B4-BE49-F238E27FC236}">
-                <a16:creationId xmlns:a16="http://schemas.microsoft.com/office/drawing/2014/main" id="{E8EE8102-1AA2-A740-A0B5-ECF376D34DBF}"/>
-              </a:ext>
-            </a:extLst>
-          </p:cNvPr>
-          <p:cNvSpPr/>
-          <p:nvPr/>
-        </p:nvSpPr>
-        <p:spPr>
-          <a:xfrm>
-            <a:off x="8086851" y="4539045"/>
-            <a:ext cx="2584256" cy="602407"/>
-          </a:xfrm>
-          <a:custGeom>
-            <a:avLst/>
-            <a:gdLst>
-              <a:gd name="connsiteX0" fmla="*/ 0 w 2286215"/>
-              <a:gd name="connsiteY0" fmla="*/ 0 h 602407"/>
-              <a:gd name="connsiteX1" fmla="*/ 2286215 w 2286215"/>
-              <a:gd name="connsiteY1" fmla="*/ 0 h 602407"/>
-              <a:gd name="connsiteX2" fmla="*/ 2286215 w 2286215"/>
-              <a:gd name="connsiteY2" fmla="*/ 602407 h 602407"/>
-              <a:gd name="connsiteX3" fmla="*/ 0 w 2286215"/>
-              <a:gd name="connsiteY3" fmla="*/ 602407 h 602407"/>
-              <a:gd name="connsiteX4" fmla="*/ 0 w 2286215"/>
-              <a:gd name="connsiteY4" fmla="*/ 0 h 602407"/>
-            </a:gdLst>
-            <a:ahLst/>
-            <a:cxnLst>
-              <a:cxn ang="0">
-                <a:pos x="connsiteX0" y="connsiteY0"/>
-              </a:cxn>
-              <a:cxn ang="0">
-                <a:pos x="connsiteX1" y="connsiteY1"/>
-              </a:cxn>
-              <a:cxn ang="0">
-                <a:pos x="connsiteX2" y="connsiteY2"/>
-              </a:cxn>
-              <a:cxn ang="0">
-                <a:pos x="connsiteX3" y="connsiteY3"/>
-              </a:cxn>
-              <a:cxn ang="0">
-                <a:pos x="connsiteX4" y="connsiteY4"/>
-              </a:cxn>
-            </a:cxnLst>
-            <a:rect l="l" t="t" r="r" b="b"/>
-            <a:pathLst>
-              <a:path w="2286215" h="602407">
-                <a:moveTo>
-                  <a:pt x="0" y="0"/>
-                </a:moveTo>
-                <a:lnTo>
-                  <a:pt x="2286215" y="0"/>
-                </a:lnTo>
-                <a:lnTo>
-                  <a:pt x="2286215" y="602407"/>
-                </a:lnTo>
-                <a:lnTo>
-                  <a:pt x="0" y="602407"/>
-                </a:lnTo>
-                <a:lnTo>
-                  <a:pt x="0" y="0"/>
-                </a:lnTo>
-                <a:close/>
-              </a:path>
-            </a:pathLst>
-          </a:custGeom>
-        </p:spPr>
-        <p:style>
-          <a:lnRef idx="0">
-            <a:schemeClr val="dk1">
-              <a:alpha val="0"/>
-              <a:hueOff val="0"/>
-              <a:satOff val="0"/>
-              <a:lumOff val="0"/>
-              <a:alphaOff val="0"/>
-            </a:schemeClr>
-          </a:lnRef>
-          <a:fillRef idx="0">
-            <a:schemeClr val="lt1">
-              <a:alpha val="0"/>
-              <a:hueOff val="0"/>
-              <a:satOff val="0"/>
-              <a:lumOff val="0"/>
-              <a:alphaOff val="0"/>
-            </a:schemeClr>
-          </a:fillRef>
-          <a:effectRef idx="0">
-            <a:schemeClr val="lt1">
-              <a:alpha val="0"/>
-              <a:hueOff val="0"/>
-              <a:satOff val="0"/>
-              <a:lumOff val="0"/>
-              <a:alphaOff val="0"/>
-            </a:schemeClr>
-          </a:effectRef>
-          <a:fontRef idx="minor">
-            <a:schemeClr val="tx1">
-              <a:hueOff val="0"/>
-              <a:satOff val="0"/>
-              <a:lumOff val="0"/>
-              <a:alphaOff val="0"/>
-            </a:schemeClr>
-          </a:fontRef>
-        </p:style>
-        <p:txBody>
-          <a:bodyPr spcFirstLastPara="0" vert="horz" wrap="square" lIns="114300" tIns="114300" rIns="114300" bIns="114300" numCol="1" spcCol="1270" anchor="ctr" anchorCtr="0">
-            <a:noAutofit/>
-          </a:bodyPr>
-          <a:lstStyle/>
-          <a:p>
-            <a:pPr marL="0" lvl="0" indent="0" algn="ctr" defTabSz="1333500">
-              <a:lnSpc>
-                <a:spcPct val="90000"/>
-              </a:lnSpc>
-              <a:spcBef>
-                <a:spcPct val="0"/>
-              </a:spcBef>
-              <a:spcAft>
-                <a:spcPct val="35000"/>
-              </a:spcAft>
-              <a:buNone/>
-            </a:pPr>
-            <a:r>
-              <a:rPr lang="en-US" sz="3200" kern="1200" dirty="0">
-                <a:solidFill>
-                  <a:schemeClr val="bg1"/>
-                </a:solidFill>
-                <a:latin typeface="Questrial" panose="02000000000000000000" pitchFamily="2" charset="0"/>
-              </a:rPr>
-              <a:t>normalized</a:t>
-            </a:r>
-          </a:p>
-        </p:txBody>
-      </p:sp>
-      <p:sp>
-        <p:nvSpPr>
-          <p:cNvPr id="14" name="Freeform 13">
-            <a:extLst>
-              <a:ext uri="{FF2B5EF4-FFF2-40B4-BE49-F238E27FC236}">
-                <a16:creationId xmlns:a16="http://schemas.microsoft.com/office/drawing/2014/main" id="{C3C019AD-53A8-CD4C-A3C9-329F53B5123D}"/>
-              </a:ext>
-            </a:extLst>
-          </p:cNvPr>
-          <p:cNvSpPr/>
-          <p:nvPr/>
-        </p:nvSpPr>
-        <p:spPr>
-          <a:xfrm>
-            <a:off x="5260177" y="2787469"/>
-            <a:ext cx="1379601" cy="1379601"/>
-          </a:xfrm>
-          <a:custGeom>
-            <a:avLst/>
-            <a:gdLst>
-              <a:gd name="connsiteX0" fmla="*/ 0 w 1379601"/>
-              <a:gd name="connsiteY0" fmla="*/ 689801 h 1379601"/>
-              <a:gd name="connsiteX1" fmla="*/ 689801 w 1379601"/>
-              <a:gd name="connsiteY1" fmla="*/ 0 h 1379601"/>
-              <a:gd name="connsiteX2" fmla="*/ 1379602 w 1379601"/>
-              <a:gd name="connsiteY2" fmla="*/ 689801 h 1379601"/>
-              <a:gd name="connsiteX3" fmla="*/ 689801 w 1379601"/>
-              <a:gd name="connsiteY3" fmla="*/ 1379602 h 1379601"/>
-              <a:gd name="connsiteX4" fmla="*/ 0 w 1379601"/>
-              <a:gd name="connsiteY4" fmla="*/ 689801 h 1379601"/>
-            </a:gdLst>
-            <a:ahLst/>
-            <a:cxnLst>
-              <a:cxn ang="0">
-                <a:pos x="connsiteX0" y="connsiteY0"/>
-              </a:cxn>
-              <a:cxn ang="0">
-                <a:pos x="connsiteX1" y="connsiteY1"/>
-              </a:cxn>
-              <a:cxn ang="0">
-                <a:pos x="connsiteX2" y="connsiteY2"/>
-              </a:cxn>
-              <a:cxn ang="0">
-                <a:pos x="connsiteX3" y="connsiteY3"/>
-              </a:cxn>
-              <a:cxn ang="0">
-                <a:pos x="connsiteX4" y="connsiteY4"/>
-              </a:cxn>
-            </a:cxnLst>
-            <a:rect l="l" t="t" r="r" b="b"/>
-            <a:pathLst>
-              <a:path w="1379601" h="1379601">
-                <a:moveTo>
-                  <a:pt x="0" y="689801"/>
-                </a:moveTo>
-                <a:cubicBezTo>
-                  <a:pt x="0" y="308834"/>
-                  <a:pt x="308834" y="0"/>
-                  <a:pt x="689801" y="0"/>
-                </a:cubicBezTo>
-                <a:cubicBezTo>
-                  <a:pt x="1070768" y="0"/>
-                  <a:pt x="1379602" y="308834"/>
-                  <a:pt x="1379602" y="689801"/>
-                </a:cubicBezTo>
-                <a:cubicBezTo>
-                  <a:pt x="1379602" y="1070768"/>
-                  <a:pt x="1070768" y="1379602"/>
-                  <a:pt x="689801" y="1379602"/>
-                </a:cubicBezTo>
-                <a:cubicBezTo>
-                  <a:pt x="308834" y="1379602"/>
-                  <a:pt x="0" y="1070768"/>
-                  <a:pt x="0" y="689801"/>
-                </a:cubicBezTo>
-                <a:close/>
-              </a:path>
-            </a:pathLst>
-          </a:custGeom>
-          <a:solidFill>
-            <a:schemeClr val="bg2">
-              <a:lumMod val="75000"/>
-            </a:schemeClr>
-          </a:solidFill>
-          <a:ln>
-            <a:solidFill>
-              <a:schemeClr val="tx1"/>
-            </a:solidFill>
-          </a:ln>
-        </p:spPr>
-        <p:style>
-          <a:lnRef idx="2">
-            <a:schemeClr val="accent5">
-              <a:shade val="80000"/>
-              <a:hueOff val="0"/>
-              <a:satOff val="0"/>
-              <a:lumOff val="0"/>
-              <a:alphaOff val="0"/>
-            </a:schemeClr>
-          </a:lnRef>
-          <a:fillRef idx="1">
-            <a:schemeClr val="lt1">
-              <a:alpha val="50000"/>
-              <a:hueOff val="0"/>
-              <a:satOff val="0"/>
-              <a:lumOff val="0"/>
-              <a:alphaOff val="0"/>
-            </a:schemeClr>
-          </a:fillRef>
-          <a:effectRef idx="0">
-            <a:schemeClr val="lt1">
-              <a:alpha val="50000"/>
-              <a:hueOff val="0"/>
-              <a:satOff val="0"/>
-              <a:lumOff val="0"/>
-              <a:alphaOff val="0"/>
-            </a:schemeClr>
-          </a:effectRef>
-          <a:fontRef idx="minor">
-            <a:schemeClr val="tx1"/>
-          </a:fontRef>
-        </p:style>
-        <p:txBody>
-          <a:bodyPr spcFirstLastPara="0" vert="horz" wrap="square" lIns="192647" tIns="162684" rIns="391508" bIns="162685" numCol="1" spcCol="1270" anchor="ctr" anchorCtr="0">
-            <a:noAutofit/>
-          </a:bodyPr>
-          <a:lstStyle/>
-          <a:p>
-            <a:pPr marL="0" lvl="0" indent="0" algn="ctr" defTabSz="400050">
-              <a:lnSpc>
-                <a:spcPct val="90000"/>
-              </a:lnSpc>
-              <a:spcBef>
-                <a:spcPct val="0"/>
-              </a:spcBef>
-              <a:spcAft>
-                <a:spcPct val="35000"/>
-              </a:spcAft>
-              <a:buNone/>
-            </a:pPr>
-            <a:r>
-              <a:rPr lang="en-US" kern="1200" dirty="0">
-                <a:latin typeface="Questrial" panose="02000000000000000000" pitchFamily="2" charset="0"/>
-              </a:rPr>
-              <a:t>ZIP</a:t>
-            </a:r>
-          </a:p>
-        </p:txBody>
-      </p:sp>
-      <p:sp>
-        <p:nvSpPr>
-          <p:cNvPr id="15" name="Freeform 14">
-            <a:extLst>
-              <a:ext uri="{FF2B5EF4-FFF2-40B4-BE49-F238E27FC236}">
-                <a16:creationId xmlns:a16="http://schemas.microsoft.com/office/drawing/2014/main" id="{00DB837C-BE8E-9545-BDEF-207EF5BBD210}"/>
-              </a:ext>
-            </a:extLst>
-          </p:cNvPr>
-          <p:cNvSpPr/>
-          <p:nvPr/>
-        </p:nvSpPr>
-        <p:spPr>
-          <a:xfrm>
-            <a:off x="6254484" y="2787469"/>
-            <a:ext cx="1379601" cy="1379601"/>
-          </a:xfrm>
-          <a:custGeom>
-            <a:avLst/>
-            <a:gdLst>
-              <a:gd name="connsiteX0" fmla="*/ 0 w 1379601"/>
-              <a:gd name="connsiteY0" fmla="*/ 689801 h 1379601"/>
-              <a:gd name="connsiteX1" fmla="*/ 689801 w 1379601"/>
-              <a:gd name="connsiteY1" fmla="*/ 0 h 1379601"/>
-              <a:gd name="connsiteX2" fmla="*/ 1379602 w 1379601"/>
-              <a:gd name="connsiteY2" fmla="*/ 689801 h 1379601"/>
-              <a:gd name="connsiteX3" fmla="*/ 689801 w 1379601"/>
-              <a:gd name="connsiteY3" fmla="*/ 1379602 h 1379601"/>
-              <a:gd name="connsiteX4" fmla="*/ 0 w 1379601"/>
-              <a:gd name="connsiteY4" fmla="*/ 689801 h 1379601"/>
-            </a:gdLst>
-            <a:ahLst/>
-            <a:cxnLst>
-              <a:cxn ang="0">
-                <a:pos x="connsiteX0" y="connsiteY0"/>
-              </a:cxn>
-              <a:cxn ang="0">
-                <a:pos x="connsiteX1" y="connsiteY1"/>
-              </a:cxn>
-              <a:cxn ang="0">
-                <a:pos x="connsiteX2" y="connsiteY2"/>
-              </a:cxn>
-              <a:cxn ang="0">
-                <a:pos x="connsiteX3" y="connsiteY3"/>
-              </a:cxn>
-              <a:cxn ang="0">
-                <a:pos x="connsiteX4" y="connsiteY4"/>
-              </a:cxn>
-            </a:cxnLst>
-            <a:rect l="l" t="t" r="r" b="b"/>
-            <a:pathLst>
-              <a:path w="1379601" h="1379601">
-                <a:moveTo>
-                  <a:pt x="0" y="689801"/>
-                </a:moveTo>
-                <a:cubicBezTo>
-                  <a:pt x="0" y="308834"/>
-                  <a:pt x="308834" y="0"/>
-                  <a:pt x="689801" y="0"/>
-                </a:cubicBezTo>
-                <a:cubicBezTo>
-                  <a:pt x="1070768" y="0"/>
-                  <a:pt x="1379602" y="308834"/>
-                  <a:pt x="1379602" y="689801"/>
-                </a:cubicBezTo>
-                <a:cubicBezTo>
-                  <a:pt x="1379602" y="1070768"/>
-                  <a:pt x="1070768" y="1379602"/>
-                  <a:pt x="689801" y="1379602"/>
-                </a:cubicBezTo>
-                <a:cubicBezTo>
-                  <a:pt x="308834" y="1379602"/>
-                  <a:pt x="0" y="1070768"/>
-                  <a:pt x="0" y="689801"/>
-                </a:cubicBezTo>
-                <a:close/>
-              </a:path>
-            </a:pathLst>
-          </a:custGeom>
-          <a:solidFill>
-            <a:schemeClr val="bg2">
-              <a:lumMod val="75000"/>
-              <a:alpha val="48000"/>
-            </a:schemeClr>
-          </a:solidFill>
-          <a:ln>
-            <a:solidFill>
-              <a:schemeClr val="tx1"/>
-            </a:solidFill>
-          </a:ln>
-        </p:spPr>
-        <p:style>
-          <a:lnRef idx="2">
-            <a:schemeClr val="accent5">
-              <a:shade val="80000"/>
-              <a:hueOff val="0"/>
-              <a:satOff val="0"/>
-              <a:lumOff val="0"/>
-              <a:alphaOff val="0"/>
-            </a:schemeClr>
-          </a:lnRef>
-          <a:fillRef idx="1">
-            <a:schemeClr val="lt1">
-              <a:alpha val="50000"/>
-              <a:hueOff val="0"/>
-              <a:satOff val="0"/>
-              <a:lumOff val="0"/>
-              <a:alphaOff val="0"/>
-            </a:schemeClr>
-          </a:fillRef>
-          <a:effectRef idx="0">
-            <a:schemeClr val="lt1">
-              <a:alpha val="50000"/>
-              <a:hueOff val="0"/>
-              <a:satOff val="0"/>
-              <a:lumOff val="0"/>
-              <a:alphaOff val="0"/>
-            </a:schemeClr>
-          </a:effectRef>
-          <a:fontRef idx="minor">
-            <a:schemeClr val="tx1"/>
-          </a:fontRef>
-        </p:style>
-        <p:txBody>
-          <a:bodyPr spcFirstLastPara="0" vert="horz" wrap="square" lIns="91440" tIns="162684" rIns="91440" bIns="162685" numCol="1" spcCol="1270" anchor="ctr" anchorCtr="0">
-            <a:noAutofit/>
-          </a:bodyPr>
-          <a:lstStyle/>
-          <a:p>
-            <a:pPr marL="0" lvl="0" indent="0" algn="ctr" defTabSz="400050">
-              <a:lnSpc>
-                <a:spcPct val="90000"/>
-              </a:lnSpc>
-              <a:spcBef>
-                <a:spcPct val="0"/>
-              </a:spcBef>
-              <a:spcAft>
-                <a:spcPct val="35000"/>
-              </a:spcAft>
-              <a:buNone/>
-            </a:pPr>
-            <a:r>
-              <a:rPr lang="en-US" kern="1200" dirty="0">
-                <a:latin typeface="Questrial" panose="02000000000000000000" pitchFamily="2" charset="0"/>
-              </a:rPr>
-              <a:t>ZIP-   neighbor-hood</a:t>
-            </a:r>
-          </a:p>
-        </p:txBody>
-      </p:sp>
-      <p:sp>
-        <p:nvSpPr>
-          <p:cNvPr id="16" name="Freeform 15">
-            <a:extLst>
-              <a:ext uri="{FF2B5EF4-FFF2-40B4-BE49-F238E27FC236}">
-                <a16:creationId xmlns:a16="http://schemas.microsoft.com/office/drawing/2014/main" id="{50FC6B10-C50C-494F-8B99-0F82241DAE08}"/>
-              </a:ext>
-            </a:extLst>
-          </p:cNvPr>
-          <p:cNvSpPr/>
-          <p:nvPr/>
-        </p:nvSpPr>
-        <p:spPr>
-          <a:xfrm>
-            <a:off x="2661746" y="2296428"/>
-            <a:ext cx="887151" cy="887155"/>
-          </a:xfrm>
-          <a:custGeom>
-            <a:avLst/>
-            <a:gdLst>
-              <a:gd name="connsiteX0" fmla="*/ 0 w 887151"/>
-              <a:gd name="connsiteY0" fmla="*/ 443578 h 887155"/>
-              <a:gd name="connsiteX1" fmla="*/ 443576 w 887151"/>
-              <a:gd name="connsiteY1" fmla="*/ 0 h 887155"/>
-              <a:gd name="connsiteX2" fmla="*/ 887152 w 887151"/>
-              <a:gd name="connsiteY2" fmla="*/ 443578 h 887155"/>
-              <a:gd name="connsiteX3" fmla="*/ 443576 w 887151"/>
-              <a:gd name="connsiteY3" fmla="*/ 887156 h 887155"/>
-              <a:gd name="connsiteX4" fmla="*/ 0 w 887151"/>
-              <a:gd name="connsiteY4" fmla="*/ 443578 h 887155"/>
-            </a:gdLst>
-            <a:ahLst/>
-            <a:cxnLst>
-              <a:cxn ang="0">
-                <a:pos x="connsiteX0" y="connsiteY0"/>
-              </a:cxn>
-              <a:cxn ang="0">
-                <a:pos x="connsiteX1" y="connsiteY1"/>
-              </a:cxn>
-              <a:cxn ang="0">
-                <a:pos x="connsiteX2" y="connsiteY2"/>
-              </a:cxn>
-              <a:cxn ang="0">
-                <a:pos x="connsiteX3" y="connsiteY3"/>
-              </a:cxn>
-              <a:cxn ang="0">
-                <a:pos x="connsiteX4" y="connsiteY4"/>
-              </a:cxn>
-            </a:cxnLst>
-            <a:rect l="l" t="t" r="r" b="b"/>
-            <a:pathLst>
-              <a:path w="887151" h="887155">
-                <a:moveTo>
-                  <a:pt x="0" y="443578"/>
-                </a:moveTo>
-                <a:cubicBezTo>
-                  <a:pt x="0" y="198597"/>
-                  <a:pt x="198596" y="0"/>
-                  <a:pt x="443576" y="0"/>
-                </a:cubicBezTo>
-                <a:cubicBezTo>
-                  <a:pt x="688556" y="0"/>
-                  <a:pt x="887152" y="198597"/>
-                  <a:pt x="887152" y="443578"/>
-                </a:cubicBezTo>
-                <a:cubicBezTo>
-                  <a:pt x="887152" y="688559"/>
-                  <a:pt x="688556" y="887156"/>
-                  <a:pt x="443576" y="887156"/>
-                </a:cubicBezTo>
-                <a:cubicBezTo>
-                  <a:pt x="198596" y="887156"/>
-                  <a:pt x="0" y="688559"/>
-                  <a:pt x="0" y="443578"/>
-                </a:cubicBezTo>
-                <a:close/>
-              </a:path>
-            </a:pathLst>
-          </a:custGeom>
-          <a:solidFill>
-            <a:schemeClr val="bg2">
-              <a:lumMod val="75000"/>
-            </a:schemeClr>
-          </a:solidFill>
-          <a:ln>
-            <a:solidFill>
-              <a:schemeClr val="tx1"/>
-            </a:solidFill>
-          </a:ln>
-        </p:spPr>
-        <p:style>
-          <a:lnRef idx="2">
-            <a:schemeClr val="accent5">
-              <a:shade val="80000"/>
-              <a:hueOff val="0"/>
-              <a:satOff val="0"/>
-              <a:lumOff val="0"/>
-              <a:alphaOff val="0"/>
-            </a:schemeClr>
-          </a:lnRef>
-          <a:fillRef idx="1">
-            <a:schemeClr val="lt1">
-              <a:alpha val="50000"/>
-              <a:hueOff val="0"/>
-              <a:satOff val="0"/>
-              <a:lumOff val="0"/>
-              <a:alphaOff val="0"/>
-            </a:schemeClr>
-          </a:fillRef>
-          <a:effectRef idx="0">
-            <a:schemeClr val="lt1">
-              <a:alpha val="50000"/>
-              <a:hueOff val="0"/>
-              <a:satOff val="0"/>
-              <a:lumOff val="0"/>
-              <a:alphaOff val="0"/>
-            </a:schemeClr>
-          </a:effectRef>
-          <a:fontRef idx="minor">
-            <a:schemeClr val="tx1"/>
-          </a:fontRef>
-        </p:style>
-        <p:txBody>
-          <a:bodyPr spcFirstLastPara="0" vert="horz" wrap="square" lIns="175640" tIns="175641" rIns="175640" bIns="175641" numCol="1" spcCol="1270" anchor="ctr" anchorCtr="0">
-            <a:noAutofit/>
-          </a:bodyPr>
-          <a:lstStyle/>
-          <a:p>
-            <a:pPr marL="0" lvl="0" indent="0" algn="ctr" defTabSz="533400">
-              <a:lnSpc>
-                <a:spcPct val="90000"/>
-              </a:lnSpc>
-              <a:spcBef>
-                <a:spcPct val="0"/>
-              </a:spcBef>
-              <a:spcAft>
-                <a:spcPct val="35000"/>
-              </a:spcAft>
-              <a:buNone/>
-            </a:pPr>
-            <a:r>
-              <a:rPr lang="en-US" sz="1200" kern="1200" dirty="0">
-                <a:latin typeface="Questrial" panose="02000000000000000000" pitchFamily="2" charset="0"/>
-              </a:rPr>
-              <a:t>file names</a:t>
-            </a:r>
-          </a:p>
-        </p:txBody>
-      </p:sp>
-      <p:sp>
-        <p:nvSpPr>
-          <p:cNvPr id="18" name="Oval 17">
-            <a:extLst>
-              <a:ext uri="{FF2B5EF4-FFF2-40B4-BE49-F238E27FC236}">
-                <a16:creationId xmlns:a16="http://schemas.microsoft.com/office/drawing/2014/main" id="{3BC829B3-ED5B-964D-8337-AF4176AA20B9}"/>
-              </a:ext>
-            </a:extLst>
-          </p:cNvPr>
-          <p:cNvSpPr/>
-          <p:nvPr/>
-        </p:nvSpPr>
-        <p:spPr>
-          <a:xfrm>
-            <a:off x="3594887" y="2324173"/>
-            <a:ext cx="253471" cy="253505"/>
-          </a:xfrm>
-          <a:prstGeom prst="ellipse">
-            <a:avLst/>
-          </a:prstGeom>
-          <a:solidFill>
-            <a:schemeClr val="bg2">
-              <a:lumMod val="75000"/>
-            </a:schemeClr>
-          </a:solidFill>
-          <a:ln>
-            <a:solidFill>
-              <a:schemeClr val="tx1"/>
-            </a:solidFill>
-          </a:ln>
-        </p:spPr>
-        <p:style>
-          <a:lnRef idx="2">
-            <a:schemeClr val="accent5">
-              <a:shade val="80000"/>
-              <a:hueOff val="0"/>
-              <a:satOff val="0"/>
-              <a:lumOff val="0"/>
-              <a:alphaOff val="0"/>
-            </a:schemeClr>
-          </a:lnRef>
-          <a:fillRef idx="1">
-            <a:schemeClr val="lt1">
-              <a:alpha val="50000"/>
-              <a:hueOff val="0"/>
-              <a:satOff val="0"/>
-              <a:lumOff val="0"/>
-              <a:alphaOff val="0"/>
-            </a:schemeClr>
-          </a:fillRef>
-          <a:effectRef idx="0">
-            <a:schemeClr val="lt1">
-              <a:alpha val="50000"/>
-              <a:hueOff val="0"/>
-              <a:satOff val="0"/>
-              <a:lumOff val="0"/>
-              <a:alphaOff val="0"/>
-            </a:schemeClr>
-          </a:effectRef>
-          <a:fontRef idx="minor">
-            <a:schemeClr val="tx1"/>
-          </a:fontRef>
-        </p:style>
-      </p:sp>
-      <p:sp>
-        <p:nvSpPr>
-          <p:cNvPr id="19" name="Freeform 18">
-            <a:extLst>
-              <a:ext uri="{FF2B5EF4-FFF2-40B4-BE49-F238E27FC236}">
-                <a16:creationId xmlns:a16="http://schemas.microsoft.com/office/drawing/2014/main" id="{CEA9D0FA-8EB8-B84D-977D-94F95A05C0B9}"/>
-              </a:ext>
-            </a:extLst>
-          </p:cNvPr>
-          <p:cNvSpPr/>
-          <p:nvPr/>
-        </p:nvSpPr>
-        <p:spPr>
-          <a:xfrm>
-            <a:off x="3595099" y="2588194"/>
-            <a:ext cx="887151" cy="887155"/>
-          </a:xfrm>
-          <a:custGeom>
-            <a:avLst/>
-            <a:gdLst>
-              <a:gd name="connsiteX0" fmla="*/ 0 w 887151"/>
-              <a:gd name="connsiteY0" fmla="*/ 443578 h 887155"/>
-              <a:gd name="connsiteX1" fmla="*/ 443576 w 887151"/>
-              <a:gd name="connsiteY1" fmla="*/ 0 h 887155"/>
-              <a:gd name="connsiteX2" fmla="*/ 887152 w 887151"/>
-              <a:gd name="connsiteY2" fmla="*/ 443578 h 887155"/>
-              <a:gd name="connsiteX3" fmla="*/ 443576 w 887151"/>
-              <a:gd name="connsiteY3" fmla="*/ 887156 h 887155"/>
-              <a:gd name="connsiteX4" fmla="*/ 0 w 887151"/>
-              <a:gd name="connsiteY4" fmla="*/ 443578 h 887155"/>
-            </a:gdLst>
-            <a:ahLst/>
-            <a:cxnLst>
-              <a:cxn ang="0">
-                <a:pos x="connsiteX0" y="connsiteY0"/>
-              </a:cxn>
-              <a:cxn ang="0">
-                <a:pos x="connsiteX1" y="connsiteY1"/>
-              </a:cxn>
-              <a:cxn ang="0">
-                <a:pos x="connsiteX2" y="connsiteY2"/>
-              </a:cxn>
-              <a:cxn ang="0">
-                <a:pos x="connsiteX3" y="connsiteY3"/>
-              </a:cxn>
-              <a:cxn ang="0">
-                <a:pos x="connsiteX4" y="connsiteY4"/>
-              </a:cxn>
-            </a:cxnLst>
-            <a:rect l="l" t="t" r="r" b="b"/>
-            <a:pathLst>
-              <a:path w="887151" h="887155">
-                <a:moveTo>
-                  <a:pt x="0" y="443578"/>
-                </a:moveTo>
-                <a:cubicBezTo>
-                  <a:pt x="0" y="198597"/>
-                  <a:pt x="198596" y="0"/>
-                  <a:pt x="443576" y="0"/>
-                </a:cubicBezTo>
-                <a:cubicBezTo>
-                  <a:pt x="688556" y="0"/>
-                  <a:pt x="887152" y="198597"/>
-                  <a:pt x="887152" y="443578"/>
-                </a:cubicBezTo>
-                <a:cubicBezTo>
-                  <a:pt x="887152" y="688559"/>
-                  <a:pt x="688556" y="887156"/>
-                  <a:pt x="443576" y="887156"/>
-                </a:cubicBezTo>
-                <a:cubicBezTo>
-                  <a:pt x="198596" y="887156"/>
-                  <a:pt x="0" y="688559"/>
-                  <a:pt x="0" y="443578"/>
-                </a:cubicBezTo>
-                <a:close/>
-              </a:path>
-            </a:pathLst>
-          </a:custGeom>
-          <a:solidFill>
-            <a:schemeClr val="bg2">
-              <a:lumMod val="75000"/>
-            </a:schemeClr>
-          </a:solidFill>
-          <a:ln>
-            <a:solidFill>
-              <a:schemeClr val="tx1"/>
-            </a:solidFill>
-          </a:ln>
-        </p:spPr>
-        <p:style>
-          <a:lnRef idx="2">
-            <a:schemeClr val="accent5">
-              <a:shade val="80000"/>
-              <a:hueOff val="0"/>
-              <a:satOff val="0"/>
-              <a:lumOff val="0"/>
-              <a:alphaOff val="0"/>
-            </a:schemeClr>
-          </a:lnRef>
-          <a:fillRef idx="1">
-            <a:schemeClr val="lt1">
-              <a:alpha val="50000"/>
-              <a:hueOff val="0"/>
-              <a:satOff val="0"/>
-              <a:lumOff val="0"/>
-              <a:alphaOff val="0"/>
-            </a:schemeClr>
-          </a:fillRef>
-          <a:effectRef idx="0">
-            <a:schemeClr val="lt1">
-              <a:alpha val="50000"/>
-              <a:hueOff val="0"/>
-              <a:satOff val="0"/>
-              <a:lumOff val="0"/>
-              <a:alphaOff val="0"/>
-            </a:schemeClr>
-          </a:effectRef>
-          <a:fontRef idx="minor">
-            <a:schemeClr val="tx1"/>
-          </a:fontRef>
-        </p:style>
-        <p:txBody>
-          <a:bodyPr spcFirstLastPara="0" vert="horz" wrap="square" lIns="175640" tIns="175641" rIns="175640" bIns="175641" numCol="1" spcCol="1270" anchor="ctr" anchorCtr="0">
-            <a:noAutofit/>
-          </a:bodyPr>
-          <a:lstStyle/>
-          <a:p>
-            <a:pPr marL="0" lvl="0" indent="0" algn="ctr" defTabSz="533400">
-              <a:lnSpc>
-                <a:spcPct val="90000"/>
-              </a:lnSpc>
-              <a:spcBef>
-                <a:spcPct val="0"/>
-              </a:spcBef>
-              <a:spcAft>
-                <a:spcPct val="35000"/>
-              </a:spcAft>
-              <a:buNone/>
-            </a:pPr>
-            <a:r>
-              <a:rPr lang="en-US" sz="1200" kern="1200" dirty="0">
-                <a:latin typeface="Questrial" panose="02000000000000000000" pitchFamily="2" charset="0"/>
-              </a:rPr>
-              <a:t>title rows</a:t>
-            </a:r>
-          </a:p>
-        </p:txBody>
-      </p:sp>
-      <p:sp>
-        <p:nvSpPr>
-          <p:cNvPr id="20" name="Oval 19">
-            <a:extLst>
-              <a:ext uri="{FF2B5EF4-FFF2-40B4-BE49-F238E27FC236}">
-                <a16:creationId xmlns:a16="http://schemas.microsoft.com/office/drawing/2014/main" id="{A1F2A4C6-B853-8447-BCC8-AD45960F7FA9}"/>
-              </a:ext>
-            </a:extLst>
-          </p:cNvPr>
-          <p:cNvSpPr/>
-          <p:nvPr/>
-        </p:nvSpPr>
-        <p:spPr>
-          <a:xfrm>
-            <a:off x="4319697" y="3488775"/>
-            <a:ext cx="253471" cy="253505"/>
-          </a:xfrm>
-          <a:prstGeom prst="ellipse">
-            <a:avLst/>
-          </a:prstGeom>
-          <a:solidFill>
-            <a:schemeClr val="bg2">
-              <a:lumMod val="75000"/>
-            </a:schemeClr>
-          </a:solidFill>
-          <a:ln>
-            <a:solidFill>
-              <a:schemeClr val="tx1"/>
-            </a:solidFill>
-          </a:ln>
-        </p:spPr>
-        <p:style>
-          <a:lnRef idx="2">
-            <a:schemeClr val="accent5">
-              <a:shade val="80000"/>
-              <a:hueOff val="0"/>
-              <a:satOff val="0"/>
-              <a:lumOff val="0"/>
-              <a:alphaOff val="0"/>
-            </a:schemeClr>
-          </a:lnRef>
-          <a:fillRef idx="1">
-            <a:schemeClr val="lt1">
-              <a:alpha val="50000"/>
-              <a:hueOff val="0"/>
-              <a:satOff val="0"/>
-              <a:lumOff val="0"/>
-              <a:alphaOff val="0"/>
-            </a:schemeClr>
-          </a:fillRef>
-          <a:effectRef idx="0">
-            <a:schemeClr val="lt1">
-              <a:alpha val="50000"/>
-              <a:hueOff val="0"/>
-              <a:satOff val="0"/>
-              <a:lumOff val="0"/>
-              <a:alphaOff val="0"/>
-            </a:schemeClr>
-          </a:effectRef>
-          <a:fontRef idx="minor">
-            <a:schemeClr val="tx1"/>
-          </a:fontRef>
-        </p:style>
-      </p:sp>
-      <p:sp>
-        <p:nvSpPr>
-          <p:cNvPr id="21" name="Freeform 20">
-            <a:extLst>
-              <a:ext uri="{FF2B5EF4-FFF2-40B4-BE49-F238E27FC236}">
-                <a16:creationId xmlns:a16="http://schemas.microsoft.com/office/drawing/2014/main" id="{A70A84DD-4DE7-2848-98DD-E869BF7937D9}"/>
-              </a:ext>
-            </a:extLst>
-          </p:cNvPr>
-          <p:cNvSpPr/>
-          <p:nvPr/>
-        </p:nvSpPr>
-        <p:spPr>
-          <a:xfrm>
-            <a:off x="2479178" y="3622465"/>
-            <a:ext cx="887151" cy="887155"/>
-          </a:xfrm>
-          <a:custGeom>
-            <a:avLst/>
-            <a:gdLst>
-              <a:gd name="connsiteX0" fmla="*/ 0 w 887151"/>
-              <a:gd name="connsiteY0" fmla="*/ 443578 h 887155"/>
-              <a:gd name="connsiteX1" fmla="*/ 443576 w 887151"/>
-              <a:gd name="connsiteY1" fmla="*/ 0 h 887155"/>
-              <a:gd name="connsiteX2" fmla="*/ 887152 w 887151"/>
-              <a:gd name="connsiteY2" fmla="*/ 443578 h 887155"/>
-              <a:gd name="connsiteX3" fmla="*/ 443576 w 887151"/>
-              <a:gd name="connsiteY3" fmla="*/ 887156 h 887155"/>
-              <a:gd name="connsiteX4" fmla="*/ 0 w 887151"/>
-              <a:gd name="connsiteY4" fmla="*/ 443578 h 887155"/>
-            </a:gdLst>
-            <a:ahLst/>
-            <a:cxnLst>
-              <a:cxn ang="0">
-                <a:pos x="connsiteX0" y="connsiteY0"/>
-              </a:cxn>
-              <a:cxn ang="0">
-                <a:pos x="connsiteX1" y="connsiteY1"/>
-              </a:cxn>
-              <a:cxn ang="0">
-                <a:pos x="connsiteX2" y="connsiteY2"/>
-              </a:cxn>
-              <a:cxn ang="0">
-                <a:pos x="connsiteX3" y="connsiteY3"/>
-              </a:cxn>
-              <a:cxn ang="0">
-                <a:pos x="connsiteX4" y="connsiteY4"/>
-              </a:cxn>
-            </a:cxnLst>
-            <a:rect l="l" t="t" r="r" b="b"/>
-            <a:pathLst>
-              <a:path w="887151" h="887155">
-                <a:moveTo>
-                  <a:pt x="0" y="443578"/>
-                </a:moveTo>
-                <a:cubicBezTo>
-                  <a:pt x="0" y="198597"/>
-                  <a:pt x="198596" y="0"/>
-                  <a:pt x="443576" y="0"/>
-                </a:cubicBezTo>
-                <a:cubicBezTo>
-                  <a:pt x="688556" y="0"/>
-                  <a:pt x="887152" y="198597"/>
-                  <a:pt x="887152" y="443578"/>
-                </a:cubicBezTo>
-                <a:cubicBezTo>
-                  <a:pt x="887152" y="688559"/>
-                  <a:pt x="688556" y="887156"/>
-                  <a:pt x="443576" y="887156"/>
-                </a:cubicBezTo>
-                <a:cubicBezTo>
-                  <a:pt x="198596" y="887156"/>
-                  <a:pt x="0" y="688559"/>
-                  <a:pt x="0" y="443578"/>
-                </a:cubicBezTo>
-                <a:close/>
-              </a:path>
-            </a:pathLst>
-          </a:custGeom>
-          <a:solidFill>
-            <a:schemeClr val="bg2">
-              <a:lumMod val="75000"/>
-            </a:schemeClr>
-          </a:solidFill>
-          <a:ln>
-            <a:solidFill>
-              <a:schemeClr val="tx1"/>
-            </a:solidFill>
-          </a:ln>
-        </p:spPr>
-        <p:style>
-          <a:lnRef idx="2">
-            <a:schemeClr val="accent5">
-              <a:shade val="80000"/>
-              <a:hueOff val="0"/>
-              <a:satOff val="0"/>
-              <a:lumOff val="0"/>
-              <a:alphaOff val="0"/>
-            </a:schemeClr>
-          </a:lnRef>
-          <a:fillRef idx="1">
-            <a:schemeClr val="lt1">
-              <a:alpha val="50000"/>
-              <a:hueOff val="0"/>
-              <a:satOff val="0"/>
-              <a:lumOff val="0"/>
-              <a:alphaOff val="0"/>
-            </a:schemeClr>
-          </a:fillRef>
-          <a:effectRef idx="0">
-            <a:schemeClr val="lt1">
-              <a:alpha val="50000"/>
-              <a:hueOff val="0"/>
-              <a:satOff val="0"/>
-              <a:lumOff val="0"/>
-              <a:alphaOff val="0"/>
-            </a:schemeClr>
-          </a:effectRef>
-          <a:fontRef idx="minor">
-            <a:schemeClr val="tx1"/>
-          </a:fontRef>
-        </p:style>
-        <p:txBody>
-          <a:bodyPr spcFirstLastPara="0" vert="horz" wrap="square" lIns="175640" tIns="175641" rIns="175640" bIns="175641" numCol="1" spcCol="1270" anchor="ctr" anchorCtr="0">
-            <a:noAutofit/>
-          </a:bodyPr>
-          <a:lstStyle/>
-          <a:p>
-            <a:pPr marL="0" lvl="0" indent="0" algn="ctr" defTabSz="533400">
-              <a:lnSpc>
-                <a:spcPct val="90000"/>
-              </a:lnSpc>
-              <a:spcBef>
-                <a:spcPct val="0"/>
-              </a:spcBef>
-              <a:spcAft>
-                <a:spcPct val="35000"/>
-              </a:spcAft>
-              <a:buNone/>
-            </a:pPr>
-            <a:r>
-              <a:rPr lang="en-US" sz="1200" kern="1200" dirty="0">
-                <a:latin typeface="Questrial" panose="02000000000000000000" pitchFamily="2" charset="0"/>
-              </a:rPr>
-              <a:t>column orders</a:t>
-            </a:r>
-          </a:p>
-        </p:txBody>
-      </p:sp>
-      <p:sp>
-        <p:nvSpPr>
-          <p:cNvPr id="22" name="Freeform 21">
-            <a:extLst>
-              <a:ext uri="{FF2B5EF4-FFF2-40B4-BE49-F238E27FC236}">
-                <a16:creationId xmlns:a16="http://schemas.microsoft.com/office/drawing/2014/main" id="{4E302BB7-E3B6-0C4C-A504-3A65066A6585}"/>
-              </a:ext>
-            </a:extLst>
-          </p:cNvPr>
-          <p:cNvSpPr/>
-          <p:nvPr/>
-        </p:nvSpPr>
-        <p:spPr>
-          <a:xfrm>
-            <a:off x="3434030" y="3576036"/>
-            <a:ext cx="887151" cy="887155"/>
-          </a:xfrm>
-          <a:custGeom>
-            <a:avLst/>
-            <a:gdLst>
-              <a:gd name="connsiteX0" fmla="*/ 0 w 887151"/>
-              <a:gd name="connsiteY0" fmla="*/ 443578 h 887155"/>
-              <a:gd name="connsiteX1" fmla="*/ 443576 w 887151"/>
-              <a:gd name="connsiteY1" fmla="*/ 0 h 887155"/>
-              <a:gd name="connsiteX2" fmla="*/ 887152 w 887151"/>
-              <a:gd name="connsiteY2" fmla="*/ 443578 h 887155"/>
-              <a:gd name="connsiteX3" fmla="*/ 443576 w 887151"/>
-              <a:gd name="connsiteY3" fmla="*/ 887156 h 887155"/>
-              <a:gd name="connsiteX4" fmla="*/ 0 w 887151"/>
-              <a:gd name="connsiteY4" fmla="*/ 443578 h 887155"/>
-            </a:gdLst>
-            <a:ahLst/>
-            <a:cxnLst>
-              <a:cxn ang="0">
-                <a:pos x="connsiteX0" y="connsiteY0"/>
-              </a:cxn>
-              <a:cxn ang="0">
-                <a:pos x="connsiteX1" y="connsiteY1"/>
-              </a:cxn>
-              <a:cxn ang="0">
-                <a:pos x="connsiteX2" y="connsiteY2"/>
-              </a:cxn>
-              <a:cxn ang="0">
-                <a:pos x="connsiteX3" y="connsiteY3"/>
-              </a:cxn>
-              <a:cxn ang="0">
-                <a:pos x="connsiteX4" y="connsiteY4"/>
-              </a:cxn>
-            </a:cxnLst>
-            <a:rect l="l" t="t" r="r" b="b"/>
-            <a:pathLst>
-              <a:path w="887151" h="887155">
-                <a:moveTo>
-                  <a:pt x="0" y="443578"/>
-                </a:moveTo>
-                <a:cubicBezTo>
-                  <a:pt x="0" y="198597"/>
-                  <a:pt x="198596" y="0"/>
-                  <a:pt x="443576" y="0"/>
-                </a:cubicBezTo>
-                <a:cubicBezTo>
-                  <a:pt x="688556" y="0"/>
-                  <a:pt x="887152" y="198597"/>
-                  <a:pt x="887152" y="443578"/>
-                </a:cubicBezTo>
-                <a:cubicBezTo>
-                  <a:pt x="887152" y="688559"/>
-                  <a:pt x="688556" y="887156"/>
-                  <a:pt x="443576" y="887156"/>
-                </a:cubicBezTo>
-                <a:cubicBezTo>
-                  <a:pt x="198596" y="887156"/>
-                  <a:pt x="0" y="688559"/>
-                  <a:pt x="0" y="443578"/>
-                </a:cubicBezTo>
-                <a:close/>
-              </a:path>
-            </a:pathLst>
-          </a:custGeom>
-          <a:solidFill>
-            <a:schemeClr val="bg2">
-              <a:lumMod val="75000"/>
-            </a:schemeClr>
-          </a:solidFill>
-          <a:ln>
-            <a:solidFill>
-              <a:schemeClr val="tx1"/>
-            </a:solidFill>
-          </a:ln>
-        </p:spPr>
-        <p:style>
-          <a:lnRef idx="2">
-            <a:schemeClr val="accent5">
-              <a:shade val="80000"/>
-              <a:hueOff val="0"/>
-              <a:satOff val="0"/>
-              <a:lumOff val="0"/>
-              <a:alphaOff val="0"/>
-            </a:schemeClr>
-          </a:lnRef>
-          <a:fillRef idx="1">
-            <a:schemeClr val="lt1">
-              <a:alpha val="50000"/>
-              <a:hueOff val="0"/>
-              <a:satOff val="0"/>
-              <a:lumOff val="0"/>
-              <a:alphaOff val="0"/>
-            </a:schemeClr>
-          </a:fillRef>
-          <a:effectRef idx="0">
-            <a:schemeClr val="lt1">
-              <a:alpha val="50000"/>
-              <a:hueOff val="0"/>
-              <a:satOff val="0"/>
-              <a:lumOff val="0"/>
-              <a:alphaOff val="0"/>
-            </a:schemeClr>
-          </a:effectRef>
-          <a:fontRef idx="minor">
-            <a:schemeClr val="tx1"/>
-          </a:fontRef>
-        </p:style>
-        <p:txBody>
-          <a:bodyPr spcFirstLastPara="0" vert="horz" wrap="square" lIns="175640" tIns="175641" rIns="175640" bIns="175641" numCol="1" spcCol="1270" anchor="ctr" anchorCtr="0">
-            <a:noAutofit/>
-          </a:bodyPr>
-          <a:lstStyle/>
-          <a:p>
-            <a:pPr marL="0" lvl="0" indent="0" algn="ctr" defTabSz="533400">
-              <a:lnSpc>
-                <a:spcPct val="90000"/>
-              </a:lnSpc>
-              <a:spcBef>
-                <a:spcPct val="0"/>
-              </a:spcBef>
-              <a:spcAft>
-                <a:spcPct val="35000"/>
-              </a:spcAft>
-              <a:buNone/>
-            </a:pPr>
-            <a:r>
-              <a:rPr lang="en-US" sz="1200" kern="1200" dirty="0">
-                <a:latin typeface="Questrial" panose="02000000000000000000" pitchFamily="2" charset="0"/>
-              </a:rPr>
-              <a:t>column names</a:t>
-            </a:r>
-          </a:p>
-        </p:txBody>
-      </p:sp>
-      <p:sp>
-        <p:nvSpPr>
-          <p:cNvPr id="23" name="Oval 22">
-            <a:extLst>
-              <a:ext uri="{FF2B5EF4-FFF2-40B4-BE49-F238E27FC236}">
-                <a16:creationId xmlns:a16="http://schemas.microsoft.com/office/drawing/2014/main" id="{B66001E1-C974-6747-8EE6-CB22BCD8B9A3}"/>
-              </a:ext>
-            </a:extLst>
-          </p:cNvPr>
-          <p:cNvSpPr/>
-          <p:nvPr/>
-        </p:nvSpPr>
-        <p:spPr>
-          <a:xfrm>
-            <a:off x="3148462" y="3205421"/>
-            <a:ext cx="435734" cy="435634"/>
-          </a:xfrm>
-          <a:prstGeom prst="ellipse">
-            <a:avLst/>
-          </a:prstGeom>
-          <a:solidFill>
-            <a:schemeClr val="bg2">
-              <a:lumMod val="75000"/>
-            </a:schemeClr>
-          </a:solidFill>
-          <a:ln>
-            <a:solidFill>
-              <a:schemeClr val="tx1"/>
-            </a:solidFill>
-          </a:ln>
-        </p:spPr>
-        <p:style>
-          <a:lnRef idx="2">
-            <a:schemeClr val="accent5">
-              <a:shade val="80000"/>
-              <a:hueOff val="0"/>
-              <a:satOff val="0"/>
-              <a:lumOff val="0"/>
-              <a:alphaOff val="0"/>
-            </a:schemeClr>
-          </a:lnRef>
-          <a:fillRef idx="1">
-            <a:schemeClr val="lt1">
-              <a:alpha val="50000"/>
-              <a:hueOff val="0"/>
-              <a:satOff val="0"/>
-              <a:lumOff val="0"/>
-              <a:alphaOff val="0"/>
-            </a:schemeClr>
-          </a:fillRef>
-          <a:effectRef idx="0">
-            <a:schemeClr val="lt1">
-              <a:alpha val="50000"/>
-              <a:hueOff val="0"/>
-              <a:satOff val="0"/>
-              <a:lumOff val="0"/>
-              <a:alphaOff val="0"/>
-            </a:schemeClr>
-          </a:effectRef>
-          <a:fontRef idx="minor">
-            <a:schemeClr val="tx1"/>
-          </a:fontRef>
-        </p:style>
-      </p:sp>
-      <p:sp>
-        <p:nvSpPr>
-          <p:cNvPr id="24" name="Oval 23">
-            <a:extLst>
-              <a:ext uri="{FF2B5EF4-FFF2-40B4-BE49-F238E27FC236}">
-                <a16:creationId xmlns:a16="http://schemas.microsoft.com/office/drawing/2014/main" id="{80B5395D-C6CD-634B-8BB1-8967B45B4D89}"/>
-              </a:ext>
-            </a:extLst>
-          </p:cNvPr>
-          <p:cNvSpPr/>
-          <p:nvPr/>
-        </p:nvSpPr>
-        <p:spPr>
-          <a:xfrm>
-            <a:off x="2870986" y="3243325"/>
-            <a:ext cx="190527" cy="190408"/>
-          </a:xfrm>
-          <a:prstGeom prst="ellipse">
-            <a:avLst/>
-          </a:prstGeom>
-          <a:solidFill>
-            <a:schemeClr val="bg2">
-              <a:lumMod val="75000"/>
-            </a:schemeClr>
-          </a:solidFill>
-          <a:ln>
-            <a:solidFill>
-              <a:schemeClr val="tx1"/>
-            </a:solidFill>
-          </a:ln>
-        </p:spPr>
-        <p:style>
-          <a:lnRef idx="2">
-            <a:schemeClr val="accent5">
-              <a:shade val="80000"/>
-              <a:hueOff val="0"/>
-              <a:satOff val="0"/>
-              <a:lumOff val="0"/>
-              <a:alphaOff val="0"/>
-            </a:schemeClr>
-          </a:lnRef>
-          <a:fillRef idx="1">
-            <a:schemeClr val="lt1">
-              <a:alpha val="50000"/>
-              <a:hueOff val="0"/>
-              <a:satOff val="0"/>
-              <a:lumOff val="0"/>
-              <a:alphaOff val="0"/>
-            </a:schemeClr>
-          </a:fillRef>
-          <a:effectRef idx="0">
-            <a:schemeClr val="lt1">
-              <a:alpha val="50000"/>
-              <a:hueOff val="0"/>
-              <a:satOff val="0"/>
-              <a:lumOff val="0"/>
-              <a:alphaOff val="0"/>
-            </a:schemeClr>
-          </a:effectRef>
-          <a:fontRef idx="minor">
-            <a:schemeClr val="tx1"/>
-          </a:fontRef>
-        </p:style>
-      </p:sp>
-      <p:sp>
-        <p:nvSpPr>
-          <p:cNvPr id="25" name="Freeform 24">
-            <a:extLst>
-              <a:ext uri="{FF2B5EF4-FFF2-40B4-BE49-F238E27FC236}">
-                <a16:creationId xmlns:a16="http://schemas.microsoft.com/office/drawing/2014/main" id="{4501DDDC-04DE-9B4F-AFA0-950694F20DE5}"/>
-              </a:ext>
-            </a:extLst>
-          </p:cNvPr>
-          <p:cNvSpPr/>
-          <p:nvPr/>
-        </p:nvSpPr>
-        <p:spPr>
-          <a:xfrm>
-            <a:off x="8375243" y="2545823"/>
-            <a:ext cx="1758627" cy="1758309"/>
-          </a:xfrm>
-          <a:custGeom>
-            <a:avLst/>
-            <a:gdLst>
-              <a:gd name="connsiteX0" fmla="*/ 0 w 1758627"/>
-              <a:gd name="connsiteY0" fmla="*/ 879155 h 1758309"/>
-              <a:gd name="connsiteX1" fmla="*/ 879314 w 1758627"/>
-              <a:gd name="connsiteY1" fmla="*/ 0 h 1758309"/>
-              <a:gd name="connsiteX2" fmla="*/ 1758628 w 1758627"/>
-              <a:gd name="connsiteY2" fmla="*/ 879155 h 1758309"/>
-              <a:gd name="connsiteX3" fmla="*/ 879314 w 1758627"/>
-              <a:gd name="connsiteY3" fmla="*/ 1758310 h 1758309"/>
-              <a:gd name="connsiteX4" fmla="*/ 0 w 1758627"/>
-              <a:gd name="connsiteY4" fmla="*/ 879155 h 1758309"/>
-            </a:gdLst>
-            <a:ahLst/>
-            <a:cxnLst>
-              <a:cxn ang="0">
-                <a:pos x="connsiteX0" y="connsiteY0"/>
-              </a:cxn>
-              <a:cxn ang="0">
-                <a:pos x="connsiteX1" y="connsiteY1"/>
-              </a:cxn>
-              <a:cxn ang="0">
-                <a:pos x="connsiteX2" y="connsiteY2"/>
-              </a:cxn>
-              <a:cxn ang="0">
-                <a:pos x="connsiteX3" y="connsiteY3"/>
-              </a:cxn>
-              <a:cxn ang="0">
-                <a:pos x="connsiteX4" y="connsiteY4"/>
-              </a:cxn>
-            </a:cxnLst>
-            <a:rect l="l" t="t" r="r" b="b"/>
-            <a:pathLst>
-              <a:path w="1758627" h="1758309">
-                <a:moveTo>
-                  <a:pt x="0" y="879155"/>
-                </a:moveTo>
-                <a:cubicBezTo>
-                  <a:pt x="0" y="393611"/>
-                  <a:pt x="393682" y="0"/>
-                  <a:pt x="879314" y="0"/>
-                </a:cubicBezTo>
-                <a:cubicBezTo>
-                  <a:pt x="1364946" y="0"/>
-                  <a:pt x="1758628" y="393611"/>
-                  <a:pt x="1758628" y="879155"/>
-                </a:cubicBezTo>
-                <a:cubicBezTo>
-                  <a:pt x="1758628" y="1364699"/>
-                  <a:pt x="1364946" y="1758310"/>
-                  <a:pt x="879314" y="1758310"/>
-                </a:cubicBezTo>
-                <a:cubicBezTo>
-                  <a:pt x="393682" y="1758310"/>
-                  <a:pt x="0" y="1364699"/>
-                  <a:pt x="0" y="879155"/>
-                </a:cubicBezTo>
-                <a:close/>
-              </a:path>
-            </a:pathLst>
-          </a:custGeom>
-          <a:solidFill>
-            <a:schemeClr val="bg2">
-              <a:lumMod val="75000"/>
-            </a:schemeClr>
-          </a:solidFill>
-        </p:spPr>
-        <p:style>
-          <a:lnRef idx="2">
-            <a:schemeClr val="accent5">
-              <a:shade val="80000"/>
-              <a:hueOff val="0"/>
-              <a:satOff val="0"/>
-              <a:lumOff val="0"/>
-              <a:alphaOff val="0"/>
-            </a:schemeClr>
-          </a:lnRef>
-          <a:fillRef idx="1">
-            <a:schemeClr val="lt1">
-              <a:hueOff val="0"/>
-              <a:satOff val="0"/>
-              <a:lumOff val="0"/>
-              <a:alphaOff val="0"/>
-            </a:schemeClr>
-          </a:fillRef>
-          <a:effectRef idx="0">
-            <a:schemeClr val="lt1">
-              <a:hueOff val="0"/>
-              <a:satOff val="0"/>
-              <a:lumOff val="0"/>
-              <a:alphaOff val="0"/>
-            </a:schemeClr>
-          </a:effectRef>
-          <a:fontRef idx="minor">
-            <a:schemeClr val="dk1">
-              <a:hueOff val="0"/>
-              <a:satOff val="0"/>
-              <a:lumOff val="0"/>
-              <a:alphaOff val="0"/>
-            </a:schemeClr>
-          </a:fontRef>
-        </p:style>
-        <p:txBody>
-          <a:bodyPr spcFirstLastPara="0" vert="horz" wrap="square" lIns="91440" tIns="310838" rIns="91440" bIns="310838" numCol="1" spcCol="1270" anchor="ctr" anchorCtr="0">
-            <a:noAutofit/>
-          </a:bodyPr>
-          <a:lstStyle/>
-          <a:p>
-            <a:pPr marL="0" lvl="0" indent="0" algn="ctr" defTabSz="622300">
-              <a:lnSpc>
-                <a:spcPct val="90000"/>
-              </a:lnSpc>
-              <a:spcBef>
-                <a:spcPct val="0"/>
-              </a:spcBef>
-              <a:spcAft>
-                <a:spcPct val="35000"/>
-              </a:spcAft>
-              <a:buNone/>
-            </a:pPr>
-            <a:r>
-              <a:rPr lang="en-US" sz="2400" b="1" dirty="0">
-                <a:solidFill>
-                  <a:schemeClr val="tx1"/>
-                </a:solidFill>
-                <a:latin typeface="Questrial" panose="02000000000000000000" pitchFamily="2" charset="0"/>
-              </a:rPr>
-              <a:t>1 df</a:t>
-            </a:r>
-            <a:endParaRPr lang="en-US" sz="2400" b="1" kern="1200" dirty="0">
-              <a:solidFill>
-                <a:schemeClr val="tx1"/>
-              </a:solidFill>
-              <a:latin typeface="Questrial" panose="02000000000000000000" pitchFamily="2" charset="0"/>
-            </a:endParaRPr>
-          </a:p>
-        </p:txBody>
-      </p:sp>
-      <p:sp>
-        <p:nvSpPr>
-          <p:cNvPr id="26" name="Freeform 25">
-            <a:extLst>
-              <a:ext uri="{FF2B5EF4-FFF2-40B4-BE49-F238E27FC236}">
-                <a16:creationId xmlns:a16="http://schemas.microsoft.com/office/drawing/2014/main" id="{7B117AEA-65F4-B54A-BC03-58B390464FB5}"/>
-              </a:ext>
-            </a:extLst>
-          </p:cNvPr>
-          <p:cNvSpPr/>
-          <p:nvPr/>
-        </p:nvSpPr>
-        <p:spPr>
-          <a:xfrm>
-            <a:off x="1905583" y="4539045"/>
-            <a:ext cx="2584256" cy="602407"/>
-          </a:xfrm>
-          <a:custGeom>
-            <a:avLst/>
-            <a:gdLst>
-              <a:gd name="connsiteX0" fmla="*/ 0 w 2286215"/>
-              <a:gd name="connsiteY0" fmla="*/ 0 h 602407"/>
-              <a:gd name="connsiteX1" fmla="*/ 2286215 w 2286215"/>
-              <a:gd name="connsiteY1" fmla="*/ 0 h 602407"/>
-              <a:gd name="connsiteX2" fmla="*/ 2286215 w 2286215"/>
-              <a:gd name="connsiteY2" fmla="*/ 602407 h 602407"/>
-              <a:gd name="connsiteX3" fmla="*/ 0 w 2286215"/>
-              <a:gd name="connsiteY3" fmla="*/ 602407 h 602407"/>
-              <a:gd name="connsiteX4" fmla="*/ 0 w 2286215"/>
-              <a:gd name="connsiteY4" fmla="*/ 0 h 602407"/>
-            </a:gdLst>
-            <a:ahLst/>
-            <a:cxnLst>
-              <a:cxn ang="0">
-                <a:pos x="connsiteX0" y="connsiteY0"/>
-              </a:cxn>
-              <a:cxn ang="0">
-                <a:pos x="connsiteX1" y="connsiteY1"/>
-              </a:cxn>
-              <a:cxn ang="0">
-                <a:pos x="connsiteX2" y="connsiteY2"/>
-              </a:cxn>
-              <a:cxn ang="0">
-                <a:pos x="connsiteX3" y="connsiteY3"/>
-              </a:cxn>
-              <a:cxn ang="0">
-                <a:pos x="connsiteX4" y="connsiteY4"/>
-              </a:cxn>
-            </a:cxnLst>
-            <a:rect l="l" t="t" r="r" b="b"/>
-            <a:pathLst>
-              <a:path w="2286215" h="602407">
-                <a:moveTo>
-                  <a:pt x="0" y="0"/>
-                </a:moveTo>
-                <a:lnTo>
-                  <a:pt x="2286215" y="0"/>
-                </a:lnTo>
-                <a:lnTo>
-                  <a:pt x="2286215" y="602407"/>
-                </a:lnTo>
-                <a:lnTo>
-                  <a:pt x="0" y="602407"/>
-                </a:lnTo>
-                <a:lnTo>
-                  <a:pt x="0" y="0"/>
-                </a:lnTo>
-                <a:close/>
-              </a:path>
-            </a:pathLst>
-          </a:custGeom>
-        </p:spPr>
-        <p:style>
-          <a:lnRef idx="0">
-            <a:schemeClr val="dk1">
-              <a:alpha val="0"/>
-              <a:hueOff val="0"/>
-              <a:satOff val="0"/>
-              <a:lumOff val="0"/>
-              <a:alphaOff val="0"/>
-            </a:schemeClr>
-          </a:lnRef>
-          <a:fillRef idx="0">
-            <a:schemeClr val="lt1">
-              <a:alpha val="0"/>
-              <a:hueOff val="0"/>
-              <a:satOff val="0"/>
-              <a:lumOff val="0"/>
-              <a:alphaOff val="0"/>
-            </a:schemeClr>
-          </a:fillRef>
-          <a:effectRef idx="0">
-            <a:schemeClr val="lt1">
-              <a:alpha val="0"/>
-              <a:hueOff val="0"/>
-              <a:satOff val="0"/>
-              <a:lumOff val="0"/>
-              <a:alphaOff val="0"/>
-            </a:schemeClr>
-          </a:effectRef>
-          <a:fontRef idx="minor">
-            <a:schemeClr val="tx1">
-              <a:hueOff val="0"/>
-              <a:satOff val="0"/>
-              <a:lumOff val="0"/>
-              <a:alphaOff val="0"/>
-            </a:schemeClr>
-          </a:fontRef>
-        </p:style>
-        <p:txBody>
-          <a:bodyPr spcFirstLastPara="0" vert="horz" wrap="square" lIns="114300" tIns="114300" rIns="114300" bIns="114300" numCol="1" spcCol="1270" anchor="ctr" anchorCtr="0">
-            <a:noAutofit/>
-          </a:bodyPr>
-          <a:lstStyle/>
-          <a:p>
-            <a:pPr marL="0" lvl="0" indent="0" algn="ctr" defTabSz="1333500">
-              <a:lnSpc>
-                <a:spcPct val="90000"/>
-              </a:lnSpc>
-              <a:spcBef>
-                <a:spcPct val="0"/>
-              </a:spcBef>
-              <a:spcAft>
-                <a:spcPct val="35000"/>
-              </a:spcAft>
-              <a:buNone/>
-            </a:pPr>
-            <a:r>
-              <a:rPr lang="en-US" sz="3200" kern="1200" dirty="0">
-                <a:solidFill>
-                  <a:schemeClr val="bg1"/>
-                </a:solidFill>
-                <a:latin typeface="Questrial" panose="02000000000000000000" pitchFamily="2" charset="0"/>
-              </a:rPr>
-              <a:t>inconsistent</a:t>
-            </a:r>
-          </a:p>
-        </p:txBody>
-      </p:sp>
-      <p:sp>
-        <p:nvSpPr>
           <p:cNvPr id="5" name="TextBox 4">
             <a:extLst>
               <a:ext uri="{FF2B5EF4-FFF2-40B4-BE49-F238E27FC236}">
@@ -19521,441 +17547,2436 @@
           </a:p>
         </p:txBody>
       </p:sp>
-      <p:sp>
-        <p:nvSpPr>
-          <p:cNvPr id="27" name="Freeform 26">
+      <p:grpSp>
+        <p:nvGrpSpPr>
+          <p:cNvPr id="2" name="Group 1">
             <a:extLst>
               <a:ext uri="{FF2B5EF4-FFF2-40B4-BE49-F238E27FC236}">
-                <a16:creationId xmlns:a16="http://schemas.microsoft.com/office/drawing/2014/main" id="{D217994E-A04E-4747-9305-44D88C796389}"/>
+                <a16:creationId xmlns:a16="http://schemas.microsoft.com/office/drawing/2014/main" id="{4479515A-9829-8F4C-9F28-963145F24364}"/>
               </a:ext>
             </a:extLst>
           </p:cNvPr>
-          <p:cNvSpPr/>
+          <p:cNvGrpSpPr/>
           <p:nvPr/>
-        </p:nvSpPr>
-        <p:spPr>
+        </p:nvGrpSpPr>
+        <p:grpSpPr>
           <a:xfrm>
-            <a:off x="1970473" y="2897398"/>
-            <a:ext cx="822960" cy="822960"/>
+            <a:off x="1587670" y="1923465"/>
+            <a:ext cx="9402733" cy="3217987"/>
+            <a:chOff x="1587670" y="1923465"/>
+            <a:chExt cx="9402733" cy="3217987"/>
           </a:xfrm>
-          <a:custGeom>
-            <a:avLst/>
-            <a:gdLst>
-              <a:gd name="connsiteX0" fmla="*/ 0 w 887151"/>
-              <a:gd name="connsiteY0" fmla="*/ 443578 h 887155"/>
-              <a:gd name="connsiteX1" fmla="*/ 443576 w 887151"/>
-              <a:gd name="connsiteY1" fmla="*/ 0 h 887155"/>
-              <a:gd name="connsiteX2" fmla="*/ 887152 w 887151"/>
-              <a:gd name="connsiteY2" fmla="*/ 443578 h 887155"/>
-              <a:gd name="connsiteX3" fmla="*/ 443576 w 887151"/>
-              <a:gd name="connsiteY3" fmla="*/ 887156 h 887155"/>
-              <a:gd name="connsiteX4" fmla="*/ 0 w 887151"/>
-              <a:gd name="connsiteY4" fmla="*/ 443578 h 887155"/>
-            </a:gdLst>
-            <a:ahLst/>
-            <a:cxnLst>
-              <a:cxn ang="0">
-                <a:pos x="connsiteX0" y="connsiteY0"/>
-              </a:cxn>
-              <a:cxn ang="0">
-                <a:pos x="connsiteX1" y="connsiteY1"/>
-              </a:cxn>
-              <a:cxn ang="0">
-                <a:pos x="connsiteX2" y="connsiteY2"/>
-              </a:cxn>
-              <a:cxn ang="0">
-                <a:pos x="connsiteX3" y="connsiteY3"/>
-              </a:cxn>
-              <a:cxn ang="0">
-                <a:pos x="connsiteX4" y="connsiteY4"/>
-              </a:cxn>
-            </a:cxnLst>
-            <a:rect l="l" t="t" r="r" b="b"/>
-            <a:pathLst>
-              <a:path w="887151" h="887155">
-                <a:moveTo>
-                  <a:pt x="0" y="443578"/>
-                </a:moveTo>
-                <a:cubicBezTo>
-                  <a:pt x="0" y="198597"/>
-                  <a:pt x="198596" y="0"/>
-                  <a:pt x="443576" y="0"/>
-                </a:cubicBezTo>
-                <a:cubicBezTo>
-                  <a:pt x="688556" y="0"/>
-                  <a:pt x="887152" y="198597"/>
-                  <a:pt x="887152" y="443578"/>
-                </a:cubicBezTo>
-                <a:cubicBezTo>
-                  <a:pt x="887152" y="688559"/>
-                  <a:pt x="688556" y="887156"/>
-                  <a:pt x="443576" y="887156"/>
-                </a:cubicBezTo>
-                <a:cubicBezTo>
-                  <a:pt x="198596" y="887156"/>
-                  <a:pt x="0" y="688559"/>
-                  <a:pt x="0" y="443578"/>
-                </a:cubicBezTo>
-                <a:close/>
-              </a:path>
-            </a:pathLst>
-          </a:custGeom>
-          <a:solidFill>
-            <a:schemeClr val="bg2">
-              <a:lumMod val="75000"/>
-            </a:schemeClr>
-          </a:solidFill>
-          <a:ln>
+        </p:grpSpPr>
+        <p:sp>
+          <p:nvSpPr>
+            <p:cNvPr id="8" name="Block Arc 7">
+              <a:extLst>
+                <a:ext uri="{FF2B5EF4-FFF2-40B4-BE49-F238E27FC236}">
+                  <a16:creationId xmlns:a16="http://schemas.microsoft.com/office/drawing/2014/main" id="{77C55682-D4C9-CA45-83C9-87A06BF09B17}"/>
+                </a:ext>
+              </a:extLst>
+            </p:cNvPr>
+            <p:cNvSpPr/>
+            <p:nvPr/>
+          </p:nvSpPr>
+          <p:spPr>
+            <a:xfrm rot="5400000">
+              <a:off x="1878577" y="1923233"/>
+              <a:ext cx="3011072" cy="3011535"/>
+            </a:xfrm>
+            <a:prstGeom prst="blockArc">
+              <a:avLst>
+                <a:gd name="adj1" fmla="val 13500000"/>
+                <a:gd name="adj2" fmla="val 18900000"/>
+                <a:gd name="adj3" fmla="val 4960"/>
+              </a:avLst>
+            </a:prstGeom>
+          </p:spPr>
+          <p:style>
+            <a:lnRef idx="2">
+              <a:schemeClr val="accent5">
+                <a:shade val="80000"/>
+                <a:hueOff val="0"/>
+                <a:satOff val="0"/>
+                <a:lumOff val="0"/>
+                <a:alphaOff val="0"/>
+              </a:schemeClr>
+            </a:lnRef>
+            <a:fillRef idx="1">
+              <a:schemeClr val="lt1">
+                <a:hueOff val="0"/>
+                <a:satOff val="0"/>
+                <a:lumOff val="0"/>
+                <a:alphaOff val="0"/>
+              </a:schemeClr>
+            </a:fillRef>
+            <a:effectRef idx="0">
+              <a:schemeClr val="lt1">
+                <a:hueOff val="0"/>
+                <a:satOff val="0"/>
+                <a:lumOff val="0"/>
+                <a:alphaOff val="0"/>
+              </a:schemeClr>
+            </a:effectRef>
+            <a:fontRef idx="minor">
+              <a:schemeClr val="dk1">
+                <a:hueOff val="0"/>
+                <a:satOff val="0"/>
+                <a:lumOff val="0"/>
+                <a:alphaOff val="0"/>
+              </a:schemeClr>
+            </a:fontRef>
+          </p:style>
+        </p:sp>
+        <p:sp>
+          <p:nvSpPr>
+            <p:cNvPr id="9" name="Block Arc 8">
+              <a:extLst>
+                <a:ext uri="{FF2B5EF4-FFF2-40B4-BE49-F238E27FC236}">
+                  <a16:creationId xmlns:a16="http://schemas.microsoft.com/office/drawing/2014/main" id="{239234C4-A2A4-0540-85B5-39D02820A6F0}"/>
+                </a:ext>
+              </a:extLst>
+            </p:cNvPr>
+            <p:cNvSpPr/>
+            <p:nvPr/>
+          </p:nvSpPr>
+          <p:spPr>
+            <a:xfrm rot="16200000">
+              <a:off x="4977588" y="1923233"/>
+              <a:ext cx="3011072" cy="3011535"/>
+            </a:xfrm>
+            <a:prstGeom prst="blockArc">
+              <a:avLst>
+                <a:gd name="adj1" fmla="val 13500000"/>
+                <a:gd name="adj2" fmla="val 18900000"/>
+                <a:gd name="adj3" fmla="val 4960"/>
+              </a:avLst>
+            </a:prstGeom>
+          </p:spPr>
+          <p:style>
+            <a:lnRef idx="2">
+              <a:schemeClr val="accent5">
+                <a:shade val="80000"/>
+                <a:hueOff val="0"/>
+                <a:satOff val="0"/>
+                <a:lumOff val="0"/>
+                <a:alphaOff val="0"/>
+              </a:schemeClr>
+            </a:lnRef>
+            <a:fillRef idx="1">
+              <a:schemeClr val="lt1">
+                <a:hueOff val="0"/>
+                <a:satOff val="0"/>
+                <a:lumOff val="0"/>
+                <a:alphaOff val="0"/>
+              </a:schemeClr>
+            </a:fillRef>
+            <a:effectRef idx="0">
+              <a:schemeClr val="lt1">
+                <a:hueOff val="0"/>
+                <a:satOff val="0"/>
+                <a:lumOff val="0"/>
+                <a:alphaOff val="0"/>
+              </a:schemeClr>
+            </a:effectRef>
+            <a:fontRef idx="minor">
+              <a:schemeClr val="dk1">
+                <a:hueOff val="0"/>
+                <a:satOff val="0"/>
+                <a:lumOff val="0"/>
+                <a:alphaOff val="0"/>
+              </a:schemeClr>
+            </a:fontRef>
+          </p:style>
+        </p:sp>
+        <p:sp>
+          <p:nvSpPr>
+            <p:cNvPr id="10" name="Freeform 9">
+              <a:extLst>
+                <a:ext uri="{FF2B5EF4-FFF2-40B4-BE49-F238E27FC236}">
+                  <a16:creationId xmlns:a16="http://schemas.microsoft.com/office/drawing/2014/main" id="{A8689CDB-5252-E94F-B575-A7A5C88047E5}"/>
+                </a:ext>
+              </a:extLst>
+            </p:cNvPr>
+            <p:cNvSpPr/>
+            <p:nvPr/>
+          </p:nvSpPr>
+          <p:spPr>
+            <a:xfrm>
+              <a:off x="5196238" y="4539045"/>
+              <a:ext cx="2584256" cy="602407"/>
+            </a:xfrm>
+            <a:custGeom>
+              <a:avLst/>
+              <a:gdLst>
+                <a:gd name="connsiteX0" fmla="*/ 0 w 2286215"/>
+                <a:gd name="connsiteY0" fmla="*/ 0 h 602407"/>
+                <a:gd name="connsiteX1" fmla="*/ 2286215 w 2286215"/>
+                <a:gd name="connsiteY1" fmla="*/ 0 h 602407"/>
+                <a:gd name="connsiteX2" fmla="*/ 2286215 w 2286215"/>
+                <a:gd name="connsiteY2" fmla="*/ 602407 h 602407"/>
+                <a:gd name="connsiteX3" fmla="*/ 0 w 2286215"/>
+                <a:gd name="connsiteY3" fmla="*/ 602407 h 602407"/>
+                <a:gd name="connsiteX4" fmla="*/ 0 w 2286215"/>
+                <a:gd name="connsiteY4" fmla="*/ 0 h 602407"/>
+              </a:gdLst>
+              <a:ahLst/>
+              <a:cxnLst>
+                <a:cxn ang="0">
+                  <a:pos x="connsiteX0" y="connsiteY0"/>
+                </a:cxn>
+                <a:cxn ang="0">
+                  <a:pos x="connsiteX1" y="connsiteY1"/>
+                </a:cxn>
+                <a:cxn ang="0">
+                  <a:pos x="connsiteX2" y="connsiteY2"/>
+                </a:cxn>
+                <a:cxn ang="0">
+                  <a:pos x="connsiteX3" y="connsiteY3"/>
+                </a:cxn>
+                <a:cxn ang="0">
+                  <a:pos x="connsiteX4" y="connsiteY4"/>
+                </a:cxn>
+              </a:cxnLst>
+              <a:rect l="l" t="t" r="r" b="b"/>
+              <a:pathLst>
+                <a:path w="2286215" h="602407">
+                  <a:moveTo>
+                    <a:pt x="0" y="0"/>
+                  </a:moveTo>
+                  <a:lnTo>
+                    <a:pt x="2286215" y="0"/>
+                  </a:lnTo>
+                  <a:lnTo>
+                    <a:pt x="2286215" y="602407"/>
+                  </a:lnTo>
+                  <a:lnTo>
+                    <a:pt x="0" y="602407"/>
+                  </a:lnTo>
+                  <a:lnTo>
+                    <a:pt x="0" y="0"/>
+                  </a:lnTo>
+                  <a:close/>
+                </a:path>
+              </a:pathLst>
+            </a:custGeom>
+          </p:spPr>
+          <p:style>
+            <a:lnRef idx="0">
+              <a:schemeClr val="dk1">
+                <a:alpha val="0"/>
+                <a:hueOff val="0"/>
+                <a:satOff val="0"/>
+                <a:lumOff val="0"/>
+                <a:alphaOff val="0"/>
+              </a:schemeClr>
+            </a:lnRef>
+            <a:fillRef idx="0">
+              <a:schemeClr val="lt1">
+                <a:alpha val="0"/>
+                <a:hueOff val="0"/>
+                <a:satOff val="0"/>
+                <a:lumOff val="0"/>
+                <a:alphaOff val="0"/>
+              </a:schemeClr>
+            </a:fillRef>
+            <a:effectRef idx="0">
+              <a:schemeClr val="lt1">
+                <a:alpha val="0"/>
+                <a:hueOff val="0"/>
+                <a:satOff val="0"/>
+                <a:lumOff val="0"/>
+                <a:alphaOff val="0"/>
+              </a:schemeClr>
+            </a:effectRef>
+            <a:fontRef idx="minor">
+              <a:schemeClr val="tx1">
+                <a:hueOff val="0"/>
+                <a:satOff val="0"/>
+                <a:lumOff val="0"/>
+                <a:alphaOff val="0"/>
+              </a:schemeClr>
+            </a:fontRef>
+          </p:style>
+          <p:txBody>
+            <a:bodyPr spcFirstLastPara="0" vert="horz" wrap="square" lIns="114300" tIns="114300" rIns="114300" bIns="114300" numCol="1" spcCol="1270" anchor="ctr" anchorCtr="0">
+              <a:noAutofit/>
+            </a:bodyPr>
+            <a:lstStyle/>
+            <a:p>
+              <a:pPr marL="0" lvl="0" indent="0" algn="ctr" defTabSz="1333500">
+                <a:lnSpc>
+                  <a:spcPct val="90000"/>
+                </a:lnSpc>
+                <a:spcBef>
+                  <a:spcPct val="0"/>
+                </a:spcBef>
+                <a:spcAft>
+                  <a:spcPct val="35000"/>
+                </a:spcAft>
+                <a:buNone/>
+              </a:pPr>
+              <a:r>
+                <a:rPr lang="en-US" sz="3200" dirty="0">
+                  <a:solidFill>
+                    <a:schemeClr val="bg1"/>
+                  </a:solidFill>
+                  <a:latin typeface="Questrial" panose="02000000000000000000" pitchFamily="2" charset="0"/>
+                </a:rPr>
+                <a:t>missing pk</a:t>
+              </a:r>
+              <a:endParaRPr lang="en-US" sz="3200" kern="1200" dirty="0">
+                <a:solidFill>
+                  <a:schemeClr val="bg1"/>
+                </a:solidFill>
+                <a:latin typeface="Questrial" panose="02000000000000000000" pitchFamily="2" charset="0"/>
+              </a:endParaRPr>
+            </a:p>
+          </p:txBody>
+        </p:sp>
+        <p:sp>
+          <p:nvSpPr>
+            <p:cNvPr id="11" name="Block Arc 10">
+              <a:extLst>
+                <a:ext uri="{FF2B5EF4-FFF2-40B4-BE49-F238E27FC236}">
+                  <a16:creationId xmlns:a16="http://schemas.microsoft.com/office/drawing/2014/main" id="{DCFB3FE0-DA8C-1D4B-AB13-93F3BCCFF477}"/>
+                </a:ext>
+              </a:extLst>
+            </p:cNvPr>
+            <p:cNvSpPr/>
+            <p:nvPr/>
+          </p:nvSpPr>
+          <p:spPr>
+            <a:xfrm rot="5400000">
+              <a:off x="4881000" y="1923233"/>
+              <a:ext cx="3011072" cy="3011535"/>
+            </a:xfrm>
+            <a:prstGeom prst="blockArc">
+              <a:avLst>
+                <a:gd name="adj1" fmla="val 13500000"/>
+                <a:gd name="adj2" fmla="val 18900000"/>
+                <a:gd name="adj3" fmla="val 4960"/>
+              </a:avLst>
+            </a:prstGeom>
+          </p:spPr>
+          <p:style>
+            <a:lnRef idx="2">
+              <a:schemeClr val="accent5">
+                <a:shade val="80000"/>
+                <a:hueOff val="0"/>
+                <a:satOff val="0"/>
+                <a:lumOff val="0"/>
+                <a:alphaOff val="0"/>
+              </a:schemeClr>
+            </a:lnRef>
+            <a:fillRef idx="1">
+              <a:schemeClr val="lt1">
+                <a:hueOff val="0"/>
+                <a:satOff val="0"/>
+                <a:lumOff val="0"/>
+                <a:alphaOff val="0"/>
+              </a:schemeClr>
+            </a:fillRef>
+            <a:effectRef idx="0">
+              <a:schemeClr val="lt1">
+                <a:hueOff val="0"/>
+                <a:satOff val="0"/>
+                <a:lumOff val="0"/>
+                <a:alphaOff val="0"/>
+              </a:schemeClr>
+            </a:effectRef>
+            <a:fontRef idx="minor">
+              <a:schemeClr val="dk1">
+                <a:hueOff val="0"/>
+                <a:satOff val="0"/>
+                <a:lumOff val="0"/>
+                <a:alphaOff val="0"/>
+              </a:schemeClr>
+            </a:fontRef>
+          </p:style>
+        </p:sp>
+        <p:sp>
+          <p:nvSpPr>
+            <p:cNvPr id="12" name="Block Arc 11">
+              <a:extLst>
+                <a:ext uri="{FF2B5EF4-FFF2-40B4-BE49-F238E27FC236}">
+                  <a16:creationId xmlns:a16="http://schemas.microsoft.com/office/drawing/2014/main" id="{E267FD50-1C1A-6742-B466-58F061FFFE07}"/>
+                </a:ext>
+              </a:extLst>
+            </p:cNvPr>
+            <p:cNvSpPr/>
+            <p:nvPr/>
+          </p:nvSpPr>
+          <p:spPr>
+            <a:xfrm rot="16200000">
+              <a:off x="7979100" y="1923233"/>
+              <a:ext cx="3011072" cy="3011535"/>
+            </a:xfrm>
+            <a:prstGeom prst="blockArc">
+              <a:avLst>
+                <a:gd name="adj1" fmla="val 13500000"/>
+                <a:gd name="adj2" fmla="val 18900000"/>
+                <a:gd name="adj3" fmla="val 4960"/>
+              </a:avLst>
+            </a:prstGeom>
+          </p:spPr>
+          <p:style>
+            <a:lnRef idx="2">
+              <a:schemeClr val="accent5">
+                <a:shade val="80000"/>
+                <a:hueOff val="0"/>
+                <a:satOff val="0"/>
+                <a:lumOff val="0"/>
+                <a:alphaOff val="0"/>
+              </a:schemeClr>
+            </a:lnRef>
+            <a:fillRef idx="1">
+              <a:schemeClr val="lt1">
+                <a:hueOff val="0"/>
+                <a:satOff val="0"/>
+                <a:lumOff val="0"/>
+                <a:alphaOff val="0"/>
+              </a:schemeClr>
+            </a:fillRef>
+            <a:effectRef idx="0">
+              <a:schemeClr val="lt1">
+                <a:hueOff val="0"/>
+                <a:satOff val="0"/>
+                <a:lumOff val="0"/>
+                <a:alphaOff val="0"/>
+              </a:schemeClr>
+            </a:effectRef>
+            <a:fontRef idx="minor">
+              <a:schemeClr val="dk1">
+                <a:hueOff val="0"/>
+                <a:satOff val="0"/>
+                <a:lumOff val="0"/>
+                <a:alphaOff val="0"/>
+              </a:schemeClr>
+            </a:fontRef>
+          </p:style>
+        </p:sp>
+        <p:sp>
+          <p:nvSpPr>
+            <p:cNvPr id="13" name="Freeform 12">
+              <a:extLst>
+                <a:ext uri="{FF2B5EF4-FFF2-40B4-BE49-F238E27FC236}">
+                  <a16:creationId xmlns:a16="http://schemas.microsoft.com/office/drawing/2014/main" id="{E8EE8102-1AA2-A740-A0B5-ECF376D34DBF}"/>
+                </a:ext>
+              </a:extLst>
+            </p:cNvPr>
+            <p:cNvSpPr/>
+            <p:nvPr/>
+          </p:nvSpPr>
+          <p:spPr>
+            <a:xfrm>
+              <a:off x="8086851" y="4539045"/>
+              <a:ext cx="2584256" cy="602407"/>
+            </a:xfrm>
+            <a:custGeom>
+              <a:avLst/>
+              <a:gdLst>
+                <a:gd name="connsiteX0" fmla="*/ 0 w 2286215"/>
+                <a:gd name="connsiteY0" fmla="*/ 0 h 602407"/>
+                <a:gd name="connsiteX1" fmla="*/ 2286215 w 2286215"/>
+                <a:gd name="connsiteY1" fmla="*/ 0 h 602407"/>
+                <a:gd name="connsiteX2" fmla="*/ 2286215 w 2286215"/>
+                <a:gd name="connsiteY2" fmla="*/ 602407 h 602407"/>
+                <a:gd name="connsiteX3" fmla="*/ 0 w 2286215"/>
+                <a:gd name="connsiteY3" fmla="*/ 602407 h 602407"/>
+                <a:gd name="connsiteX4" fmla="*/ 0 w 2286215"/>
+                <a:gd name="connsiteY4" fmla="*/ 0 h 602407"/>
+              </a:gdLst>
+              <a:ahLst/>
+              <a:cxnLst>
+                <a:cxn ang="0">
+                  <a:pos x="connsiteX0" y="connsiteY0"/>
+                </a:cxn>
+                <a:cxn ang="0">
+                  <a:pos x="connsiteX1" y="connsiteY1"/>
+                </a:cxn>
+                <a:cxn ang="0">
+                  <a:pos x="connsiteX2" y="connsiteY2"/>
+                </a:cxn>
+                <a:cxn ang="0">
+                  <a:pos x="connsiteX3" y="connsiteY3"/>
+                </a:cxn>
+                <a:cxn ang="0">
+                  <a:pos x="connsiteX4" y="connsiteY4"/>
+                </a:cxn>
+              </a:cxnLst>
+              <a:rect l="l" t="t" r="r" b="b"/>
+              <a:pathLst>
+                <a:path w="2286215" h="602407">
+                  <a:moveTo>
+                    <a:pt x="0" y="0"/>
+                  </a:moveTo>
+                  <a:lnTo>
+                    <a:pt x="2286215" y="0"/>
+                  </a:lnTo>
+                  <a:lnTo>
+                    <a:pt x="2286215" y="602407"/>
+                  </a:lnTo>
+                  <a:lnTo>
+                    <a:pt x="0" y="602407"/>
+                  </a:lnTo>
+                  <a:lnTo>
+                    <a:pt x="0" y="0"/>
+                  </a:lnTo>
+                  <a:close/>
+                </a:path>
+              </a:pathLst>
+            </a:custGeom>
+          </p:spPr>
+          <p:style>
+            <a:lnRef idx="0">
+              <a:schemeClr val="dk1">
+                <a:alpha val="0"/>
+                <a:hueOff val="0"/>
+                <a:satOff val="0"/>
+                <a:lumOff val="0"/>
+                <a:alphaOff val="0"/>
+              </a:schemeClr>
+            </a:lnRef>
+            <a:fillRef idx="0">
+              <a:schemeClr val="lt1">
+                <a:alpha val="0"/>
+                <a:hueOff val="0"/>
+                <a:satOff val="0"/>
+                <a:lumOff val="0"/>
+                <a:alphaOff val="0"/>
+              </a:schemeClr>
+            </a:fillRef>
+            <a:effectRef idx="0">
+              <a:schemeClr val="lt1">
+                <a:alpha val="0"/>
+                <a:hueOff val="0"/>
+                <a:satOff val="0"/>
+                <a:lumOff val="0"/>
+                <a:alphaOff val="0"/>
+              </a:schemeClr>
+            </a:effectRef>
+            <a:fontRef idx="minor">
+              <a:schemeClr val="tx1">
+                <a:hueOff val="0"/>
+                <a:satOff val="0"/>
+                <a:lumOff val="0"/>
+                <a:alphaOff val="0"/>
+              </a:schemeClr>
+            </a:fontRef>
+          </p:style>
+          <p:txBody>
+            <a:bodyPr spcFirstLastPara="0" vert="horz" wrap="square" lIns="114300" tIns="114300" rIns="114300" bIns="114300" numCol="1" spcCol="1270" anchor="ctr" anchorCtr="0">
+              <a:noAutofit/>
+            </a:bodyPr>
+            <a:lstStyle/>
+            <a:p>
+              <a:pPr marL="0" lvl="0" indent="0" algn="ctr" defTabSz="1333500">
+                <a:lnSpc>
+                  <a:spcPct val="90000"/>
+                </a:lnSpc>
+                <a:spcBef>
+                  <a:spcPct val="0"/>
+                </a:spcBef>
+                <a:spcAft>
+                  <a:spcPct val="35000"/>
+                </a:spcAft>
+                <a:buNone/>
+              </a:pPr>
+              <a:r>
+                <a:rPr lang="en-US" sz="3200" kern="1200" dirty="0">
+                  <a:solidFill>
+                    <a:schemeClr val="bg1"/>
+                  </a:solidFill>
+                  <a:latin typeface="Questrial" panose="02000000000000000000" pitchFamily="2" charset="0"/>
+                </a:rPr>
+                <a:t>normalized</a:t>
+              </a:r>
+            </a:p>
+          </p:txBody>
+        </p:sp>
+        <p:sp>
+          <p:nvSpPr>
+            <p:cNvPr id="14" name="Freeform 13">
+              <a:extLst>
+                <a:ext uri="{FF2B5EF4-FFF2-40B4-BE49-F238E27FC236}">
+                  <a16:creationId xmlns:a16="http://schemas.microsoft.com/office/drawing/2014/main" id="{C3C019AD-53A8-CD4C-A3C9-329F53B5123D}"/>
+                </a:ext>
+              </a:extLst>
+            </p:cNvPr>
+            <p:cNvSpPr/>
+            <p:nvPr/>
+          </p:nvSpPr>
+          <p:spPr>
+            <a:xfrm>
+              <a:off x="5260177" y="2787469"/>
+              <a:ext cx="1379601" cy="1379601"/>
+            </a:xfrm>
+            <a:custGeom>
+              <a:avLst/>
+              <a:gdLst>
+                <a:gd name="connsiteX0" fmla="*/ 0 w 1379601"/>
+                <a:gd name="connsiteY0" fmla="*/ 689801 h 1379601"/>
+                <a:gd name="connsiteX1" fmla="*/ 689801 w 1379601"/>
+                <a:gd name="connsiteY1" fmla="*/ 0 h 1379601"/>
+                <a:gd name="connsiteX2" fmla="*/ 1379602 w 1379601"/>
+                <a:gd name="connsiteY2" fmla="*/ 689801 h 1379601"/>
+                <a:gd name="connsiteX3" fmla="*/ 689801 w 1379601"/>
+                <a:gd name="connsiteY3" fmla="*/ 1379602 h 1379601"/>
+                <a:gd name="connsiteX4" fmla="*/ 0 w 1379601"/>
+                <a:gd name="connsiteY4" fmla="*/ 689801 h 1379601"/>
+              </a:gdLst>
+              <a:ahLst/>
+              <a:cxnLst>
+                <a:cxn ang="0">
+                  <a:pos x="connsiteX0" y="connsiteY0"/>
+                </a:cxn>
+                <a:cxn ang="0">
+                  <a:pos x="connsiteX1" y="connsiteY1"/>
+                </a:cxn>
+                <a:cxn ang="0">
+                  <a:pos x="connsiteX2" y="connsiteY2"/>
+                </a:cxn>
+                <a:cxn ang="0">
+                  <a:pos x="connsiteX3" y="connsiteY3"/>
+                </a:cxn>
+                <a:cxn ang="0">
+                  <a:pos x="connsiteX4" y="connsiteY4"/>
+                </a:cxn>
+              </a:cxnLst>
+              <a:rect l="l" t="t" r="r" b="b"/>
+              <a:pathLst>
+                <a:path w="1379601" h="1379601">
+                  <a:moveTo>
+                    <a:pt x="0" y="689801"/>
+                  </a:moveTo>
+                  <a:cubicBezTo>
+                    <a:pt x="0" y="308834"/>
+                    <a:pt x="308834" y="0"/>
+                    <a:pt x="689801" y="0"/>
+                  </a:cubicBezTo>
+                  <a:cubicBezTo>
+                    <a:pt x="1070768" y="0"/>
+                    <a:pt x="1379602" y="308834"/>
+                    <a:pt x="1379602" y="689801"/>
+                  </a:cubicBezTo>
+                  <a:cubicBezTo>
+                    <a:pt x="1379602" y="1070768"/>
+                    <a:pt x="1070768" y="1379602"/>
+                    <a:pt x="689801" y="1379602"/>
+                  </a:cubicBezTo>
+                  <a:cubicBezTo>
+                    <a:pt x="308834" y="1379602"/>
+                    <a:pt x="0" y="1070768"/>
+                    <a:pt x="0" y="689801"/>
+                  </a:cubicBezTo>
+                  <a:close/>
+                </a:path>
+              </a:pathLst>
+            </a:custGeom>
             <a:solidFill>
+              <a:schemeClr val="bg2">
+                <a:lumMod val="75000"/>
+              </a:schemeClr>
+            </a:solidFill>
+            <a:ln>
+              <a:solidFill>
+                <a:schemeClr val="tx1"/>
+              </a:solidFill>
+            </a:ln>
+          </p:spPr>
+          <p:style>
+            <a:lnRef idx="2">
+              <a:schemeClr val="accent5">
+                <a:shade val="80000"/>
+                <a:hueOff val="0"/>
+                <a:satOff val="0"/>
+                <a:lumOff val="0"/>
+                <a:alphaOff val="0"/>
+              </a:schemeClr>
+            </a:lnRef>
+            <a:fillRef idx="1">
+              <a:schemeClr val="lt1">
+                <a:alpha val="50000"/>
+                <a:hueOff val="0"/>
+                <a:satOff val="0"/>
+                <a:lumOff val="0"/>
+                <a:alphaOff val="0"/>
+              </a:schemeClr>
+            </a:fillRef>
+            <a:effectRef idx="0">
+              <a:schemeClr val="lt1">
+                <a:alpha val="50000"/>
+                <a:hueOff val="0"/>
+                <a:satOff val="0"/>
+                <a:lumOff val="0"/>
+                <a:alphaOff val="0"/>
+              </a:schemeClr>
+            </a:effectRef>
+            <a:fontRef idx="minor">
               <a:schemeClr val="tx1"/>
+            </a:fontRef>
+          </p:style>
+          <p:txBody>
+            <a:bodyPr spcFirstLastPara="0" vert="horz" wrap="square" lIns="192647" tIns="162684" rIns="391508" bIns="162685" numCol="1" spcCol="1270" anchor="ctr" anchorCtr="0">
+              <a:noAutofit/>
+            </a:bodyPr>
+            <a:lstStyle/>
+            <a:p>
+              <a:pPr marL="0" lvl="0" indent="0" algn="ctr" defTabSz="400050">
+                <a:lnSpc>
+                  <a:spcPct val="90000"/>
+                </a:lnSpc>
+                <a:spcBef>
+                  <a:spcPct val="0"/>
+                </a:spcBef>
+                <a:spcAft>
+                  <a:spcPct val="35000"/>
+                </a:spcAft>
+                <a:buNone/>
+              </a:pPr>
+              <a:r>
+                <a:rPr lang="en-US" kern="1200" dirty="0">
+                  <a:latin typeface="Questrial" panose="02000000000000000000" pitchFamily="2" charset="0"/>
+                </a:rPr>
+                <a:t>ZIP</a:t>
+              </a:r>
+            </a:p>
+          </p:txBody>
+        </p:sp>
+        <p:sp>
+          <p:nvSpPr>
+            <p:cNvPr id="15" name="Freeform 14">
+              <a:extLst>
+                <a:ext uri="{FF2B5EF4-FFF2-40B4-BE49-F238E27FC236}">
+                  <a16:creationId xmlns:a16="http://schemas.microsoft.com/office/drawing/2014/main" id="{00DB837C-BE8E-9545-BDEF-207EF5BBD210}"/>
+                </a:ext>
+              </a:extLst>
+            </p:cNvPr>
+            <p:cNvSpPr/>
+            <p:nvPr/>
+          </p:nvSpPr>
+          <p:spPr>
+            <a:xfrm>
+              <a:off x="6254484" y="2787469"/>
+              <a:ext cx="1379601" cy="1379601"/>
+            </a:xfrm>
+            <a:custGeom>
+              <a:avLst/>
+              <a:gdLst>
+                <a:gd name="connsiteX0" fmla="*/ 0 w 1379601"/>
+                <a:gd name="connsiteY0" fmla="*/ 689801 h 1379601"/>
+                <a:gd name="connsiteX1" fmla="*/ 689801 w 1379601"/>
+                <a:gd name="connsiteY1" fmla="*/ 0 h 1379601"/>
+                <a:gd name="connsiteX2" fmla="*/ 1379602 w 1379601"/>
+                <a:gd name="connsiteY2" fmla="*/ 689801 h 1379601"/>
+                <a:gd name="connsiteX3" fmla="*/ 689801 w 1379601"/>
+                <a:gd name="connsiteY3" fmla="*/ 1379602 h 1379601"/>
+                <a:gd name="connsiteX4" fmla="*/ 0 w 1379601"/>
+                <a:gd name="connsiteY4" fmla="*/ 689801 h 1379601"/>
+              </a:gdLst>
+              <a:ahLst/>
+              <a:cxnLst>
+                <a:cxn ang="0">
+                  <a:pos x="connsiteX0" y="connsiteY0"/>
+                </a:cxn>
+                <a:cxn ang="0">
+                  <a:pos x="connsiteX1" y="connsiteY1"/>
+                </a:cxn>
+                <a:cxn ang="0">
+                  <a:pos x="connsiteX2" y="connsiteY2"/>
+                </a:cxn>
+                <a:cxn ang="0">
+                  <a:pos x="connsiteX3" y="connsiteY3"/>
+                </a:cxn>
+                <a:cxn ang="0">
+                  <a:pos x="connsiteX4" y="connsiteY4"/>
+                </a:cxn>
+              </a:cxnLst>
+              <a:rect l="l" t="t" r="r" b="b"/>
+              <a:pathLst>
+                <a:path w="1379601" h="1379601">
+                  <a:moveTo>
+                    <a:pt x="0" y="689801"/>
+                  </a:moveTo>
+                  <a:cubicBezTo>
+                    <a:pt x="0" y="308834"/>
+                    <a:pt x="308834" y="0"/>
+                    <a:pt x="689801" y="0"/>
+                  </a:cubicBezTo>
+                  <a:cubicBezTo>
+                    <a:pt x="1070768" y="0"/>
+                    <a:pt x="1379602" y="308834"/>
+                    <a:pt x="1379602" y="689801"/>
+                  </a:cubicBezTo>
+                  <a:cubicBezTo>
+                    <a:pt x="1379602" y="1070768"/>
+                    <a:pt x="1070768" y="1379602"/>
+                    <a:pt x="689801" y="1379602"/>
+                  </a:cubicBezTo>
+                  <a:cubicBezTo>
+                    <a:pt x="308834" y="1379602"/>
+                    <a:pt x="0" y="1070768"/>
+                    <a:pt x="0" y="689801"/>
+                  </a:cubicBezTo>
+                  <a:close/>
+                </a:path>
+              </a:pathLst>
+            </a:custGeom>
+            <a:solidFill>
+              <a:schemeClr val="bg2">
+                <a:lumMod val="75000"/>
+                <a:alpha val="48000"/>
+              </a:schemeClr>
             </a:solidFill>
-          </a:ln>
-        </p:spPr>
-        <p:style>
-          <a:lnRef idx="2">
-            <a:schemeClr val="accent5">
-              <a:shade val="80000"/>
-              <a:hueOff val="0"/>
-              <a:satOff val="0"/>
-              <a:lumOff val="0"/>
-              <a:alphaOff val="0"/>
-            </a:schemeClr>
-          </a:lnRef>
-          <a:fillRef idx="1">
-            <a:schemeClr val="lt1">
-              <a:alpha val="50000"/>
-              <a:hueOff val="0"/>
-              <a:satOff val="0"/>
-              <a:lumOff val="0"/>
-              <a:alphaOff val="0"/>
-            </a:schemeClr>
-          </a:fillRef>
-          <a:effectRef idx="0">
-            <a:schemeClr val="lt1">
-              <a:alpha val="50000"/>
-              <a:hueOff val="0"/>
-              <a:satOff val="0"/>
-              <a:lumOff val="0"/>
-              <a:alphaOff val="0"/>
-            </a:schemeClr>
-          </a:effectRef>
-          <a:fontRef idx="minor">
-            <a:schemeClr val="tx1"/>
-          </a:fontRef>
-        </p:style>
-        <p:txBody>
-          <a:bodyPr spcFirstLastPara="0" vert="horz" wrap="square" lIns="45720" tIns="175641" rIns="45720" bIns="175641" numCol="1" spcCol="1270" anchor="ctr" anchorCtr="0">
-            <a:noAutofit/>
-          </a:bodyPr>
-          <a:lstStyle/>
-          <a:p>
-            <a:pPr marL="0" lvl="0" indent="0" algn="ctr" defTabSz="533400">
-              <a:lnSpc>
-                <a:spcPct val="90000"/>
-              </a:lnSpc>
-              <a:spcBef>
-                <a:spcPct val="0"/>
-              </a:spcBef>
-              <a:spcAft>
-                <a:spcPct val="35000"/>
-              </a:spcAft>
-              <a:buNone/>
-            </a:pPr>
-            <a:r>
-              <a:rPr lang="en-US" sz="1200" dirty="0">
+            <a:ln>
+              <a:solidFill>
+                <a:schemeClr val="tx1"/>
+              </a:solidFill>
+            </a:ln>
+          </p:spPr>
+          <p:style>
+            <a:lnRef idx="2">
+              <a:schemeClr val="accent5">
+                <a:shade val="80000"/>
+                <a:hueOff val="0"/>
+                <a:satOff val="0"/>
+                <a:lumOff val="0"/>
+                <a:alphaOff val="0"/>
+              </a:schemeClr>
+            </a:lnRef>
+            <a:fillRef idx="1">
+              <a:schemeClr val="lt1">
+                <a:alpha val="50000"/>
+                <a:hueOff val="0"/>
+                <a:satOff val="0"/>
+                <a:lumOff val="0"/>
+                <a:alphaOff val="0"/>
+              </a:schemeClr>
+            </a:fillRef>
+            <a:effectRef idx="0">
+              <a:schemeClr val="lt1">
+                <a:alpha val="50000"/>
+                <a:hueOff val="0"/>
+                <a:satOff val="0"/>
+                <a:lumOff val="0"/>
+                <a:alphaOff val="0"/>
+              </a:schemeClr>
+            </a:effectRef>
+            <a:fontRef idx="minor">
+              <a:schemeClr val="tx1"/>
+            </a:fontRef>
+          </p:style>
+          <p:txBody>
+            <a:bodyPr spcFirstLastPara="0" vert="horz" wrap="square" lIns="91440" tIns="162684" rIns="91440" bIns="162685" numCol="1" spcCol="1270" anchor="ctr" anchorCtr="0">
+              <a:noAutofit/>
+            </a:bodyPr>
+            <a:lstStyle/>
+            <a:p>
+              <a:pPr marL="0" lvl="0" indent="0" algn="ctr" defTabSz="400050">
+                <a:lnSpc>
+                  <a:spcPct val="90000"/>
+                </a:lnSpc>
+                <a:spcBef>
+                  <a:spcPct val="0"/>
+                </a:spcBef>
+                <a:spcAft>
+                  <a:spcPct val="35000"/>
+                </a:spcAft>
+                <a:buNone/>
+              </a:pPr>
+              <a:r>
+                <a:rPr lang="en-US" kern="1200" dirty="0">
+                  <a:latin typeface="Questrial" panose="02000000000000000000" pitchFamily="2" charset="0"/>
+                </a:rPr>
+                <a:t>ZIP-   neighbor-hood</a:t>
+              </a:r>
+            </a:p>
+          </p:txBody>
+        </p:sp>
+        <p:sp>
+          <p:nvSpPr>
+            <p:cNvPr id="16" name="Freeform 15">
+              <a:extLst>
+                <a:ext uri="{FF2B5EF4-FFF2-40B4-BE49-F238E27FC236}">
+                  <a16:creationId xmlns:a16="http://schemas.microsoft.com/office/drawing/2014/main" id="{50FC6B10-C50C-494F-8B99-0F82241DAE08}"/>
+                </a:ext>
+              </a:extLst>
+            </p:cNvPr>
+            <p:cNvSpPr/>
+            <p:nvPr/>
+          </p:nvSpPr>
+          <p:spPr>
+            <a:xfrm>
+              <a:off x="2661746" y="2296428"/>
+              <a:ext cx="887151" cy="887155"/>
+            </a:xfrm>
+            <a:custGeom>
+              <a:avLst/>
+              <a:gdLst>
+                <a:gd name="connsiteX0" fmla="*/ 0 w 887151"/>
+                <a:gd name="connsiteY0" fmla="*/ 443578 h 887155"/>
+                <a:gd name="connsiteX1" fmla="*/ 443576 w 887151"/>
+                <a:gd name="connsiteY1" fmla="*/ 0 h 887155"/>
+                <a:gd name="connsiteX2" fmla="*/ 887152 w 887151"/>
+                <a:gd name="connsiteY2" fmla="*/ 443578 h 887155"/>
+                <a:gd name="connsiteX3" fmla="*/ 443576 w 887151"/>
+                <a:gd name="connsiteY3" fmla="*/ 887156 h 887155"/>
+                <a:gd name="connsiteX4" fmla="*/ 0 w 887151"/>
+                <a:gd name="connsiteY4" fmla="*/ 443578 h 887155"/>
+              </a:gdLst>
+              <a:ahLst/>
+              <a:cxnLst>
+                <a:cxn ang="0">
+                  <a:pos x="connsiteX0" y="connsiteY0"/>
+                </a:cxn>
+                <a:cxn ang="0">
+                  <a:pos x="connsiteX1" y="connsiteY1"/>
+                </a:cxn>
+                <a:cxn ang="0">
+                  <a:pos x="connsiteX2" y="connsiteY2"/>
+                </a:cxn>
+                <a:cxn ang="0">
+                  <a:pos x="connsiteX3" y="connsiteY3"/>
+                </a:cxn>
+                <a:cxn ang="0">
+                  <a:pos x="connsiteX4" y="connsiteY4"/>
+                </a:cxn>
+              </a:cxnLst>
+              <a:rect l="l" t="t" r="r" b="b"/>
+              <a:pathLst>
+                <a:path w="887151" h="887155">
+                  <a:moveTo>
+                    <a:pt x="0" y="443578"/>
+                  </a:moveTo>
+                  <a:cubicBezTo>
+                    <a:pt x="0" y="198597"/>
+                    <a:pt x="198596" y="0"/>
+                    <a:pt x="443576" y="0"/>
+                  </a:cubicBezTo>
+                  <a:cubicBezTo>
+                    <a:pt x="688556" y="0"/>
+                    <a:pt x="887152" y="198597"/>
+                    <a:pt x="887152" y="443578"/>
+                  </a:cubicBezTo>
+                  <a:cubicBezTo>
+                    <a:pt x="887152" y="688559"/>
+                    <a:pt x="688556" y="887156"/>
+                    <a:pt x="443576" y="887156"/>
+                  </a:cubicBezTo>
+                  <a:cubicBezTo>
+                    <a:pt x="198596" y="887156"/>
+                    <a:pt x="0" y="688559"/>
+                    <a:pt x="0" y="443578"/>
+                  </a:cubicBezTo>
+                  <a:close/>
+                </a:path>
+              </a:pathLst>
+            </a:custGeom>
+            <a:solidFill>
+              <a:schemeClr val="bg2">
+                <a:lumMod val="75000"/>
+              </a:schemeClr>
+            </a:solidFill>
+            <a:ln>
+              <a:solidFill>
+                <a:schemeClr val="tx1"/>
+              </a:solidFill>
+            </a:ln>
+          </p:spPr>
+          <p:style>
+            <a:lnRef idx="2">
+              <a:schemeClr val="accent5">
+                <a:shade val="80000"/>
+                <a:hueOff val="0"/>
+                <a:satOff val="0"/>
+                <a:lumOff val="0"/>
+                <a:alphaOff val="0"/>
+              </a:schemeClr>
+            </a:lnRef>
+            <a:fillRef idx="1">
+              <a:schemeClr val="lt1">
+                <a:alpha val="50000"/>
+                <a:hueOff val="0"/>
+                <a:satOff val="0"/>
+                <a:lumOff val="0"/>
+                <a:alphaOff val="0"/>
+              </a:schemeClr>
+            </a:fillRef>
+            <a:effectRef idx="0">
+              <a:schemeClr val="lt1">
+                <a:alpha val="50000"/>
+                <a:hueOff val="0"/>
+                <a:satOff val="0"/>
+                <a:lumOff val="0"/>
+                <a:alphaOff val="0"/>
+              </a:schemeClr>
+            </a:effectRef>
+            <a:fontRef idx="minor">
+              <a:schemeClr val="tx1"/>
+            </a:fontRef>
+          </p:style>
+          <p:txBody>
+            <a:bodyPr spcFirstLastPara="0" vert="horz" wrap="square" lIns="175640" tIns="175641" rIns="175640" bIns="175641" numCol="1" spcCol="1270" anchor="ctr" anchorCtr="0">
+              <a:noAutofit/>
+            </a:bodyPr>
+            <a:lstStyle/>
+            <a:p>
+              <a:pPr marL="0" lvl="0" indent="0" algn="ctr" defTabSz="533400">
+                <a:lnSpc>
+                  <a:spcPct val="90000"/>
+                </a:lnSpc>
+                <a:spcBef>
+                  <a:spcPct val="0"/>
+                </a:spcBef>
+                <a:spcAft>
+                  <a:spcPct val="35000"/>
+                </a:spcAft>
+                <a:buNone/>
+              </a:pPr>
+              <a:r>
+                <a:rPr lang="en-US" sz="1200" kern="1200" dirty="0">
+                  <a:latin typeface="Questrial" panose="02000000000000000000" pitchFamily="2" charset="0"/>
+                </a:rPr>
+                <a:t>file names</a:t>
+              </a:r>
+            </a:p>
+          </p:txBody>
+        </p:sp>
+        <p:sp>
+          <p:nvSpPr>
+            <p:cNvPr id="18" name="Oval 17">
+              <a:extLst>
+                <a:ext uri="{FF2B5EF4-FFF2-40B4-BE49-F238E27FC236}">
+                  <a16:creationId xmlns:a16="http://schemas.microsoft.com/office/drawing/2014/main" id="{3BC829B3-ED5B-964D-8337-AF4176AA20B9}"/>
+                </a:ext>
+              </a:extLst>
+            </p:cNvPr>
+            <p:cNvSpPr/>
+            <p:nvPr/>
+          </p:nvSpPr>
+          <p:spPr>
+            <a:xfrm>
+              <a:off x="3594887" y="2324173"/>
+              <a:ext cx="253471" cy="253505"/>
+            </a:xfrm>
+            <a:prstGeom prst="ellipse">
+              <a:avLst/>
+            </a:prstGeom>
+            <a:solidFill>
+              <a:schemeClr val="bg2">
+                <a:lumMod val="75000"/>
+              </a:schemeClr>
+            </a:solidFill>
+            <a:ln>
+              <a:solidFill>
+                <a:schemeClr val="tx1"/>
+              </a:solidFill>
+            </a:ln>
+          </p:spPr>
+          <p:style>
+            <a:lnRef idx="2">
+              <a:schemeClr val="accent5">
+                <a:shade val="80000"/>
+                <a:hueOff val="0"/>
+                <a:satOff val="0"/>
+                <a:lumOff val="0"/>
+                <a:alphaOff val="0"/>
+              </a:schemeClr>
+            </a:lnRef>
+            <a:fillRef idx="1">
+              <a:schemeClr val="lt1">
+                <a:alpha val="50000"/>
+                <a:hueOff val="0"/>
+                <a:satOff val="0"/>
+                <a:lumOff val="0"/>
+                <a:alphaOff val="0"/>
+              </a:schemeClr>
+            </a:fillRef>
+            <a:effectRef idx="0">
+              <a:schemeClr val="lt1">
+                <a:alpha val="50000"/>
+                <a:hueOff val="0"/>
+                <a:satOff val="0"/>
+                <a:lumOff val="0"/>
+                <a:alphaOff val="0"/>
+              </a:schemeClr>
+            </a:effectRef>
+            <a:fontRef idx="minor">
+              <a:schemeClr val="tx1"/>
+            </a:fontRef>
+          </p:style>
+        </p:sp>
+        <p:sp>
+          <p:nvSpPr>
+            <p:cNvPr id="19" name="Freeform 18">
+              <a:extLst>
+                <a:ext uri="{FF2B5EF4-FFF2-40B4-BE49-F238E27FC236}">
+                  <a16:creationId xmlns:a16="http://schemas.microsoft.com/office/drawing/2014/main" id="{CEA9D0FA-8EB8-B84D-977D-94F95A05C0B9}"/>
+                </a:ext>
+              </a:extLst>
+            </p:cNvPr>
+            <p:cNvSpPr/>
+            <p:nvPr/>
+          </p:nvSpPr>
+          <p:spPr>
+            <a:xfrm>
+              <a:off x="3595099" y="2588194"/>
+              <a:ext cx="887151" cy="887155"/>
+            </a:xfrm>
+            <a:custGeom>
+              <a:avLst/>
+              <a:gdLst>
+                <a:gd name="connsiteX0" fmla="*/ 0 w 887151"/>
+                <a:gd name="connsiteY0" fmla="*/ 443578 h 887155"/>
+                <a:gd name="connsiteX1" fmla="*/ 443576 w 887151"/>
+                <a:gd name="connsiteY1" fmla="*/ 0 h 887155"/>
+                <a:gd name="connsiteX2" fmla="*/ 887152 w 887151"/>
+                <a:gd name="connsiteY2" fmla="*/ 443578 h 887155"/>
+                <a:gd name="connsiteX3" fmla="*/ 443576 w 887151"/>
+                <a:gd name="connsiteY3" fmla="*/ 887156 h 887155"/>
+                <a:gd name="connsiteX4" fmla="*/ 0 w 887151"/>
+                <a:gd name="connsiteY4" fmla="*/ 443578 h 887155"/>
+              </a:gdLst>
+              <a:ahLst/>
+              <a:cxnLst>
+                <a:cxn ang="0">
+                  <a:pos x="connsiteX0" y="connsiteY0"/>
+                </a:cxn>
+                <a:cxn ang="0">
+                  <a:pos x="connsiteX1" y="connsiteY1"/>
+                </a:cxn>
+                <a:cxn ang="0">
+                  <a:pos x="connsiteX2" y="connsiteY2"/>
+                </a:cxn>
+                <a:cxn ang="0">
+                  <a:pos x="connsiteX3" y="connsiteY3"/>
+                </a:cxn>
+                <a:cxn ang="0">
+                  <a:pos x="connsiteX4" y="connsiteY4"/>
+                </a:cxn>
+              </a:cxnLst>
+              <a:rect l="l" t="t" r="r" b="b"/>
+              <a:pathLst>
+                <a:path w="887151" h="887155">
+                  <a:moveTo>
+                    <a:pt x="0" y="443578"/>
+                  </a:moveTo>
+                  <a:cubicBezTo>
+                    <a:pt x="0" y="198597"/>
+                    <a:pt x="198596" y="0"/>
+                    <a:pt x="443576" y="0"/>
+                  </a:cubicBezTo>
+                  <a:cubicBezTo>
+                    <a:pt x="688556" y="0"/>
+                    <a:pt x="887152" y="198597"/>
+                    <a:pt x="887152" y="443578"/>
+                  </a:cubicBezTo>
+                  <a:cubicBezTo>
+                    <a:pt x="887152" y="688559"/>
+                    <a:pt x="688556" y="887156"/>
+                    <a:pt x="443576" y="887156"/>
+                  </a:cubicBezTo>
+                  <a:cubicBezTo>
+                    <a:pt x="198596" y="887156"/>
+                    <a:pt x="0" y="688559"/>
+                    <a:pt x="0" y="443578"/>
+                  </a:cubicBezTo>
+                  <a:close/>
+                </a:path>
+              </a:pathLst>
+            </a:custGeom>
+            <a:solidFill>
+              <a:schemeClr val="bg2">
+                <a:lumMod val="75000"/>
+              </a:schemeClr>
+            </a:solidFill>
+            <a:ln>
+              <a:solidFill>
+                <a:schemeClr val="tx1"/>
+              </a:solidFill>
+            </a:ln>
+          </p:spPr>
+          <p:style>
+            <a:lnRef idx="2">
+              <a:schemeClr val="accent5">
+                <a:shade val="80000"/>
+                <a:hueOff val="0"/>
+                <a:satOff val="0"/>
+                <a:lumOff val="0"/>
+                <a:alphaOff val="0"/>
+              </a:schemeClr>
+            </a:lnRef>
+            <a:fillRef idx="1">
+              <a:schemeClr val="lt1">
+                <a:alpha val="50000"/>
+                <a:hueOff val="0"/>
+                <a:satOff val="0"/>
+                <a:lumOff val="0"/>
+                <a:alphaOff val="0"/>
+              </a:schemeClr>
+            </a:fillRef>
+            <a:effectRef idx="0">
+              <a:schemeClr val="lt1">
+                <a:alpha val="50000"/>
+                <a:hueOff val="0"/>
+                <a:satOff val="0"/>
+                <a:lumOff val="0"/>
+                <a:alphaOff val="0"/>
+              </a:schemeClr>
+            </a:effectRef>
+            <a:fontRef idx="minor">
+              <a:schemeClr val="tx1"/>
+            </a:fontRef>
+          </p:style>
+          <p:txBody>
+            <a:bodyPr spcFirstLastPara="0" vert="horz" wrap="square" lIns="175640" tIns="175641" rIns="175640" bIns="175641" numCol="1" spcCol="1270" anchor="ctr" anchorCtr="0">
+              <a:noAutofit/>
+            </a:bodyPr>
+            <a:lstStyle/>
+            <a:p>
+              <a:pPr marL="0" lvl="0" indent="0" algn="ctr" defTabSz="533400">
+                <a:lnSpc>
+                  <a:spcPct val="90000"/>
+                </a:lnSpc>
+                <a:spcBef>
+                  <a:spcPct val="0"/>
+                </a:spcBef>
+                <a:spcAft>
+                  <a:spcPct val="35000"/>
+                </a:spcAft>
+                <a:buNone/>
+              </a:pPr>
+              <a:r>
+                <a:rPr lang="en-US" sz="1200" kern="1200" dirty="0">
+                  <a:latin typeface="Questrial" panose="02000000000000000000" pitchFamily="2" charset="0"/>
+                </a:rPr>
+                <a:t>title rows</a:t>
+              </a:r>
+            </a:p>
+          </p:txBody>
+        </p:sp>
+        <p:sp>
+          <p:nvSpPr>
+            <p:cNvPr id="20" name="Oval 19">
+              <a:extLst>
+                <a:ext uri="{FF2B5EF4-FFF2-40B4-BE49-F238E27FC236}">
+                  <a16:creationId xmlns:a16="http://schemas.microsoft.com/office/drawing/2014/main" id="{A1F2A4C6-B853-8447-BCC8-AD45960F7FA9}"/>
+                </a:ext>
+              </a:extLst>
+            </p:cNvPr>
+            <p:cNvSpPr/>
+            <p:nvPr/>
+          </p:nvSpPr>
+          <p:spPr>
+            <a:xfrm>
+              <a:off x="4319697" y="3488775"/>
+              <a:ext cx="253471" cy="253505"/>
+            </a:xfrm>
+            <a:prstGeom prst="ellipse">
+              <a:avLst/>
+            </a:prstGeom>
+            <a:solidFill>
+              <a:schemeClr val="bg2">
+                <a:lumMod val="75000"/>
+              </a:schemeClr>
+            </a:solidFill>
+            <a:ln>
+              <a:solidFill>
+                <a:schemeClr val="tx1"/>
+              </a:solidFill>
+            </a:ln>
+          </p:spPr>
+          <p:style>
+            <a:lnRef idx="2">
+              <a:schemeClr val="accent5">
+                <a:shade val="80000"/>
+                <a:hueOff val="0"/>
+                <a:satOff val="0"/>
+                <a:lumOff val="0"/>
+                <a:alphaOff val="0"/>
+              </a:schemeClr>
+            </a:lnRef>
+            <a:fillRef idx="1">
+              <a:schemeClr val="lt1">
+                <a:alpha val="50000"/>
+                <a:hueOff val="0"/>
+                <a:satOff val="0"/>
+                <a:lumOff val="0"/>
+                <a:alphaOff val="0"/>
+              </a:schemeClr>
+            </a:fillRef>
+            <a:effectRef idx="0">
+              <a:schemeClr val="lt1">
+                <a:alpha val="50000"/>
+                <a:hueOff val="0"/>
+                <a:satOff val="0"/>
+                <a:lumOff val="0"/>
+                <a:alphaOff val="0"/>
+              </a:schemeClr>
+            </a:effectRef>
+            <a:fontRef idx="minor">
+              <a:schemeClr val="tx1"/>
+            </a:fontRef>
+          </p:style>
+        </p:sp>
+        <p:sp>
+          <p:nvSpPr>
+            <p:cNvPr id="21" name="Freeform 20">
+              <a:extLst>
+                <a:ext uri="{FF2B5EF4-FFF2-40B4-BE49-F238E27FC236}">
+                  <a16:creationId xmlns:a16="http://schemas.microsoft.com/office/drawing/2014/main" id="{A70A84DD-4DE7-2848-98DD-E869BF7937D9}"/>
+                </a:ext>
+              </a:extLst>
+            </p:cNvPr>
+            <p:cNvSpPr/>
+            <p:nvPr/>
+          </p:nvSpPr>
+          <p:spPr>
+            <a:xfrm>
+              <a:off x="2479178" y="3622465"/>
+              <a:ext cx="887151" cy="887155"/>
+            </a:xfrm>
+            <a:custGeom>
+              <a:avLst/>
+              <a:gdLst>
+                <a:gd name="connsiteX0" fmla="*/ 0 w 887151"/>
+                <a:gd name="connsiteY0" fmla="*/ 443578 h 887155"/>
+                <a:gd name="connsiteX1" fmla="*/ 443576 w 887151"/>
+                <a:gd name="connsiteY1" fmla="*/ 0 h 887155"/>
+                <a:gd name="connsiteX2" fmla="*/ 887152 w 887151"/>
+                <a:gd name="connsiteY2" fmla="*/ 443578 h 887155"/>
+                <a:gd name="connsiteX3" fmla="*/ 443576 w 887151"/>
+                <a:gd name="connsiteY3" fmla="*/ 887156 h 887155"/>
+                <a:gd name="connsiteX4" fmla="*/ 0 w 887151"/>
+                <a:gd name="connsiteY4" fmla="*/ 443578 h 887155"/>
+              </a:gdLst>
+              <a:ahLst/>
+              <a:cxnLst>
+                <a:cxn ang="0">
+                  <a:pos x="connsiteX0" y="connsiteY0"/>
+                </a:cxn>
+                <a:cxn ang="0">
+                  <a:pos x="connsiteX1" y="connsiteY1"/>
+                </a:cxn>
+                <a:cxn ang="0">
+                  <a:pos x="connsiteX2" y="connsiteY2"/>
+                </a:cxn>
+                <a:cxn ang="0">
+                  <a:pos x="connsiteX3" y="connsiteY3"/>
+                </a:cxn>
+                <a:cxn ang="0">
+                  <a:pos x="connsiteX4" y="connsiteY4"/>
+                </a:cxn>
+              </a:cxnLst>
+              <a:rect l="l" t="t" r="r" b="b"/>
+              <a:pathLst>
+                <a:path w="887151" h="887155">
+                  <a:moveTo>
+                    <a:pt x="0" y="443578"/>
+                  </a:moveTo>
+                  <a:cubicBezTo>
+                    <a:pt x="0" y="198597"/>
+                    <a:pt x="198596" y="0"/>
+                    <a:pt x="443576" y="0"/>
+                  </a:cubicBezTo>
+                  <a:cubicBezTo>
+                    <a:pt x="688556" y="0"/>
+                    <a:pt x="887152" y="198597"/>
+                    <a:pt x="887152" y="443578"/>
+                  </a:cubicBezTo>
+                  <a:cubicBezTo>
+                    <a:pt x="887152" y="688559"/>
+                    <a:pt x="688556" y="887156"/>
+                    <a:pt x="443576" y="887156"/>
+                  </a:cubicBezTo>
+                  <a:cubicBezTo>
+                    <a:pt x="198596" y="887156"/>
+                    <a:pt x="0" y="688559"/>
+                    <a:pt x="0" y="443578"/>
+                  </a:cubicBezTo>
+                  <a:close/>
+                </a:path>
+              </a:pathLst>
+            </a:custGeom>
+            <a:solidFill>
+              <a:schemeClr val="bg2">
+                <a:lumMod val="75000"/>
+              </a:schemeClr>
+            </a:solidFill>
+            <a:ln>
+              <a:solidFill>
+                <a:schemeClr val="tx1"/>
+              </a:solidFill>
+            </a:ln>
+          </p:spPr>
+          <p:style>
+            <a:lnRef idx="2">
+              <a:schemeClr val="accent5">
+                <a:shade val="80000"/>
+                <a:hueOff val="0"/>
+                <a:satOff val="0"/>
+                <a:lumOff val="0"/>
+                <a:alphaOff val="0"/>
+              </a:schemeClr>
+            </a:lnRef>
+            <a:fillRef idx="1">
+              <a:schemeClr val="lt1">
+                <a:alpha val="50000"/>
+                <a:hueOff val="0"/>
+                <a:satOff val="0"/>
+                <a:lumOff val="0"/>
+                <a:alphaOff val="0"/>
+              </a:schemeClr>
+            </a:fillRef>
+            <a:effectRef idx="0">
+              <a:schemeClr val="lt1">
+                <a:alpha val="50000"/>
+                <a:hueOff val="0"/>
+                <a:satOff val="0"/>
+                <a:lumOff val="0"/>
+                <a:alphaOff val="0"/>
+              </a:schemeClr>
+            </a:effectRef>
+            <a:fontRef idx="minor">
+              <a:schemeClr val="tx1"/>
+            </a:fontRef>
+          </p:style>
+          <p:txBody>
+            <a:bodyPr spcFirstLastPara="0" vert="horz" wrap="square" lIns="175640" tIns="175641" rIns="175640" bIns="175641" numCol="1" spcCol="1270" anchor="ctr" anchorCtr="0">
+              <a:noAutofit/>
+            </a:bodyPr>
+            <a:lstStyle/>
+            <a:p>
+              <a:pPr marL="0" lvl="0" indent="0" algn="ctr" defTabSz="533400">
+                <a:lnSpc>
+                  <a:spcPct val="90000"/>
+                </a:lnSpc>
+                <a:spcBef>
+                  <a:spcPct val="0"/>
+                </a:spcBef>
+                <a:spcAft>
+                  <a:spcPct val="35000"/>
+                </a:spcAft>
+                <a:buNone/>
+              </a:pPr>
+              <a:r>
+                <a:rPr lang="en-US" sz="1200" kern="1200" dirty="0">
+                  <a:latin typeface="Questrial" panose="02000000000000000000" pitchFamily="2" charset="0"/>
+                </a:rPr>
+                <a:t>column orders</a:t>
+              </a:r>
+            </a:p>
+          </p:txBody>
+        </p:sp>
+        <p:sp>
+          <p:nvSpPr>
+            <p:cNvPr id="22" name="Freeform 21">
+              <a:extLst>
+                <a:ext uri="{FF2B5EF4-FFF2-40B4-BE49-F238E27FC236}">
+                  <a16:creationId xmlns:a16="http://schemas.microsoft.com/office/drawing/2014/main" id="{4E302BB7-E3B6-0C4C-A504-3A65066A6585}"/>
+                </a:ext>
+              </a:extLst>
+            </p:cNvPr>
+            <p:cNvSpPr/>
+            <p:nvPr/>
+          </p:nvSpPr>
+          <p:spPr>
+            <a:xfrm>
+              <a:off x="3434030" y="3576036"/>
+              <a:ext cx="887151" cy="887155"/>
+            </a:xfrm>
+            <a:custGeom>
+              <a:avLst/>
+              <a:gdLst>
+                <a:gd name="connsiteX0" fmla="*/ 0 w 887151"/>
+                <a:gd name="connsiteY0" fmla="*/ 443578 h 887155"/>
+                <a:gd name="connsiteX1" fmla="*/ 443576 w 887151"/>
+                <a:gd name="connsiteY1" fmla="*/ 0 h 887155"/>
+                <a:gd name="connsiteX2" fmla="*/ 887152 w 887151"/>
+                <a:gd name="connsiteY2" fmla="*/ 443578 h 887155"/>
+                <a:gd name="connsiteX3" fmla="*/ 443576 w 887151"/>
+                <a:gd name="connsiteY3" fmla="*/ 887156 h 887155"/>
+                <a:gd name="connsiteX4" fmla="*/ 0 w 887151"/>
+                <a:gd name="connsiteY4" fmla="*/ 443578 h 887155"/>
+              </a:gdLst>
+              <a:ahLst/>
+              <a:cxnLst>
+                <a:cxn ang="0">
+                  <a:pos x="connsiteX0" y="connsiteY0"/>
+                </a:cxn>
+                <a:cxn ang="0">
+                  <a:pos x="connsiteX1" y="connsiteY1"/>
+                </a:cxn>
+                <a:cxn ang="0">
+                  <a:pos x="connsiteX2" y="connsiteY2"/>
+                </a:cxn>
+                <a:cxn ang="0">
+                  <a:pos x="connsiteX3" y="connsiteY3"/>
+                </a:cxn>
+                <a:cxn ang="0">
+                  <a:pos x="connsiteX4" y="connsiteY4"/>
+                </a:cxn>
+              </a:cxnLst>
+              <a:rect l="l" t="t" r="r" b="b"/>
+              <a:pathLst>
+                <a:path w="887151" h="887155">
+                  <a:moveTo>
+                    <a:pt x="0" y="443578"/>
+                  </a:moveTo>
+                  <a:cubicBezTo>
+                    <a:pt x="0" y="198597"/>
+                    <a:pt x="198596" y="0"/>
+                    <a:pt x="443576" y="0"/>
+                  </a:cubicBezTo>
+                  <a:cubicBezTo>
+                    <a:pt x="688556" y="0"/>
+                    <a:pt x="887152" y="198597"/>
+                    <a:pt x="887152" y="443578"/>
+                  </a:cubicBezTo>
+                  <a:cubicBezTo>
+                    <a:pt x="887152" y="688559"/>
+                    <a:pt x="688556" y="887156"/>
+                    <a:pt x="443576" y="887156"/>
+                  </a:cubicBezTo>
+                  <a:cubicBezTo>
+                    <a:pt x="198596" y="887156"/>
+                    <a:pt x="0" y="688559"/>
+                    <a:pt x="0" y="443578"/>
+                  </a:cubicBezTo>
+                  <a:close/>
+                </a:path>
+              </a:pathLst>
+            </a:custGeom>
+            <a:solidFill>
+              <a:schemeClr val="bg2">
+                <a:lumMod val="75000"/>
+              </a:schemeClr>
+            </a:solidFill>
+            <a:ln>
+              <a:solidFill>
+                <a:schemeClr val="tx1"/>
+              </a:solidFill>
+            </a:ln>
+          </p:spPr>
+          <p:style>
+            <a:lnRef idx="2">
+              <a:schemeClr val="accent5">
+                <a:shade val="80000"/>
+                <a:hueOff val="0"/>
+                <a:satOff val="0"/>
+                <a:lumOff val="0"/>
+                <a:alphaOff val="0"/>
+              </a:schemeClr>
+            </a:lnRef>
+            <a:fillRef idx="1">
+              <a:schemeClr val="lt1">
+                <a:alpha val="50000"/>
+                <a:hueOff val="0"/>
+                <a:satOff val="0"/>
+                <a:lumOff val="0"/>
+                <a:alphaOff val="0"/>
+              </a:schemeClr>
+            </a:fillRef>
+            <a:effectRef idx="0">
+              <a:schemeClr val="lt1">
+                <a:alpha val="50000"/>
+                <a:hueOff val="0"/>
+                <a:satOff val="0"/>
+                <a:lumOff val="0"/>
+                <a:alphaOff val="0"/>
+              </a:schemeClr>
+            </a:effectRef>
+            <a:fontRef idx="minor">
+              <a:schemeClr val="tx1"/>
+            </a:fontRef>
+          </p:style>
+          <p:txBody>
+            <a:bodyPr spcFirstLastPara="0" vert="horz" wrap="square" lIns="175640" tIns="175641" rIns="175640" bIns="175641" numCol="1" spcCol="1270" anchor="ctr" anchorCtr="0">
+              <a:noAutofit/>
+            </a:bodyPr>
+            <a:lstStyle/>
+            <a:p>
+              <a:pPr marL="0" lvl="0" indent="0" algn="ctr" defTabSz="533400">
+                <a:lnSpc>
+                  <a:spcPct val="90000"/>
+                </a:lnSpc>
+                <a:spcBef>
+                  <a:spcPct val="0"/>
+                </a:spcBef>
+                <a:spcAft>
+                  <a:spcPct val="35000"/>
+                </a:spcAft>
+                <a:buNone/>
+              </a:pPr>
+              <a:r>
+                <a:rPr lang="en-US" sz="1200" kern="1200" dirty="0">
+                  <a:latin typeface="Questrial" panose="02000000000000000000" pitchFamily="2" charset="0"/>
+                </a:rPr>
+                <a:t>column names</a:t>
+              </a:r>
+            </a:p>
+          </p:txBody>
+        </p:sp>
+        <p:sp>
+          <p:nvSpPr>
+            <p:cNvPr id="23" name="Oval 22">
+              <a:extLst>
+                <a:ext uri="{FF2B5EF4-FFF2-40B4-BE49-F238E27FC236}">
+                  <a16:creationId xmlns:a16="http://schemas.microsoft.com/office/drawing/2014/main" id="{B66001E1-C974-6747-8EE6-CB22BCD8B9A3}"/>
+                </a:ext>
+              </a:extLst>
+            </p:cNvPr>
+            <p:cNvSpPr/>
+            <p:nvPr/>
+          </p:nvSpPr>
+          <p:spPr>
+            <a:xfrm>
+              <a:off x="3148462" y="3205421"/>
+              <a:ext cx="435734" cy="435634"/>
+            </a:xfrm>
+            <a:prstGeom prst="ellipse">
+              <a:avLst/>
+            </a:prstGeom>
+            <a:solidFill>
+              <a:schemeClr val="bg2">
+                <a:lumMod val="75000"/>
+              </a:schemeClr>
+            </a:solidFill>
+            <a:ln>
+              <a:solidFill>
+                <a:schemeClr val="tx1"/>
+              </a:solidFill>
+            </a:ln>
+          </p:spPr>
+          <p:style>
+            <a:lnRef idx="2">
+              <a:schemeClr val="accent5">
+                <a:shade val="80000"/>
+                <a:hueOff val="0"/>
+                <a:satOff val="0"/>
+                <a:lumOff val="0"/>
+                <a:alphaOff val="0"/>
+              </a:schemeClr>
+            </a:lnRef>
+            <a:fillRef idx="1">
+              <a:schemeClr val="lt1">
+                <a:alpha val="50000"/>
+                <a:hueOff val="0"/>
+                <a:satOff val="0"/>
+                <a:lumOff val="0"/>
+                <a:alphaOff val="0"/>
+              </a:schemeClr>
+            </a:fillRef>
+            <a:effectRef idx="0">
+              <a:schemeClr val="lt1">
+                <a:alpha val="50000"/>
+                <a:hueOff val="0"/>
+                <a:satOff val="0"/>
+                <a:lumOff val="0"/>
+                <a:alphaOff val="0"/>
+              </a:schemeClr>
+            </a:effectRef>
+            <a:fontRef idx="minor">
+              <a:schemeClr val="tx1"/>
+            </a:fontRef>
+          </p:style>
+        </p:sp>
+        <p:sp>
+          <p:nvSpPr>
+            <p:cNvPr id="24" name="Oval 23">
+              <a:extLst>
+                <a:ext uri="{FF2B5EF4-FFF2-40B4-BE49-F238E27FC236}">
+                  <a16:creationId xmlns:a16="http://schemas.microsoft.com/office/drawing/2014/main" id="{80B5395D-C6CD-634B-8BB1-8967B45B4D89}"/>
+                </a:ext>
+              </a:extLst>
+            </p:cNvPr>
+            <p:cNvSpPr/>
+            <p:nvPr/>
+          </p:nvSpPr>
+          <p:spPr>
+            <a:xfrm>
+              <a:off x="2870986" y="3243325"/>
+              <a:ext cx="190527" cy="190408"/>
+            </a:xfrm>
+            <a:prstGeom prst="ellipse">
+              <a:avLst/>
+            </a:prstGeom>
+            <a:solidFill>
+              <a:schemeClr val="bg2">
+                <a:lumMod val="75000"/>
+              </a:schemeClr>
+            </a:solidFill>
+            <a:ln>
+              <a:solidFill>
+                <a:schemeClr val="tx1"/>
+              </a:solidFill>
+            </a:ln>
+          </p:spPr>
+          <p:style>
+            <a:lnRef idx="2">
+              <a:schemeClr val="accent5">
+                <a:shade val="80000"/>
+                <a:hueOff val="0"/>
+                <a:satOff val="0"/>
+                <a:lumOff val="0"/>
+                <a:alphaOff val="0"/>
+              </a:schemeClr>
+            </a:lnRef>
+            <a:fillRef idx="1">
+              <a:schemeClr val="lt1">
+                <a:alpha val="50000"/>
+                <a:hueOff val="0"/>
+                <a:satOff val="0"/>
+                <a:lumOff val="0"/>
+                <a:alphaOff val="0"/>
+              </a:schemeClr>
+            </a:fillRef>
+            <a:effectRef idx="0">
+              <a:schemeClr val="lt1">
+                <a:alpha val="50000"/>
+                <a:hueOff val="0"/>
+                <a:satOff val="0"/>
+                <a:lumOff val="0"/>
+                <a:alphaOff val="0"/>
+              </a:schemeClr>
+            </a:effectRef>
+            <a:fontRef idx="minor">
+              <a:schemeClr val="tx1"/>
+            </a:fontRef>
+          </p:style>
+        </p:sp>
+        <p:sp>
+          <p:nvSpPr>
+            <p:cNvPr id="25" name="Freeform 24">
+              <a:extLst>
+                <a:ext uri="{FF2B5EF4-FFF2-40B4-BE49-F238E27FC236}">
+                  <a16:creationId xmlns:a16="http://schemas.microsoft.com/office/drawing/2014/main" id="{4501DDDC-04DE-9B4F-AFA0-950694F20DE5}"/>
+                </a:ext>
+              </a:extLst>
+            </p:cNvPr>
+            <p:cNvSpPr/>
+            <p:nvPr/>
+          </p:nvSpPr>
+          <p:spPr>
+            <a:xfrm>
+              <a:off x="8375243" y="2545823"/>
+              <a:ext cx="1758627" cy="1758309"/>
+            </a:xfrm>
+            <a:custGeom>
+              <a:avLst/>
+              <a:gdLst>
+                <a:gd name="connsiteX0" fmla="*/ 0 w 1758627"/>
+                <a:gd name="connsiteY0" fmla="*/ 879155 h 1758309"/>
+                <a:gd name="connsiteX1" fmla="*/ 879314 w 1758627"/>
+                <a:gd name="connsiteY1" fmla="*/ 0 h 1758309"/>
+                <a:gd name="connsiteX2" fmla="*/ 1758628 w 1758627"/>
+                <a:gd name="connsiteY2" fmla="*/ 879155 h 1758309"/>
+                <a:gd name="connsiteX3" fmla="*/ 879314 w 1758627"/>
+                <a:gd name="connsiteY3" fmla="*/ 1758310 h 1758309"/>
+                <a:gd name="connsiteX4" fmla="*/ 0 w 1758627"/>
+                <a:gd name="connsiteY4" fmla="*/ 879155 h 1758309"/>
+              </a:gdLst>
+              <a:ahLst/>
+              <a:cxnLst>
+                <a:cxn ang="0">
+                  <a:pos x="connsiteX0" y="connsiteY0"/>
+                </a:cxn>
+                <a:cxn ang="0">
+                  <a:pos x="connsiteX1" y="connsiteY1"/>
+                </a:cxn>
+                <a:cxn ang="0">
+                  <a:pos x="connsiteX2" y="connsiteY2"/>
+                </a:cxn>
+                <a:cxn ang="0">
+                  <a:pos x="connsiteX3" y="connsiteY3"/>
+                </a:cxn>
+                <a:cxn ang="0">
+                  <a:pos x="connsiteX4" y="connsiteY4"/>
+                </a:cxn>
+              </a:cxnLst>
+              <a:rect l="l" t="t" r="r" b="b"/>
+              <a:pathLst>
+                <a:path w="1758627" h="1758309">
+                  <a:moveTo>
+                    <a:pt x="0" y="879155"/>
+                  </a:moveTo>
+                  <a:cubicBezTo>
+                    <a:pt x="0" y="393611"/>
+                    <a:pt x="393682" y="0"/>
+                    <a:pt x="879314" y="0"/>
+                  </a:cubicBezTo>
+                  <a:cubicBezTo>
+                    <a:pt x="1364946" y="0"/>
+                    <a:pt x="1758628" y="393611"/>
+                    <a:pt x="1758628" y="879155"/>
+                  </a:cubicBezTo>
+                  <a:cubicBezTo>
+                    <a:pt x="1758628" y="1364699"/>
+                    <a:pt x="1364946" y="1758310"/>
+                    <a:pt x="879314" y="1758310"/>
+                  </a:cubicBezTo>
+                  <a:cubicBezTo>
+                    <a:pt x="393682" y="1758310"/>
+                    <a:pt x="0" y="1364699"/>
+                    <a:pt x="0" y="879155"/>
+                  </a:cubicBezTo>
+                  <a:close/>
+                </a:path>
+              </a:pathLst>
+            </a:custGeom>
+            <a:solidFill>
+              <a:schemeClr val="bg2">
+                <a:lumMod val="75000"/>
+              </a:schemeClr>
+            </a:solidFill>
+          </p:spPr>
+          <p:style>
+            <a:lnRef idx="2">
+              <a:schemeClr val="accent5">
+                <a:shade val="80000"/>
+                <a:hueOff val="0"/>
+                <a:satOff val="0"/>
+                <a:lumOff val="0"/>
+                <a:alphaOff val="0"/>
+              </a:schemeClr>
+            </a:lnRef>
+            <a:fillRef idx="1">
+              <a:schemeClr val="lt1">
+                <a:hueOff val="0"/>
+                <a:satOff val="0"/>
+                <a:lumOff val="0"/>
+                <a:alphaOff val="0"/>
+              </a:schemeClr>
+            </a:fillRef>
+            <a:effectRef idx="0">
+              <a:schemeClr val="lt1">
+                <a:hueOff val="0"/>
+                <a:satOff val="0"/>
+                <a:lumOff val="0"/>
+                <a:alphaOff val="0"/>
+              </a:schemeClr>
+            </a:effectRef>
+            <a:fontRef idx="minor">
+              <a:schemeClr val="dk1">
+                <a:hueOff val="0"/>
+                <a:satOff val="0"/>
+                <a:lumOff val="0"/>
+                <a:alphaOff val="0"/>
+              </a:schemeClr>
+            </a:fontRef>
+          </p:style>
+          <p:txBody>
+            <a:bodyPr spcFirstLastPara="0" vert="horz" wrap="square" lIns="91440" tIns="310838" rIns="91440" bIns="310838" numCol="1" spcCol="1270" anchor="ctr" anchorCtr="0">
+              <a:noAutofit/>
+            </a:bodyPr>
+            <a:lstStyle/>
+            <a:p>
+              <a:pPr marL="0" lvl="0" indent="0" algn="ctr" defTabSz="622300">
+                <a:lnSpc>
+                  <a:spcPct val="90000"/>
+                </a:lnSpc>
+                <a:spcBef>
+                  <a:spcPct val="0"/>
+                </a:spcBef>
+                <a:spcAft>
+                  <a:spcPct val="35000"/>
+                </a:spcAft>
+                <a:buNone/>
+              </a:pPr>
+              <a:r>
+                <a:rPr lang="en-US" sz="2400" b="1" dirty="0">
+                  <a:solidFill>
+                    <a:schemeClr val="tx1"/>
+                  </a:solidFill>
+                  <a:latin typeface="Questrial" panose="02000000000000000000" pitchFamily="2" charset="0"/>
+                </a:rPr>
+                <a:t>1 df</a:t>
+              </a:r>
+              <a:endParaRPr lang="en-US" sz="2400" b="1" kern="1200" dirty="0">
+                <a:solidFill>
+                  <a:schemeClr val="tx1"/>
+                </a:solidFill>
                 <a:latin typeface="Questrial" panose="02000000000000000000" pitchFamily="2" charset="0"/>
-              </a:rPr>
-              <a:t>n</a:t>
-            </a:r>
-            <a:r>
-              <a:rPr lang="en-US" sz="1200" kern="1200" dirty="0">
+              </a:endParaRPr>
+            </a:p>
+          </p:txBody>
+        </p:sp>
+        <p:sp>
+          <p:nvSpPr>
+            <p:cNvPr id="26" name="Freeform 25">
+              <a:extLst>
+                <a:ext uri="{FF2B5EF4-FFF2-40B4-BE49-F238E27FC236}">
+                  <a16:creationId xmlns:a16="http://schemas.microsoft.com/office/drawing/2014/main" id="{7B117AEA-65F4-B54A-BC03-58B390464FB5}"/>
+                </a:ext>
+              </a:extLst>
+            </p:cNvPr>
+            <p:cNvSpPr/>
+            <p:nvPr/>
+          </p:nvSpPr>
+          <p:spPr>
+            <a:xfrm>
+              <a:off x="1905583" y="4539045"/>
+              <a:ext cx="2584256" cy="602407"/>
+            </a:xfrm>
+            <a:custGeom>
+              <a:avLst/>
+              <a:gdLst>
+                <a:gd name="connsiteX0" fmla="*/ 0 w 2286215"/>
+                <a:gd name="connsiteY0" fmla="*/ 0 h 602407"/>
+                <a:gd name="connsiteX1" fmla="*/ 2286215 w 2286215"/>
+                <a:gd name="connsiteY1" fmla="*/ 0 h 602407"/>
+                <a:gd name="connsiteX2" fmla="*/ 2286215 w 2286215"/>
+                <a:gd name="connsiteY2" fmla="*/ 602407 h 602407"/>
+                <a:gd name="connsiteX3" fmla="*/ 0 w 2286215"/>
+                <a:gd name="connsiteY3" fmla="*/ 602407 h 602407"/>
+                <a:gd name="connsiteX4" fmla="*/ 0 w 2286215"/>
+                <a:gd name="connsiteY4" fmla="*/ 0 h 602407"/>
+              </a:gdLst>
+              <a:ahLst/>
+              <a:cxnLst>
+                <a:cxn ang="0">
+                  <a:pos x="connsiteX0" y="connsiteY0"/>
+                </a:cxn>
+                <a:cxn ang="0">
+                  <a:pos x="connsiteX1" y="connsiteY1"/>
+                </a:cxn>
+                <a:cxn ang="0">
+                  <a:pos x="connsiteX2" y="connsiteY2"/>
+                </a:cxn>
+                <a:cxn ang="0">
+                  <a:pos x="connsiteX3" y="connsiteY3"/>
+                </a:cxn>
+                <a:cxn ang="0">
+                  <a:pos x="connsiteX4" y="connsiteY4"/>
+                </a:cxn>
+              </a:cxnLst>
+              <a:rect l="l" t="t" r="r" b="b"/>
+              <a:pathLst>
+                <a:path w="2286215" h="602407">
+                  <a:moveTo>
+                    <a:pt x="0" y="0"/>
+                  </a:moveTo>
+                  <a:lnTo>
+                    <a:pt x="2286215" y="0"/>
+                  </a:lnTo>
+                  <a:lnTo>
+                    <a:pt x="2286215" y="602407"/>
+                  </a:lnTo>
+                  <a:lnTo>
+                    <a:pt x="0" y="602407"/>
+                  </a:lnTo>
+                  <a:lnTo>
+                    <a:pt x="0" y="0"/>
+                  </a:lnTo>
+                  <a:close/>
+                </a:path>
+              </a:pathLst>
+            </a:custGeom>
+          </p:spPr>
+          <p:style>
+            <a:lnRef idx="0">
+              <a:schemeClr val="dk1">
+                <a:alpha val="0"/>
+                <a:hueOff val="0"/>
+                <a:satOff val="0"/>
+                <a:lumOff val="0"/>
+                <a:alphaOff val="0"/>
+              </a:schemeClr>
+            </a:lnRef>
+            <a:fillRef idx="0">
+              <a:schemeClr val="lt1">
+                <a:alpha val="0"/>
+                <a:hueOff val="0"/>
+                <a:satOff val="0"/>
+                <a:lumOff val="0"/>
+                <a:alphaOff val="0"/>
+              </a:schemeClr>
+            </a:fillRef>
+            <a:effectRef idx="0">
+              <a:schemeClr val="lt1">
+                <a:alpha val="0"/>
+                <a:hueOff val="0"/>
+                <a:satOff val="0"/>
+                <a:lumOff val="0"/>
+                <a:alphaOff val="0"/>
+              </a:schemeClr>
+            </a:effectRef>
+            <a:fontRef idx="minor">
+              <a:schemeClr val="tx1">
+                <a:hueOff val="0"/>
+                <a:satOff val="0"/>
+                <a:lumOff val="0"/>
+                <a:alphaOff val="0"/>
+              </a:schemeClr>
+            </a:fontRef>
+          </p:style>
+          <p:txBody>
+            <a:bodyPr spcFirstLastPara="0" vert="horz" wrap="square" lIns="114300" tIns="114300" rIns="114300" bIns="114300" numCol="1" spcCol="1270" anchor="ctr" anchorCtr="0">
+              <a:noAutofit/>
+            </a:bodyPr>
+            <a:lstStyle/>
+            <a:p>
+              <a:pPr marL="0" lvl="0" indent="0" algn="ctr" defTabSz="1333500">
+                <a:lnSpc>
+                  <a:spcPct val="90000"/>
+                </a:lnSpc>
+                <a:spcBef>
+                  <a:spcPct val="0"/>
+                </a:spcBef>
+                <a:spcAft>
+                  <a:spcPct val="35000"/>
+                </a:spcAft>
+                <a:buNone/>
+              </a:pPr>
+              <a:r>
+                <a:rPr lang="en-US" sz="3200" kern="1200" dirty="0">
+                  <a:solidFill>
+                    <a:schemeClr val="bg1"/>
+                  </a:solidFill>
+                  <a:latin typeface="Questrial" panose="02000000000000000000" pitchFamily="2" charset="0"/>
+                </a:rPr>
+                <a:t>inconsistent</a:t>
+              </a:r>
+            </a:p>
+          </p:txBody>
+        </p:sp>
+        <p:sp>
+          <p:nvSpPr>
+            <p:cNvPr id="27" name="Freeform 26">
+              <a:extLst>
+                <a:ext uri="{FF2B5EF4-FFF2-40B4-BE49-F238E27FC236}">
+                  <a16:creationId xmlns:a16="http://schemas.microsoft.com/office/drawing/2014/main" id="{D217994E-A04E-4747-9305-44D88C796389}"/>
+                </a:ext>
+              </a:extLst>
+            </p:cNvPr>
+            <p:cNvSpPr/>
+            <p:nvPr/>
+          </p:nvSpPr>
+          <p:spPr>
+            <a:xfrm>
+              <a:off x="1970473" y="2897398"/>
+              <a:ext cx="822960" cy="822960"/>
+            </a:xfrm>
+            <a:custGeom>
+              <a:avLst/>
+              <a:gdLst>
+                <a:gd name="connsiteX0" fmla="*/ 0 w 887151"/>
+                <a:gd name="connsiteY0" fmla="*/ 443578 h 887155"/>
+                <a:gd name="connsiteX1" fmla="*/ 443576 w 887151"/>
+                <a:gd name="connsiteY1" fmla="*/ 0 h 887155"/>
+                <a:gd name="connsiteX2" fmla="*/ 887152 w 887151"/>
+                <a:gd name="connsiteY2" fmla="*/ 443578 h 887155"/>
+                <a:gd name="connsiteX3" fmla="*/ 443576 w 887151"/>
+                <a:gd name="connsiteY3" fmla="*/ 887156 h 887155"/>
+                <a:gd name="connsiteX4" fmla="*/ 0 w 887151"/>
+                <a:gd name="connsiteY4" fmla="*/ 443578 h 887155"/>
+              </a:gdLst>
+              <a:ahLst/>
+              <a:cxnLst>
+                <a:cxn ang="0">
+                  <a:pos x="connsiteX0" y="connsiteY0"/>
+                </a:cxn>
+                <a:cxn ang="0">
+                  <a:pos x="connsiteX1" y="connsiteY1"/>
+                </a:cxn>
+                <a:cxn ang="0">
+                  <a:pos x="connsiteX2" y="connsiteY2"/>
+                </a:cxn>
+                <a:cxn ang="0">
+                  <a:pos x="connsiteX3" y="connsiteY3"/>
+                </a:cxn>
+                <a:cxn ang="0">
+                  <a:pos x="connsiteX4" y="connsiteY4"/>
+                </a:cxn>
+              </a:cxnLst>
+              <a:rect l="l" t="t" r="r" b="b"/>
+              <a:pathLst>
+                <a:path w="887151" h="887155">
+                  <a:moveTo>
+                    <a:pt x="0" y="443578"/>
+                  </a:moveTo>
+                  <a:cubicBezTo>
+                    <a:pt x="0" y="198597"/>
+                    <a:pt x="198596" y="0"/>
+                    <a:pt x="443576" y="0"/>
+                  </a:cubicBezTo>
+                  <a:cubicBezTo>
+                    <a:pt x="688556" y="0"/>
+                    <a:pt x="887152" y="198597"/>
+                    <a:pt x="887152" y="443578"/>
+                  </a:cubicBezTo>
+                  <a:cubicBezTo>
+                    <a:pt x="887152" y="688559"/>
+                    <a:pt x="688556" y="887156"/>
+                    <a:pt x="443576" y="887156"/>
+                  </a:cubicBezTo>
+                  <a:cubicBezTo>
+                    <a:pt x="198596" y="887156"/>
+                    <a:pt x="0" y="688559"/>
+                    <a:pt x="0" y="443578"/>
+                  </a:cubicBezTo>
+                  <a:close/>
+                </a:path>
+              </a:pathLst>
+            </a:custGeom>
+            <a:solidFill>
+              <a:schemeClr val="bg2">
+                <a:lumMod val="75000"/>
+              </a:schemeClr>
+            </a:solidFill>
+            <a:ln>
+              <a:solidFill>
+                <a:schemeClr val="tx1"/>
+              </a:solidFill>
+            </a:ln>
+          </p:spPr>
+          <p:style>
+            <a:lnRef idx="2">
+              <a:schemeClr val="accent5">
+                <a:shade val="80000"/>
+                <a:hueOff val="0"/>
+                <a:satOff val="0"/>
+                <a:lumOff val="0"/>
+                <a:alphaOff val="0"/>
+              </a:schemeClr>
+            </a:lnRef>
+            <a:fillRef idx="1">
+              <a:schemeClr val="lt1">
+                <a:alpha val="50000"/>
+                <a:hueOff val="0"/>
+                <a:satOff val="0"/>
+                <a:lumOff val="0"/>
+                <a:alphaOff val="0"/>
+              </a:schemeClr>
+            </a:fillRef>
+            <a:effectRef idx="0">
+              <a:schemeClr val="lt1">
+                <a:alpha val="50000"/>
+                <a:hueOff val="0"/>
+                <a:satOff val="0"/>
+                <a:lumOff val="0"/>
+                <a:alphaOff val="0"/>
+              </a:schemeClr>
+            </a:effectRef>
+            <a:fontRef idx="minor">
+              <a:schemeClr val="tx1"/>
+            </a:fontRef>
+          </p:style>
+          <p:txBody>
+            <a:bodyPr spcFirstLastPara="0" vert="horz" wrap="square" lIns="45720" tIns="175641" rIns="45720" bIns="175641" numCol="1" spcCol="1270" anchor="ctr" anchorCtr="0">
+              <a:noAutofit/>
+            </a:bodyPr>
+            <a:lstStyle/>
+            <a:p>
+              <a:pPr marL="0" lvl="0" indent="0" algn="ctr" defTabSz="533400">
+                <a:lnSpc>
+                  <a:spcPct val="90000"/>
+                </a:lnSpc>
+                <a:spcBef>
+                  <a:spcPct val="0"/>
+                </a:spcBef>
+                <a:spcAft>
+                  <a:spcPct val="35000"/>
+                </a:spcAft>
+                <a:buNone/>
+              </a:pPr>
+              <a:r>
+                <a:rPr lang="en-US" sz="1200" dirty="0">
+                  <a:latin typeface="Questrial" panose="02000000000000000000" pitchFamily="2" charset="0"/>
+                </a:rPr>
+                <a:t>n</a:t>
+              </a:r>
+              <a:r>
+                <a:rPr lang="en-US" sz="1200" kern="1200" dirty="0">
+                  <a:latin typeface="Questrial" panose="02000000000000000000" pitchFamily="2" charset="0"/>
+                </a:rPr>
+                <a:t>uanced nulls</a:t>
+              </a:r>
+            </a:p>
+          </p:txBody>
+        </p:sp>
+        <p:sp>
+          <p:nvSpPr>
+            <p:cNvPr id="28" name="Freeform 27">
+              <a:extLst>
+                <a:ext uri="{FF2B5EF4-FFF2-40B4-BE49-F238E27FC236}">
+                  <a16:creationId xmlns:a16="http://schemas.microsoft.com/office/drawing/2014/main" id="{F7BEC388-53EA-8A4A-9D91-49FE69F95280}"/>
+                </a:ext>
+              </a:extLst>
+            </p:cNvPr>
+            <p:cNvSpPr/>
+            <p:nvPr/>
+          </p:nvSpPr>
+          <p:spPr>
+            <a:xfrm>
+              <a:off x="1587670" y="3721533"/>
+              <a:ext cx="731520" cy="731520"/>
+            </a:xfrm>
+            <a:custGeom>
+              <a:avLst/>
+              <a:gdLst>
+                <a:gd name="connsiteX0" fmla="*/ 0 w 887151"/>
+                <a:gd name="connsiteY0" fmla="*/ 443578 h 887155"/>
+                <a:gd name="connsiteX1" fmla="*/ 443576 w 887151"/>
+                <a:gd name="connsiteY1" fmla="*/ 0 h 887155"/>
+                <a:gd name="connsiteX2" fmla="*/ 887152 w 887151"/>
+                <a:gd name="connsiteY2" fmla="*/ 443578 h 887155"/>
+                <a:gd name="connsiteX3" fmla="*/ 443576 w 887151"/>
+                <a:gd name="connsiteY3" fmla="*/ 887156 h 887155"/>
+                <a:gd name="connsiteX4" fmla="*/ 0 w 887151"/>
+                <a:gd name="connsiteY4" fmla="*/ 443578 h 887155"/>
+              </a:gdLst>
+              <a:ahLst/>
+              <a:cxnLst>
+                <a:cxn ang="0">
+                  <a:pos x="connsiteX0" y="connsiteY0"/>
+                </a:cxn>
+                <a:cxn ang="0">
+                  <a:pos x="connsiteX1" y="connsiteY1"/>
+                </a:cxn>
+                <a:cxn ang="0">
+                  <a:pos x="connsiteX2" y="connsiteY2"/>
+                </a:cxn>
+                <a:cxn ang="0">
+                  <a:pos x="connsiteX3" y="connsiteY3"/>
+                </a:cxn>
+                <a:cxn ang="0">
+                  <a:pos x="connsiteX4" y="connsiteY4"/>
+                </a:cxn>
+              </a:cxnLst>
+              <a:rect l="l" t="t" r="r" b="b"/>
+              <a:pathLst>
+                <a:path w="887151" h="887155">
+                  <a:moveTo>
+                    <a:pt x="0" y="443578"/>
+                  </a:moveTo>
+                  <a:cubicBezTo>
+                    <a:pt x="0" y="198597"/>
+                    <a:pt x="198596" y="0"/>
+                    <a:pt x="443576" y="0"/>
+                  </a:cubicBezTo>
+                  <a:cubicBezTo>
+                    <a:pt x="688556" y="0"/>
+                    <a:pt x="887152" y="198597"/>
+                    <a:pt x="887152" y="443578"/>
+                  </a:cubicBezTo>
+                  <a:cubicBezTo>
+                    <a:pt x="887152" y="688559"/>
+                    <a:pt x="688556" y="887156"/>
+                    <a:pt x="443576" y="887156"/>
+                  </a:cubicBezTo>
+                  <a:cubicBezTo>
+                    <a:pt x="198596" y="887156"/>
+                    <a:pt x="0" y="688559"/>
+                    <a:pt x="0" y="443578"/>
+                  </a:cubicBezTo>
+                  <a:close/>
+                </a:path>
+              </a:pathLst>
+            </a:custGeom>
+            <a:solidFill>
+              <a:schemeClr val="bg2">
+                <a:lumMod val="75000"/>
+              </a:schemeClr>
+            </a:solidFill>
+            <a:ln>
+              <a:solidFill>
+                <a:schemeClr val="tx1"/>
+              </a:solidFill>
+            </a:ln>
+          </p:spPr>
+          <p:style>
+            <a:lnRef idx="2">
+              <a:schemeClr val="accent5">
+                <a:shade val="80000"/>
+                <a:hueOff val="0"/>
+                <a:satOff val="0"/>
+                <a:lumOff val="0"/>
+                <a:alphaOff val="0"/>
+              </a:schemeClr>
+            </a:lnRef>
+            <a:fillRef idx="1">
+              <a:schemeClr val="lt1">
+                <a:alpha val="50000"/>
+                <a:hueOff val="0"/>
+                <a:satOff val="0"/>
+                <a:lumOff val="0"/>
+                <a:alphaOff val="0"/>
+              </a:schemeClr>
+            </a:fillRef>
+            <a:effectRef idx="0">
+              <a:schemeClr val="lt1">
+                <a:alpha val="50000"/>
+                <a:hueOff val="0"/>
+                <a:satOff val="0"/>
+                <a:lumOff val="0"/>
+                <a:alphaOff val="0"/>
+              </a:schemeClr>
+            </a:effectRef>
+            <a:fontRef idx="minor">
+              <a:schemeClr val="tx1"/>
+            </a:fontRef>
+          </p:style>
+          <p:txBody>
+            <a:bodyPr spcFirstLastPara="0" vert="horz" wrap="square" lIns="45720" tIns="175641" rIns="45720" bIns="175641" numCol="1" spcCol="1270" anchor="ctr" anchorCtr="0">
+              <a:noAutofit/>
+            </a:bodyPr>
+            <a:lstStyle/>
+            <a:p>
+              <a:pPr marL="0" lvl="0" indent="0" algn="ctr" defTabSz="533400">
+                <a:lnSpc>
+                  <a:spcPct val="90000"/>
+                </a:lnSpc>
+                <a:spcBef>
+                  <a:spcPct val="0"/>
+                </a:spcBef>
+                <a:spcAft>
+                  <a:spcPct val="35000"/>
+                </a:spcAft>
+                <a:buNone/>
+              </a:pPr>
+              <a:r>
+                <a:rPr lang="en-US" sz="1200" dirty="0">
+                  <a:latin typeface="Questrial" panose="02000000000000000000" pitchFamily="2" charset="0"/>
+                </a:rPr>
+                <a:t>merged cells</a:t>
+              </a:r>
+              <a:endParaRPr lang="en-US" sz="1200" kern="1200" dirty="0">
                 <a:latin typeface="Questrial" panose="02000000000000000000" pitchFamily="2" charset="0"/>
-              </a:rPr>
-              <a:t>uanced nulls</a:t>
-            </a:r>
-          </a:p>
-        </p:txBody>
-      </p:sp>
-      <p:sp>
-        <p:nvSpPr>
-          <p:cNvPr id="28" name="Freeform 27">
-            <a:extLst>
-              <a:ext uri="{FF2B5EF4-FFF2-40B4-BE49-F238E27FC236}">
-                <a16:creationId xmlns:a16="http://schemas.microsoft.com/office/drawing/2014/main" id="{F7BEC388-53EA-8A4A-9D91-49FE69F95280}"/>
-              </a:ext>
-            </a:extLst>
-          </p:cNvPr>
-          <p:cNvSpPr/>
-          <p:nvPr/>
-        </p:nvSpPr>
-        <p:spPr>
-          <a:xfrm>
-            <a:off x="1587670" y="3721533"/>
-            <a:ext cx="731520" cy="731520"/>
-          </a:xfrm>
-          <a:custGeom>
-            <a:avLst/>
-            <a:gdLst>
-              <a:gd name="connsiteX0" fmla="*/ 0 w 887151"/>
-              <a:gd name="connsiteY0" fmla="*/ 443578 h 887155"/>
-              <a:gd name="connsiteX1" fmla="*/ 443576 w 887151"/>
-              <a:gd name="connsiteY1" fmla="*/ 0 h 887155"/>
-              <a:gd name="connsiteX2" fmla="*/ 887152 w 887151"/>
-              <a:gd name="connsiteY2" fmla="*/ 443578 h 887155"/>
-              <a:gd name="connsiteX3" fmla="*/ 443576 w 887151"/>
-              <a:gd name="connsiteY3" fmla="*/ 887156 h 887155"/>
-              <a:gd name="connsiteX4" fmla="*/ 0 w 887151"/>
-              <a:gd name="connsiteY4" fmla="*/ 443578 h 887155"/>
-            </a:gdLst>
-            <a:ahLst/>
-            <a:cxnLst>
-              <a:cxn ang="0">
-                <a:pos x="connsiteX0" y="connsiteY0"/>
-              </a:cxn>
-              <a:cxn ang="0">
-                <a:pos x="connsiteX1" y="connsiteY1"/>
-              </a:cxn>
-              <a:cxn ang="0">
-                <a:pos x="connsiteX2" y="connsiteY2"/>
-              </a:cxn>
-              <a:cxn ang="0">
-                <a:pos x="connsiteX3" y="connsiteY3"/>
-              </a:cxn>
-              <a:cxn ang="0">
-                <a:pos x="connsiteX4" y="connsiteY4"/>
-              </a:cxn>
-            </a:cxnLst>
-            <a:rect l="l" t="t" r="r" b="b"/>
-            <a:pathLst>
-              <a:path w="887151" h="887155">
-                <a:moveTo>
-                  <a:pt x="0" y="443578"/>
-                </a:moveTo>
-                <a:cubicBezTo>
-                  <a:pt x="0" y="198597"/>
-                  <a:pt x="198596" y="0"/>
-                  <a:pt x="443576" y="0"/>
-                </a:cubicBezTo>
-                <a:cubicBezTo>
-                  <a:pt x="688556" y="0"/>
-                  <a:pt x="887152" y="198597"/>
-                  <a:pt x="887152" y="443578"/>
-                </a:cubicBezTo>
-                <a:cubicBezTo>
-                  <a:pt x="887152" y="688559"/>
-                  <a:pt x="688556" y="887156"/>
-                  <a:pt x="443576" y="887156"/>
-                </a:cubicBezTo>
-                <a:cubicBezTo>
-                  <a:pt x="198596" y="887156"/>
-                  <a:pt x="0" y="688559"/>
-                  <a:pt x="0" y="443578"/>
-                </a:cubicBezTo>
-                <a:close/>
-              </a:path>
-            </a:pathLst>
-          </a:custGeom>
-          <a:solidFill>
-            <a:schemeClr val="bg2">
-              <a:lumMod val="75000"/>
-            </a:schemeClr>
-          </a:solidFill>
-          <a:ln>
+              </a:endParaRPr>
+            </a:p>
+          </p:txBody>
+        </p:sp>
+        <p:sp>
+          <p:nvSpPr>
+            <p:cNvPr id="29" name="Oval 28">
+              <a:extLst>
+                <a:ext uri="{FF2B5EF4-FFF2-40B4-BE49-F238E27FC236}">
+                  <a16:creationId xmlns:a16="http://schemas.microsoft.com/office/drawing/2014/main" id="{6CBBEE87-52E7-624F-999C-CA9554E2FA78}"/>
+                </a:ext>
+              </a:extLst>
+            </p:cNvPr>
+            <p:cNvSpPr/>
+            <p:nvPr/>
+          </p:nvSpPr>
+          <p:spPr>
+            <a:xfrm>
+              <a:off x="2320800" y="2596678"/>
+              <a:ext cx="253471" cy="253505"/>
+            </a:xfrm>
+            <a:prstGeom prst="ellipse">
+              <a:avLst/>
+            </a:prstGeom>
             <a:solidFill>
+              <a:schemeClr val="bg2">
+                <a:lumMod val="75000"/>
+              </a:schemeClr>
+            </a:solidFill>
+            <a:ln>
+              <a:solidFill>
+                <a:schemeClr val="tx1"/>
+              </a:solidFill>
+            </a:ln>
+          </p:spPr>
+          <p:style>
+            <a:lnRef idx="2">
+              <a:schemeClr val="accent5">
+                <a:shade val="80000"/>
+                <a:hueOff val="0"/>
+                <a:satOff val="0"/>
+                <a:lumOff val="0"/>
+                <a:alphaOff val="0"/>
+              </a:schemeClr>
+            </a:lnRef>
+            <a:fillRef idx="1">
+              <a:schemeClr val="lt1">
+                <a:alpha val="50000"/>
+                <a:hueOff val="0"/>
+                <a:satOff val="0"/>
+                <a:lumOff val="0"/>
+                <a:alphaOff val="0"/>
+              </a:schemeClr>
+            </a:fillRef>
+            <a:effectRef idx="0">
+              <a:schemeClr val="lt1">
+                <a:alpha val="50000"/>
+                <a:hueOff val="0"/>
+                <a:satOff val="0"/>
+                <a:lumOff val="0"/>
+                <a:alphaOff val="0"/>
+              </a:schemeClr>
+            </a:effectRef>
+            <a:fontRef idx="minor">
               <a:schemeClr val="tx1"/>
+            </a:fontRef>
+          </p:style>
+        </p:sp>
+        <p:sp>
+          <p:nvSpPr>
+            <p:cNvPr id="30" name="Oval 29">
+              <a:extLst>
+                <a:ext uri="{FF2B5EF4-FFF2-40B4-BE49-F238E27FC236}">
+                  <a16:creationId xmlns:a16="http://schemas.microsoft.com/office/drawing/2014/main" id="{9701F5A0-E264-8E4B-852F-4C2437565527}"/>
+                </a:ext>
+              </a:extLst>
+            </p:cNvPr>
+            <p:cNvSpPr/>
+            <p:nvPr/>
+          </p:nvSpPr>
+          <p:spPr>
+            <a:xfrm>
+              <a:off x="1707872" y="3433733"/>
+              <a:ext cx="253471" cy="253505"/>
+            </a:xfrm>
+            <a:prstGeom prst="ellipse">
+              <a:avLst/>
+            </a:prstGeom>
+            <a:solidFill>
+              <a:schemeClr val="bg2">
+                <a:lumMod val="75000"/>
+              </a:schemeClr>
             </a:solidFill>
-          </a:ln>
-        </p:spPr>
-        <p:style>
-          <a:lnRef idx="2">
-            <a:schemeClr val="accent5">
-              <a:shade val="80000"/>
-              <a:hueOff val="0"/>
-              <a:satOff val="0"/>
-              <a:lumOff val="0"/>
-              <a:alphaOff val="0"/>
-            </a:schemeClr>
-          </a:lnRef>
-          <a:fillRef idx="1">
-            <a:schemeClr val="lt1">
-              <a:alpha val="50000"/>
-              <a:hueOff val="0"/>
-              <a:satOff val="0"/>
-              <a:lumOff val="0"/>
-              <a:alphaOff val="0"/>
-            </a:schemeClr>
-          </a:fillRef>
-          <a:effectRef idx="0">
-            <a:schemeClr val="lt1">
-              <a:alpha val="50000"/>
-              <a:hueOff val="0"/>
-              <a:satOff val="0"/>
-              <a:lumOff val="0"/>
-              <a:alphaOff val="0"/>
-            </a:schemeClr>
-          </a:effectRef>
-          <a:fontRef idx="minor">
-            <a:schemeClr val="tx1"/>
-          </a:fontRef>
-        </p:style>
-        <p:txBody>
-          <a:bodyPr spcFirstLastPara="0" vert="horz" wrap="square" lIns="45720" tIns="175641" rIns="45720" bIns="175641" numCol="1" spcCol="1270" anchor="ctr" anchorCtr="0">
-            <a:noAutofit/>
-          </a:bodyPr>
-          <a:lstStyle/>
-          <a:p>
-            <a:pPr marL="0" lvl="0" indent="0" algn="ctr" defTabSz="533400">
-              <a:lnSpc>
-                <a:spcPct val="90000"/>
-              </a:lnSpc>
-              <a:spcBef>
-                <a:spcPct val="0"/>
-              </a:spcBef>
-              <a:spcAft>
-                <a:spcPct val="35000"/>
-              </a:spcAft>
-              <a:buNone/>
-            </a:pPr>
-            <a:r>
-              <a:rPr lang="en-US" sz="1200" dirty="0">
-                <a:latin typeface="Questrial" panose="02000000000000000000" pitchFamily="2" charset="0"/>
-              </a:rPr>
-              <a:t>merged cells</a:t>
-            </a:r>
-            <a:endParaRPr lang="en-US" sz="1200" kern="1200" dirty="0">
-              <a:latin typeface="Questrial" panose="02000000000000000000" pitchFamily="2" charset="0"/>
-            </a:endParaRPr>
-          </a:p>
-        </p:txBody>
-      </p:sp>
-      <p:sp>
-        <p:nvSpPr>
-          <p:cNvPr id="29" name="Oval 28">
-            <a:extLst>
-              <a:ext uri="{FF2B5EF4-FFF2-40B4-BE49-F238E27FC236}">
-                <a16:creationId xmlns:a16="http://schemas.microsoft.com/office/drawing/2014/main" id="{6CBBEE87-52E7-624F-999C-CA9554E2FA78}"/>
-              </a:ext>
-            </a:extLst>
-          </p:cNvPr>
-          <p:cNvSpPr/>
-          <p:nvPr/>
-        </p:nvSpPr>
-        <p:spPr>
-          <a:xfrm>
-            <a:off x="2320800" y="2596678"/>
-            <a:ext cx="253471" cy="253505"/>
-          </a:xfrm>
-          <a:prstGeom prst="ellipse">
-            <a:avLst/>
-          </a:prstGeom>
-          <a:solidFill>
-            <a:schemeClr val="bg2">
-              <a:lumMod val="75000"/>
-            </a:schemeClr>
-          </a:solidFill>
-          <a:ln>
-            <a:solidFill>
+            <a:ln>
+              <a:solidFill>
+                <a:schemeClr val="tx1"/>
+              </a:solidFill>
+            </a:ln>
+          </p:spPr>
+          <p:style>
+            <a:lnRef idx="2">
+              <a:schemeClr val="accent5">
+                <a:shade val="80000"/>
+                <a:hueOff val="0"/>
+                <a:satOff val="0"/>
+                <a:lumOff val="0"/>
+                <a:alphaOff val="0"/>
+              </a:schemeClr>
+            </a:lnRef>
+            <a:fillRef idx="1">
+              <a:schemeClr val="lt1">
+                <a:alpha val="50000"/>
+                <a:hueOff val="0"/>
+                <a:satOff val="0"/>
+                <a:lumOff val="0"/>
+                <a:alphaOff val="0"/>
+              </a:schemeClr>
+            </a:fillRef>
+            <a:effectRef idx="0">
+              <a:schemeClr val="lt1">
+                <a:alpha val="50000"/>
+                <a:hueOff val="0"/>
+                <a:satOff val="0"/>
+                <a:lumOff val="0"/>
+                <a:alphaOff val="0"/>
+              </a:schemeClr>
+            </a:effectRef>
+            <a:fontRef idx="minor">
               <a:schemeClr val="tx1"/>
-            </a:solidFill>
-          </a:ln>
-        </p:spPr>
-        <p:style>
-          <a:lnRef idx="2">
-            <a:schemeClr val="accent5">
-              <a:shade val="80000"/>
-              <a:hueOff val="0"/>
-              <a:satOff val="0"/>
-              <a:lumOff val="0"/>
-              <a:alphaOff val="0"/>
-            </a:schemeClr>
-          </a:lnRef>
-          <a:fillRef idx="1">
-            <a:schemeClr val="lt1">
-              <a:alpha val="50000"/>
-              <a:hueOff val="0"/>
-              <a:satOff val="0"/>
-              <a:lumOff val="0"/>
-              <a:alphaOff val="0"/>
-            </a:schemeClr>
-          </a:fillRef>
-          <a:effectRef idx="0">
-            <a:schemeClr val="lt1">
-              <a:alpha val="50000"/>
-              <a:hueOff val="0"/>
-              <a:satOff val="0"/>
-              <a:lumOff val="0"/>
-              <a:alphaOff val="0"/>
-            </a:schemeClr>
-          </a:effectRef>
-          <a:fontRef idx="minor">
-            <a:schemeClr val="tx1"/>
-          </a:fontRef>
-        </p:style>
-      </p:sp>
-      <p:sp>
-        <p:nvSpPr>
-          <p:cNvPr id="30" name="Oval 29">
-            <a:extLst>
-              <a:ext uri="{FF2B5EF4-FFF2-40B4-BE49-F238E27FC236}">
-                <a16:creationId xmlns:a16="http://schemas.microsoft.com/office/drawing/2014/main" id="{9701F5A0-E264-8E4B-852F-4C2437565527}"/>
-              </a:ext>
-            </a:extLst>
-          </p:cNvPr>
-          <p:cNvSpPr/>
-          <p:nvPr/>
-        </p:nvSpPr>
-        <p:spPr>
-          <a:xfrm>
-            <a:off x="1707872" y="3433733"/>
-            <a:ext cx="253471" cy="253505"/>
-          </a:xfrm>
-          <a:prstGeom prst="ellipse">
-            <a:avLst/>
-          </a:prstGeom>
-          <a:solidFill>
-            <a:schemeClr val="bg2">
-              <a:lumMod val="75000"/>
-            </a:schemeClr>
-          </a:solidFill>
-          <a:ln>
-            <a:solidFill>
-              <a:schemeClr val="tx1"/>
-            </a:solidFill>
-          </a:ln>
-        </p:spPr>
-        <p:style>
-          <a:lnRef idx="2">
-            <a:schemeClr val="accent5">
-              <a:shade val="80000"/>
-              <a:hueOff val="0"/>
-              <a:satOff val="0"/>
-              <a:lumOff val="0"/>
-              <a:alphaOff val="0"/>
-            </a:schemeClr>
-          </a:lnRef>
-          <a:fillRef idx="1">
-            <a:schemeClr val="lt1">
-              <a:alpha val="50000"/>
-              <a:hueOff val="0"/>
-              <a:satOff val="0"/>
-              <a:lumOff val="0"/>
-              <a:alphaOff val="0"/>
-            </a:schemeClr>
-          </a:fillRef>
-          <a:effectRef idx="0">
-            <a:schemeClr val="lt1">
-              <a:alpha val="50000"/>
-              <a:hueOff val="0"/>
-              <a:satOff val="0"/>
-              <a:lumOff val="0"/>
-              <a:alphaOff val="0"/>
-            </a:schemeClr>
-          </a:effectRef>
-          <a:fontRef idx="minor">
-            <a:schemeClr val="tx1"/>
-          </a:fontRef>
-        </p:style>
-      </p:sp>
+            </a:fontRef>
+          </p:style>
+        </p:sp>
+      </p:grpSp>
     </p:spTree>
     <p:extLst>
       <p:ext uri="{BB962C8B-B14F-4D97-AF65-F5344CB8AC3E}">
@@ -20098,168 +20119,189 @@
           </a:p>
         </p:txBody>
       </p:sp>
-      <p:graphicFrame>
-        <p:nvGraphicFramePr>
-          <p:cNvPr id="7" name="Diagram 6">
+      <p:grpSp>
+        <p:nvGrpSpPr>
+          <p:cNvPr id="2" name="Group 1">
             <a:extLst>
               <a:ext uri="{FF2B5EF4-FFF2-40B4-BE49-F238E27FC236}">
-                <a16:creationId xmlns:a16="http://schemas.microsoft.com/office/drawing/2014/main" id="{DC244479-D666-BF47-9B31-FB1274928E74}"/>
+                <a16:creationId xmlns:a16="http://schemas.microsoft.com/office/drawing/2014/main" id="{FBCC7668-2940-3B41-9371-26E4A6D77AF7}"/>
               </a:ext>
             </a:extLst>
           </p:cNvPr>
-          <p:cNvGraphicFramePr/>
-          <p:nvPr>
-            <p:extLst>
-              <p:ext uri="{D42A27DB-BD31-4B8C-83A1-F6EECF244321}">
-                <p14:modId xmlns:p14="http://schemas.microsoft.com/office/powerpoint/2010/main" val="308368520"/>
-              </p:ext>
-            </p:extLst>
-          </p:nvPr>
-        </p:nvGraphicFramePr>
-        <p:xfrm>
-          <a:off x="1175079" y="4299174"/>
-          <a:ext cx="9879914" cy="702224"/>
-        </p:xfrm>
-        <a:graphic>
-          <a:graphicData uri="http://schemas.openxmlformats.org/drawingml/2006/diagram">
-            <dgm:relIds xmlns:dgm="http://schemas.openxmlformats.org/drawingml/2006/diagram" xmlns:r="http://schemas.openxmlformats.org/officeDocument/2006/relationships" r:dm="rId2" r:lo="rId3" r:qs="rId4" r:cs="rId5"/>
-          </a:graphicData>
-        </a:graphic>
-      </p:graphicFrame>
-      <p:sp>
-        <p:nvSpPr>
-          <p:cNvPr id="3" name="Document 2">
-            <a:extLst>
-              <a:ext uri="{FF2B5EF4-FFF2-40B4-BE49-F238E27FC236}">
-                <a16:creationId xmlns:a16="http://schemas.microsoft.com/office/drawing/2014/main" id="{817EC1F3-D53A-7A45-B487-94E3784BDC36}"/>
-              </a:ext>
-            </a:extLst>
-          </p:cNvPr>
-          <p:cNvSpPr/>
+          <p:cNvGrpSpPr/>
           <p:nvPr/>
-        </p:nvSpPr>
-        <p:spPr>
+        </p:nvGrpSpPr>
+        <p:grpSpPr>
           <a:xfrm>
-            <a:off x="1553227" y="2737977"/>
-            <a:ext cx="1903957" cy="1339242"/>
+            <a:off x="1175079" y="2737977"/>
+            <a:ext cx="9879914" cy="2263421"/>
+            <a:chOff x="1175079" y="2737977"/>
+            <a:chExt cx="9879914" cy="2263421"/>
           </a:xfrm>
-          <a:prstGeom prst="flowChartDocument">
-            <a:avLst/>
-          </a:prstGeom>
-          <a:noFill/>
-          <a:ln w="57150">
-            <a:solidFill>
-              <a:schemeClr val="bg1"/>
-            </a:solidFill>
-          </a:ln>
-        </p:spPr>
-        <p:style>
-          <a:lnRef idx="2">
-            <a:schemeClr val="accent1">
-              <a:shade val="50000"/>
-            </a:schemeClr>
-          </a:lnRef>
-          <a:fillRef idx="1">
-            <a:schemeClr val="accent1"/>
-          </a:fillRef>
-          <a:effectRef idx="0">
-            <a:schemeClr val="accent1"/>
-          </a:effectRef>
-          <a:fontRef idx="minor">
-            <a:schemeClr val="lt1"/>
-          </a:fontRef>
-        </p:style>
-        <p:txBody>
-          <a:bodyPr rtlCol="0" anchor="ctr"/>
-          <a:lstStyle/>
-          <a:p>
-            <a:pPr algn="ctr"/>
-            <a:r>
-              <a:rPr lang="en-US" sz="6000" dirty="0">
-                <a:solidFill>
-                  <a:schemeClr val="tx2">
-                    <a:lumMod val="10000"/>
-                  </a:schemeClr>
-                </a:solidFill>
-                <a:latin typeface="Questrial" panose="02000000000000000000" pitchFamily="2" charset="0"/>
-              </a:rPr>
-              <a:t>PDF</a:t>
-            </a:r>
-          </a:p>
-        </p:txBody>
-      </p:sp>
-      <p:pic>
-        <p:nvPicPr>
-          <p:cNvPr id="8" name="Graphic 7" descr="Mop and bucket">
-            <a:extLst>
-              <a:ext uri="{FF2B5EF4-FFF2-40B4-BE49-F238E27FC236}">
-                <a16:creationId xmlns:a16="http://schemas.microsoft.com/office/drawing/2014/main" id="{0AC9DB8F-1DD5-7641-B615-05662E7870F9}"/>
-              </a:ext>
-            </a:extLst>
-          </p:cNvPr>
-          <p:cNvPicPr>
-            <a:picLocks noChangeAspect="1"/>
-          </p:cNvPicPr>
-          <p:nvPr/>
-        </p:nvPicPr>
-        <p:blipFill>
-          <a:blip r:embed="rId7">
-            <a:extLst>
-              <a:ext uri="{96DAC541-7B7A-43D3-8B79-37D633B846F1}">
-                <asvg:svgBlip xmlns:asvg="http://schemas.microsoft.com/office/drawing/2016/SVG/main" r:embed="rId8"/>
-              </a:ext>
-            </a:extLst>
-          </a:blip>
-          <a:stretch>
-            <a:fillRect/>
-          </a:stretch>
-        </p:blipFill>
-        <p:spPr>
-          <a:xfrm>
-            <a:off x="5489778" y="2737977"/>
-            <a:ext cx="1250515" cy="1250515"/>
-          </a:xfrm>
-          <a:prstGeom prst="rect">
-            <a:avLst/>
-          </a:prstGeom>
-        </p:spPr>
-      </p:pic>
-      <p:pic>
-        <p:nvPicPr>
-          <p:cNvPr id="10" name="Graphic 9" descr="Table">
-            <a:extLst>
-              <a:ext uri="{FF2B5EF4-FFF2-40B4-BE49-F238E27FC236}">
-                <a16:creationId xmlns:a16="http://schemas.microsoft.com/office/drawing/2014/main" id="{B4DC2A21-AD86-DD47-BCC1-84F405A2918D}"/>
-              </a:ext>
-            </a:extLst>
-          </p:cNvPr>
-          <p:cNvPicPr>
-            <a:picLocks noChangeAspect="1"/>
-          </p:cNvPicPr>
-          <p:nvPr/>
-        </p:nvPicPr>
-        <p:blipFill>
-          <a:blip r:embed="rId9">
-            <a:extLst>
-              <a:ext uri="{96DAC541-7B7A-43D3-8B79-37D633B846F1}">
-                <asvg:svgBlip xmlns:asvg="http://schemas.microsoft.com/office/drawing/2016/SVG/main" r:embed="rId10"/>
-              </a:ext>
-            </a:extLst>
-          </a:blip>
-          <a:stretch>
-            <a:fillRect/>
-          </a:stretch>
-        </p:blipFill>
-        <p:spPr>
-          <a:xfrm>
-            <a:off x="9033353" y="2737977"/>
-            <a:ext cx="1427967" cy="1427967"/>
-          </a:xfrm>
-          <a:prstGeom prst="rect">
-            <a:avLst/>
-          </a:prstGeom>
-        </p:spPr>
-      </p:pic>
+        </p:grpSpPr>
+        <p:graphicFrame>
+          <p:nvGraphicFramePr>
+            <p:cNvPr id="7" name="Diagram 6">
+              <a:extLst>
+                <a:ext uri="{FF2B5EF4-FFF2-40B4-BE49-F238E27FC236}">
+                  <a16:creationId xmlns:a16="http://schemas.microsoft.com/office/drawing/2014/main" id="{DC244479-D666-BF47-9B31-FB1274928E74}"/>
+                </a:ext>
+              </a:extLst>
+            </p:cNvPr>
+            <p:cNvGraphicFramePr/>
+            <p:nvPr>
+              <p:extLst>
+                <p:ext uri="{D42A27DB-BD31-4B8C-83A1-F6EECF244321}">
+                  <p14:modId xmlns:p14="http://schemas.microsoft.com/office/powerpoint/2010/main" val="3444544590"/>
+                </p:ext>
+              </p:extLst>
+            </p:nvPr>
+          </p:nvGraphicFramePr>
+          <p:xfrm>
+            <a:off x="1175079" y="4299174"/>
+            <a:ext cx="9879914" cy="702224"/>
+          </p:xfrm>
+          <a:graphic>
+            <a:graphicData uri="http://schemas.openxmlformats.org/drawingml/2006/diagram">
+              <dgm:relIds xmlns:dgm="http://schemas.openxmlformats.org/drawingml/2006/diagram" xmlns:r="http://schemas.openxmlformats.org/officeDocument/2006/relationships" r:dm="rId2" r:lo="rId3" r:qs="rId4" r:cs="rId5"/>
+            </a:graphicData>
+          </a:graphic>
+        </p:graphicFrame>
+        <p:sp>
+          <p:nvSpPr>
+            <p:cNvPr id="3" name="Document 2">
+              <a:extLst>
+                <a:ext uri="{FF2B5EF4-FFF2-40B4-BE49-F238E27FC236}">
+                  <a16:creationId xmlns:a16="http://schemas.microsoft.com/office/drawing/2014/main" id="{817EC1F3-D53A-7A45-B487-94E3784BDC36}"/>
+                </a:ext>
+              </a:extLst>
+            </p:cNvPr>
+            <p:cNvSpPr/>
+            <p:nvPr/>
+          </p:nvSpPr>
+          <p:spPr>
+            <a:xfrm>
+              <a:off x="1553227" y="2737977"/>
+              <a:ext cx="1903957" cy="1339242"/>
+            </a:xfrm>
+            <a:prstGeom prst="flowChartDocument">
+              <a:avLst/>
+            </a:prstGeom>
+            <a:noFill/>
+            <a:ln w="57150">
+              <a:solidFill>
+                <a:schemeClr val="bg1"/>
+              </a:solidFill>
+            </a:ln>
+          </p:spPr>
+          <p:style>
+            <a:lnRef idx="2">
+              <a:schemeClr val="accent1">
+                <a:shade val="50000"/>
+              </a:schemeClr>
+            </a:lnRef>
+            <a:fillRef idx="1">
+              <a:schemeClr val="accent1"/>
+            </a:fillRef>
+            <a:effectRef idx="0">
+              <a:schemeClr val="accent1"/>
+            </a:effectRef>
+            <a:fontRef idx="minor">
+              <a:schemeClr val="lt1"/>
+            </a:fontRef>
+          </p:style>
+          <p:txBody>
+            <a:bodyPr rtlCol="0" anchor="ctr"/>
+            <a:lstStyle/>
+            <a:p>
+              <a:pPr algn="ctr"/>
+              <a:r>
+                <a:rPr lang="en-US" sz="6000" dirty="0">
+                  <a:solidFill>
+                    <a:schemeClr val="tx2">
+                      <a:lumMod val="10000"/>
+                    </a:schemeClr>
+                  </a:solidFill>
+                  <a:latin typeface="Questrial" panose="02000000000000000000" pitchFamily="2" charset="0"/>
+                </a:rPr>
+                <a:t>PDF</a:t>
+              </a:r>
+            </a:p>
+          </p:txBody>
+        </p:sp>
+        <p:pic>
+          <p:nvPicPr>
+            <p:cNvPr id="8" name="Graphic 7" descr="Mop and bucket">
+              <a:extLst>
+                <a:ext uri="{FF2B5EF4-FFF2-40B4-BE49-F238E27FC236}">
+                  <a16:creationId xmlns:a16="http://schemas.microsoft.com/office/drawing/2014/main" id="{0AC9DB8F-1DD5-7641-B615-05662E7870F9}"/>
+                </a:ext>
+              </a:extLst>
+            </p:cNvPr>
+            <p:cNvPicPr>
+              <a:picLocks noChangeAspect="1"/>
+            </p:cNvPicPr>
+            <p:nvPr/>
+          </p:nvPicPr>
+          <p:blipFill>
+            <a:blip r:embed="rId7">
+              <a:extLst>
+                <a:ext uri="{96DAC541-7B7A-43D3-8B79-37D633B846F1}">
+                  <asvg:svgBlip xmlns:asvg="http://schemas.microsoft.com/office/drawing/2016/SVG/main" r:embed="rId8"/>
+                </a:ext>
+              </a:extLst>
+            </a:blip>
+            <a:stretch>
+              <a:fillRect/>
+            </a:stretch>
+          </p:blipFill>
+          <p:spPr>
+            <a:xfrm>
+              <a:off x="5489778" y="2737977"/>
+              <a:ext cx="1250515" cy="1250515"/>
+            </a:xfrm>
+            <a:prstGeom prst="rect">
+              <a:avLst/>
+            </a:prstGeom>
+          </p:spPr>
+        </p:pic>
+        <p:pic>
+          <p:nvPicPr>
+            <p:cNvPr id="10" name="Graphic 9" descr="Table">
+              <a:extLst>
+                <a:ext uri="{FF2B5EF4-FFF2-40B4-BE49-F238E27FC236}">
+                  <a16:creationId xmlns:a16="http://schemas.microsoft.com/office/drawing/2014/main" id="{B4DC2A21-AD86-DD47-BCC1-84F405A2918D}"/>
+                </a:ext>
+              </a:extLst>
+            </p:cNvPr>
+            <p:cNvPicPr>
+              <a:picLocks noChangeAspect="1"/>
+            </p:cNvPicPr>
+            <p:nvPr/>
+          </p:nvPicPr>
+          <p:blipFill>
+            <a:blip r:embed="rId9">
+              <a:extLst>
+                <a:ext uri="{96DAC541-7B7A-43D3-8B79-37D633B846F1}">
+                  <asvg:svgBlip xmlns:asvg="http://schemas.microsoft.com/office/drawing/2016/SVG/main" r:embed="rId10"/>
+                </a:ext>
+              </a:extLst>
+            </a:blip>
+            <a:stretch>
+              <a:fillRect/>
+            </a:stretch>
+          </p:blipFill>
+          <p:spPr>
+            <a:xfrm>
+              <a:off x="9033353" y="2737977"/>
+              <a:ext cx="1427967" cy="1427967"/>
+            </a:xfrm>
+            <a:prstGeom prst="rect">
+              <a:avLst/>
+            </a:prstGeom>
+          </p:spPr>
+        </p:pic>
+      </p:grpSp>
     </p:spTree>
     <p:extLst>
       <p:ext uri="{BB962C8B-B14F-4D97-AF65-F5344CB8AC3E}">
@@ -22628,7 +22670,7 @@
           <p:nvPr>
             <p:extLst>
               <p:ext uri="{D42A27DB-BD31-4B8C-83A1-F6EECF244321}">
-                <p14:modId xmlns:p14="http://schemas.microsoft.com/office/powerpoint/2010/main" val="1300517325"/>
+                <p14:modId xmlns:p14="http://schemas.microsoft.com/office/powerpoint/2010/main" val="1075580831"/>
               </p:ext>
             </p:extLst>
           </p:nvPr>

--- a/Presentation.pptx
+++ b/Presentation.pptx
@@ -7,24 +7,26 @@
   </p:sldMasterIdLst>
   <p:sldIdLst>
     <p:sldId id="256" r:id="rId3"/>
-    <p:sldId id="276" r:id="rId4"/>
-    <p:sldId id="273" r:id="rId5"/>
-    <p:sldId id="272" r:id="rId6"/>
-    <p:sldId id="277" r:id="rId7"/>
-    <p:sldId id="285" r:id="rId8"/>
-    <p:sldId id="286" r:id="rId9"/>
-    <p:sldId id="278" r:id="rId10"/>
-    <p:sldId id="279" r:id="rId11"/>
-    <p:sldId id="270" r:id="rId12"/>
-    <p:sldId id="275" r:id="rId13"/>
-    <p:sldId id="282" r:id="rId14"/>
-    <p:sldId id="287" r:id="rId15"/>
-    <p:sldId id="288" r:id="rId16"/>
-    <p:sldId id="289" r:id="rId17"/>
-    <p:sldId id="263" r:id="rId18"/>
-    <p:sldId id="264" r:id="rId19"/>
-    <p:sldId id="265" r:id="rId20"/>
-    <p:sldId id="266" r:id="rId21"/>
+    <p:sldId id="290" r:id="rId4"/>
+    <p:sldId id="276" r:id="rId5"/>
+    <p:sldId id="277" r:id="rId6"/>
+    <p:sldId id="273" r:id="rId7"/>
+    <p:sldId id="272" r:id="rId8"/>
+    <p:sldId id="285" r:id="rId9"/>
+    <p:sldId id="286" r:id="rId10"/>
+    <p:sldId id="278" r:id="rId11"/>
+    <p:sldId id="279" r:id="rId12"/>
+    <p:sldId id="270" r:id="rId13"/>
+    <p:sldId id="275" r:id="rId14"/>
+    <p:sldId id="282" r:id="rId15"/>
+    <p:sldId id="287" r:id="rId16"/>
+    <p:sldId id="291" r:id="rId17"/>
+    <p:sldId id="288" r:id="rId18"/>
+    <p:sldId id="289" r:id="rId19"/>
+    <p:sldId id="263" r:id="rId20"/>
+    <p:sldId id="264" r:id="rId21"/>
+    <p:sldId id="265" r:id="rId22"/>
+    <p:sldId id="266" r:id="rId23"/>
   </p:sldIdLst>
   <p:sldSz cx="12192000" cy="6858000"/>
   <p:notesSz cx="6858000" cy="9144000"/>
@@ -33830,6 +33832,145 @@
           <a:chExt cx="0" cy="0"/>
         </a:xfrm>
       </p:grpSpPr>
+      <p:sp>
+        <p:nvSpPr>
+          <p:cNvPr id="2" name="TextBox 1">
+            <a:extLst>
+              <a:ext uri="{FF2B5EF4-FFF2-40B4-BE49-F238E27FC236}">
+                <a16:creationId xmlns:a16="http://schemas.microsoft.com/office/drawing/2014/main" id="{6536F412-BB4C-4089-8A0B-E29F9D209C79}"/>
+              </a:ext>
+            </a:extLst>
+          </p:cNvPr>
+          <p:cNvSpPr txBox="1"/>
+          <p:nvPr/>
+        </p:nvSpPr>
+        <p:spPr>
+          <a:xfrm>
+            <a:off x="296984" y="425439"/>
+            <a:ext cx="9026770" cy="4401205"/>
+          </a:xfrm>
+          <a:prstGeom prst="rect">
+            <a:avLst/>
+          </a:prstGeom>
+          <a:noFill/>
+        </p:spPr>
+        <p:txBody>
+          <a:bodyPr wrap="square" rtlCol="0">
+            <a:spAutoFit/>
+          </a:bodyPr>
+          <a:lstStyle/>
+          <a:p>
+            <a:r>
+              <a:rPr lang="en-US" sz="8000" b="1" dirty="0">
+                <a:solidFill>
+                  <a:schemeClr val="accent1"/>
+                </a:solidFill>
+                <a:latin typeface="Aharoni" panose="02010803020104030203" pitchFamily="2" charset="-79"/>
+                <a:cs typeface="Aharoni" panose="02010803020104030203" pitchFamily="2" charset="-79"/>
+              </a:rPr>
+              <a:t>NYC Neighborhoods </a:t>
+            </a:r>
+            <a:r>
+              <a:rPr lang="en-US" sz="6000" b="1" dirty="0">
+                <a:solidFill>
+                  <a:schemeClr val="bg2"/>
+                </a:solidFill>
+                <a:latin typeface="Questrial" panose="02000000000000000000"/>
+              </a:rPr>
+              <a:t>transformation </a:t>
+            </a:r>
+            <a:r>
+              <a:rPr lang="en-US" sz="6000" dirty="0">
+                <a:solidFill>
+                  <a:schemeClr val="bg2"/>
+                </a:solidFill>
+                <a:latin typeface="Questrial" panose="02000000000000000000"/>
+              </a:rPr>
+              <a:t>&amp;</a:t>
+            </a:r>
+            <a:r>
+              <a:rPr lang="en-US" sz="6000" b="1" dirty="0">
+                <a:solidFill>
+                  <a:schemeClr val="bg2"/>
+                </a:solidFill>
+                <a:latin typeface="Questrial" panose="02000000000000000000"/>
+              </a:rPr>
+              <a:t> development</a:t>
+            </a:r>
+          </a:p>
+        </p:txBody>
+      </p:sp>
+      <p:sp>
+        <p:nvSpPr>
+          <p:cNvPr id="3" name="TextBox 2">
+            <a:extLst>
+              <a:ext uri="{FF2B5EF4-FFF2-40B4-BE49-F238E27FC236}">
+                <a16:creationId xmlns:a16="http://schemas.microsoft.com/office/drawing/2014/main" id="{6B1CC690-1511-44BA-BF91-08702C436D11}"/>
+              </a:ext>
+            </a:extLst>
+          </p:cNvPr>
+          <p:cNvSpPr txBox="1"/>
+          <p:nvPr/>
+        </p:nvSpPr>
+        <p:spPr>
+          <a:xfrm>
+            <a:off x="8346830" y="5228492"/>
+            <a:ext cx="3470031" cy="1384995"/>
+          </a:xfrm>
+          <a:prstGeom prst="rect">
+            <a:avLst/>
+          </a:prstGeom>
+          <a:noFill/>
+        </p:spPr>
+        <p:txBody>
+          <a:bodyPr wrap="square" rtlCol="0">
+            <a:spAutoFit/>
+          </a:bodyPr>
+          <a:lstStyle/>
+          <a:p>
+            <a:pPr algn="r"/>
+            <a:r>
+              <a:rPr lang="en-US" sz="2800" b="1" dirty="0">
+                <a:latin typeface="Questrial" panose="02000000000000000000"/>
+              </a:rPr>
+              <a:t>JC Soliman</a:t>
+            </a:r>
+          </a:p>
+          <a:p>
+            <a:pPr algn="r"/>
+            <a:r>
+              <a:rPr lang="en-US" sz="2800" b="1" dirty="0">
+                <a:latin typeface="Questrial" panose="02000000000000000000"/>
+              </a:rPr>
+              <a:t>Emmy Kuo</a:t>
+            </a:r>
+          </a:p>
+          <a:p>
+            <a:pPr algn="r"/>
+            <a:r>
+              <a:rPr lang="en-US" sz="2800" b="1" dirty="0" err="1">
+                <a:latin typeface="Questrial" panose="02000000000000000000"/>
+              </a:rPr>
+              <a:t>Michana</a:t>
+            </a:r>
+            <a:r>
+              <a:rPr lang="en-US" sz="2800" b="1" dirty="0">
+                <a:latin typeface="Questrial" panose="02000000000000000000"/>
+              </a:rPr>
+              <a:t> </a:t>
+            </a:r>
+            <a:r>
+              <a:rPr lang="en-US" sz="2800" b="1" dirty="0" err="1">
+                <a:latin typeface="Questrial" panose="02000000000000000000"/>
+              </a:rPr>
+              <a:t>Pubien</a:t>
+            </a:r>
+            <a:endParaRPr lang="en-US" sz="2800" b="1" dirty="0">
+              <a:latin typeface="Questrial" panose="02000000000000000000"/>
+            </a:endParaRPr>
+          </a:p>
+        </p:txBody>
+      </p:sp>
     </p:spTree>
     <p:extLst>
       <p:ext uri="{BB962C8B-B14F-4D97-AF65-F5344CB8AC3E}">
@@ -33844,6 +33985,367 @@
 </file>
 
 <file path=ppt/slides/slide10.xml><?xml version="1.0" encoding="utf-8"?>
+<p:sld xmlns:a="http://schemas.openxmlformats.org/drawingml/2006/main" xmlns:r="http://schemas.openxmlformats.org/officeDocument/2006/relationships" xmlns:p="http://schemas.openxmlformats.org/presentationml/2006/main">
+  <p:cSld>
+    <p:bg>
+      <p:bgPr>
+        <a:gradFill flip="none" rotWithShape="1">
+          <a:gsLst>
+            <a:gs pos="23448">
+              <a:schemeClr val="tx1">
+                <a:lumMod val="85000"/>
+              </a:schemeClr>
+            </a:gs>
+            <a:gs pos="83000">
+              <a:schemeClr val="tx1">
+                <a:lumMod val="65000"/>
+              </a:schemeClr>
+            </a:gs>
+            <a:gs pos="100000">
+              <a:schemeClr val="bg2">
+                <a:lumMod val="50000"/>
+              </a:schemeClr>
+            </a:gs>
+          </a:gsLst>
+          <a:lin ang="4740000" scaled="1"/>
+          <a:tileRect/>
+        </a:gradFill>
+        <a:effectLst/>
+      </p:bgPr>
+    </p:bg>
+    <p:spTree>
+      <p:nvGrpSpPr>
+        <p:cNvPr id="1" name=""/>
+        <p:cNvGrpSpPr/>
+        <p:nvPr/>
+      </p:nvGrpSpPr>
+      <p:grpSpPr>
+        <a:xfrm>
+          <a:off x="0" y="0"/>
+          <a:ext cx="0" cy="0"/>
+          <a:chOff x="0" y="0"/>
+          <a:chExt cx="0" cy="0"/>
+        </a:xfrm>
+      </p:grpSpPr>
+      <p:sp>
+        <p:nvSpPr>
+          <p:cNvPr id="8" name="TextBox 7">
+            <a:extLst>
+              <a:ext uri="{FF2B5EF4-FFF2-40B4-BE49-F238E27FC236}">
+                <a16:creationId xmlns:a16="http://schemas.microsoft.com/office/drawing/2014/main" id="{46C0A125-FF4F-6C43-B8AE-3C5B715290A5}"/>
+              </a:ext>
+            </a:extLst>
+          </p:cNvPr>
+          <p:cNvSpPr txBox="1"/>
+          <p:nvPr/>
+        </p:nvSpPr>
+        <p:spPr>
+          <a:xfrm>
+            <a:off x="823597" y="520095"/>
+            <a:ext cx="8507971" cy="1015663"/>
+          </a:xfrm>
+          <a:prstGeom prst="rect">
+            <a:avLst/>
+          </a:prstGeom>
+          <a:noFill/>
+        </p:spPr>
+        <p:txBody>
+          <a:bodyPr wrap="square" rtlCol="0">
+            <a:spAutoFit/>
+          </a:bodyPr>
+          <a:lstStyle/>
+          <a:p>
+            <a:pPr marL="0" marR="0" lvl="0" indent="0" algn="l" defTabSz="457200" rtl="0" eaLnBrk="1" fontAlgn="auto" latinLnBrk="0" hangingPunct="1">
+              <a:lnSpc>
+                <a:spcPct val="100000"/>
+              </a:lnSpc>
+              <a:spcBef>
+                <a:spcPts val="0"/>
+              </a:spcBef>
+              <a:spcAft>
+                <a:spcPts val="0"/>
+              </a:spcAft>
+              <a:buClrTx/>
+              <a:buSzTx/>
+              <a:buFontTx/>
+              <a:buNone/>
+              <a:tabLst/>
+              <a:defRPr/>
+            </a:pPr>
+            <a:r>
+              <a:rPr kumimoji="0" lang="en-US" sz="6000" b="0" i="0" u="none" strike="noStrike" kern="1200" cap="none" spc="0" normalizeH="0" baseline="0" noProof="0" dirty="0">
+                <a:ln>
+                  <a:noFill/>
+                </a:ln>
+                <a:solidFill>
+                  <a:srgbClr val="16476F">
+                    <a:lumMod val="75000"/>
+                  </a:srgbClr>
+                </a:solidFill>
+                <a:effectLst/>
+                <a:uLnTx/>
+                <a:uFillTx/>
+                <a:latin typeface="Questrial" panose="02000000000000000000" pitchFamily="2" charset="0"/>
+                <a:ea typeface="+mn-ea"/>
+                <a:cs typeface="+mn-cs"/>
+              </a:rPr>
+              <a:t>our</a:t>
+            </a:r>
+            <a:r>
+              <a:rPr kumimoji="0" lang="en-US" sz="6000" b="1" i="0" u="none" strike="noStrike" kern="1200" cap="none" spc="0" normalizeH="0" baseline="0" noProof="0" dirty="0">
+                <a:ln>
+                  <a:noFill/>
+                </a:ln>
+                <a:solidFill>
+                  <a:srgbClr val="16476F">
+                    <a:lumMod val="75000"/>
+                  </a:srgbClr>
+                </a:solidFill>
+                <a:effectLst/>
+                <a:uLnTx/>
+                <a:uFillTx/>
+                <a:latin typeface="Questrial" panose="02000000000000000000" pitchFamily="2" charset="0"/>
+                <a:ea typeface="+mn-ea"/>
+                <a:cs typeface="+mn-cs"/>
+              </a:rPr>
+              <a:t> data </a:t>
+            </a:r>
+            <a:r>
+              <a:rPr kumimoji="0" lang="en-US" sz="6000" b="0" i="0" u="none" strike="noStrike" kern="1200" cap="none" spc="0" normalizeH="0" baseline="0" noProof="0" dirty="0">
+                <a:ln>
+                  <a:noFill/>
+                </a:ln>
+                <a:solidFill>
+                  <a:srgbClr val="16476F">
+                    <a:lumMod val="75000"/>
+                  </a:srgbClr>
+                </a:solidFill>
+                <a:effectLst/>
+                <a:uLnTx/>
+                <a:uFillTx/>
+                <a:latin typeface="Questrial" panose="02000000000000000000" pitchFamily="2" charset="0"/>
+                <a:ea typeface="+mn-ea"/>
+                <a:cs typeface="+mn-cs"/>
+              </a:rPr>
+              <a:t>-&gt; development</a:t>
+            </a:r>
+          </a:p>
+        </p:txBody>
+      </p:sp>
+      <p:graphicFrame>
+        <p:nvGraphicFramePr>
+          <p:cNvPr id="17" name="Diagram 16">
+            <a:extLst>
+              <a:ext uri="{FF2B5EF4-FFF2-40B4-BE49-F238E27FC236}">
+                <a16:creationId xmlns:a16="http://schemas.microsoft.com/office/drawing/2014/main" id="{880232BC-DB29-4321-BCFA-535900F01275}"/>
+              </a:ext>
+            </a:extLst>
+          </p:cNvPr>
+          <p:cNvGraphicFramePr/>
+          <p:nvPr/>
+        </p:nvGraphicFramePr>
+        <p:xfrm>
+          <a:off x="557267" y="1686757"/>
+          <a:ext cx="11036969" cy="4806379"/>
+        </p:xfrm>
+        <a:graphic>
+          <a:graphicData uri="http://schemas.openxmlformats.org/drawingml/2006/diagram">
+            <dgm:relIds xmlns:dgm="http://schemas.openxmlformats.org/drawingml/2006/diagram" xmlns:r="http://schemas.openxmlformats.org/officeDocument/2006/relationships" r:dm="rId2" r:lo="rId3" r:qs="rId4" r:cs="rId5"/>
+          </a:graphicData>
+        </a:graphic>
+      </p:graphicFrame>
+      <p:sp>
+        <p:nvSpPr>
+          <p:cNvPr id="2" name="Callout: Left Arrow 1">
+            <a:extLst>
+              <a:ext uri="{FF2B5EF4-FFF2-40B4-BE49-F238E27FC236}">
+                <a16:creationId xmlns:a16="http://schemas.microsoft.com/office/drawing/2014/main" id="{D6AF3C83-E7D0-4B32-B604-2DF22F238C8D}"/>
+              </a:ext>
+            </a:extLst>
+          </p:cNvPr>
+          <p:cNvSpPr/>
+          <p:nvPr/>
+        </p:nvSpPr>
+        <p:spPr>
+          <a:xfrm>
+            <a:off x="5181597" y="2998378"/>
+            <a:ext cx="4149971" cy="1091568"/>
+          </a:xfrm>
+          <a:prstGeom prst="leftArrowCallout">
+            <a:avLst/>
+          </a:prstGeom>
+          <a:solidFill>
+            <a:schemeClr val="accent5">
+              <a:lumMod val="50000"/>
+            </a:schemeClr>
+          </a:solidFill>
+        </p:spPr>
+        <p:style>
+          <a:lnRef idx="2">
+            <a:schemeClr val="accent1">
+              <a:shade val="50000"/>
+            </a:schemeClr>
+          </a:lnRef>
+          <a:fillRef idx="1">
+            <a:schemeClr val="accent1"/>
+          </a:fillRef>
+          <a:effectRef idx="0">
+            <a:schemeClr val="accent1"/>
+          </a:effectRef>
+          <a:fontRef idx="minor">
+            <a:schemeClr val="lt1"/>
+          </a:fontRef>
+        </p:style>
+        <p:txBody>
+          <a:bodyPr rtlCol="0" anchor="ctr"/>
+          <a:lstStyle/>
+          <a:p>
+            <a:pPr marL="0" marR="0" lvl="0" indent="0" algn="ctr" defTabSz="914400" rtl="0" eaLnBrk="1" fontAlgn="auto" latinLnBrk="0" hangingPunct="1">
+              <a:lnSpc>
+                <a:spcPct val="100000"/>
+              </a:lnSpc>
+              <a:spcBef>
+                <a:spcPts val="0"/>
+              </a:spcBef>
+              <a:spcAft>
+                <a:spcPts val="0"/>
+              </a:spcAft>
+              <a:buClrTx/>
+              <a:buSzTx/>
+              <a:buFontTx/>
+              <a:buNone/>
+              <a:tabLst/>
+              <a:defRPr/>
+            </a:pPr>
+            <a:endParaRPr kumimoji="0" lang="en-US" sz="1800" b="0" i="0" u="none" strike="noStrike" kern="1200" cap="none" spc="0" normalizeH="0" baseline="0" noProof="0" dirty="0">
+              <a:ln>
+                <a:noFill/>
+              </a:ln>
+              <a:solidFill>
+                <a:prstClr val="white"/>
+              </a:solidFill>
+              <a:effectLst/>
+              <a:uLnTx/>
+              <a:uFillTx/>
+              <a:latin typeface="Calibri" panose="020F0502020204030204"/>
+              <a:ea typeface="+mn-ea"/>
+              <a:cs typeface="+mn-cs"/>
+            </a:endParaRPr>
+          </a:p>
+        </p:txBody>
+      </p:sp>
+      <p:sp>
+        <p:nvSpPr>
+          <p:cNvPr id="13" name="Rectangle: Rounded Corners 4">
+            <a:extLst>
+              <a:ext uri="{FF2B5EF4-FFF2-40B4-BE49-F238E27FC236}">
+                <a16:creationId xmlns:a16="http://schemas.microsoft.com/office/drawing/2014/main" id="{F7079086-CBDF-49D9-9632-C9DB366BAEA3}"/>
+              </a:ext>
+            </a:extLst>
+          </p:cNvPr>
+          <p:cNvSpPr txBox="1"/>
+          <p:nvPr/>
+        </p:nvSpPr>
+        <p:spPr>
+          <a:xfrm>
+            <a:off x="6863492" y="3051674"/>
+            <a:ext cx="2399607" cy="984976"/>
+          </a:xfrm>
+          <a:prstGeom prst="rect">
+            <a:avLst/>
+          </a:prstGeom>
+        </p:spPr>
+        <p:style>
+          <a:lnRef idx="0">
+            <a:scrgbClr r="0" g="0" b="0"/>
+          </a:lnRef>
+          <a:fillRef idx="0">
+            <a:scrgbClr r="0" g="0" b="0"/>
+          </a:fillRef>
+          <a:effectRef idx="0">
+            <a:scrgbClr r="0" g="0" b="0"/>
+          </a:effectRef>
+          <a:fontRef idx="minor">
+            <a:schemeClr val="lt1"/>
+          </a:fontRef>
+        </p:style>
+        <p:txBody>
+          <a:bodyPr spcFirstLastPara="0" vert="horz" wrap="square" lIns="129540" tIns="129540" rIns="129540" bIns="129540" numCol="1" spcCol="1270" anchor="ctr" anchorCtr="0">
+            <a:noAutofit/>
+          </a:bodyPr>
+          <a:lstStyle/>
+          <a:p>
+            <a:pPr marL="0" marR="0" lvl="0" indent="0" algn="ctr" defTabSz="1511300" rtl="0" eaLnBrk="1" fontAlgn="auto" latinLnBrk="0" hangingPunct="1">
+              <a:lnSpc>
+                <a:spcPct val="90000"/>
+              </a:lnSpc>
+              <a:spcBef>
+                <a:spcPct val="0"/>
+              </a:spcBef>
+              <a:spcAft>
+                <a:spcPct val="35000"/>
+              </a:spcAft>
+              <a:buClrTx/>
+              <a:buSzTx/>
+              <a:buFontTx/>
+              <a:buNone/>
+              <a:tabLst/>
+              <a:defRPr/>
+            </a:pPr>
+            <a:r>
+              <a:rPr kumimoji="0" lang="en-US" sz="2800" b="1" i="0" u="none" strike="noStrike" kern="1200" cap="none" spc="0" normalizeH="0" baseline="0" noProof="0" dirty="0">
+                <a:ln>
+                  <a:noFill/>
+                </a:ln>
+                <a:solidFill>
+                  <a:prstClr val="white"/>
+                </a:solidFill>
+                <a:effectLst>
+                  <a:outerShdw blurRad="38100" dist="38100" dir="2700000" algn="tl">
+                    <a:srgbClr val="000000">
+                      <a:alpha val="43137"/>
+                    </a:srgbClr>
+                  </a:outerShdw>
+                </a:effectLst>
+                <a:uLnTx/>
+                <a:uFillTx/>
+                <a:latin typeface="Questrial" panose="02000000000000000000"/>
+                <a:ea typeface="+mn-ea"/>
+                <a:cs typeface="+mn-cs"/>
+              </a:rPr>
+              <a:t>JUNCTION TABLE</a:t>
+            </a:r>
+            <a:endParaRPr kumimoji="0" lang="en-US" sz="2800" b="0" i="0" u="none" strike="noStrike" kern="1200" cap="none" spc="0" normalizeH="0" baseline="0" noProof="0" dirty="0">
+              <a:ln>
+                <a:noFill/>
+              </a:ln>
+              <a:solidFill>
+                <a:prstClr val="white"/>
+              </a:solidFill>
+              <a:effectLst/>
+              <a:uLnTx/>
+              <a:uFillTx/>
+              <a:latin typeface="Questrial" panose="02000000000000000000"/>
+              <a:ea typeface="+mn-ea"/>
+              <a:cs typeface="+mn-cs"/>
+            </a:endParaRPr>
+          </a:p>
+        </p:txBody>
+      </p:sp>
+    </p:spTree>
+    <p:extLst>
+      <p:ext uri="{BB962C8B-B14F-4D97-AF65-F5344CB8AC3E}">
+        <p14:creationId xmlns:p14="http://schemas.microsoft.com/office/powerpoint/2010/main" val="3822898914"/>
+      </p:ext>
+    </p:extLst>
+  </p:cSld>
+  <p:clrMapOvr>
+    <a:masterClrMapping/>
+  </p:clrMapOvr>
+</p:sld>
+</file>
+
+<file path=ppt/slides/slide11.xml><?xml version="1.0" encoding="utf-8"?>
 <p:sld xmlns:a="http://schemas.openxmlformats.org/drawingml/2006/main" xmlns:r="http://schemas.openxmlformats.org/officeDocument/2006/relationships" xmlns:p="http://schemas.openxmlformats.org/presentationml/2006/main">
   <p:cSld>
     <p:spTree>
@@ -35836,46 +36338,6 @@
       </p:sp>
       <p:sp>
         <p:nvSpPr>
-          <p:cNvPr id="5" name="TextBox 4">
-            <a:extLst>
-              <a:ext uri="{FF2B5EF4-FFF2-40B4-BE49-F238E27FC236}">
-                <a16:creationId xmlns:a16="http://schemas.microsoft.com/office/drawing/2014/main" id="{574CD34D-8741-534E-94A4-835DFAFB26BD}"/>
-              </a:ext>
-            </a:extLst>
-          </p:cNvPr>
-          <p:cNvSpPr txBox="1"/>
-          <p:nvPr/>
-        </p:nvSpPr>
-        <p:spPr>
-          <a:xfrm>
-            <a:off x="10602098" y="98854"/>
-            <a:ext cx="1309816" cy="369332"/>
-          </a:xfrm>
-          <a:prstGeom prst="rect">
-            <a:avLst/>
-          </a:prstGeom>
-          <a:solidFill>
-            <a:schemeClr val="accent2">
-              <a:lumMod val="50000"/>
-            </a:schemeClr>
-          </a:solidFill>
-        </p:spPr>
-        <p:txBody>
-          <a:bodyPr wrap="square" rtlCol="0">
-            <a:spAutoFit/>
-          </a:bodyPr>
-          <a:lstStyle/>
-          <a:p>
-            <a:pPr algn="ctr"/>
-            <a:r>
-              <a:rPr lang="en-US" b="1" dirty="0"/>
-              <a:t>JC - Income</a:t>
-            </a:r>
-          </a:p>
-        </p:txBody>
-      </p:sp>
-      <p:sp>
-        <p:nvSpPr>
           <p:cNvPr id="4" name="TextBox 3">
             <a:extLst>
               <a:ext uri="{FF2B5EF4-FFF2-40B4-BE49-F238E27FC236}">
@@ -36386,7 +36848,7 @@
 </p:sld>
 </file>
 
-<file path=ppt/slides/slide11.xml><?xml version="1.0" encoding="utf-8"?>
+<file path=ppt/slides/slide12.xml><?xml version="1.0" encoding="utf-8"?>
 <p:sld xmlns:a="http://schemas.openxmlformats.org/drawingml/2006/main" xmlns:r="http://schemas.openxmlformats.org/officeDocument/2006/relationships" xmlns:p="http://schemas.openxmlformats.org/presentationml/2006/main">
   <p:cSld>
     <p:spTree>
@@ -36403,54 +36865,6 @@
           <a:chExt cx="0" cy="0"/>
         </a:xfrm>
       </p:grpSpPr>
-      <p:sp>
-        <p:nvSpPr>
-          <p:cNvPr id="5" name="TextBox 4">
-            <a:extLst>
-              <a:ext uri="{FF2B5EF4-FFF2-40B4-BE49-F238E27FC236}">
-                <a16:creationId xmlns:a16="http://schemas.microsoft.com/office/drawing/2014/main" id="{574CD34D-8741-534E-94A4-835DFAFB26BD}"/>
-              </a:ext>
-            </a:extLst>
-          </p:cNvPr>
-          <p:cNvSpPr txBox="1"/>
-          <p:nvPr/>
-        </p:nvSpPr>
-        <p:spPr>
-          <a:xfrm>
-            <a:off x="10602098" y="98854"/>
-            <a:ext cx="1309816" cy="646331"/>
-          </a:xfrm>
-          <a:prstGeom prst="rect">
-            <a:avLst/>
-          </a:prstGeom>
-          <a:solidFill>
-            <a:schemeClr val="accent2">
-              <a:lumMod val="50000"/>
-            </a:schemeClr>
-          </a:solidFill>
-        </p:spPr>
-        <p:txBody>
-          <a:bodyPr wrap="square" rtlCol="0">
-            <a:spAutoFit/>
-          </a:bodyPr>
-          <a:lstStyle/>
-          <a:p>
-            <a:pPr algn="ctr"/>
-            <a:r>
-              <a:rPr lang="en-US" b="1" dirty="0"/>
-              <a:t>JC – </a:t>
-            </a:r>
-            <a:r>
-              <a:rPr lang="en-US" b="1" dirty="0" err="1"/>
-              <a:t>Opp</a:t>
-            </a:r>
-            <a:r>
-              <a:rPr lang="en-US" b="1" dirty="0"/>
-              <a:t> Zone</a:t>
-            </a:r>
-          </a:p>
-        </p:txBody>
-      </p:sp>
       <p:sp>
         <p:nvSpPr>
           <p:cNvPr id="4" name="TextBox 3">
@@ -36690,7 +37104,7 @@
 </p:sld>
 </file>
 
-<file path=ppt/slides/slide12.xml><?xml version="1.0" encoding="utf-8"?>
+<file path=ppt/slides/slide13.xml><?xml version="1.0" encoding="utf-8"?>
 <p:sld xmlns:a="http://schemas.openxmlformats.org/drawingml/2006/main" xmlns:r="http://schemas.openxmlformats.org/officeDocument/2006/relationships" xmlns:p="http://schemas.openxmlformats.org/presentationml/2006/main">
   <p:cSld>
     <p:bg>
@@ -36815,75 +37229,6 @@
                 <a:cs typeface="+mn-cs"/>
               </a:rPr>
               <a:t>together</a:t>
-            </a:r>
-          </a:p>
-        </p:txBody>
-      </p:sp>
-      <p:sp>
-        <p:nvSpPr>
-          <p:cNvPr id="7" name="TextBox 6">
-            <a:extLst>
-              <a:ext uri="{FF2B5EF4-FFF2-40B4-BE49-F238E27FC236}">
-                <a16:creationId xmlns:a16="http://schemas.microsoft.com/office/drawing/2014/main" id="{63B711B5-FE9C-41C1-9BEF-FD36F6ED18FE}"/>
-              </a:ext>
-            </a:extLst>
-          </p:cNvPr>
-          <p:cNvSpPr txBox="1"/>
-          <p:nvPr/>
-        </p:nvSpPr>
-        <p:spPr>
-          <a:xfrm>
-            <a:off x="10602098" y="98854"/>
-            <a:ext cx="1309816" cy="369332"/>
-          </a:xfrm>
-          <a:prstGeom prst="rect">
-            <a:avLst/>
-          </a:prstGeom>
-          <a:solidFill>
-            <a:schemeClr val="accent2">
-              <a:lumMod val="50000"/>
-            </a:schemeClr>
-          </a:solidFill>
-        </p:spPr>
-        <p:txBody>
-          <a:bodyPr wrap="square" rtlCol="0">
-            <a:spAutoFit/>
-          </a:bodyPr>
-          <a:lstStyle/>
-          <a:p>
-            <a:pPr marL="0" marR="0" lvl="0" indent="0" algn="ctr" defTabSz="457200" rtl="0" eaLnBrk="1" fontAlgn="auto" latinLnBrk="0" hangingPunct="1">
-              <a:lnSpc>
-                <a:spcPct val="100000"/>
-              </a:lnSpc>
-              <a:spcBef>
-                <a:spcPts val="0"/>
-              </a:spcBef>
-              <a:spcAft>
-                <a:spcPts val="0"/>
-              </a:spcAft>
-              <a:buClrTx/>
-              <a:buSzTx/>
-              <a:buFontTx/>
-              <a:buNone/>
-              <a:tabLst/>
-              <a:defRPr/>
-            </a:pPr>
-            <a:r>
-              <a:rPr kumimoji="0" lang="en-US" sz="1800" b="1" i="0" u="none" strike="noStrike" kern="1200" cap="none" spc="0" normalizeH="0" baseline="0" noProof="0" dirty="0">
-                <a:ln>
-                  <a:noFill/>
-                </a:ln>
-                <a:solidFill>
-                  <a:prstClr val="white"/>
-                </a:solidFill>
-                <a:effectLst/>
-                <a:uLnTx/>
-                <a:uFillTx/>
-                <a:latin typeface="Calibri" panose="020F0502020204030204"/>
-                <a:ea typeface="+mn-ea"/>
-                <a:cs typeface="+mn-cs"/>
-              </a:rPr>
-              <a:t>Emmy</a:t>
             </a:r>
           </a:p>
         </p:txBody>
@@ -37973,7 +38318,492 @@
 </p:sld>
 </file>
 
-<file path=ppt/slides/slide13.xml><?xml version="1.0" encoding="utf-8"?>
+<file path=ppt/slides/slide14.xml><?xml version="1.0" encoding="utf-8"?>
+<p:sld xmlns:a="http://schemas.openxmlformats.org/drawingml/2006/main" xmlns:r="http://schemas.openxmlformats.org/officeDocument/2006/relationships" xmlns:p="http://schemas.openxmlformats.org/presentationml/2006/main">
+  <p:cSld>
+    <p:bg>
+      <p:bgPr>
+        <a:gradFill flip="none" rotWithShape="1">
+          <a:gsLst>
+            <a:gs pos="23448">
+              <a:schemeClr val="tx1">
+                <a:lumMod val="85000"/>
+              </a:schemeClr>
+            </a:gs>
+            <a:gs pos="83000">
+              <a:schemeClr val="tx1">
+                <a:lumMod val="65000"/>
+              </a:schemeClr>
+            </a:gs>
+            <a:gs pos="100000">
+              <a:schemeClr val="bg2">
+                <a:lumMod val="50000"/>
+              </a:schemeClr>
+            </a:gs>
+          </a:gsLst>
+          <a:lin ang="4740000" scaled="1"/>
+          <a:tileRect/>
+        </a:gradFill>
+        <a:effectLst/>
+      </p:bgPr>
+    </p:bg>
+    <p:spTree>
+      <p:nvGrpSpPr>
+        <p:cNvPr id="1" name=""/>
+        <p:cNvGrpSpPr/>
+        <p:nvPr/>
+      </p:nvGrpSpPr>
+      <p:grpSpPr>
+        <a:xfrm>
+          <a:off x="0" y="0"/>
+          <a:ext cx="0" cy="0"/>
+          <a:chOff x="0" y="0"/>
+          <a:chExt cx="0" cy="0"/>
+        </a:xfrm>
+      </p:grpSpPr>
+      <p:sp>
+        <p:nvSpPr>
+          <p:cNvPr id="8" name="TextBox 7">
+            <a:extLst>
+              <a:ext uri="{FF2B5EF4-FFF2-40B4-BE49-F238E27FC236}">
+                <a16:creationId xmlns:a16="http://schemas.microsoft.com/office/drawing/2014/main" id="{46C0A125-FF4F-6C43-B8AE-3C5B715290A5}"/>
+              </a:ext>
+            </a:extLst>
+          </p:cNvPr>
+          <p:cNvSpPr txBox="1"/>
+          <p:nvPr/>
+        </p:nvSpPr>
+        <p:spPr>
+          <a:xfrm>
+            <a:off x="823598" y="520095"/>
+            <a:ext cx="6015530" cy="1015663"/>
+          </a:xfrm>
+          <a:prstGeom prst="rect">
+            <a:avLst/>
+          </a:prstGeom>
+          <a:noFill/>
+        </p:spPr>
+        <p:txBody>
+          <a:bodyPr wrap="square" rtlCol="0">
+            <a:spAutoFit/>
+          </a:bodyPr>
+          <a:lstStyle/>
+          <a:p>
+            <a:pPr marL="0" marR="0" lvl="0" indent="0" algn="l" defTabSz="457200" rtl="0" eaLnBrk="1" fontAlgn="auto" latinLnBrk="0" hangingPunct="1">
+              <a:lnSpc>
+                <a:spcPct val="100000"/>
+              </a:lnSpc>
+              <a:spcBef>
+                <a:spcPts val="0"/>
+              </a:spcBef>
+              <a:spcAft>
+                <a:spcPts val="0"/>
+              </a:spcAft>
+              <a:buClrTx/>
+              <a:buSzTx/>
+              <a:buFontTx/>
+              <a:buNone/>
+              <a:tabLst/>
+              <a:defRPr/>
+            </a:pPr>
+            <a:r>
+              <a:rPr lang="en-US" sz="6000" dirty="0">
+                <a:solidFill>
+                  <a:srgbClr val="16476F">
+                    <a:lumMod val="75000"/>
+                  </a:srgbClr>
+                </a:solidFill>
+                <a:latin typeface="Questrial" panose="02000000000000000000" pitchFamily="2" charset="0"/>
+              </a:rPr>
+              <a:t>measuring </a:t>
+            </a:r>
+            <a:r>
+              <a:rPr lang="en-US" sz="6000" b="1" dirty="0">
+                <a:solidFill>
+                  <a:srgbClr val="16476F">
+                    <a:lumMod val="75000"/>
+                  </a:srgbClr>
+                </a:solidFill>
+                <a:latin typeface="Questrial" panose="02000000000000000000" pitchFamily="2" charset="0"/>
+              </a:rPr>
+              <a:t>growth</a:t>
+            </a:r>
+            <a:endParaRPr kumimoji="0" lang="en-US" sz="6000" b="1" i="0" u="none" strike="noStrike" kern="1200" cap="none" spc="0" normalizeH="0" baseline="0" noProof="0" dirty="0">
+              <a:ln>
+                <a:noFill/>
+              </a:ln>
+              <a:solidFill>
+                <a:srgbClr val="16476F">
+                  <a:lumMod val="75000"/>
+                </a:srgbClr>
+              </a:solidFill>
+              <a:effectLst/>
+              <a:uLnTx/>
+              <a:uFillTx/>
+              <a:latin typeface="Questrial" panose="02000000000000000000" pitchFamily="2" charset="0"/>
+              <a:ea typeface="+mn-ea"/>
+              <a:cs typeface="+mn-cs"/>
+            </a:endParaRPr>
+          </a:p>
+        </p:txBody>
+      </p:sp>
+      <p:sp>
+        <p:nvSpPr>
+          <p:cNvPr id="28" name="TextBox 27">
+            <a:extLst>
+              <a:ext uri="{FF2B5EF4-FFF2-40B4-BE49-F238E27FC236}">
+                <a16:creationId xmlns:a16="http://schemas.microsoft.com/office/drawing/2014/main" id="{A12EBB0C-3859-45A4-ACE8-5E0C06FE8F9A}"/>
+              </a:ext>
+            </a:extLst>
+          </p:cNvPr>
+          <p:cNvSpPr txBox="1"/>
+          <p:nvPr/>
+        </p:nvSpPr>
+        <p:spPr>
+          <a:xfrm>
+            <a:off x="1620766" y="2102337"/>
+            <a:ext cx="8789325" cy="4278094"/>
+          </a:xfrm>
+          <a:prstGeom prst="rect">
+            <a:avLst/>
+          </a:prstGeom>
+          <a:noFill/>
+        </p:spPr>
+        <p:txBody>
+          <a:bodyPr wrap="square" rtlCol="0">
+            <a:spAutoFit/>
+          </a:bodyPr>
+          <a:lstStyle/>
+          <a:p>
+            <a:pPr marL="0" marR="0" lvl="0" indent="0" algn="l" defTabSz="457200" rtl="0" eaLnBrk="1" fontAlgn="auto" latinLnBrk="0" hangingPunct="1">
+              <a:lnSpc>
+                <a:spcPct val="100000"/>
+              </a:lnSpc>
+              <a:spcBef>
+                <a:spcPts val="0"/>
+              </a:spcBef>
+              <a:spcAft>
+                <a:spcPts val="0"/>
+              </a:spcAft>
+              <a:buClrTx/>
+              <a:buSzTx/>
+              <a:buFontTx/>
+              <a:buNone/>
+              <a:tabLst/>
+              <a:defRPr/>
+            </a:pPr>
+            <a:r>
+              <a:rPr lang="en-US" sz="3200" b="1" dirty="0">
+                <a:solidFill>
+                  <a:srgbClr val="16476F">
+                    <a:lumMod val="75000"/>
+                  </a:srgbClr>
+                </a:solidFill>
+                <a:latin typeface="Questrial" panose="02000000000000000000" pitchFamily="2" charset="0"/>
+              </a:rPr>
+              <a:t>- </a:t>
+            </a:r>
+            <a:r>
+              <a:rPr kumimoji="0" lang="en-US" sz="3200" b="1" i="0" u="none" strike="noStrike" kern="1200" cap="none" spc="0" normalizeH="0" baseline="0" noProof="0" dirty="0">
+                <a:ln>
+                  <a:noFill/>
+                </a:ln>
+                <a:solidFill>
+                  <a:srgbClr val="16476F">
+                    <a:lumMod val="75000"/>
+                  </a:srgbClr>
+                </a:solidFill>
+                <a:effectLst/>
+                <a:uLnTx/>
+                <a:uFillTx/>
+                <a:latin typeface="Questrial" panose="02000000000000000000" pitchFamily="2" charset="0"/>
+                <a:ea typeface="+mn-ea"/>
+                <a:cs typeface="+mn-cs"/>
+              </a:rPr>
+              <a:t>average rate of change per variable</a:t>
+            </a:r>
+          </a:p>
+          <a:p>
+            <a:pPr marL="0" marR="0" lvl="0" indent="0" algn="l" defTabSz="457200" rtl="0" eaLnBrk="1" fontAlgn="auto" latinLnBrk="0" hangingPunct="1">
+              <a:lnSpc>
+                <a:spcPct val="100000"/>
+              </a:lnSpc>
+              <a:spcBef>
+                <a:spcPts val="0"/>
+              </a:spcBef>
+              <a:spcAft>
+                <a:spcPts val="0"/>
+              </a:spcAft>
+              <a:buClrTx/>
+              <a:buSzTx/>
+              <a:buFontTx/>
+              <a:buNone/>
+              <a:tabLst/>
+              <a:defRPr/>
+            </a:pPr>
+            <a:endParaRPr lang="en-US" sz="3200" b="1" dirty="0">
+              <a:solidFill>
+                <a:srgbClr val="16476F">
+                  <a:lumMod val="75000"/>
+                </a:srgbClr>
+              </a:solidFill>
+              <a:latin typeface="Questrial" panose="02000000000000000000" pitchFamily="2" charset="0"/>
+            </a:endParaRPr>
+          </a:p>
+          <a:p>
+            <a:pPr marL="0" marR="0" lvl="0" indent="0" algn="l" defTabSz="457200" rtl="0" eaLnBrk="1" fontAlgn="auto" latinLnBrk="0" hangingPunct="1">
+              <a:lnSpc>
+                <a:spcPct val="100000"/>
+              </a:lnSpc>
+              <a:spcBef>
+                <a:spcPts val="0"/>
+              </a:spcBef>
+              <a:spcAft>
+                <a:spcPts val="0"/>
+              </a:spcAft>
+              <a:buClrTx/>
+              <a:buSzTx/>
+              <a:buFontTx/>
+              <a:buNone/>
+              <a:tabLst/>
+              <a:defRPr/>
+            </a:pPr>
+            <a:r>
+              <a:rPr lang="en-US" sz="3200" b="1" dirty="0">
+                <a:solidFill>
+                  <a:srgbClr val="16476F">
+                    <a:lumMod val="75000"/>
+                  </a:srgbClr>
+                </a:solidFill>
+                <a:latin typeface="Questrial" panose="02000000000000000000" pitchFamily="2" charset="0"/>
+              </a:rPr>
+              <a:t>- average rate of change in the last 3 year</a:t>
+            </a:r>
+          </a:p>
+          <a:p>
+            <a:pPr marL="0" marR="0" lvl="0" indent="0" algn="l" defTabSz="457200" rtl="0" eaLnBrk="1" fontAlgn="auto" latinLnBrk="0" hangingPunct="1">
+              <a:lnSpc>
+                <a:spcPct val="100000"/>
+              </a:lnSpc>
+              <a:spcBef>
+                <a:spcPts val="0"/>
+              </a:spcBef>
+              <a:spcAft>
+                <a:spcPts val="0"/>
+              </a:spcAft>
+              <a:buClrTx/>
+              <a:buSzTx/>
+              <a:buFontTx/>
+              <a:buNone/>
+              <a:tabLst/>
+              <a:defRPr/>
+            </a:pPr>
+            <a:endParaRPr kumimoji="0" lang="en-US" sz="3200" b="1" i="0" u="none" strike="noStrike" kern="1200" cap="none" spc="0" normalizeH="0" baseline="0" noProof="0" dirty="0">
+              <a:ln>
+                <a:noFill/>
+              </a:ln>
+              <a:solidFill>
+                <a:srgbClr val="16476F">
+                  <a:lumMod val="75000"/>
+                </a:srgbClr>
+              </a:solidFill>
+              <a:effectLst/>
+              <a:uLnTx/>
+              <a:uFillTx/>
+              <a:latin typeface="Questrial" panose="02000000000000000000" pitchFamily="2" charset="0"/>
+              <a:ea typeface="+mn-ea"/>
+              <a:cs typeface="+mn-cs"/>
+            </a:endParaRPr>
+          </a:p>
+          <a:p>
+            <a:pPr marL="0" marR="0" lvl="0" indent="0" algn="l" defTabSz="457200" rtl="0" eaLnBrk="1" fontAlgn="auto" latinLnBrk="0" hangingPunct="1">
+              <a:lnSpc>
+                <a:spcPct val="100000"/>
+              </a:lnSpc>
+              <a:spcBef>
+                <a:spcPts val="0"/>
+              </a:spcBef>
+              <a:spcAft>
+                <a:spcPts val="0"/>
+              </a:spcAft>
+              <a:buClrTx/>
+              <a:buSzTx/>
+              <a:buFontTx/>
+              <a:buNone/>
+              <a:tabLst/>
+              <a:defRPr/>
+            </a:pPr>
+            <a:r>
+              <a:rPr lang="en-US" sz="3200" b="1" dirty="0">
+                <a:solidFill>
+                  <a:srgbClr val="16476F">
+                    <a:lumMod val="75000"/>
+                  </a:srgbClr>
+                </a:solidFill>
+                <a:latin typeface="Questrial" panose="02000000000000000000" pitchFamily="2" charset="0"/>
+              </a:rPr>
+              <a:t>- average rate of change in the last 5 years</a:t>
+            </a:r>
+          </a:p>
+          <a:p>
+            <a:pPr marL="0" marR="0" lvl="0" indent="0" algn="l" defTabSz="457200" rtl="0" eaLnBrk="1" fontAlgn="auto" latinLnBrk="0" hangingPunct="1">
+              <a:lnSpc>
+                <a:spcPct val="100000"/>
+              </a:lnSpc>
+              <a:spcBef>
+                <a:spcPts val="0"/>
+              </a:spcBef>
+              <a:spcAft>
+                <a:spcPts val="0"/>
+              </a:spcAft>
+              <a:buClrTx/>
+              <a:buSzTx/>
+              <a:buFontTx/>
+              <a:buNone/>
+              <a:tabLst/>
+              <a:defRPr/>
+            </a:pPr>
+            <a:endParaRPr kumimoji="0" lang="en-US" sz="3200" b="1" i="0" u="none" strike="noStrike" kern="1200" cap="none" spc="0" normalizeH="0" baseline="0" noProof="0" dirty="0">
+              <a:ln>
+                <a:noFill/>
+              </a:ln>
+              <a:solidFill>
+                <a:srgbClr val="16476F">
+                  <a:lumMod val="75000"/>
+                </a:srgbClr>
+              </a:solidFill>
+              <a:effectLst/>
+              <a:uLnTx/>
+              <a:uFillTx/>
+              <a:latin typeface="Questrial" panose="02000000000000000000" pitchFamily="2" charset="0"/>
+              <a:ea typeface="+mn-ea"/>
+              <a:cs typeface="+mn-cs"/>
+            </a:endParaRPr>
+          </a:p>
+          <a:p>
+            <a:pPr marL="0" marR="0" lvl="0" indent="0" algn="l" defTabSz="457200" rtl="0" eaLnBrk="1" fontAlgn="auto" latinLnBrk="0" hangingPunct="1">
+              <a:lnSpc>
+                <a:spcPct val="100000"/>
+              </a:lnSpc>
+              <a:spcBef>
+                <a:spcPts val="0"/>
+              </a:spcBef>
+              <a:spcAft>
+                <a:spcPts val="0"/>
+              </a:spcAft>
+              <a:buClrTx/>
+              <a:buSzTx/>
+              <a:buFontTx/>
+              <a:buNone/>
+              <a:tabLst/>
+              <a:defRPr/>
+            </a:pPr>
+            <a:r>
+              <a:rPr lang="en-US" sz="3200" b="1" dirty="0">
+                <a:solidFill>
+                  <a:srgbClr val="16476F">
+                    <a:lumMod val="75000"/>
+                  </a:srgbClr>
+                </a:solidFill>
+                <a:latin typeface="Questrial" panose="02000000000000000000" pitchFamily="2" charset="0"/>
+              </a:rPr>
+              <a:t>- comparing the recent ROC to the historic ROC</a:t>
+            </a:r>
+            <a:endParaRPr kumimoji="0" lang="en-US" sz="3200" b="1" i="0" u="none" strike="noStrike" kern="1200" cap="none" spc="0" normalizeH="0" baseline="0" noProof="0" dirty="0">
+              <a:ln>
+                <a:noFill/>
+              </a:ln>
+              <a:solidFill>
+                <a:srgbClr val="16476F">
+                  <a:lumMod val="75000"/>
+                </a:srgbClr>
+              </a:solidFill>
+              <a:effectLst/>
+              <a:uLnTx/>
+              <a:uFillTx/>
+              <a:latin typeface="Questrial" panose="02000000000000000000" pitchFamily="2" charset="0"/>
+              <a:ea typeface="+mn-ea"/>
+              <a:cs typeface="+mn-cs"/>
+            </a:endParaRPr>
+          </a:p>
+          <a:p>
+            <a:pPr marL="0" marR="0" lvl="0" indent="0" algn="l" defTabSz="457200" rtl="0" eaLnBrk="1" fontAlgn="auto" latinLnBrk="0" hangingPunct="1">
+              <a:lnSpc>
+                <a:spcPct val="100000"/>
+              </a:lnSpc>
+              <a:spcBef>
+                <a:spcPts val="0"/>
+              </a:spcBef>
+              <a:spcAft>
+                <a:spcPts val="0"/>
+              </a:spcAft>
+              <a:buClrTx/>
+              <a:buSzTx/>
+              <a:buFontTx/>
+              <a:buNone/>
+              <a:tabLst/>
+              <a:defRPr/>
+            </a:pPr>
+            <a:endParaRPr lang="en-US" sz="2400" b="1" dirty="0">
+              <a:solidFill>
+                <a:srgbClr val="16476F">
+                  <a:lumMod val="75000"/>
+                </a:srgbClr>
+              </a:solidFill>
+              <a:latin typeface="Questrial" panose="02000000000000000000" pitchFamily="2" charset="0"/>
+            </a:endParaRPr>
+          </a:p>
+          <a:p>
+            <a:pPr marL="0" marR="0" lvl="0" indent="0" algn="l" defTabSz="457200" rtl="0" eaLnBrk="1" fontAlgn="auto" latinLnBrk="0" hangingPunct="1">
+              <a:lnSpc>
+                <a:spcPct val="100000"/>
+              </a:lnSpc>
+              <a:spcBef>
+                <a:spcPts val="0"/>
+              </a:spcBef>
+              <a:spcAft>
+                <a:spcPts val="0"/>
+              </a:spcAft>
+              <a:buClrTx/>
+              <a:buSzTx/>
+              <a:buFontTx/>
+              <a:buNone/>
+              <a:tabLst/>
+              <a:defRPr/>
+            </a:pPr>
+            <a:endParaRPr kumimoji="0" lang="en-US" sz="2400" b="1" i="0" u="none" strike="noStrike" kern="1200" cap="none" spc="0" normalizeH="0" baseline="0" noProof="0" dirty="0">
+              <a:ln>
+                <a:noFill/>
+              </a:ln>
+              <a:solidFill>
+                <a:srgbClr val="16476F">
+                  <a:lumMod val="75000"/>
+                </a:srgbClr>
+              </a:solidFill>
+              <a:effectLst/>
+              <a:uLnTx/>
+              <a:uFillTx/>
+              <a:latin typeface="Questrial" panose="02000000000000000000" pitchFamily="2" charset="0"/>
+              <a:ea typeface="+mn-ea"/>
+              <a:cs typeface="+mn-cs"/>
+            </a:endParaRPr>
+          </a:p>
+        </p:txBody>
+      </p:sp>
+    </p:spTree>
+    <p:extLst>
+      <p:ext uri="{BB962C8B-B14F-4D97-AF65-F5344CB8AC3E}">
+        <p14:creationId xmlns:p14="http://schemas.microsoft.com/office/powerpoint/2010/main" val="1159675632"/>
+      </p:ext>
+    </p:extLst>
+  </p:cSld>
+  <p:clrMapOvr>
+    <a:masterClrMapping/>
+  </p:clrMapOvr>
+</p:sld>
+</file>
+
+<file path=ppt/slides/slide15.xml><?xml version="1.0" encoding="utf-8"?>
 <p:sld xmlns:a="http://schemas.openxmlformats.org/drawingml/2006/main" xmlns:r="http://schemas.openxmlformats.org/officeDocument/2006/relationships" xmlns:p="http://schemas.openxmlformats.org/presentationml/2006/main">
   <p:cSld>
     <p:bg>
@@ -38109,75 +38939,6 @@
                 <a:cs typeface="+mn-cs"/>
               </a:rPr>
               <a:t>model</a:t>
-            </a:r>
-          </a:p>
-        </p:txBody>
-      </p:sp>
-      <p:sp>
-        <p:nvSpPr>
-          <p:cNvPr id="7" name="TextBox 6">
-            <a:extLst>
-              <a:ext uri="{FF2B5EF4-FFF2-40B4-BE49-F238E27FC236}">
-                <a16:creationId xmlns:a16="http://schemas.microsoft.com/office/drawing/2014/main" id="{63B711B5-FE9C-41C1-9BEF-FD36F6ED18FE}"/>
-              </a:ext>
-            </a:extLst>
-          </p:cNvPr>
-          <p:cNvSpPr txBox="1"/>
-          <p:nvPr/>
-        </p:nvSpPr>
-        <p:spPr>
-          <a:xfrm>
-            <a:off x="10602098" y="98854"/>
-            <a:ext cx="1309816" cy="369332"/>
-          </a:xfrm>
-          <a:prstGeom prst="rect">
-            <a:avLst/>
-          </a:prstGeom>
-          <a:solidFill>
-            <a:schemeClr val="accent2">
-              <a:lumMod val="50000"/>
-            </a:schemeClr>
-          </a:solidFill>
-        </p:spPr>
-        <p:txBody>
-          <a:bodyPr wrap="square" rtlCol="0">
-            <a:spAutoFit/>
-          </a:bodyPr>
-          <a:lstStyle/>
-          <a:p>
-            <a:pPr marL="0" marR="0" lvl="0" indent="0" algn="ctr" defTabSz="457200" rtl="0" eaLnBrk="1" fontAlgn="auto" latinLnBrk="0" hangingPunct="1">
-              <a:lnSpc>
-                <a:spcPct val="100000"/>
-              </a:lnSpc>
-              <a:spcBef>
-                <a:spcPts val="0"/>
-              </a:spcBef>
-              <a:spcAft>
-                <a:spcPts val="0"/>
-              </a:spcAft>
-              <a:buClrTx/>
-              <a:buSzTx/>
-              <a:buFontTx/>
-              <a:buNone/>
-              <a:tabLst/>
-              <a:defRPr/>
-            </a:pPr>
-            <a:r>
-              <a:rPr kumimoji="0" lang="en-US" sz="1800" b="1" i="0" u="none" strike="noStrike" kern="1200" cap="none" spc="0" normalizeH="0" baseline="0" noProof="0" dirty="0">
-                <a:ln>
-                  <a:noFill/>
-                </a:ln>
-                <a:solidFill>
-                  <a:prstClr val="white"/>
-                </a:solidFill>
-                <a:effectLst/>
-                <a:uLnTx/>
-                <a:uFillTx/>
-                <a:latin typeface="Calibri" panose="020F0502020204030204"/>
-                <a:ea typeface="+mn-ea"/>
-                <a:cs typeface="+mn-cs"/>
-              </a:rPr>
-              <a:t>Emmy</a:t>
             </a:r>
           </a:p>
         </p:txBody>
@@ -38353,7 +39114,7 @@
     </p:spTree>
     <p:extLst>
       <p:ext uri="{BB962C8B-B14F-4D97-AF65-F5344CB8AC3E}">
-        <p14:creationId xmlns:p14="http://schemas.microsoft.com/office/powerpoint/2010/main" val="1159675632"/>
+        <p14:creationId xmlns:p14="http://schemas.microsoft.com/office/powerpoint/2010/main" val="3848025647"/>
       </p:ext>
     </p:extLst>
   </p:cSld>
@@ -38363,7 +39124,7 @@
 </p:sld>
 </file>
 
-<file path=ppt/slides/slide14.xml><?xml version="1.0" encoding="utf-8"?>
+<file path=ppt/slides/slide16.xml><?xml version="1.0" encoding="utf-8"?>
 <p:sld xmlns:a="http://schemas.openxmlformats.org/drawingml/2006/main" xmlns:r="http://schemas.openxmlformats.org/officeDocument/2006/relationships" xmlns:p="http://schemas.openxmlformats.org/presentationml/2006/main">
   <p:cSld>
     <p:bg>
@@ -38499,75 +39260,6 @@
                 <a:cs typeface="+mn-cs"/>
               </a:rPr>
               <a:t>model</a:t>
-            </a:r>
-          </a:p>
-        </p:txBody>
-      </p:sp>
-      <p:sp>
-        <p:nvSpPr>
-          <p:cNvPr id="7" name="TextBox 6">
-            <a:extLst>
-              <a:ext uri="{FF2B5EF4-FFF2-40B4-BE49-F238E27FC236}">
-                <a16:creationId xmlns:a16="http://schemas.microsoft.com/office/drawing/2014/main" id="{63B711B5-FE9C-41C1-9BEF-FD36F6ED18FE}"/>
-              </a:ext>
-            </a:extLst>
-          </p:cNvPr>
-          <p:cNvSpPr txBox="1"/>
-          <p:nvPr/>
-        </p:nvSpPr>
-        <p:spPr>
-          <a:xfrm>
-            <a:off x="10602098" y="98854"/>
-            <a:ext cx="1309816" cy="369332"/>
-          </a:xfrm>
-          <a:prstGeom prst="rect">
-            <a:avLst/>
-          </a:prstGeom>
-          <a:solidFill>
-            <a:schemeClr val="accent2">
-              <a:lumMod val="50000"/>
-            </a:schemeClr>
-          </a:solidFill>
-        </p:spPr>
-        <p:txBody>
-          <a:bodyPr wrap="square" rtlCol="0">
-            <a:spAutoFit/>
-          </a:bodyPr>
-          <a:lstStyle/>
-          <a:p>
-            <a:pPr marL="0" marR="0" lvl="0" indent="0" algn="ctr" defTabSz="457200" rtl="0" eaLnBrk="1" fontAlgn="auto" latinLnBrk="0" hangingPunct="1">
-              <a:lnSpc>
-                <a:spcPct val="100000"/>
-              </a:lnSpc>
-              <a:spcBef>
-                <a:spcPts val="0"/>
-              </a:spcBef>
-              <a:spcAft>
-                <a:spcPts val="0"/>
-              </a:spcAft>
-              <a:buClrTx/>
-              <a:buSzTx/>
-              <a:buFontTx/>
-              <a:buNone/>
-              <a:tabLst/>
-              <a:defRPr/>
-            </a:pPr>
-            <a:r>
-              <a:rPr kumimoji="0" lang="en-US" sz="1800" b="1" i="0" u="none" strike="noStrike" kern="1200" cap="none" spc="0" normalizeH="0" baseline="0" noProof="0" dirty="0">
-                <a:ln>
-                  <a:noFill/>
-                </a:ln>
-                <a:solidFill>
-                  <a:prstClr val="white"/>
-                </a:solidFill>
-                <a:effectLst/>
-                <a:uLnTx/>
-                <a:uFillTx/>
-                <a:latin typeface="Calibri" panose="020F0502020204030204"/>
-                <a:ea typeface="+mn-ea"/>
-                <a:cs typeface="+mn-cs"/>
-              </a:rPr>
-              <a:t>Emmy</a:t>
             </a:r>
           </a:p>
         </p:txBody>
@@ -38777,7 +39469,7 @@
 </p:sld>
 </file>
 
-<file path=ppt/slides/slide15.xml><?xml version="1.0" encoding="utf-8"?>
+<file path=ppt/slides/slide17.xml><?xml version="1.0" encoding="utf-8"?>
 <p:sld xmlns:a="http://schemas.openxmlformats.org/drawingml/2006/main" xmlns:r="http://schemas.openxmlformats.org/officeDocument/2006/relationships" xmlns:p="http://schemas.openxmlformats.org/presentationml/2006/main">
   <p:cSld>
     <p:bg>
@@ -38913,75 +39605,6 @@
                 <a:cs typeface="+mn-cs"/>
               </a:rPr>
               <a:t>model </a:t>
-            </a:r>
-          </a:p>
-        </p:txBody>
-      </p:sp>
-      <p:sp>
-        <p:nvSpPr>
-          <p:cNvPr id="7" name="TextBox 6">
-            <a:extLst>
-              <a:ext uri="{FF2B5EF4-FFF2-40B4-BE49-F238E27FC236}">
-                <a16:creationId xmlns:a16="http://schemas.microsoft.com/office/drawing/2014/main" id="{63B711B5-FE9C-41C1-9BEF-FD36F6ED18FE}"/>
-              </a:ext>
-            </a:extLst>
-          </p:cNvPr>
-          <p:cNvSpPr txBox="1"/>
-          <p:nvPr/>
-        </p:nvSpPr>
-        <p:spPr>
-          <a:xfrm>
-            <a:off x="10602098" y="98854"/>
-            <a:ext cx="1309816" cy="369332"/>
-          </a:xfrm>
-          <a:prstGeom prst="rect">
-            <a:avLst/>
-          </a:prstGeom>
-          <a:solidFill>
-            <a:schemeClr val="accent2">
-              <a:lumMod val="50000"/>
-            </a:schemeClr>
-          </a:solidFill>
-        </p:spPr>
-        <p:txBody>
-          <a:bodyPr wrap="square" rtlCol="0">
-            <a:spAutoFit/>
-          </a:bodyPr>
-          <a:lstStyle/>
-          <a:p>
-            <a:pPr marL="0" marR="0" lvl="0" indent="0" algn="ctr" defTabSz="457200" rtl="0" eaLnBrk="1" fontAlgn="auto" latinLnBrk="0" hangingPunct="1">
-              <a:lnSpc>
-                <a:spcPct val="100000"/>
-              </a:lnSpc>
-              <a:spcBef>
-                <a:spcPts val="0"/>
-              </a:spcBef>
-              <a:spcAft>
-                <a:spcPts val="0"/>
-              </a:spcAft>
-              <a:buClrTx/>
-              <a:buSzTx/>
-              <a:buFontTx/>
-              <a:buNone/>
-              <a:tabLst/>
-              <a:defRPr/>
-            </a:pPr>
-            <a:r>
-              <a:rPr kumimoji="0" lang="en-US" sz="1800" b="1" i="0" u="none" strike="noStrike" kern="1200" cap="none" spc="0" normalizeH="0" baseline="0" noProof="0" dirty="0">
-                <a:ln>
-                  <a:noFill/>
-                </a:ln>
-                <a:solidFill>
-                  <a:prstClr val="white"/>
-                </a:solidFill>
-                <a:effectLst/>
-                <a:uLnTx/>
-                <a:uFillTx/>
-                <a:latin typeface="Calibri" panose="020F0502020204030204"/>
-                <a:ea typeface="+mn-ea"/>
-                <a:cs typeface="+mn-cs"/>
-              </a:rPr>
-              <a:t>Emmy</a:t>
             </a:r>
           </a:p>
         </p:txBody>
@@ -39415,7 +40038,7 @@
 </p:sld>
 </file>
 
-<file path=ppt/slides/slide16.xml><?xml version="1.0" encoding="utf-8"?>
+<file path=ppt/slides/slide18.xml><?xml version="1.0" encoding="utf-8"?>
 <p:sld xmlns:a="http://schemas.openxmlformats.org/drawingml/2006/main" xmlns:r="http://schemas.openxmlformats.org/officeDocument/2006/relationships" xmlns:p="http://schemas.openxmlformats.org/presentationml/2006/main">
   <p:cSld>
     <p:spTree>
@@ -39432,57 +40055,6 @@
           <a:chExt cx="0" cy="0"/>
         </a:xfrm>
       </p:grpSpPr>
-      <p:sp>
-        <p:nvSpPr>
-          <p:cNvPr id="4" name="TextBox 3">
-            <a:extLst>
-              <a:ext uri="{FF2B5EF4-FFF2-40B4-BE49-F238E27FC236}">
-                <a16:creationId xmlns:a16="http://schemas.microsoft.com/office/drawing/2014/main" id="{A25F184E-8D13-474C-965D-789EFAFE76FE}"/>
-              </a:ext>
-            </a:extLst>
-          </p:cNvPr>
-          <p:cNvSpPr txBox="1"/>
-          <p:nvPr/>
-        </p:nvSpPr>
-        <p:spPr>
-          <a:xfrm>
-            <a:off x="10602098" y="98854"/>
-            <a:ext cx="1309816" cy="1754326"/>
-          </a:xfrm>
-          <a:prstGeom prst="rect">
-            <a:avLst/>
-          </a:prstGeom>
-          <a:solidFill>
-            <a:schemeClr val="accent2">
-              <a:lumMod val="50000"/>
-            </a:schemeClr>
-          </a:solidFill>
-        </p:spPr>
-        <p:txBody>
-          <a:bodyPr wrap="square" rtlCol="0">
-            <a:spAutoFit/>
-          </a:bodyPr>
-          <a:lstStyle/>
-          <a:p>
-            <a:pPr algn="ctr"/>
-            <a:r>
-              <a:rPr lang="en-US" b="1" dirty="0"/>
-              <a:t>All</a:t>
-            </a:r>
-          </a:p>
-          <a:p>
-            <a:pPr algn="ctr"/>
-            <a:endParaRPr lang="en-US" b="1" dirty="0"/>
-          </a:p>
-          <a:p>
-            <a:pPr algn="ctr"/>
-            <a:r>
-              <a:rPr lang="en-US" b="1" dirty="0"/>
-              <a:t>This plays when on slide show mode</a:t>
-            </a:r>
-          </a:p>
-        </p:txBody>
-      </p:sp>
       <p:sp>
         <p:nvSpPr>
           <p:cNvPr id="6" name="TextBox 5">
@@ -39606,7 +40178,7 @@
 </p:sld>
 </file>
 
-<file path=ppt/slides/slide17.xml><?xml version="1.0" encoding="utf-8"?>
+<file path=ppt/slides/slide19.xml><?xml version="1.0" encoding="utf-8"?>
 <p:sld xmlns:a="http://schemas.openxmlformats.org/drawingml/2006/main" xmlns:r="http://schemas.openxmlformats.org/officeDocument/2006/relationships" xmlns:p="http://schemas.openxmlformats.org/presentationml/2006/main">
   <p:cSld>
     <p:spTree>
@@ -39637,8 +40209,8 @@
         </p:nvSpPr>
         <p:spPr>
           <a:xfrm>
-            <a:off x="1058238" y="678094"/>
-            <a:ext cx="3606229" cy="1200329"/>
+            <a:off x="2020277" y="2096586"/>
+            <a:ext cx="3584101" cy="4401205"/>
           </a:xfrm>
           <a:prstGeom prst="rect">
             <a:avLst/>
@@ -39652,30 +40224,92 @@
           <a:lstStyle/>
           <a:p>
             <a:r>
-              <a:rPr lang="en-US" dirty="0"/>
-              <a:t>Hypothesis</a:t>
+              <a:rPr lang="en-US" sz="4000" dirty="0">
+                <a:solidFill>
+                  <a:schemeClr val="bg2"/>
+                </a:solidFill>
+                <a:latin typeface="Questrial" panose="02000000000000000000"/>
+              </a:rPr>
+              <a:t>Soundview</a:t>
             </a:r>
           </a:p>
           <a:p>
-            <a:endParaRPr lang="en-US" dirty="0"/>
+            <a:r>
+              <a:rPr lang="en-US" sz="4000" dirty="0">
+                <a:solidFill>
+                  <a:schemeClr val="bg2"/>
+                </a:solidFill>
+                <a:latin typeface="Questrial" panose="02000000000000000000"/>
+              </a:rPr>
+              <a:t>Gowanus</a:t>
+            </a:r>
           </a:p>
           <a:p>
             <a:r>
-              <a:rPr lang="en-US" dirty="0"/>
-              <a:t>Conclusion</a:t>
+              <a:rPr lang="en-US" sz="4000" dirty="0">
+                <a:solidFill>
+                  <a:schemeClr val="bg2"/>
+                </a:solidFill>
+                <a:latin typeface="Questrial" panose="02000000000000000000"/>
+              </a:rPr>
+              <a:t>Woodhaven</a:t>
             </a:r>
           </a:p>
           <a:p>
-            <a:endParaRPr lang="en-US" dirty="0"/>
+            <a:r>
+              <a:rPr lang="en-US" sz="4000" dirty="0">
+                <a:solidFill>
+                  <a:schemeClr val="bg2"/>
+                </a:solidFill>
+                <a:latin typeface="Questrial" panose="02000000000000000000"/>
+              </a:rPr>
+              <a:t>East Tremont</a:t>
+            </a:r>
+          </a:p>
+          <a:p>
+            <a:r>
+              <a:rPr lang="en-US" sz="4000" dirty="0" err="1">
+                <a:solidFill>
+                  <a:schemeClr val="bg2"/>
+                </a:solidFill>
+                <a:latin typeface="Questrial" panose="02000000000000000000"/>
+              </a:rPr>
+              <a:t>Rego</a:t>
+            </a:r>
+            <a:r>
+              <a:rPr lang="en-US" sz="4000" dirty="0">
+                <a:solidFill>
+                  <a:schemeClr val="bg2"/>
+                </a:solidFill>
+                <a:latin typeface="Questrial" panose="02000000000000000000"/>
+              </a:rPr>
+              <a:t> Park</a:t>
+            </a:r>
+          </a:p>
+          <a:p>
+            <a:endParaRPr lang="en-US" sz="4000" dirty="0">
+              <a:solidFill>
+                <a:schemeClr val="bg2"/>
+              </a:solidFill>
+              <a:latin typeface="Questrial" panose="02000000000000000000"/>
+            </a:endParaRPr>
+          </a:p>
+          <a:p>
+            <a:endParaRPr lang="en-US" sz="4000" dirty="0">
+              <a:solidFill>
+                <a:schemeClr val="bg2"/>
+              </a:solidFill>
+              <a:latin typeface="Questrial" panose="02000000000000000000"/>
+            </a:endParaRPr>
           </a:p>
         </p:txBody>
       </p:sp>
       <p:sp>
         <p:nvSpPr>
-          <p:cNvPr id="4" name="TextBox 3">
+          <p:cNvPr id="5" name="TextBox 4">
             <a:extLst>
               <a:ext uri="{FF2B5EF4-FFF2-40B4-BE49-F238E27FC236}">
-                <a16:creationId xmlns:a16="http://schemas.microsoft.com/office/drawing/2014/main" id="{D1845CE9-B618-7E47-B6E6-35431F741F0F}"/>
+                <a16:creationId xmlns:a16="http://schemas.microsoft.com/office/drawing/2014/main" id="{5AFA1A71-F319-4120-A2A8-0F55550E9AFC}"/>
               </a:ext>
             </a:extLst>
           </p:cNvPr>
@@ -39684,17 +40318,13 @@
         </p:nvSpPr>
         <p:spPr>
           <a:xfrm>
-            <a:off x="9613557" y="98854"/>
-            <a:ext cx="2298357" cy="369332"/>
+            <a:off x="6541477" y="2096587"/>
+            <a:ext cx="3584101" cy="4401205"/>
           </a:xfrm>
           <a:prstGeom prst="rect">
             <a:avLst/>
           </a:prstGeom>
-          <a:solidFill>
-            <a:schemeClr val="accent2">
-              <a:lumMod val="50000"/>
-            </a:schemeClr>
-          </a:solidFill>
+          <a:noFill/>
         </p:spPr>
         <p:txBody>
           <a:bodyPr wrap="square" rtlCol="0">
@@ -39702,11 +40332,142 @@
           </a:bodyPr>
           <a:lstStyle/>
           <a:p>
-            <a:pPr algn="ctr"/>
             <a:r>
-              <a:rPr lang="en-US" b="1" dirty="0"/>
-              <a:t>All – but one slide</a:t>
+              <a:rPr lang="en-US" sz="4000" dirty="0">
+                <a:solidFill>
+                  <a:schemeClr val="bg2"/>
+                </a:solidFill>
+                <a:latin typeface="Questrial" panose="02000000000000000000"/>
+              </a:rPr>
+              <a:t>Jamaica</a:t>
             </a:r>
+          </a:p>
+          <a:p>
+            <a:r>
+              <a:rPr lang="en-US" sz="4000" dirty="0">
+                <a:solidFill>
+                  <a:schemeClr val="bg2"/>
+                </a:solidFill>
+                <a:latin typeface="Questrial" panose="02000000000000000000"/>
+              </a:rPr>
+              <a:t>Longwood</a:t>
+            </a:r>
+          </a:p>
+          <a:p>
+            <a:r>
+              <a:rPr lang="en-US" sz="4000" dirty="0">
+                <a:solidFill>
+                  <a:schemeClr val="bg2"/>
+                </a:solidFill>
+                <a:latin typeface="Questrial" panose="02000000000000000000"/>
+              </a:rPr>
+              <a:t>Crotona Park</a:t>
+            </a:r>
+          </a:p>
+          <a:p>
+            <a:r>
+              <a:rPr lang="en-US" sz="4000" dirty="0" err="1">
+                <a:solidFill>
+                  <a:schemeClr val="bg2"/>
+                </a:solidFill>
+                <a:latin typeface="Questrial" panose="02000000000000000000"/>
+              </a:rPr>
+              <a:t>Redhook</a:t>
+            </a:r>
+            <a:endParaRPr lang="en-US" sz="4000" dirty="0">
+              <a:solidFill>
+                <a:schemeClr val="bg2"/>
+              </a:solidFill>
+              <a:latin typeface="Questrial" panose="02000000000000000000"/>
+            </a:endParaRPr>
+          </a:p>
+          <a:p>
+            <a:r>
+              <a:rPr lang="en-US" sz="4000" dirty="0">
+                <a:solidFill>
+                  <a:schemeClr val="bg2"/>
+                </a:solidFill>
+                <a:latin typeface="Questrial" panose="02000000000000000000"/>
+              </a:rPr>
+              <a:t>Corona</a:t>
+            </a:r>
+          </a:p>
+          <a:p>
+            <a:endParaRPr lang="en-US" sz="4000" dirty="0">
+              <a:solidFill>
+                <a:schemeClr val="bg2"/>
+              </a:solidFill>
+              <a:latin typeface="Questrial" panose="02000000000000000000"/>
+            </a:endParaRPr>
+          </a:p>
+          <a:p>
+            <a:endParaRPr lang="en-US" sz="4000" dirty="0">
+              <a:solidFill>
+                <a:schemeClr val="bg2"/>
+              </a:solidFill>
+              <a:latin typeface="Questrial" panose="02000000000000000000"/>
+            </a:endParaRPr>
+          </a:p>
+        </p:txBody>
+      </p:sp>
+      <p:sp>
+        <p:nvSpPr>
+          <p:cNvPr id="6" name="TextBox 5">
+            <a:extLst>
+              <a:ext uri="{FF2B5EF4-FFF2-40B4-BE49-F238E27FC236}">
+                <a16:creationId xmlns:a16="http://schemas.microsoft.com/office/drawing/2014/main" id="{63A2138C-B552-469A-8BCD-4B83625EDD60}"/>
+              </a:ext>
+            </a:extLst>
+          </p:cNvPr>
+          <p:cNvSpPr txBox="1"/>
+          <p:nvPr/>
+        </p:nvSpPr>
+        <p:spPr>
+          <a:xfrm>
+            <a:off x="823597" y="520095"/>
+            <a:ext cx="10231396" cy="1015663"/>
+          </a:xfrm>
+          <a:prstGeom prst="rect">
+            <a:avLst/>
+          </a:prstGeom>
+          <a:noFill/>
+        </p:spPr>
+        <p:txBody>
+          <a:bodyPr wrap="square" rtlCol="0">
+            <a:spAutoFit/>
+          </a:bodyPr>
+          <a:lstStyle/>
+          <a:p>
+            <a:r>
+              <a:rPr lang="en-US" sz="6000" dirty="0">
+                <a:solidFill>
+                  <a:schemeClr val="bg2">
+                    <a:lumMod val="75000"/>
+                  </a:schemeClr>
+                </a:solidFill>
+                <a:latin typeface="Questrial" panose="02000000000000000000" pitchFamily="2" charset="0"/>
+              </a:rPr>
+              <a:t>our</a:t>
+            </a:r>
+            <a:r>
+              <a:rPr lang="en-US" sz="6000" b="1" dirty="0">
+                <a:solidFill>
+                  <a:schemeClr val="bg2">
+                    <a:lumMod val="75000"/>
+                  </a:schemeClr>
+                </a:solidFill>
+                <a:latin typeface="Questrial" panose="02000000000000000000" pitchFamily="2" charset="0"/>
+              </a:rPr>
+              <a:t> neighborhoods</a:t>
+            </a:r>
+            <a:endParaRPr lang="en-US" sz="6000" dirty="0">
+              <a:solidFill>
+                <a:schemeClr val="bg2">
+                  <a:lumMod val="75000"/>
+                </a:schemeClr>
+              </a:solidFill>
+              <a:latin typeface="Questrial" panose="02000000000000000000" pitchFamily="2" charset="0"/>
+            </a:endParaRPr>
           </a:p>
         </p:txBody>
       </p:sp>
@@ -39723,7 +40484,7 @@
 </p:sld>
 </file>
 
-<file path=ppt/slides/slide18.xml><?xml version="1.0" encoding="utf-8"?>
+<file path=ppt/slides/slide2.xml><?xml version="1.0" encoding="utf-8"?>
 <p:sld xmlns:a="http://schemas.openxmlformats.org/drawingml/2006/main" xmlns:r="http://schemas.openxmlformats.org/officeDocument/2006/relationships" xmlns:p="http://schemas.openxmlformats.org/presentationml/2006/main">
   <p:cSld>
     <p:spTree>
@@ -39742,10 +40503,10 @@
       </p:grpSpPr>
       <p:sp>
         <p:nvSpPr>
-          <p:cNvPr id="4" name="TextBox 3">
+          <p:cNvPr id="2" name="TextBox 1">
             <a:extLst>
               <a:ext uri="{FF2B5EF4-FFF2-40B4-BE49-F238E27FC236}">
-                <a16:creationId xmlns:a16="http://schemas.microsoft.com/office/drawing/2014/main" id="{9691C701-340C-7A4B-AE2D-2ACFDEE056B1}"/>
+                <a16:creationId xmlns:a16="http://schemas.microsoft.com/office/drawing/2014/main" id="{FEF7EB14-E40A-46D8-8F07-1924CE8083BF}"/>
               </a:ext>
             </a:extLst>
           </p:cNvPr>
@@ -39754,17 +40515,13 @@
         </p:nvSpPr>
         <p:spPr>
           <a:xfrm>
-            <a:off x="10602098" y="98854"/>
-            <a:ext cx="1309816" cy="1200329"/>
+            <a:off x="1797538" y="2133599"/>
+            <a:ext cx="8307755" cy="2308324"/>
           </a:xfrm>
           <a:prstGeom prst="rect">
             <a:avLst/>
           </a:prstGeom>
-          <a:solidFill>
-            <a:schemeClr val="accent2">
-              <a:lumMod val="50000"/>
-            </a:schemeClr>
-          </a:solidFill>
+          <a:noFill/>
         </p:spPr>
         <p:txBody>
           <a:bodyPr wrap="square" rtlCol="0">
@@ -39774,12 +40531,47 @@
           <a:p>
             <a:pPr algn="ctr"/>
             <a:r>
-              <a:rPr lang="en-US" b="1" dirty="0"/>
-              <a:t>JC or whomever wants to cover</a:t>
+              <a:rPr lang="en-US" sz="7200" b="1" dirty="0">
+                <a:solidFill>
+                  <a:schemeClr val="bg2"/>
+                </a:solidFill>
+                <a:latin typeface="Questrial" panose="02000000000000000000"/>
+              </a:rPr>
+              <a:t>What neighborhoods should we invest in?</a:t>
             </a:r>
           </a:p>
         </p:txBody>
       </p:sp>
+    </p:spTree>
+    <p:extLst>
+      <p:ext uri="{BB962C8B-B14F-4D97-AF65-F5344CB8AC3E}">
+        <p14:creationId xmlns:p14="http://schemas.microsoft.com/office/powerpoint/2010/main" val="2043977765"/>
+      </p:ext>
+    </p:extLst>
+  </p:cSld>
+  <p:clrMapOvr>
+    <a:masterClrMapping/>
+  </p:clrMapOvr>
+</p:sld>
+</file>
+
+<file path=ppt/slides/slide20.xml><?xml version="1.0" encoding="utf-8"?>
+<p:sld xmlns:a="http://schemas.openxmlformats.org/drawingml/2006/main" xmlns:r="http://schemas.openxmlformats.org/officeDocument/2006/relationships" xmlns:p="http://schemas.openxmlformats.org/presentationml/2006/main">
+  <p:cSld>
+    <p:spTree>
+      <p:nvGrpSpPr>
+        <p:cNvPr id="1" name=""/>
+        <p:cNvGrpSpPr/>
+        <p:nvPr/>
+      </p:nvGrpSpPr>
+      <p:grpSpPr>
+        <a:xfrm>
+          <a:off x="0" y="0"/>
+          <a:ext cx="0" cy="0"/>
+          <a:chOff x="0" y="0"/>
+          <a:chExt cx="0" cy="0"/>
+        </a:xfrm>
+      </p:grpSpPr>
       <p:sp>
         <p:nvSpPr>
           <p:cNvPr id="5" name="TextBox 4">
@@ -39855,8 +40647,8 @@
         </p:nvSpPr>
         <p:spPr>
           <a:xfrm>
-            <a:off x="1318767" y="1535758"/>
-            <a:ext cx="10664942" cy="4440062"/>
+            <a:off x="1107751" y="2121912"/>
+            <a:ext cx="10664942" cy="2970685"/>
           </a:xfrm>
           <a:prstGeom prst="rect">
             <a:avLst/>
@@ -39949,57 +40741,6 @@
               <a:t>explore more sources of data</a:t>
             </a:r>
           </a:p>
-          <a:p>
-            <a:pPr marL="457200" indent="-457200">
-              <a:lnSpc>
-                <a:spcPct val="150000"/>
-              </a:lnSpc>
-              <a:buClr>
-                <a:schemeClr val="bg1">
-                  <a:lumMod val="65000"/>
-                  <a:lumOff val="35000"/>
-                </a:schemeClr>
-              </a:buClr>
-              <a:buFont typeface="Wingdings" pitchFamily="2" charset="2"/>
-              <a:buChar char="§"/>
-            </a:pPr>
-            <a:r>
-              <a:rPr lang="en-US" sz="3200" dirty="0">
-                <a:solidFill>
-                  <a:schemeClr val="bg1">
-                    <a:lumMod val="75000"/>
-                    <a:lumOff val="25000"/>
-                  </a:schemeClr>
-                </a:solidFill>
-                <a:latin typeface="Questrial" panose="02000000000000000000"/>
-              </a:rPr>
-              <a:t>(Please add more)</a:t>
-            </a:r>
-          </a:p>
-          <a:p>
-            <a:pPr marL="457200" indent="-457200">
-              <a:lnSpc>
-                <a:spcPct val="150000"/>
-              </a:lnSpc>
-              <a:buClr>
-                <a:schemeClr val="bg1">
-                  <a:lumMod val="65000"/>
-                  <a:lumOff val="35000"/>
-                </a:schemeClr>
-              </a:buClr>
-              <a:buFont typeface="Wingdings" pitchFamily="2" charset="2"/>
-              <a:buChar char="§"/>
-            </a:pPr>
-            <a:endParaRPr lang="en-US" sz="3200" dirty="0">
-              <a:solidFill>
-                <a:schemeClr val="bg1">
-                  <a:lumMod val="75000"/>
-                  <a:lumOff val="25000"/>
-                </a:schemeClr>
-              </a:solidFill>
-              <a:latin typeface="Questrial" panose="02000000000000000000"/>
-            </a:endParaRPr>
-          </a:p>
         </p:txBody>
       </p:sp>
     </p:spTree>
@@ -40015,7 +40756,7 @@
 </p:sld>
 </file>
 
-<file path=ppt/slides/slide19.xml><?xml version="1.0" encoding="utf-8"?>
+<file path=ppt/slides/slide21.xml><?xml version="1.0" encoding="utf-8"?>
 <p:sld xmlns:a="http://schemas.openxmlformats.org/drawingml/2006/main" xmlns:r="http://schemas.openxmlformats.org/officeDocument/2006/relationships" xmlns:p="http://schemas.openxmlformats.org/presentationml/2006/main">
   <p:cSld>
     <p:spTree>
@@ -40046,8 +40787,8 @@
         </p:nvSpPr>
         <p:spPr>
           <a:xfrm>
-            <a:off x="823597" y="520095"/>
-            <a:ext cx="10231396" cy="1015663"/>
+            <a:off x="3934120" y="2270742"/>
+            <a:ext cx="3611668" cy="1015663"/>
           </a:xfrm>
           <a:prstGeom prst="rect">
             <a:avLst/>
@@ -40061,7 +40802,7 @@
           <a:lstStyle/>
           <a:p>
             <a:r>
-              <a:rPr lang="en-US" sz="6000" dirty="0" err="1">
+              <a:rPr lang="en-US" sz="6000" b="1" dirty="0">
                 <a:solidFill>
                   <a:schemeClr val="bg2">
                     <a:lumMod val="75000"/>
@@ -40069,16 +40810,8 @@
                 </a:solidFill>
                 <a:latin typeface="Questrial" panose="02000000000000000000" pitchFamily="2" charset="0"/>
               </a:rPr>
-              <a:t>q&amp;a</a:t>
+              <a:t>questions?</a:t>
             </a:r>
-            <a:endParaRPr lang="en-US" sz="6000" dirty="0">
-              <a:solidFill>
-                <a:schemeClr val="bg2">
-                  <a:lumMod val="75000"/>
-                </a:schemeClr>
-              </a:solidFill>
-              <a:latin typeface="Questrial" panose="02000000000000000000" pitchFamily="2" charset="0"/>
-            </a:endParaRPr>
           </a:p>
         </p:txBody>
       </p:sp>
@@ -40095,7 +40828,7 @@
 </p:sld>
 </file>
 
-<file path=ppt/slides/slide2.xml><?xml version="1.0" encoding="utf-8"?>
+<file path=ppt/slides/slide3.xml><?xml version="1.0" encoding="utf-8"?>
 <p:sld xmlns:a="http://schemas.openxmlformats.org/drawingml/2006/main" xmlns:r="http://schemas.openxmlformats.org/officeDocument/2006/relationships" xmlns:p="http://schemas.openxmlformats.org/presentationml/2006/main">
   <p:cSld>
     <p:spTree>
@@ -40641,7 +41374,118 @@
 </p:sld>
 </file>
 
-<file path=ppt/slides/slide3.xml><?xml version="1.0" encoding="utf-8"?>
+<file path=ppt/slides/slide4.xml><?xml version="1.0" encoding="utf-8"?>
+<p:sld xmlns:a="http://schemas.openxmlformats.org/drawingml/2006/main" xmlns:r="http://schemas.openxmlformats.org/officeDocument/2006/relationships" xmlns:p="http://schemas.openxmlformats.org/presentationml/2006/main">
+  <p:cSld>
+    <p:spTree>
+      <p:nvGrpSpPr>
+        <p:cNvPr id="1" name=""/>
+        <p:cNvGrpSpPr/>
+        <p:nvPr/>
+      </p:nvGrpSpPr>
+      <p:grpSpPr>
+        <a:xfrm>
+          <a:off x="0" y="0"/>
+          <a:ext cx="0" cy="0"/>
+          <a:chOff x="0" y="0"/>
+          <a:chExt cx="0" cy="0"/>
+        </a:xfrm>
+      </p:grpSpPr>
+      <p:sp>
+        <p:nvSpPr>
+          <p:cNvPr id="8" name="TextBox 7">
+            <a:extLst>
+              <a:ext uri="{FF2B5EF4-FFF2-40B4-BE49-F238E27FC236}">
+                <a16:creationId xmlns:a16="http://schemas.microsoft.com/office/drawing/2014/main" id="{46C0A125-FF4F-6C43-B8AE-3C5B715290A5}"/>
+              </a:ext>
+            </a:extLst>
+          </p:cNvPr>
+          <p:cNvSpPr txBox="1"/>
+          <p:nvPr/>
+        </p:nvSpPr>
+        <p:spPr>
+          <a:xfrm>
+            <a:off x="731498" y="520095"/>
+            <a:ext cx="7673465" cy="1015663"/>
+          </a:xfrm>
+          <a:prstGeom prst="rect">
+            <a:avLst/>
+          </a:prstGeom>
+          <a:noFill/>
+        </p:spPr>
+        <p:txBody>
+          <a:bodyPr wrap="square" rtlCol="0">
+            <a:spAutoFit/>
+          </a:bodyPr>
+          <a:lstStyle/>
+          <a:p>
+            <a:r>
+              <a:rPr lang="en-US" sz="6000" dirty="0">
+                <a:solidFill>
+                  <a:schemeClr val="bg2">
+                    <a:lumMod val="75000"/>
+                  </a:schemeClr>
+                </a:solidFill>
+                <a:latin typeface="Questrial" panose="02000000000000000000" pitchFamily="2" charset="0"/>
+              </a:rPr>
+              <a:t>our</a:t>
+            </a:r>
+            <a:r>
+              <a:rPr lang="en-US" sz="6000" b="1" dirty="0">
+                <a:solidFill>
+                  <a:schemeClr val="bg2">
+                    <a:lumMod val="75000"/>
+                  </a:schemeClr>
+                </a:solidFill>
+                <a:latin typeface="Questrial" panose="02000000000000000000" pitchFamily="2" charset="0"/>
+              </a:rPr>
+              <a:t> technologies</a:t>
+            </a:r>
+          </a:p>
+        </p:txBody>
+      </p:sp>
+      <p:graphicFrame>
+        <p:nvGraphicFramePr>
+          <p:cNvPr id="2" name="Diagram 1">
+            <a:extLst>
+              <a:ext uri="{FF2B5EF4-FFF2-40B4-BE49-F238E27FC236}">
+                <a16:creationId xmlns:a16="http://schemas.microsoft.com/office/drawing/2014/main" id="{A8E80F8E-F556-E949-9DA1-296F6CD5EA74}"/>
+              </a:ext>
+            </a:extLst>
+          </p:cNvPr>
+          <p:cNvGraphicFramePr/>
+          <p:nvPr>
+            <p:extLst>
+              <p:ext uri="{D42A27DB-BD31-4B8C-83A1-F6EECF244321}">
+                <p14:modId xmlns:p14="http://schemas.microsoft.com/office/powerpoint/2010/main" val="1300517325"/>
+              </p:ext>
+            </p:extLst>
+          </p:nvPr>
+        </p:nvGraphicFramePr>
+        <p:xfrm>
+          <a:off x="1892009" y="1263969"/>
+          <a:ext cx="8128000" cy="5418667"/>
+        </p:xfrm>
+        <a:graphic>
+          <a:graphicData uri="http://schemas.openxmlformats.org/drawingml/2006/diagram">
+            <dgm:relIds xmlns:dgm="http://schemas.openxmlformats.org/drawingml/2006/diagram" xmlns:r="http://schemas.openxmlformats.org/officeDocument/2006/relationships" r:dm="rId2" r:lo="rId3" r:qs="rId4" r:cs="rId5"/>
+          </a:graphicData>
+        </a:graphic>
+      </p:graphicFrame>
+    </p:spTree>
+    <p:extLst>
+      <p:ext uri="{BB962C8B-B14F-4D97-AF65-F5344CB8AC3E}">
+        <p14:creationId xmlns:p14="http://schemas.microsoft.com/office/powerpoint/2010/main" val="3419451131"/>
+      </p:ext>
+    </p:extLst>
+  </p:cSld>
+  <p:clrMapOvr>
+    <a:masterClrMapping/>
+  </p:clrMapOvr>
+</p:sld>
+</file>
+
+<file path=ppt/slides/slide5.xml><?xml version="1.0" encoding="utf-8"?>
 <p:sld xmlns:a="http://schemas.openxmlformats.org/drawingml/2006/main" xmlns:r="http://schemas.openxmlformats.org/officeDocument/2006/relationships" xmlns:p="http://schemas.openxmlformats.org/presentationml/2006/main">
   <p:cSld>
     <p:spTree>
@@ -40892,46 +41736,6 @@
           </a:p>
         </p:txBody>
       </p:sp>
-      <p:sp>
-        <p:nvSpPr>
-          <p:cNvPr id="7" name="TextBox 6">
-            <a:extLst>
-              <a:ext uri="{FF2B5EF4-FFF2-40B4-BE49-F238E27FC236}">
-                <a16:creationId xmlns:a16="http://schemas.microsoft.com/office/drawing/2014/main" id="{63B711B5-FE9C-41C1-9BEF-FD36F6ED18FE}"/>
-              </a:ext>
-            </a:extLst>
-          </p:cNvPr>
-          <p:cNvSpPr txBox="1"/>
-          <p:nvPr/>
-        </p:nvSpPr>
-        <p:spPr>
-          <a:xfrm>
-            <a:off x="10602098" y="98854"/>
-            <a:ext cx="1309816" cy="369332"/>
-          </a:xfrm>
-          <a:prstGeom prst="rect">
-            <a:avLst/>
-          </a:prstGeom>
-          <a:solidFill>
-            <a:schemeClr val="accent2">
-              <a:lumMod val="50000"/>
-            </a:schemeClr>
-          </a:solidFill>
-        </p:spPr>
-        <p:txBody>
-          <a:bodyPr wrap="square" rtlCol="0">
-            <a:spAutoFit/>
-          </a:bodyPr>
-          <a:lstStyle/>
-          <a:p>
-            <a:pPr algn="ctr"/>
-            <a:r>
-              <a:rPr lang="en-US" b="1" dirty="0"/>
-              <a:t>Emmy</a:t>
-            </a:r>
-          </a:p>
-        </p:txBody>
-      </p:sp>
     </p:spTree>
     <p:extLst>
       <p:ext uri="{BB962C8B-B14F-4D97-AF65-F5344CB8AC3E}">
@@ -40945,7 +41749,7 @@
 </p:sld>
 </file>
 
-<file path=ppt/slides/slide4.xml><?xml version="1.0" encoding="utf-8"?>
+<file path=ppt/slides/slide6.xml><?xml version="1.0" encoding="utf-8"?>
 <p:sld xmlns:a="http://schemas.openxmlformats.org/drawingml/2006/main" xmlns:r="http://schemas.openxmlformats.org/officeDocument/2006/relationships" xmlns:p="http://schemas.openxmlformats.org/presentationml/2006/main">
   <p:cSld>
     <p:spTree>
@@ -41303,46 +42107,6 @@
       </p:cxnSp>
       <p:sp>
         <p:nvSpPr>
-          <p:cNvPr id="10" name="TextBox 9">
-            <a:extLst>
-              <a:ext uri="{FF2B5EF4-FFF2-40B4-BE49-F238E27FC236}">
-                <a16:creationId xmlns:a16="http://schemas.microsoft.com/office/drawing/2014/main" id="{39E33CE0-93A2-4F8C-A3CF-F94D82302C8F}"/>
-              </a:ext>
-            </a:extLst>
-          </p:cNvPr>
-          <p:cNvSpPr txBox="1"/>
-          <p:nvPr/>
-        </p:nvSpPr>
-        <p:spPr>
-          <a:xfrm>
-            <a:off x="10602098" y="98854"/>
-            <a:ext cx="1309816" cy="369332"/>
-          </a:xfrm>
-          <a:prstGeom prst="rect">
-            <a:avLst/>
-          </a:prstGeom>
-          <a:solidFill>
-            <a:schemeClr val="accent2">
-              <a:lumMod val="50000"/>
-            </a:schemeClr>
-          </a:solidFill>
-        </p:spPr>
-        <p:txBody>
-          <a:bodyPr wrap="square" rtlCol="0">
-            <a:spAutoFit/>
-          </a:bodyPr>
-          <a:lstStyle/>
-          <a:p>
-            <a:pPr algn="ctr"/>
-            <a:r>
-              <a:rPr lang="en-US" b="1" dirty="0"/>
-              <a:t>Emmy</a:t>
-            </a:r>
-          </a:p>
-        </p:txBody>
-      </p:sp>
-      <p:sp>
-        <p:nvSpPr>
           <p:cNvPr id="9" name="TextBox 8">
             <a:extLst>
               <a:ext uri="{FF2B5EF4-FFF2-40B4-BE49-F238E27FC236}">
@@ -41553,158 +42317,7 @@
 </p:sld>
 </file>
 
-<file path=ppt/slides/slide5.xml><?xml version="1.0" encoding="utf-8"?>
-<p:sld xmlns:a="http://schemas.openxmlformats.org/drawingml/2006/main" xmlns:r="http://schemas.openxmlformats.org/officeDocument/2006/relationships" xmlns:p="http://schemas.openxmlformats.org/presentationml/2006/main">
-  <p:cSld>
-    <p:spTree>
-      <p:nvGrpSpPr>
-        <p:cNvPr id="1" name=""/>
-        <p:cNvGrpSpPr/>
-        <p:nvPr/>
-      </p:nvGrpSpPr>
-      <p:grpSpPr>
-        <a:xfrm>
-          <a:off x="0" y="0"/>
-          <a:ext cx="0" cy="0"/>
-          <a:chOff x="0" y="0"/>
-          <a:chExt cx="0" cy="0"/>
-        </a:xfrm>
-      </p:grpSpPr>
-      <p:sp>
-        <p:nvSpPr>
-          <p:cNvPr id="8" name="TextBox 7">
-            <a:extLst>
-              <a:ext uri="{FF2B5EF4-FFF2-40B4-BE49-F238E27FC236}">
-                <a16:creationId xmlns:a16="http://schemas.microsoft.com/office/drawing/2014/main" id="{46C0A125-FF4F-6C43-B8AE-3C5B715290A5}"/>
-              </a:ext>
-            </a:extLst>
-          </p:cNvPr>
-          <p:cNvSpPr txBox="1"/>
-          <p:nvPr/>
-        </p:nvSpPr>
-        <p:spPr>
-          <a:xfrm>
-            <a:off x="731498" y="520095"/>
-            <a:ext cx="7673465" cy="1015663"/>
-          </a:xfrm>
-          <a:prstGeom prst="rect">
-            <a:avLst/>
-          </a:prstGeom>
-          <a:noFill/>
-        </p:spPr>
-        <p:txBody>
-          <a:bodyPr wrap="square" rtlCol="0">
-            <a:spAutoFit/>
-          </a:bodyPr>
-          <a:lstStyle/>
-          <a:p>
-            <a:r>
-              <a:rPr lang="en-US" sz="6000" dirty="0">
-                <a:solidFill>
-                  <a:schemeClr val="bg2">
-                    <a:lumMod val="75000"/>
-                  </a:schemeClr>
-                </a:solidFill>
-                <a:latin typeface="Questrial" panose="02000000000000000000" pitchFamily="2" charset="0"/>
-              </a:rPr>
-              <a:t>our</a:t>
-            </a:r>
-            <a:r>
-              <a:rPr lang="en-US" sz="6000" b="1" dirty="0">
-                <a:solidFill>
-                  <a:schemeClr val="bg2">
-                    <a:lumMod val="75000"/>
-                  </a:schemeClr>
-                </a:solidFill>
-                <a:latin typeface="Questrial" panose="02000000000000000000" pitchFamily="2" charset="0"/>
-              </a:rPr>
-              <a:t> technologies</a:t>
-            </a:r>
-          </a:p>
-        </p:txBody>
-      </p:sp>
-      <p:sp>
-        <p:nvSpPr>
-          <p:cNvPr id="10" name="TextBox 9">
-            <a:extLst>
-              <a:ext uri="{FF2B5EF4-FFF2-40B4-BE49-F238E27FC236}">
-                <a16:creationId xmlns:a16="http://schemas.microsoft.com/office/drawing/2014/main" id="{39E33CE0-93A2-4F8C-A3CF-F94D82302C8F}"/>
-              </a:ext>
-            </a:extLst>
-          </p:cNvPr>
-          <p:cNvSpPr txBox="1"/>
-          <p:nvPr/>
-        </p:nvSpPr>
-        <p:spPr>
-          <a:xfrm>
-            <a:off x="10602098" y="98854"/>
-            <a:ext cx="1309816" cy="1200329"/>
-          </a:xfrm>
-          <a:prstGeom prst="rect">
-            <a:avLst/>
-          </a:prstGeom>
-          <a:solidFill>
-            <a:schemeClr val="accent2">
-              <a:lumMod val="50000"/>
-            </a:schemeClr>
-          </a:solidFill>
-        </p:spPr>
-        <p:txBody>
-          <a:bodyPr wrap="square" rtlCol="0">
-            <a:spAutoFit/>
-          </a:bodyPr>
-          <a:lstStyle/>
-          <a:p>
-            <a:pPr algn="ctr"/>
-            <a:r>
-              <a:rPr lang="en-US" b="1" dirty="0"/>
-              <a:t>JC or whomever wants to cover</a:t>
-            </a:r>
-          </a:p>
-        </p:txBody>
-      </p:sp>
-      <p:graphicFrame>
-        <p:nvGraphicFramePr>
-          <p:cNvPr id="2" name="Diagram 1">
-            <a:extLst>
-              <a:ext uri="{FF2B5EF4-FFF2-40B4-BE49-F238E27FC236}">
-                <a16:creationId xmlns:a16="http://schemas.microsoft.com/office/drawing/2014/main" id="{A8E80F8E-F556-E949-9DA1-296F6CD5EA74}"/>
-              </a:ext>
-            </a:extLst>
-          </p:cNvPr>
-          <p:cNvGraphicFramePr/>
-          <p:nvPr>
-            <p:extLst>
-              <p:ext uri="{D42A27DB-BD31-4B8C-83A1-F6EECF244321}">
-                <p14:modId xmlns:p14="http://schemas.microsoft.com/office/powerpoint/2010/main" val="1300517325"/>
-              </p:ext>
-            </p:extLst>
-          </p:nvPr>
-        </p:nvGraphicFramePr>
-        <p:xfrm>
-          <a:off x="1892009" y="1263969"/>
-          <a:ext cx="8128000" cy="5418667"/>
-        </p:xfrm>
-        <a:graphic>
-          <a:graphicData uri="http://schemas.openxmlformats.org/drawingml/2006/diagram">
-            <dgm:relIds xmlns:dgm="http://schemas.openxmlformats.org/drawingml/2006/diagram" xmlns:r="http://schemas.openxmlformats.org/officeDocument/2006/relationships" r:dm="rId2" r:lo="rId3" r:qs="rId4" r:cs="rId5"/>
-          </a:graphicData>
-        </a:graphic>
-      </p:graphicFrame>
-    </p:spTree>
-    <p:extLst>
-      <p:ext uri="{BB962C8B-B14F-4D97-AF65-F5344CB8AC3E}">
-        <p14:creationId xmlns:p14="http://schemas.microsoft.com/office/powerpoint/2010/main" val="3419451131"/>
-      </p:ext>
-    </p:extLst>
-  </p:cSld>
-  <p:clrMapOvr>
-    <a:masterClrMapping/>
-  </p:clrMapOvr>
-</p:sld>
-</file>
-
-<file path=ppt/slides/slide6.xml><?xml version="1.0" encoding="utf-8"?>
+<file path=ppt/slides/slide7.xml><?xml version="1.0" encoding="utf-8"?>
 <p:sld xmlns:a="http://schemas.openxmlformats.org/drawingml/2006/main" xmlns:r="http://schemas.openxmlformats.org/officeDocument/2006/relationships" xmlns:p="http://schemas.openxmlformats.org/presentationml/2006/main">
   <p:cSld>
     <p:bg>
@@ -41830,89 +42443,6 @@
               </a:rPr>
               <a:t>exploration</a:t>
             </a:r>
-          </a:p>
-        </p:txBody>
-      </p:sp>
-      <p:sp>
-        <p:nvSpPr>
-          <p:cNvPr id="7" name="TextBox 6">
-            <a:extLst>
-              <a:ext uri="{FF2B5EF4-FFF2-40B4-BE49-F238E27FC236}">
-                <a16:creationId xmlns:a16="http://schemas.microsoft.com/office/drawing/2014/main" id="{63B711B5-FE9C-41C1-9BEF-FD36F6ED18FE}"/>
-              </a:ext>
-            </a:extLst>
-          </p:cNvPr>
-          <p:cNvSpPr txBox="1"/>
-          <p:nvPr/>
-        </p:nvSpPr>
-        <p:spPr>
-          <a:xfrm>
-            <a:off x="10602098" y="98854"/>
-            <a:ext cx="1309816" cy="369332"/>
-          </a:xfrm>
-          <a:prstGeom prst="rect">
-            <a:avLst/>
-          </a:prstGeom>
-          <a:solidFill>
-            <a:schemeClr val="accent2">
-              <a:lumMod val="50000"/>
-            </a:schemeClr>
-          </a:solidFill>
-        </p:spPr>
-        <p:txBody>
-          <a:bodyPr wrap="square" rtlCol="0">
-            <a:spAutoFit/>
-          </a:bodyPr>
-          <a:lstStyle/>
-          <a:p>
-            <a:pPr marL="0" marR="0" lvl="0" indent="0" algn="ctr" defTabSz="457200" rtl="0" eaLnBrk="1" fontAlgn="auto" latinLnBrk="0" hangingPunct="1">
-              <a:lnSpc>
-                <a:spcPct val="100000"/>
-              </a:lnSpc>
-              <a:spcBef>
-                <a:spcPts val="0"/>
-              </a:spcBef>
-              <a:spcAft>
-                <a:spcPts val="0"/>
-              </a:spcAft>
-              <a:buClrTx/>
-              <a:buSzTx/>
-              <a:buFontTx/>
-              <a:buNone/>
-              <a:tabLst/>
-              <a:defRPr/>
-            </a:pPr>
-            <a:r>
-              <a:rPr kumimoji="0" lang="en-US" sz="1800" b="1" i="0" u="none" strike="noStrike" kern="1200" cap="none" spc="0" normalizeH="0" baseline="0" noProof="0" dirty="0" err="1">
-                <a:ln>
-                  <a:noFill/>
-                </a:ln>
-                <a:solidFill>
-                  <a:prstClr val="white"/>
-                </a:solidFill>
-                <a:effectLst/>
-                <a:uLnTx/>
-                <a:uFillTx/>
-                <a:latin typeface="Calibri" panose="020F0502020204030204"/>
-                <a:ea typeface="+mn-ea"/>
-                <a:cs typeface="+mn-cs"/>
-              </a:rPr>
-              <a:t>Michana</a:t>
-            </a:r>
-            <a:endParaRPr kumimoji="0" lang="en-US" sz="1800" b="1" i="0" u="none" strike="noStrike" kern="1200" cap="none" spc="0" normalizeH="0" baseline="0" noProof="0" dirty="0">
-              <a:ln>
-                <a:noFill/>
-              </a:ln>
-              <a:solidFill>
-                <a:prstClr val="white"/>
-              </a:solidFill>
-              <a:effectLst/>
-              <a:uLnTx/>
-              <a:uFillTx/>
-              <a:latin typeface="Calibri" panose="020F0502020204030204"/>
-              <a:ea typeface="+mn-ea"/>
-              <a:cs typeface="+mn-cs"/>
-            </a:endParaRPr>
           </a:p>
         </p:txBody>
       </p:sp>
@@ -42191,7 +42721,7 @@
 </p:sld>
 </file>
 
-<file path=ppt/slides/slide7.xml><?xml version="1.0" encoding="utf-8"?>
+<file path=ppt/slides/slide8.xml><?xml version="1.0" encoding="utf-8"?>
 <p:sld xmlns:a="http://schemas.openxmlformats.org/drawingml/2006/main" xmlns:r="http://schemas.openxmlformats.org/officeDocument/2006/relationships" xmlns:p="http://schemas.openxmlformats.org/presentationml/2006/main">
   <p:cSld>
     <p:bg>
@@ -42336,89 +42866,6 @@
               </a:rPr>
               <a:t>-&gt; crime</a:t>
             </a:r>
-          </a:p>
-        </p:txBody>
-      </p:sp>
-      <p:sp>
-        <p:nvSpPr>
-          <p:cNvPr id="7" name="TextBox 6">
-            <a:extLst>
-              <a:ext uri="{FF2B5EF4-FFF2-40B4-BE49-F238E27FC236}">
-                <a16:creationId xmlns:a16="http://schemas.microsoft.com/office/drawing/2014/main" id="{63B711B5-FE9C-41C1-9BEF-FD36F6ED18FE}"/>
-              </a:ext>
-            </a:extLst>
-          </p:cNvPr>
-          <p:cNvSpPr txBox="1"/>
-          <p:nvPr/>
-        </p:nvSpPr>
-        <p:spPr>
-          <a:xfrm>
-            <a:off x="10602098" y="98854"/>
-            <a:ext cx="1309816" cy="369332"/>
-          </a:xfrm>
-          <a:prstGeom prst="rect">
-            <a:avLst/>
-          </a:prstGeom>
-          <a:solidFill>
-            <a:schemeClr val="accent2">
-              <a:lumMod val="50000"/>
-            </a:schemeClr>
-          </a:solidFill>
-        </p:spPr>
-        <p:txBody>
-          <a:bodyPr wrap="square" rtlCol="0">
-            <a:spAutoFit/>
-          </a:bodyPr>
-          <a:lstStyle/>
-          <a:p>
-            <a:pPr marL="0" marR="0" lvl="0" indent="0" algn="ctr" defTabSz="457200" rtl="0" eaLnBrk="1" fontAlgn="auto" latinLnBrk="0" hangingPunct="1">
-              <a:lnSpc>
-                <a:spcPct val="100000"/>
-              </a:lnSpc>
-              <a:spcBef>
-                <a:spcPts val="0"/>
-              </a:spcBef>
-              <a:spcAft>
-                <a:spcPts val="0"/>
-              </a:spcAft>
-              <a:buClrTx/>
-              <a:buSzTx/>
-              <a:buFontTx/>
-              <a:buNone/>
-              <a:tabLst/>
-              <a:defRPr/>
-            </a:pPr>
-            <a:r>
-              <a:rPr kumimoji="0" lang="en-US" sz="1800" b="1" i="0" u="none" strike="noStrike" kern="1200" cap="none" spc="0" normalizeH="0" baseline="0" noProof="0" dirty="0" err="1">
-                <a:ln>
-                  <a:noFill/>
-                </a:ln>
-                <a:solidFill>
-                  <a:prstClr val="white"/>
-                </a:solidFill>
-                <a:effectLst/>
-                <a:uLnTx/>
-                <a:uFillTx/>
-                <a:latin typeface="Calibri" panose="020F0502020204030204"/>
-                <a:ea typeface="+mn-ea"/>
-                <a:cs typeface="+mn-cs"/>
-              </a:rPr>
-              <a:t>Michana</a:t>
-            </a:r>
-            <a:endParaRPr kumimoji="0" lang="en-US" sz="1800" b="1" i="0" u="none" strike="noStrike" kern="1200" cap="none" spc="0" normalizeH="0" baseline="0" noProof="0" dirty="0">
-              <a:ln>
-                <a:noFill/>
-              </a:ln>
-              <a:solidFill>
-                <a:prstClr val="white"/>
-              </a:solidFill>
-              <a:effectLst/>
-              <a:uLnTx/>
-              <a:uFillTx/>
-              <a:latin typeface="Calibri" panose="020F0502020204030204"/>
-              <a:ea typeface="+mn-ea"/>
-              <a:cs typeface="+mn-cs"/>
-            </a:endParaRPr>
           </a:p>
         </p:txBody>
       </p:sp>
@@ -43122,7 +43569,7 @@
 </p:sld>
 </file>
 
-<file path=ppt/slides/slide8.xml><?xml version="1.0" encoding="utf-8"?>
+<file path=ppt/slides/slide9.xml><?xml version="1.0" encoding="utf-8"?>
 <p:sld xmlns:a="http://schemas.openxmlformats.org/drawingml/2006/main" xmlns:r="http://schemas.openxmlformats.org/officeDocument/2006/relationships" xmlns:p="http://schemas.openxmlformats.org/presentationml/2006/main">
   <p:cSld>
     <p:bg>
@@ -43266,75 +43713,6 @@
                 <a:cs typeface="+mn-cs"/>
               </a:rPr>
               <a:t>-&gt; sales</a:t>
-            </a:r>
-          </a:p>
-        </p:txBody>
-      </p:sp>
-      <p:sp>
-        <p:nvSpPr>
-          <p:cNvPr id="7" name="TextBox 6">
-            <a:extLst>
-              <a:ext uri="{FF2B5EF4-FFF2-40B4-BE49-F238E27FC236}">
-                <a16:creationId xmlns:a16="http://schemas.microsoft.com/office/drawing/2014/main" id="{63B711B5-FE9C-41C1-9BEF-FD36F6ED18FE}"/>
-              </a:ext>
-            </a:extLst>
-          </p:cNvPr>
-          <p:cNvSpPr txBox="1"/>
-          <p:nvPr/>
-        </p:nvSpPr>
-        <p:spPr>
-          <a:xfrm>
-            <a:off x="10602098" y="98854"/>
-            <a:ext cx="1309816" cy="369332"/>
-          </a:xfrm>
-          <a:prstGeom prst="rect">
-            <a:avLst/>
-          </a:prstGeom>
-          <a:solidFill>
-            <a:schemeClr val="accent2">
-              <a:lumMod val="50000"/>
-            </a:schemeClr>
-          </a:solidFill>
-        </p:spPr>
-        <p:txBody>
-          <a:bodyPr wrap="square" rtlCol="0">
-            <a:spAutoFit/>
-          </a:bodyPr>
-          <a:lstStyle/>
-          <a:p>
-            <a:pPr marL="0" marR="0" lvl="0" indent="0" algn="ctr" defTabSz="457200" rtl="0" eaLnBrk="1" fontAlgn="auto" latinLnBrk="0" hangingPunct="1">
-              <a:lnSpc>
-                <a:spcPct val="100000"/>
-              </a:lnSpc>
-              <a:spcBef>
-                <a:spcPts val="0"/>
-              </a:spcBef>
-              <a:spcAft>
-                <a:spcPts val="0"/>
-              </a:spcAft>
-              <a:buClrTx/>
-              <a:buSzTx/>
-              <a:buFontTx/>
-              <a:buNone/>
-              <a:tabLst/>
-              <a:defRPr/>
-            </a:pPr>
-            <a:r>
-              <a:rPr kumimoji="0" lang="en-US" sz="1800" b="1" i="0" u="none" strike="noStrike" kern="1200" cap="none" spc="0" normalizeH="0" baseline="0" noProof="0" dirty="0">
-                <a:ln>
-                  <a:noFill/>
-                </a:ln>
-                <a:solidFill>
-                  <a:prstClr val="white"/>
-                </a:solidFill>
-                <a:effectLst/>
-                <a:uLnTx/>
-                <a:uFillTx/>
-                <a:latin typeface="Calibri" panose="020F0502020204030204"/>
-                <a:ea typeface="+mn-ea"/>
-                <a:cs typeface="+mn-cs"/>
-              </a:rPr>
-              <a:t>Emmy</a:t>
             </a:r>
           </a:p>
         </p:txBody>
@@ -43600,436 +43978,6 @@
     <p:extLst>
       <p:ext uri="{BB962C8B-B14F-4D97-AF65-F5344CB8AC3E}">
         <p14:creationId xmlns:p14="http://schemas.microsoft.com/office/powerpoint/2010/main" val="2622049128"/>
-      </p:ext>
-    </p:extLst>
-  </p:cSld>
-  <p:clrMapOvr>
-    <a:masterClrMapping/>
-  </p:clrMapOvr>
-</p:sld>
-</file>
-
-<file path=ppt/slides/slide9.xml><?xml version="1.0" encoding="utf-8"?>
-<p:sld xmlns:a="http://schemas.openxmlformats.org/drawingml/2006/main" xmlns:r="http://schemas.openxmlformats.org/officeDocument/2006/relationships" xmlns:p="http://schemas.openxmlformats.org/presentationml/2006/main">
-  <p:cSld>
-    <p:bg>
-      <p:bgPr>
-        <a:gradFill flip="none" rotWithShape="1">
-          <a:gsLst>
-            <a:gs pos="23448">
-              <a:schemeClr val="tx1">
-                <a:lumMod val="85000"/>
-              </a:schemeClr>
-            </a:gs>
-            <a:gs pos="83000">
-              <a:schemeClr val="tx1">
-                <a:lumMod val="65000"/>
-              </a:schemeClr>
-            </a:gs>
-            <a:gs pos="100000">
-              <a:schemeClr val="bg2">
-                <a:lumMod val="50000"/>
-              </a:schemeClr>
-            </a:gs>
-          </a:gsLst>
-          <a:lin ang="4740000" scaled="1"/>
-          <a:tileRect/>
-        </a:gradFill>
-        <a:effectLst/>
-      </p:bgPr>
-    </p:bg>
-    <p:spTree>
-      <p:nvGrpSpPr>
-        <p:cNvPr id="1" name=""/>
-        <p:cNvGrpSpPr/>
-        <p:nvPr/>
-      </p:nvGrpSpPr>
-      <p:grpSpPr>
-        <a:xfrm>
-          <a:off x="0" y="0"/>
-          <a:ext cx="0" cy="0"/>
-          <a:chOff x="0" y="0"/>
-          <a:chExt cx="0" cy="0"/>
-        </a:xfrm>
-      </p:grpSpPr>
-      <p:sp>
-        <p:nvSpPr>
-          <p:cNvPr id="8" name="TextBox 7">
-            <a:extLst>
-              <a:ext uri="{FF2B5EF4-FFF2-40B4-BE49-F238E27FC236}">
-                <a16:creationId xmlns:a16="http://schemas.microsoft.com/office/drawing/2014/main" id="{46C0A125-FF4F-6C43-B8AE-3C5B715290A5}"/>
-              </a:ext>
-            </a:extLst>
-          </p:cNvPr>
-          <p:cNvSpPr txBox="1"/>
-          <p:nvPr/>
-        </p:nvSpPr>
-        <p:spPr>
-          <a:xfrm>
-            <a:off x="823597" y="520095"/>
-            <a:ext cx="8507971" cy="1015663"/>
-          </a:xfrm>
-          <a:prstGeom prst="rect">
-            <a:avLst/>
-          </a:prstGeom>
-          <a:noFill/>
-        </p:spPr>
-        <p:txBody>
-          <a:bodyPr wrap="square" rtlCol="0">
-            <a:spAutoFit/>
-          </a:bodyPr>
-          <a:lstStyle/>
-          <a:p>
-            <a:pPr marL="0" marR="0" lvl="0" indent="0" algn="l" defTabSz="457200" rtl="0" eaLnBrk="1" fontAlgn="auto" latinLnBrk="0" hangingPunct="1">
-              <a:lnSpc>
-                <a:spcPct val="100000"/>
-              </a:lnSpc>
-              <a:spcBef>
-                <a:spcPts val="0"/>
-              </a:spcBef>
-              <a:spcAft>
-                <a:spcPts val="0"/>
-              </a:spcAft>
-              <a:buClrTx/>
-              <a:buSzTx/>
-              <a:buFontTx/>
-              <a:buNone/>
-              <a:tabLst/>
-              <a:defRPr/>
-            </a:pPr>
-            <a:r>
-              <a:rPr kumimoji="0" lang="en-US" sz="6000" b="0" i="0" u="none" strike="noStrike" kern="1200" cap="none" spc="0" normalizeH="0" baseline="0" noProof="0" dirty="0">
-                <a:ln>
-                  <a:noFill/>
-                </a:ln>
-                <a:solidFill>
-                  <a:srgbClr val="16476F">
-                    <a:lumMod val="75000"/>
-                  </a:srgbClr>
-                </a:solidFill>
-                <a:effectLst/>
-                <a:uLnTx/>
-                <a:uFillTx/>
-                <a:latin typeface="Questrial" panose="02000000000000000000" pitchFamily="2" charset="0"/>
-                <a:ea typeface="+mn-ea"/>
-                <a:cs typeface="+mn-cs"/>
-              </a:rPr>
-              <a:t>our</a:t>
-            </a:r>
-            <a:r>
-              <a:rPr kumimoji="0" lang="en-US" sz="6000" b="1" i="0" u="none" strike="noStrike" kern="1200" cap="none" spc="0" normalizeH="0" baseline="0" noProof="0" dirty="0">
-                <a:ln>
-                  <a:noFill/>
-                </a:ln>
-                <a:solidFill>
-                  <a:srgbClr val="16476F">
-                    <a:lumMod val="75000"/>
-                  </a:srgbClr>
-                </a:solidFill>
-                <a:effectLst/>
-                <a:uLnTx/>
-                <a:uFillTx/>
-                <a:latin typeface="Questrial" panose="02000000000000000000" pitchFamily="2" charset="0"/>
-                <a:ea typeface="+mn-ea"/>
-                <a:cs typeface="+mn-cs"/>
-              </a:rPr>
-              <a:t> data </a:t>
-            </a:r>
-            <a:r>
-              <a:rPr kumimoji="0" lang="en-US" sz="6000" b="0" i="0" u="none" strike="noStrike" kern="1200" cap="none" spc="0" normalizeH="0" baseline="0" noProof="0" dirty="0">
-                <a:ln>
-                  <a:noFill/>
-                </a:ln>
-                <a:solidFill>
-                  <a:srgbClr val="16476F">
-                    <a:lumMod val="75000"/>
-                  </a:srgbClr>
-                </a:solidFill>
-                <a:effectLst/>
-                <a:uLnTx/>
-                <a:uFillTx/>
-                <a:latin typeface="Questrial" panose="02000000000000000000" pitchFamily="2" charset="0"/>
-                <a:ea typeface="+mn-ea"/>
-                <a:cs typeface="+mn-cs"/>
-              </a:rPr>
-              <a:t>-&gt; development</a:t>
-            </a:r>
-          </a:p>
-        </p:txBody>
-      </p:sp>
-      <p:sp>
-        <p:nvSpPr>
-          <p:cNvPr id="7" name="TextBox 6">
-            <a:extLst>
-              <a:ext uri="{FF2B5EF4-FFF2-40B4-BE49-F238E27FC236}">
-                <a16:creationId xmlns:a16="http://schemas.microsoft.com/office/drawing/2014/main" id="{63B711B5-FE9C-41C1-9BEF-FD36F6ED18FE}"/>
-              </a:ext>
-            </a:extLst>
-          </p:cNvPr>
-          <p:cNvSpPr txBox="1"/>
-          <p:nvPr/>
-        </p:nvSpPr>
-        <p:spPr>
-          <a:xfrm>
-            <a:off x="10602098" y="98854"/>
-            <a:ext cx="1309816" cy="369332"/>
-          </a:xfrm>
-          <a:prstGeom prst="rect">
-            <a:avLst/>
-          </a:prstGeom>
-          <a:solidFill>
-            <a:schemeClr val="accent2">
-              <a:lumMod val="50000"/>
-            </a:schemeClr>
-          </a:solidFill>
-        </p:spPr>
-        <p:txBody>
-          <a:bodyPr wrap="square" rtlCol="0">
-            <a:spAutoFit/>
-          </a:bodyPr>
-          <a:lstStyle/>
-          <a:p>
-            <a:pPr marL="0" marR="0" lvl="0" indent="0" algn="ctr" defTabSz="457200" rtl="0" eaLnBrk="1" fontAlgn="auto" latinLnBrk="0" hangingPunct="1">
-              <a:lnSpc>
-                <a:spcPct val="100000"/>
-              </a:lnSpc>
-              <a:spcBef>
-                <a:spcPts val="0"/>
-              </a:spcBef>
-              <a:spcAft>
-                <a:spcPts val="0"/>
-              </a:spcAft>
-              <a:buClrTx/>
-              <a:buSzTx/>
-              <a:buFontTx/>
-              <a:buNone/>
-              <a:tabLst/>
-              <a:defRPr/>
-            </a:pPr>
-            <a:r>
-              <a:rPr kumimoji="0" lang="en-US" sz="1800" b="1" i="0" u="none" strike="noStrike" kern="1200" cap="none" spc="0" normalizeH="0" baseline="0" noProof="0" dirty="0">
-                <a:ln>
-                  <a:noFill/>
-                </a:ln>
-                <a:solidFill>
-                  <a:prstClr val="white"/>
-                </a:solidFill>
-                <a:effectLst/>
-                <a:uLnTx/>
-                <a:uFillTx/>
-                <a:latin typeface="Calibri" panose="020F0502020204030204"/>
-                <a:ea typeface="+mn-ea"/>
-                <a:cs typeface="+mn-cs"/>
-              </a:rPr>
-              <a:t>Emmy</a:t>
-            </a:r>
-          </a:p>
-        </p:txBody>
-      </p:sp>
-      <p:graphicFrame>
-        <p:nvGraphicFramePr>
-          <p:cNvPr id="17" name="Diagram 16">
-            <a:extLst>
-              <a:ext uri="{FF2B5EF4-FFF2-40B4-BE49-F238E27FC236}">
-                <a16:creationId xmlns:a16="http://schemas.microsoft.com/office/drawing/2014/main" id="{880232BC-DB29-4321-BCFA-535900F01275}"/>
-              </a:ext>
-            </a:extLst>
-          </p:cNvPr>
-          <p:cNvGraphicFramePr/>
-          <p:nvPr/>
-        </p:nvGraphicFramePr>
-        <p:xfrm>
-          <a:off x="557267" y="1686757"/>
-          <a:ext cx="11036969" cy="4806379"/>
-        </p:xfrm>
-        <a:graphic>
-          <a:graphicData uri="http://schemas.openxmlformats.org/drawingml/2006/diagram">
-            <dgm:relIds xmlns:dgm="http://schemas.openxmlformats.org/drawingml/2006/diagram" xmlns:r="http://schemas.openxmlformats.org/officeDocument/2006/relationships" r:dm="rId2" r:lo="rId3" r:qs="rId4" r:cs="rId5"/>
-          </a:graphicData>
-        </a:graphic>
-      </p:graphicFrame>
-      <p:sp>
-        <p:nvSpPr>
-          <p:cNvPr id="2" name="Callout: Left Arrow 1">
-            <a:extLst>
-              <a:ext uri="{FF2B5EF4-FFF2-40B4-BE49-F238E27FC236}">
-                <a16:creationId xmlns:a16="http://schemas.microsoft.com/office/drawing/2014/main" id="{D6AF3C83-E7D0-4B32-B604-2DF22F238C8D}"/>
-              </a:ext>
-            </a:extLst>
-          </p:cNvPr>
-          <p:cNvSpPr/>
-          <p:nvPr/>
-        </p:nvSpPr>
-        <p:spPr>
-          <a:xfrm>
-            <a:off x="5181597" y="2998378"/>
-            <a:ext cx="4149971" cy="1091568"/>
-          </a:xfrm>
-          <a:prstGeom prst="leftArrowCallout">
-            <a:avLst/>
-          </a:prstGeom>
-          <a:solidFill>
-            <a:schemeClr val="accent5">
-              <a:lumMod val="50000"/>
-            </a:schemeClr>
-          </a:solidFill>
-        </p:spPr>
-        <p:style>
-          <a:lnRef idx="2">
-            <a:schemeClr val="accent1">
-              <a:shade val="50000"/>
-            </a:schemeClr>
-          </a:lnRef>
-          <a:fillRef idx="1">
-            <a:schemeClr val="accent1"/>
-          </a:fillRef>
-          <a:effectRef idx="0">
-            <a:schemeClr val="accent1"/>
-          </a:effectRef>
-          <a:fontRef idx="minor">
-            <a:schemeClr val="lt1"/>
-          </a:fontRef>
-        </p:style>
-        <p:txBody>
-          <a:bodyPr rtlCol="0" anchor="ctr"/>
-          <a:lstStyle/>
-          <a:p>
-            <a:pPr marL="0" marR="0" lvl="0" indent="0" algn="ctr" defTabSz="914400" rtl="0" eaLnBrk="1" fontAlgn="auto" latinLnBrk="0" hangingPunct="1">
-              <a:lnSpc>
-                <a:spcPct val="100000"/>
-              </a:lnSpc>
-              <a:spcBef>
-                <a:spcPts val="0"/>
-              </a:spcBef>
-              <a:spcAft>
-                <a:spcPts val="0"/>
-              </a:spcAft>
-              <a:buClrTx/>
-              <a:buSzTx/>
-              <a:buFontTx/>
-              <a:buNone/>
-              <a:tabLst/>
-              <a:defRPr/>
-            </a:pPr>
-            <a:endParaRPr kumimoji="0" lang="en-US" sz="1800" b="0" i="0" u="none" strike="noStrike" kern="1200" cap="none" spc="0" normalizeH="0" baseline="0" noProof="0" dirty="0">
-              <a:ln>
-                <a:noFill/>
-              </a:ln>
-              <a:solidFill>
-                <a:prstClr val="white"/>
-              </a:solidFill>
-              <a:effectLst/>
-              <a:uLnTx/>
-              <a:uFillTx/>
-              <a:latin typeface="Calibri" panose="020F0502020204030204"/>
-              <a:ea typeface="+mn-ea"/>
-              <a:cs typeface="+mn-cs"/>
-            </a:endParaRPr>
-          </a:p>
-        </p:txBody>
-      </p:sp>
-      <p:sp>
-        <p:nvSpPr>
-          <p:cNvPr id="13" name="Rectangle: Rounded Corners 4">
-            <a:extLst>
-              <a:ext uri="{FF2B5EF4-FFF2-40B4-BE49-F238E27FC236}">
-                <a16:creationId xmlns:a16="http://schemas.microsoft.com/office/drawing/2014/main" id="{F7079086-CBDF-49D9-9632-C9DB366BAEA3}"/>
-              </a:ext>
-            </a:extLst>
-          </p:cNvPr>
-          <p:cNvSpPr txBox="1"/>
-          <p:nvPr/>
-        </p:nvSpPr>
-        <p:spPr>
-          <a:xfrm>
-            <a:off x="6863492" y="3051674"/>
-            <a:ext cx="2399607" cy="984976"/>
-          </a:xfrm>
-          <a:prstGeom prst="rect">
-            <a:avLst/>
-          </a:prstGeom>
-        </p:spPr>
-        <p:style>
-          <a:lnRef idx="0">
-            <a:scrgbClr r="0" g="0" b="0"/>
-          </a:lnRef>
-          <a:fillRef idx="0">
-            <a:scrgbClr r="0" g="0" b="0"/>
-          </a:fillRef>
-          <a:effectRef idx="0">
-            <a:scrgbClr r="0" g="0" b="0"/>
-          </a:effectRef>
-          <a:fontRef idx="minor">
-            <a:schemeClr val="lt1"/>
-          </a:fontRef>
-        </p:style>
-        <p:txBody>
-          <a:bodyPr spcFirstLastPara="0" vert="horz" wrap="square" lIns="129540" tIns="129540" rIns="129540" bIns="129540" numCol="1" spcCol="1270" anchor="ctr" anchorCtr="0">
-            <a:noAutofit/>
-          </a:bodyPr>
-          <a:lstStyle/>
-          <a:p>
-            <a:pPr marL="0" marR="0" lvl="0" indent="0" algn="ctr" defTabSz="1511300" rtl="0" eaLnBrk="1" fontAlgn="auto" latinLnBrk="0" hangingPunct="1">
-              <a:lnSpc>
-                <a:spcPct val="90000"/>
-              </a:lnSpc>
-              <a:spcBef>
-                <a:spcPct val="0"/>
-              </a:spcBef>
-              <a:spcAft>
-                <a:spcPct val="35000"/>
-              </a:spcAft>
-              <a:buClrTx/>
-              <a:buSzTx/>
-              <a:buFontTx/>
-              <a:buNone/>
-              <a:tabLst/>
-              <a:defRPr/>
-            </a:pPr>
-            <a:r>
-              <a:rPr kumimoji="0" lang="en-US" sz="2800" b="1" i="0" u="none" strike="noStrike" kern="1200" cap="none" spc="0" normalizeH="0" baseline="0" noProof="0" dirty="0">
-                <a:ln>
-                  <a:noFill/>
-                </a:ln>
-                <a:solidFill>
-                  <a:prstClr val="white"/>
-                </a:solidFill>
-                <a:effectLst>
-                  <a:outerShdw blurRad="38100" dist="38100" dir="2700000" algn="tl">
-                    <a:srgbClr val="000000">
-                      <a:alpha val="43137"/>
-                    </a:srgbClr>
-                  </a:outerShdw>
-                </a:effectLst>
-                <a:uLnTx/>
-                <a:uFillTx/>
-                <a:latin typeface="Questrial" panose="02000000000000000000"/>
-                <a:ea typeface="+mn-ea"/>
-                <a:cs typeface="+mn-cs"/>
-              </a:rPr>
-              <a:t>JUNCTION TABLE</a:t>
-            </a:r>
-            <a:endParaRPr kumimoji="0" lang="en-US" sz="2800" b="0" i="0" u="none" strike="noStrike" kern="1200" cap="none" spc="0" normalizeH="0" baseline="0" noProof="0" dirty="0">
-              <a:ln>
-                <a:noFill/>
-              </a:ln>
-              <a:solidFill>
-                <a:prstClr val="white"/>
-              </a:solidFill>
-              <a:effectLst/>
-              <a:uLnTx/>
-              <a:uFillTx/>
-              <a:latin typeface="Questrial" panose="02000000000000000000"/>
-              <a:ea typeface="+mn-ea"/>
-              <a:cs typeface="+mn-cs"/>
-            </a:endParaRPr>
-          </a:p>
-        </p:txBody>
-      </p:sp>
-    </p:spTree>
-    <p:extLst>
-      <p:ext uri="{BB962C8B-B14F-4D97-AF65-F5344CB8AC3E}">
-        <p14:creationId xmlns:p14="http://schemas.microsoft.com/office/powerpoint/2010/main" val="3822898914"/>
       </p:ext>
     </p:extLst>
   </p:cSld>
